--- a/projectB/day07/slides/Day7_slides.pptx
+++ b/projectB/day07/slides/Day7_slides.pptx
@@ -1,41 +1,48 @@
 
 <file path=ppt/presentation.xml><?xml version="1.0" encoding="utf-8"?>
-<p:presentation xmlns:a="http://schemas.openxmlformats.org/drawingml/2006/main" xmlns:r="http://schemas.openxmlformats.org/officeDocument/2006/relationships" xmlns:mc="http://schemas.openxmlformats.org/markup-compatibility/2006" xmlns:mv="urn:schemas-microsoft-com:mac:vml" xmlns:p="http://schemas.openxmlformats.org/presentationml/2006/main" xmlns:c="http://schemas.openxmlformats.org/drawingml/2006/chart" xmlns:dgm="http://schemas.openxmlformats.org/drawingml/2006/diagram" xmlns:o="urn:schemas-microsoft-com:office:office" xmlns:v="urn:schemas-microsoft-com:vml" xmlns:pvml="urn:schemas-microsoft-com:office:powerpoint" xmlns:com="http://schemas.openxmlformats.org/drawingml/2006/compatibility" xmlns:p14="http://schemas.microsoft.com/office/powerpoint/2010/main" xmlns:p15="http://schemas.microsoft.com/office/powerpoint/2012/main" xmlns:ahyp="http://schemas.microsoft.com/office/drawing/2018/hyperlinkcolor" autoCompressPictures="0" embedTrueTypeFonts="1" strictFirstAndLastChars="0" saveSubsetFonts="1">
+<p:presentation xmlns:a="http://schemas.openxmlformats.org/drawingml/2006/main" xmlns:r="http://schemas.openxmlformats.org/officeDocument/2006/relationships" xmlns:p="http://schemas.openxmlformats.org/presentationml/2006/main" strictFirstAndLastChars="0" embedTrueTypeFonts="1" saveSubsetFonts="1" autoCompressPictures="0">
   <p:sldMasterIdLst>
-    <p:sldMasterId id="2147483659" r:id="rId4"/>
+    <p:sldMasterId id="2147483659" r:id="rId1"/>
   </p:sldMasterIdLst>
   <p:notesMasterIdLst>
-    <p:notesMasterId r:id="rId5"/>
+    <p:notesMasterId r:id="rId16"/>
   </p:notesMasterIdLst>
   <p:sldIdLst>
-    <p:sldId id="256" r:id="rId6"/>
-    <p:sldId id="257" r:id="rId7"/>
-    <p:sldId id="258" r:id="rId8"/>
-    <p:sldId id="259" r:id="rId9"/>
-    <p:sldId id="260" r:id="rId10"/>
-    <p:sldId id="261" r:id="rId11"/>
-    <p:sldId id="262" r:id="rId12"/>
-    <p:sldId id="263" r:id="rId13"/>
-    <p:sldId id="264" r:id="rId14"/>
-    <p:sldId id="265" r:id="rId15"/>
-    <p:sldId id="266" r:id="rId16"/>
-    <p:sldId id="267" r:id="rId17"/>
-    <p:sldId id="268" r:id="rId18"/>
-    <p:sldId id="269" r:id="rId19"/>
+    <p:sldId id="256" r:id="rId2"/>
+    <p:sldId id="257" r:id="rId3"/>
+    <p:sldId id="258" r:id="rId4"/>
+    <p:sldId id="259" r:id="rId5"/>
+    <p:sldId id="260" r:id="rId6"/>
+    <p:sldId id="261" r:id="rId7"/>
+    <p:sldId id="262" r:id="rId8"/>
+    <p:sldId id="263" r:id="rId9"/>
+    <p:sldId id="264" r:id="rId10"/>
+    <p:sldId id="265" r:id="rId11"/>
+    <p:sldId id="266" r:id="rId12"/>
+    <p:sldId id="267" r:id="rId13"/>
+    <p:sldId id="268" r:id="rId14"/>
+    <p:sldId id="269" r:id="rId15"/>
   </p:sldIdLst>
-  <p:sldSz cy="5143500" cx="9144000"/>
+  <p:sldSz cx="9144000" cy="5143500" type="screen16x9"/>
   <p:notesSz cx="6858000" cy="9144000"/>
   <p:embeddedFontLst>
     <p:embeddedFont>
-      <p:font typeface="Helvetica Neue"/>
-      <p:regular r:id="rId20"/>
-      <p:bold r:id="rId21"/>
-      <p:italic r:id="rId22"/>
-      <p:boldItalic r:id="rId23"/>
+      <p:font typeface="Consolas" panose="020B0609020204030204" pitchFamily="49" charset="0"/>
+      <p:regular r:id="rId17"/>
+      <p:bold r:id="rId18"/>
+      <p:italic r:id="rId19"/>
+      <p:boldItalic r:id="rId20"/>
+    </p:embeddedFont>
+    <p:embeddedFont>
+      <p:font typeface="Helvetica Neue" panose="02000503000000020004" pitchFamily="2" charset="0"/>
+      <p:regular r:id="rId21"/>
+      <p:bold r:id="rId22"/>
+      <p:italic r:id="rId23"/>
+      <p:boldItalic r:id="rId24"/>
     </p:embeddedFont>
   </p:embeddedFontLst>
   <p:defaultTextStyle>
-    <a:defPPr lvl="0" marR="0" rtl="0" algn="l">
+    <a:defPPr marR="0" lvl="0" algn="l" rtl="0">
       <a:lnSpc>
         <a:spcPct val="100000"/>
       </a:lnSpc>
@@ -46,7 +53,7 @@
         <a:spcPts val="0"/>
       </a:spcAft>
     </a:defPPr>
-    <a:lvl1pPr lvl="0" marR="0" rtl="0" algn="l">
+    <a:lvl1pPr marR="0" lvl="0" algn="l" rtl="0">
       <a:lnSpc>
         <a:spcPct val="100000"/>
       </a:lnSpc>
@@ -60,7 +67,7 @@
         <a:srgbClr val="000000"/>
       </a:buClr>
       <a:buFont typeface="Arial"/>
-      <a:defRPr b="0" i="0" sz="1400" u="none" cap="none" strike="noStrike">
+      <a:defRPr sz="1400" b="0" i="0" u="none" strike="noStrike" cap="none">
         <a:solidFill>
           <a:srgbClr val="000000"/>
         </a:solidFill>
@@ -70,7 +77,7 @@
         <a:sym typeface="Arial"/>
       </a:defRPr>
     </a:lvl1pPr>
-    <a:lvl2pPr lvl="1" marR="0" rtl="0" algn="l">
+    <a:lvl2pPr marR="0" lvl="1" algn="l" rtl="0">
       <a:lnSpc>
         <a:spcPct val="100000"/>
       </a:lnSpc>
@@ -84,7 +91,7 @@
         <a:srgbClr val="000000"/>
       </a:buClr>
       <a:buFont typeface="Arial"/>
-      <a:defRPr b="0" i="0" sz="1400" u="none" cap="none" strike="noStrike">
+      <a:defRPr sz="1400" b="0" i="0" u="none" strike="noStrike" cap="none">
         <a:solidFill>
           <a:srgbClr val="000000"/>
         </a:solidFill>
@@ -94,7 +101,7 @@
         <a:sym typeface="Arial"/>
       </a:defRPr>
     </a:lvl2pPr>
-    <a:lvl3pPr lvl="2" marR="0" rtl="0" algn="l">
+    <a:lvl3pPr marR="0" lvl="2" algn="l" rtl="0">
       <a:lnSpc>
         <a:spcPct val="100000"/>
       </a:lnSpc>
@@ -108,7 +115,7 @@
         <a:srgbClr val="000000"/>
       </a:buClr>
       <a:buFont typeface="Arial"/>
-      <a:defRPr b="0" i="0" sz="1400" u="none" cap="none" strike="noStrike">
+      <a:defRPr sz="1400" b="0" i="0" u="none" strike="noStrike" cap="none">
         <a:solidFill>
           <a:srgbClr val="000000"/>
         </a:solidFill>
@@ -118,7 +125,7 @@
         <a:sym typeface="Arial"/>
       </a:defRPr>
     </a:lvl3pPr>
-    <a:lvl4pPr lvl="3" marR="0" rtl="0" algn="l">
+    <a:lvl4pPr marR="0" lvl="3" algn="l" rtl="0">
       <a:lnSpc>
         <a:spcPct val="100000"/>
       </a:lnSpc>
@@ -132,7 +139,7 @@
         <a:srgbClr val="000000"/>
       </a:buClr>
       <a:buFont typeface="Arial"/>
-      <a:defRPr b="0" i="0" sz="1400" u="none" cap="none" strike="noStrike">
+      <a:defRPr sz="1400" b="0" i="0" u="none" strike="noStrike" cap="none">
         <a:solidFill>
           <a:srgbClr val="000000"/>
         </a:solidFill>
@@ -142,7 +149,7 @@
         <a:sym typeface="Arial"/>
       </a:defRPr>
     </a:lvl4pPr>
-    <a:lvl5pPr lvl="4" marR="0" rtl="0" algn="l">
+    <a:lvl5pPr marR="0" lvl="4" algn="l" rtl="0">
       <a:lnSpc>
         <a:spcPct val="100000"/>
       </a:lnSpc>
@@ -156,7 +163,7 @@
         <a:srgbClr val="000000"/>
       </a:buClr>
       <a:buFont typeface="Arial"/>
-      <a:defRPr b="0" i="0" sz="1400" u="none" cap="none" strike="noStrike">
+      <a:defRPr sz="1400" b="0" i="0" u="none" strike="noStrike" cap="none">
         <a:solidFill>
           <a:srgbClr val="000000"/>
         </a:solidFill>
@@ -166,7 +173,7 @@
         <a:sym typeface="Arial"/>
       </a:defRPr>
     </a:lvl5pPr>
-    <a:lvl6pPr lvl="5" marR="0" rtl="0" algn="l">
+    <a:lvl6pPr marR="0" lvl="5" algn="l" rtl="0">
       <a:lnSpc>
         <a:spcPct val="100000"/>
       </a:lnSpc>
@@ -180,7 +187,7 @@
         <a:srgbClr val="000000"/>
       </a:buClr>
       <a:buFont typeface="Arial"/>
-      <a:defRPr b="0" i="0" sz="1400" u="none" cap="none" strike="noStrike">
+      <a:defRPr sz="1400" b="0" i="0" u="none" strike="noStrike" cap="none">
         <a:solidFill>
           <a:srgbClr val="000000"/>
         </a:solidFill>
@@ -190,7 +197,7 @@
         <a:sym typeface="Arial"/>
       </a:defRPr>
     </a:lvl6pPr>
-    <a:lvl7pPr lvl="6" marR="0" rtl="0" algn="l">
+    <a:lvl7pPr marR="0" lvl="6" algn="l" rtl="0">
       <a:lnSpc>
         <a:spcPct val="100000"/>
       </a:lnSpc>
@@ -204,7 +211,7 @@
         <a:srgbClr val="000000"/>
       </a:buClr>
       <a:buFont typeface="Arial"/>
-      <a:defRPr b="0" i="0" sz="1400" u="none" cap="none" strike="noStrike">
+      <a:defRPr sz="1400" b="0" i="0" u="none" strike="noStrike" cap="none">
         <a:solidFill>
           <a:srgbClr val="000000"/>
         </a:solidFill>
@@ -214,7 +221,7 @@
         <a:sym typeface="Arial"/>
       </a:defRPr>
     </a:lvl7pPr>
-    <a:lvl8pPr lvl="7" marR="0" rtl="0" algn="l">
+    <a:lvl8pPr marR="0" lvl="7" algn="l" rtl="0">
       <a:lnSpc>
         <a:spcPct val="100000"/>
       </a:lnSpc>
@@ -228,7 +235,7 @@
         <a:srgbClr val="000000"/>
       </a:buClr>
       <a:buFont typeface="Arial"/>
-      <a:defRPr b="0" i="0" sz="1400" u="none" cap="none" strike="noStrike">
+      <a:defRPr sz="1400" b="0" i="0" u="none" strike="noStrike" cap="none">
         <a:solidFill>
           <a:srgbClr val="000000"/>
         </a:solidFill>
@@ -238,7 +245,7 @@
         <a:sym typeface="Arial"/>
       </a:defRPr>
     </a:lvl8pPr>
-    <a:lvl9pPr lvl="8" marR="0" rtl="0" algn="l">
+    <a:lvl9pPr marR="0" lvl="8" algn="l" rtl="0">
       <a:lnSpc>
         <a:spcPct val="100000"/>
       </a:lnSpc>
@@ -252,7 +259,7 @@
         <a:srgbClr val="000000"/>
       </a:buClr>
       <a:buFont typeface="Arial"/>
-      <a:defRPr b="0" i="0" sz="1400" u="none" cap="none" strike="noStrike">
+      <a:defRPr sz="1400" b="0" i="0" u="none" strike="noStrike" cap="none">
         <a:solidFill>
           <a:srgbClr val="000000"/>
         </a:solidFill>
@@ -265,7 +272,7 @@
   </p:defaultTextStyle>
   <p:extLst>
     <p:ext uri="{EFAFB233-063F-42B5-8137-9DF3F51BA10A}">
-      <p15:sldGuideLst>
+      <p15:sldGuideLst xmlns:p15="http://schemas.microsoft.com/office/powerpoint/2012/main">
         <p15:guide id="1" orient="horz" pos="1620">
           <p15:clr>
             <a:srgbClr val="747775"/>
@@ -283,11 +290,16 @@
 </file>
 
 <file path=ppt/notesMasters/notesMaster1.xml><?xml version="1.0" encoding="utf-8"?>
-<p:notesMaster xmlns:a="http://schemas.openxmlformats.org/drawingml/2006/main" xmlns:r="http://schemas.openxmlformats.org/officeDocument/2006/relationships" xmlns:mc="http://schemas.openxmlformats.org/markup-compatibility/2006" xmlns:mv="urn:schemas-microsoft-com:mac:vml" xmlns:p="http://schemas.openxmlformats.org/presentationml/2006/main" xmlns:c="http://schemas.openxmlformats.org/drawingml/2006/chart" xmlns:dgm="http://schemas.openxmlformats.org/drawingml/2006/diagram" xmlns:o="urn:schemas-microsoft-com:office:office" xmlns:v="urn:schemas-microsoft-com:vml" xmlns:pvml="urn:schemas-microsoft-com:office:powerpoint" xmlns:com="http://schemas.openxmlformats.org/drawingml/2006/compatibility" xmlns:p14="http://schemas.microsoft.com/office/powerpoint/2010/main" xmlns:p15="http://schemas.microsoft.com/office/powerpoint/2012/main" xmlns:ahyp="http://schemas.microsoft.com/office/drawing/2018/hyperlinkcolor">
+<p:notesMaster xmlns:a="http://schemas.openxmlformats.org/drawingml/2006/main" xmlns:r="http://schemas.openxmlformats.org/officeDocument/2006/relationships" xmlns:p="http://schemas.openxmlformats.org/presentationml/2006/main">
   <p:cSld>
+    <p:bg>
+      <p:bgRef idx="1001">
+        <a:schemeClr val="bg1"/>
+      </p:bgRef>
+    </p:bg>
     <p:spTree>
       <p:nvGrpSpPr>
-        <p:cNvPr id="2" name="Shape 2"/>
+        <p:cNvPr id="1" name="Shape 2"/>
         <p:cNvGrpSpPr/>
         <p:nvPr/>
       </p:nvGrpSpPr>
@@ -302,9 +314,11 @@
       <p:sp>
         <p:nvSpPr>
           <p:cNvPr id="3" name="Google Shape;3;n"/>
-          <p:cNvSpPr/>
+          <p:cNvSpPr>
+            <a:spLocks noGrp="1" noRot="1" noChangeAspect="1"/>
+          </p:cNvSpPr>
           <p:nvPr>
-            <p:ph idx="2" type="sldImg"/>
+            <p:ph type="sldImg" idx="2"/>
           </p:nvPr>
         </p:nvSpPr>
         <p:spPr>
@@ -313,9 +327,13 @@
             <a:ext cx="6096075" cy="3429000"/>
           </a:xfrm>
           <a:custGeom>
-            <a:rect b="b" l="l" r="r" t="t"/>
+            <a:avLst/>
+            <a:gdLst/>
+            <a:ahLst/>
+            <a:cxnLst/>
+            <a:rect l="l" t="t" r="r" b="b"/>
             <a:pathLst>
-              <a:path extrusionOk="0" h="120000" w="120000">
+              <a:path w="120000" h="120000" extrusionOk="0">
                 <a:moveTo>
                   <a:pt x="0" y="0"/>
                 </a:moveTo>
@@ -333,23 +351,25 @@
             </a:pathLst>
           </a:custGeom>
           <a:noFill/>
-          <a:ln cap="flat" cmpd="sng" w="9525">
+          <a:ln w="9525" cap="flat" cmpd="sng">
             <a:solidFill>
               <a:srgbClr val="000000"/>
             </a:solidFill>
             <a:prstDash val="solid"/>
             <a:round/>
-            <a:headEnd len="sm" w="sm" type="none"/>
-            <a:tailEnd len="sm" w="sm" type="none"/>
+            <a:headEnd type="none" w="sm" len="sm"/>
+            <a:tailEnd type="none" w="sm" len="sm"/>
           </a:ln>
         </p:spPr>
       </p:sp>
       <p:sp>
         <p:nvSpPr>
           <p:cNvPr id="4" name="Google Shape;4;n"/>
-          <p:cNvSpPr txBox="1"/>
+          <p:cNvSpPr txBox="1">
+            <a:spLocks noGrp="1"/>
+          </p:cNvSpPr>
           <p:nvPr>
-            <p:ph idx="1" type="body"/>
+            <p:ph type="body" idx="1"/>
           </p:nvPr>
         </p:nvSpPr>
         <p:spPr>
@@ -366,11 +386,11 @@
           </a:ln>
         </p:spPr>
         <p:txBody>
-          <a:bodyPr anchorCtr="0" anchor="t" bIns="91425" lIns="91425" spcFirstLastPara="1" rIns="91425" wrap="square" tIns="91425">
+          <a:bodyPr spcFirstLastPara="1" wrap="square" lIns="91425" tIns="91425" rIns="91425" bIns="91425" anchor="t" anchorCtr="0">
             <a:noAutofit/>
           </a:bodyPr>
           <a:lstStyle>
-            <a:lvl1pPr indent="-298450" lvl="0" marL="457200">
+            <a:lvl1pPr marL="457200" lvl="0" indent="-298450">
               <a:spcBef>
                 <a:spcPts val="0"/>
               </a:spcBef>
@@ -381,7 +401,7 @@
               <a:buChar char="●"/>
               <a:defRPr sz="1100"/>
             </a:lvl1pPr>
-            <a:lvl2pPr indent="-298450" lvl="1" marL="914400">
+            <a:lvl2pPr marL="914400" lvl="1" indent="-298450">
               <a:spcBef>
                 <a:spcPts val="0"/>
               </a:spcBef>
@@ -392,7 +412,7 @@
               <a:buChar char="○"/>
               <a:defRPr sz="1100"/>
             </a:lvl2pPr>
-            <a:lvl3pPr indent="-298450" lvl="2" marL="1371600">
+            <a:lvl3pPr marL="1371600" lvl="2" indent="-298450">
               <a:spcBef>
                 <a:spcPts val="0"/>
               </a:spcBef>
@@ -403,7 +423,7 @@
               <a:buChar char="■"/>
               <a:defRPr sz="1100"/>
             </a:lvl3pPr>
-            <a:lvl4pPr indent="-298450" lvl="3" marL="1828800">
+            <a:lvl4pPr marL="1828800" lvl="3" indent="-298450">
               <a:spcBef>
                 <a:spcPts val="0"/>
               </a:spcBef>
@@ -414,7 +434,7 @@
               <a:buChar char="●"/>
               <a:defRPr sz="1100"/>
             </a:lvl4pPr>
-            <a:lvl5pPr indent="-298450" lvl="4" marL="2286000">
+            <a:lvl5pPr marL="2286000" lvl="4" indent="-298450">
               <a:spcBef>
                 <a:spcPts val="0"/>
               </a:spcBef>
@@ -425,7 +445,7 @@
               <a:buChar char="○"/>
               <a:defRPr sz="1100"/>
             </a:lvl5pPr>
-            <a:lvl6pPr indent="-298450" lvl="5" marL="2743200">
+            <a:lvl6pPr marL="2743200" lvl="5" indent="-298450">
               <a:spcBef>
                 <a:spcPts val="0"/>
               </a:spcBef>
@@ -436,7 +456,7 @@
               <a:buChar char="■"/>
               <a:defRPr sz="1100"/>
             </a:lvl6pPr>
-            <a:lvl7pPr indent="-298450" lvl="6" marL="3200400">
+            <a:lvl7pPr marL="3200400" lvl="6" indent="-298450">
               <a:spcBef>
                 <a:spcPts val="0"/>
               </a:spcBef>
@@ -447,7 +467,7 @@
               <a:buChar char="●"/>
               <a:defRPr sz="1100"/>
             </a:lvl7pPr>
-            <a:lvl8pPr indent="-298450" lvl="7" marL="3657600">
+            <a:lvl8pPr marL="3657600" lvl="7" indent="-298450">
               <a:spcBef>
                 <a:spcPts val="0"/>
               </a:spcBef>
@@ -458,7 +478,7 @@
               <a:buChar char="○"/>
               <a:defRPr sz="1100"/>
             </a:lvl8pPr>
-            <a:lvl9pPr indent="-298450" lvl="8" marL="4114800">
+            <a:lvl9pPr marL="4114800" lvl="8" indent="-298450">
               <a:spcBef>
                 <a:spcPts val="0"/>
               </a:spcBef>
@@ -470,14 +490,16 @@
               <a:defRPr sz="1100"/>
             </a:lvl9pPr>
           </a:lstStyle>
-          <a:p/>
+          <a:p>
+            <a:endParaRPr/>
+          </a:p>
         </p:txBody>
       </p:sp>
     </p:spTree>
   </p:cSld>
-  <p:clrMap accent1="accent1" accent2="accent2" accent3="accent3" accent4="accent4" accent5="accent5" accent6="accent6" bg1="lt1" bg2="dk2" tx1="dk1" tx2="lt2" folHlink="folHlink" hlink="hlink"/>
+  <p:clrMap bg1="lt1" tx1="dk1" bg2="dk2" tx2="lt2" accent1="accent1" accent2="accent2" accent3="accent3" accent4="accent4" accent5="accent5" accent6="accent6" hlink="hlink" folHlink="folHlink"/>
   <p:notesStyle>
-    <a:defPPr lvl="0" marR="0" rtl="0" algn="l">
+    <a:defPPr marR="0" lvl="0" algn="l" rtl="0">
       <a:lnSpc>
         <a:spcPct val="100000"/>
       </a:lnSpc>
@@ -488,7 +510,7 @@
         <a:spcPts val="0"/>
       </a:spcAft>
     </a:defPPr>
-    <a:lvl1pPr lvl="0" marR="0" rtl="0" algn="l">
+    <a:lvl1pPr marR="0" lvl="0" algn="l" rtl="0">
       <a:lnSpc>
         <a:spcPct val="100000"/>
       </a:lnSpc>
@@ -502,7 +524,7 @@
         <a:srgbClr val="000000"/>
       </a:buClr>
       <a:buFont typeface="Arial"/>
-      <a:defRPr b="0" i="0" sz="1400" u="none" cap="none" strike="noStrike">
+      <a:defRPr sz="1400" b="0" i="0" u="none" strike="noStrike" cap="none">
         <a:solidFill>
           <a:srgbClr val="000000"/>
         </a:solidFill>
@@ -512,7 +534,7 @@
         <a:sym typeface="Arial"/>
       </a:defRPr>
     </a:lvl1pPr>
-    <a:lvl2pPr lvl="1" marR="0" rtl="0" algn="l">
+    <a:lvl2pPr marR="0" lvl="1" algn="l" rtl="0">
       <a:lnSpc>
         <a:spcPct val="100000"/>
       </a:lnSpc>
@@ -526,7 +548,7 @@
         <a:srgbClr val="000000"/>
       </a:buClr>
       <a:buFont typeface="Arial"/>
-      <a:defRPr b="0" i="0" sz="1400" u="none" cap="none" strike="noStrike">
+      <a:defRPr sz="1400" b="0" i="0" u="none" strike="noStrike" cap="none">
         <a:solidFill>
           <a:srgbClr val="000000"/>
         </a:solidFill>
@@ -536,7 +558,7 @@
         <a:sym typeface="Arial"/>
       </a:defRPr>
     </a:lvl2pPr>
-    <a:lvl3pPr lvl="2" marR="0" rtl="0" algn="l">
+    <a:lvl3pPr marR="0" lvl="2" algn="l" rtl="0">
       <a:lnSpc>
         <a:spcPct val="100000"/>
       </a:lnSpc>
@@ -550,7 +572,7 @@
         <a:srgbClr val="000000"/>
       </a:buClr>
       <a:buFont typeface="Arial"/>
-      <a:defRPr b="0" i="0" sz="1400" u="none" cap="none" strike="noStrike">
+      <a:defRPr sz="1400" b="0" i="0" u="none" strike="noStrike" cap="none">
         <a:solidFill>
           <a:srgbClr val="000000"/>
         </a:solidFill>
@@ -560,7 +582,7 @@
         <a:sym typeface="Arial"/>
       </a:defRPr>
     </a:lvl3pPr>
-    <a:lvl4pPr lvl="3" marR="0" rtl="0" algn="l">
+    <a:lvl4pPr marR="0" lvl="3" algn="l" rtl="0">
       <a:lnSpc>
         <a:spcPct val="100000"/>
       </a:lnSpc>
@@ -574,7 +596,7 @@
         <a:srgbClr val="000000"/>
       </a:buClr>
       <a:buFont typeface="Arial"/>
-      <a:defRPr b="0" i="0" sz="1400" u="none" cap="none" strike="noStrike">
+      <a:defRPr sz="1400" b="0" i="0" u="none" strike="noStrike" cap="none">
         <a:solidFill>
           <a:srgbClr val="000000"/>
         </a:solidFill>
@@ -584,7 +606,7 @@
         <a:sym typeface="Arial"/>
       </a:defRPr>
     </a:lvl4pPr>
-    <a:lvl5pPr lvl="4" marR="0" rtl="0" algn="l">
+    <a:lvl5pPr marR="0" lvl="4" algn="l" rtl="0">
       <a:lnSpc>
         <a:spcPct val="100000"/>
       </a:lnSpc>
@@ -598,7 +620,7 @@
         <a:srgbClr val="000000"/>
       </a:buClr>
       <a:buFont typeface="Arial"/>
-      <a:defRPr b="0" i="0" sz="1400" u="none" cap="none" strike="noStrike">
+      <a:defRPr sz="1400" b="0" i="0" u="none" strike="noStrike" cap="none">
         <a:solidFill>
           <a:srgbClr val="000000"/>
         </a:solidFill>
@@ -608,7 +630,7 @@
         <a:sym typeface="Arial"/>
       </a:defRPr>
     </a:lvl5pPr>
-    <a:lvl6pPr lvl="5" marR="0" rtl="0" algn="l">
+    <a:lvl6pPr marR="0" lvl="5" algn="l" rtl="0">
       <a:lnSpc>
         <a:spcPct val="100000"/>
       </a:lnSpc>
@@ -622,7 +644,7 @@
         <a:srgbClr val="000000"/>
       </a:buClr>
       <a:buFont typeface="Arial"/>
-      <a:defRPr b="0" i="0" sz="1400" u="none" cap="none" strike="noStrike">
+      <a:defRPr sz="1400" b="0" i="0" u="none" strike="noStrike" cap="none">
         <a:solidFill>
           <a:srgbClr val="000000"/>
         </a:solidFill>
@@ -632,7 +654,7 @@
         <a:sym typeface="Arial"/>
       </a:defRPr>
     </a:lvl6pPr>
-    <a:lvl7pPr lvl="6" marR="0" rtl="0" algn="l">
+    <a:lvl7pPr marR="0" lvl="6" algn="l" rtl="0">
       <a:lnSpc>
         <a:spcPct val="100000"/>
       </a:lnSpc>
@@ -646,7 +668,7 @@
         <a:srgbClr val="000000"/>
       </a:buClr>
       <a:buFont typeface="Arial"/>
-      <a:defRPr b="0" i="0" sz="1400" u="none" cap="none" strike="noStrike">
+      <a:defRPr sz="1400" b="0" i="0" u="none" strike="noStrike" cap="none">
         <a:solidFill>
           <a:srgbClr val="000000"/>
         </a:solidFill>
@@ -656,7 +678,7 @@
         <a:sym typeface="Arial"/>
       </a:defRPr>
     </a:lvl7pPr>
-    <a:lvl8pPr lvl="7" marR="0" rtl="0" algn="l">
+    <a:lvl8pPr marR="0" lvl="7" algn="l" rtl="0">
       <a:lnSpc>
         <a:spcPct val="100000"/>
       </a:lnSpc>
@@ -670,7 +692,7 @@
         <a:srgbClr val="000000"/>
       </a:buClr>
       <a:buFont typeface="Arial"/>
-      <a:defRPr b="0" i="0" sz="1400" u="none" cap="none" strike="noStrike">
+      <a:defRPr sz="1400" b="0" i="0" u="none" strike="noStrike" cap="none">
         <a:solidFill>
           <a:srgbClr val="000000"/>
         </a:solidFill>
@@ -680,7 +702,7 @@
         <a:sym typeface="Arial"/>
       </a:defRPr>
     </a:lvl8pPr>
-    <a:lvl9pPr lvl="8" marR="0" rtl="0" algn="l">
+    <a:lvl9pPr marR="0" lvl="8" algn="l" rtl="0">
       <a:lnSpc>
         <a:spcPct val="100000"/>
       </a:lnSpc>
@@ -694,7 +716,7 @@
         <a:srgbClr val="000000"/>
       </a:buClr>
       <a:buFont typeface="Arial"/>
-      <a:defRPr b="0" i="0" sz="1400" u="none" cap="none" strike="noStrike">
+      <a:defRPr sz="1400" b="0" i="0" u="none" strike="noStrike" cap="none">
         <a:solidFill>
           <a:srgbClr val="000000"/>
         </a:solidFill>
@@ -709,11 +731,11 @@
 </file>
 
 <file path=ppt/notesSlides/notesSlide1.xml><?xml version="1.0" encoding="utf-8"?>
-<p:notes xmlns:a="http://schemas.openxmlformats.org/drawingml/2006/main" xmlns:r="http://schemas.openxmlformats.org/officeDocument/2006/relationships" xmlns:mc="http://schemas.openxmlformats.org/markup-compatibility/2006" xmlns:mv="urn:schemas-microsoft-com:mac:vml" xmlns:p="http://schemas.openxmlformats.org/presentationml/2006/main" xmlns:c="http://schemas.openxmlformats.org/drawingml/2006/chart" xmlns:dgm="http://schemas.openxmlformats.org/drawingml/2006/diagram" xmlns:o="urn:schemas-microsoft-com:office:office" xmlns:v="urn:schemas-microsoft-com:vml" xmlns:pvml="urn:schemas-microsoft-com:office:powerpoint" xmlns:com="http://schemas.openxmlformats.org/drawingml/2006/compatibility" xmlns:p14="http://schemas.microsoft.com/office/powerpoint/2010/main" xmlns:p15="http://schemas.microsoft.com/office/powerpoint/2012/main" xmlns:ahyp="http://schemas.microsoft.com/office/drawing/2018/hyperlinkcolor" showMasterPhAnim="0" showMasterSp="0">
+<p:notes xmlns:a="http://schemas.openxmlformats.org/drawingml/2006/main" xmlns:r="http://schemas.openxmlformats.org/officeDocument/2006/relationships" xmlns:p="http://schemas.openxmlformats.org/presentationml/2006/main" showMasterSp="0" showMasterPhAnim="0">
   <p:cSld>
     <p:spTree>
       <p:nvGrpSpPr>
-        <p:cNvPr id="50" name="Shape 50"/>
+        <p:cNvPr id="1" name="Shape 50"/>
         <p:cNvGrpSpPr/>
         <p:nvPr/>
       </p:nvGrpSpPr>
@@ -728,9 +750,11 @@
       <p:sp>
         <p:nvSpPr>
           <p:cNvPr id="51" name="Google Shape;51;g22ea25fd1ab_0_185:notes"/>
-          <p:cNvSpPr/>
+          <p:cNvSpPr>
+            <a:spLocks noGrp="1" noRot="1" noChangeAspect="1"/>
+          </p:cNvSpPr>
           <p:nvPr>
-            <p:ph idx="2" type="sldImg"/>
+            <p:ph type="sldImg" idx="2"/>
           </p:nvPr>
         </p:nvSpPr>
         <p:spPr>
@@ -739,9 +763,13 @@
             <a:ext cx="6096000" cy="3429000"/>
           </a:xfrm>
           <a:custGeom>
-            <a:rect b="b" l="l" r="r" t="t"/>
+            <a:avLst/>
+            <a:gdLst/>
+            <a:ahLst/>
+            <a:cxnLst/>
+            <a:rect l="l" t="t" r="r" b="b"/>
             <a:pathLst>
-              <a:path extrusionOk="0" h="120000" w="120000">
+              <a:path w="120000" h="120000" extrusionOk="0">
                 <a:moveTo>
                   <a:pt x="0" y="0"/>
                 </a:moveTo>
@@ -759,23 +787,25 @@
             </a:pathLst>
           </a:custGeom>
           <a:noFill/>
-          <a:ln cap="flat" cmpd="sng" w="9525">
+          <a:ln w="9525" cap="flat" cmpd="sng">
             <a:solidFill>
               <a:srgbClr val="000000"/>
             </a:solidFill>
             <a:prstDash val="solid"/>
             <a:round/>
-            <a:headEnd len="sm" w="sm" type="none"/>
-            <a:tailEnd len="sm" w="sm" type="none"/>
+            <a:headEnd type="none" w="sm" len="sm"/>
+            <a:tailEnd type="none" w="sm" len="sm"/>
           </a:ln>
         </p:spPr>
       </p:sp>
       <p:sp>
         <p:nvSpPr>
           <p:cNvPr id="52" name="Google Shape;52;g22ea25fd1ab_0_185:notes"/>
-          <p:cNvSpPr txBox="1"/>
+          <p:cNvSpPr txBox="1">
+            <a:spLocks noGrp="1"/>
+          </p:cNvSpPr>
           <p:nvPr>
-            <p:ph idx="1" type="body"/>
+            <p:ph type="body" idx="1"/>
           </p:nvPr>
         </p:nvSpPr>
         <p:spPr>
@@ -792,12 +822,12 @@
           </a:ln>
         </p:spPr>
         <p:txBody>
-          <a:bodyPr anchorCtr="0" anchor="t" bIns="91425" lIns="91425" spcFirstLastPara="1" rIns="91425" wrap="square" tIns="91425">
+          <a:bodyPr spcFirstLastPara="1" wrap="square" lIns="91425" tIns="91425" rIns="91425" bIns="91425" anchor="t" anchorCtr="0">
             <a:noAutofit/>
           </a:bodyPr>
           <a:lstStyle/>
           <a:p>
-            <a:pPr indent="0" lvl="0" marL="0" rtl="0" algn="l">
+            <a:pPr marL="0" lvl="0" indent="0" algn="l" rtl="0">
               <a:lnSpc>
                 <a:spcPct val="100000"/>
               </a:lnSpc>
@@ -810,9 +840,6 @@
               <a:buSzPts val="1100"/>
               <a:buNone/>
             </a:pPr>
-            <a:r>
-              <a:t/>
-            </a:r>
             <a:endParaRPr/>
           </a:p>
         </p:txBody>
@@ -826,11 +853,11 @@
 </file>
 
 <file path=ppt/notesSlides/notesSlide10.xml><?xml version="1.0" encoding="utf-8"?>
-<p:notes xmlns:a="http://schemas.openxmlformats.org/drawingml/2006/main" xmlns:r="http://schemas.openxmlformats.org/officeDocument/2006/relationships" xmlns:mc="http://schemas.openxmlformats.org/markup-compatibility/2006" xmlns:mv="urn:schemas-microsoft-com:mac:vml" xmlns:p="http://schemas.openxmlformats.org/presentationml/2006/main" xmlns:c="http://schemas.openxmlformats.org/drawingml/2006/chart" xmlns:dgm="http://schemas.openxmlformats.org/drawingml/2006/diagram" xmlns:o="urn:schemas-microsoft-com:office:office" xmlns:v="urn:schemas-microsoft-com:vml" xmlns:pvml="urn:schemas-microsoft-com:office:powerpoint" xmlns:com="http://schemas.openxmlformats.org/drawingml/2006/compatibility" xmlns:p14="http://schemas.microsoft.com/office/powerpoint/2010/main" xmlns:p15="http://schemas.microsoft.com/office/powerpoint/2012/main" xmlns:ahyp="http://schemas.microsoft.com/office/drawing/2018/hyperlinkcolor" showMasterPhAnim="0" showMasterSp="0">
+<p:notes xmlns:a="http://schemas.openxmlformats.org/drawingml/2006/main" xmlns:r="http://schemas.openxmlformats.org/officeDocument/2006/relationships" xmlns:p="http://schemas.openxmlformats.org/presentationml/2006/main" showMasterSp="0" showMasterPhAnim="0">
   <p:cSld>
     <p:spTree>
       <p:nvGrpSpPr>
-        <p:cNvPr id="123" name="Shape 123"/>
+        <p:cNvPr id="1" name="Shape 123"/>
         <p:cNvGrpSpPr/>
         <p:nvPr/>
       </p:nvGrpSpPr>
@@ -845,20 +872,26 @@
       <p:sp>
         <p:nvSpPr>
           <p:cNvPr id="124" name="Google Shape;124;g258956bab95_0_5:notes"/>
-          <p:cNvSpPr/>
+          <p:cNvSpPr>
+            <a:spLocks noGrp="1" noRot="1" noChangeAspect="1"/>
+          </p:cNvSpPr>
           <p:nvPr>
-            <p:ph idx="2" type="sldImg"/>
+            <p:ph type="sldImg" idx="2"/>
           </p:nvPr>
         </p:nvSpPr>
         <p:spPr>
           <a:xfrm>
-            <a:off x="381300" y="685800"/>
+            <a:off x="381000" y="685800"/>
             <a:ext cx="6096000" cy="3429000"/>
           </a:xfrm>
           <a:custGeom>
-            <a:rect b="b" l="l" r="r" t="t"/>
+            <a:avLst/>
+            <a:gdLst/>
+            <a:ahLst/>
+            <a:cxnLst/>
+            <a:rect l="l" t="t" r="r" b="b"/>
             <a:pathLst>
-              <a:path extrusionOk="0" h="120000" w="120000">
+              <a:path w="120000" h="120000" extrusionOk="0">
                 <a:moveTo>
                   <a:pt x="0" y="0"/>
                 </a:moveTo>
@@ -880,9 +913,11 @@
       <p:sp>
         <p:nvSpPr>
           <p:cNvPr id="125" name="Google Shape;125;g258956bab95_0_5:notes"/>
-          <p:cNvSpPr txBox="1"/>
+          <p:cNvSpPr txBox="1">
+            <a:spLocks noGrp="1"/>
+          </p:cNvSpPr>
           <p:nvPr>
-            <p:ph idx="1" type="body"/>
+            <p:ph type="body" idx="1"/>
           </p:nvPr>
         </p:nvSpPr>
         <p:spPr>
@@ -895,12 +930,12 @@
           </a:prstGeom>
         </p:spPr>
         <p:txBody>
-          <a:bodyPr anchorCtr="0" anchor="t" bIns="91425" lIns="91425" spcFirstLastPara="1" rIns="91425" wrap="square" tIns="91425">
+          <a:bodyPr spcFirstLastPara="1" wrap="square" lIns="91425" tIns="91425" rIns="91425" bIns="91425" anchor="t" anchorCtr="0">
             <a:noAutofit/>
           </a:bodyPr>
           <a:lstStyle/>
           <a:p>
-            <a:pPr indent="0" lvl="0" marL="0" rtl="0" algn="l">
+            <a:pPr marL="0" lvl="0" indent="0" algn="l" rtl="0">
               <a:spcBef>
                 <a:spcPts val="0"/>
               </a:spcBef>
@@ -909,9 +944,6 @@
               </a:spcAft>
               <a:buNone/>
             </a:pPr>
-            <a:r>
-              <a:t/>
-            </a:r>
             <a:endParaRPr/>
           </a:p>
         </p:txBody>
@@ -925,11 +957,11 @@
 </file>
 
 <file path=ppt/notesSlides/notesSlide11.xml><?xml version="1.0" encoding="utf-8"?>
-<p:notes xmlns:a="http://schemas.openxmlformats.org/drawingml/2006/main" xmlns:r="http://schemas.openxmlformats.org/officeDocument/2006/relationships" xmlns:mc="http://schemas.openxmlformats.org/markup-compatibility/2006" xmlns:mv="urn:schemas-microsoft-com:mac:vml" xmlns:p="http://schemas.openxmlformats.org/presentationml/2006/main" xmlns:c="http://schemas.openxmlformats.org/drawingml/2006/chart" xmlns:dgm="http://schemas.openxmlformats.org/drawingml/2006/diagram" xmlns:o="urn:schemas-microsoft-com:office:office" xmlns:v="urn:schemas-microsoft-com:vml" xmlns:pvml="urn:schemas-microsoft-com:office:powerpoint" xmlns:com="http://schemas.openxmlformats.org/drawingml/2006/compatibility" xmlns:p14="http://schemas.microsoft.com/office/powerpoint/2010/main" xmlns:p15="http://schemas.microsoft.com/office/powerpoint/2012/main" xmlns:ahyp="http://schemas.microsoft.com/office/drawing/2018/hyperlinkcolor" showMasterPhAnim="0" showMasterSp="0">
+<p:notes xmlns:a="http://schemas.openxmlformats.org/drawingml/2006/main" xmlns:r="http://schemas.openxmlformats.org/officeDocument/2006/relationships" xmlns:p="http://schemas.openxmlformats.org/presentationml/2006/main" showMasterSp="0" showMasterPhAnim="0">
   <p:cSld>
     <p:spTree>
       <p:nvGrpSpPr>
-        <p:cNvPr id="130" name="Shape 130"/>
+        <p:cNvPr id="1" name="Shape 130"/>
         <p:cNvGrpSpPr/>
         <p:nvPr/>
       </p:nvGrpSpPr>
@@ -944,20 +976,26 @@
       <p:sp>
         <p:nvSpPr>
           <p:cNvPr id="131" name="Google Shape;131;g22ea25fd1ab_0_152:notes"/>
-          <p:cNvSpPr/>
+          <p:cNvSpPr>
+            <a:spLocks noGrp="1" noRot="1" noChangeAspect="1"/>
+          </p:cNvSpPr>
           <p:nvPr>
-            <p:ph idx="2" type="sldImg"/>
+            <p:ph type="sldImg" idx="2"/>
           </p:nvPr>
         </p:nvSpPr>
         <p:spPr>
           <a:xfrm>
-            <a:off x="381300" y="685800"/>
+            <a:off x="381000" y="685800"/>
             <a:ext cx="6096000" cy="3429000"/>
           </a:xfrm>
           <a:custGeom>
-            <a:rect b="b" l="l" r="r" t="t"/>
+            <a:avLst/>
+            <a:gdLst/>
+            <a:ahLst/>
+            <a:cxnLst/>
+            <a:rect l="l" t="t" r="r" b="b"/>
             <a:pathLst>
-              <a:path extrusionOk="0" h="120000" w="120000">
+              <a:path w="120000" h="120000" extrusionOk="0">
                 <a:moveTo>
                   <a:pt x="0" y="0"/>
                 </a:moveTo>
@@ -979,9 +1017,11 @@
       <p:sp>
         <p:nvSpPr>
           <p:cNvPr id="132" name="Google Shape;132;g22ea25fd1ab_0_152:notes"/>
-          <p:cNvSpPr txBox="1"/>
+          <p:cNvSpPr txBox="1">
+            <a:spLocks noGrp="1"/>
+          </p:cNvSpPr>
           <p:nvPr>
-            <p:ph idx="1" type="body"/>
+            <p:ph type="body" idx="1"/>
           </p:nvPr>
         </p:nvSpPr>
         <p:spPr>
@@ -994,12 +1034,12 @@
           </a:prstGeom>
         </p:spPr>
         <p:txBody>
-          <a:bodyPr anchorCtr="0" anchor="t" bIns="91425" lIns="91425" spcFirstLastPara="1" rIns="91425" wrap="square" tIns="91425">
+          <a:bodyPr spcFirstLastPara="1" wrap="square" lIns="91425" tIns="91425" rIns="91425" bIns="91425" anchor="t" anchorCtr="0">
             <a:noAutofit/>
           </a:bodyPr>
           <a:lstStyle/>
           <a:p>
-            <a:pPr indent="0" lvl="0" marL="0" rtl="0" algn="l">
+            <a:pPr marL="0" lvl="0" indent="0" algn="l" rtl="0">
               <a:spcBef>
                 <a:spcPts val="0"/>
               </a:spcBef>
@@ -1008,9 +1048,6 @@
               </a:spcAft>
               <a:buNone/>
             </a:pPr>
-            <a:r>
-              <a:t/>
-            </a:r>
             <a:endParaRPr/>
           </a:p>
         </p:txBody>
@@ -1024,11 +1061,11 @@
 </file>
 
 <file path=ppt/notesSlides/notesSlide12.xml><?xml version="1.0" encoding="utf-8"?>
-<p:notes xmlns:a="http://schemas.openxmlformats.org/drawingml/2006/main" xmlns:r="http://schemas.openxmlformats.org/officeDocument/2006/relationships" xmlns:mc="http://schemas.openxmlformats.org/markup-compatibility/2006" xmlns:mv="urn:schemas-microsoft-com:mac:vml" xmlns:p="http://schemas.openxmlformats.org/presentationml/2006/main" xmlns:c="http://schemas.openxmlformats.org/drawingml/2006/chart" xmlns:dgm="http://schemas.openxmlformats.org/drawingml/2006/diagram" xmlns:o="urn:schemas-microsoft-com:office:office" xmlns:v="urn:schemas-microsoft-com:vml" xmlns:pvml="urn:schemas-microsoft-com:office:powerpoint" xmlns:com="http://schemas.openxmlformats.org/drawingml/2006/compatibility" xmlns:p14="http://schemas.microsoft.com/office/powerpoint/2010/main" xmlns:p15="http://schemas.microsoft.com/office/powerpoint/2012/main" xmlns:ahyp="http://schemas.microsoft.com/office/drawing/2018/hyperlinkcolor" showMasterPhAnim="0" showMasterSp="0">
+<p:notes xmlns:a="http://schemas.openxmlformats.org/drawingml/2006/main" xmlns:r="http://schemas.openxmlformats.org/officeDocument/2006/relationships" xmlns:p="http://schemas.openxmlformats.org/presentationml/2006/main" showMasterSp="0" showMasterPhAnim="0">
   <p:cSld>
     <p:spTree>
       <p:nvGrpSpPr>
-        <p:cNvPr id="137" name="Shape 137"/>
+        <p:cNvPr id="1" name="Shape 137"/>
         <p:cNvGrpSpPr/>
         <p:nvPr/>
       </p:nvGrpSpPr>
@@ -1043,9 +1080,11 @@
       <p:sp>
         <p:nvSpPr>
           <p:cNvPr id="138" name="Google Shape;138;g22ea25fd1ab_0_180:notes"/>
-          <p:cNvSpPr/>
+          <p:cNvSpPr>
+            <a:spLocks noGrp="1" noRot="1" noChangeAspect="1"/>
+          </p:cNvSpPr>
           <p:nvPr>
-            <p:ph idx="2" type="sldImg"/>
+            <p:ph type="sldImg" idx="2"/>
           </p:nvPr>
         </p:nvSpPr>
         <p:spPr>
@@ -1054,9 +1093,13 @@
             <a:ext cx="6096000" cy="3429000"/>
           </a:xfrm>
           <a:custGeom>
-            <a:rect b="b" l="l" r="r" t="t"/>
+            <a:avLst/>
+            <a:gdLst/>
+            <a:ahLst/>
+            <a:cxnLst/>
+            <a:rect l="l" t="t" r="r" b="b"/>
             <a:pathLst>
-              <a:path extrusionOk="0" h="120000" w="120000">
+              <a:path w="120000" h="120000" extrusionOk="0">
                 <a:moveTo>
                   <a:pt x="0" y="0"/>
                 </a:moveTo>
@@ -1078,9 +1121,11 @@
       <p:sp>
         <p:nvSpPr>
           <p:cNvPr id="139" name="Google Shape;139;g22ea25fd1ab_0_180:notes"/>
-          <p:cNvSpPr txBox="1"/>
+          <p:cNvSpPr txBox="1">
+            <a:spLocks noGrp="1"/>
+          </p:cNvSpPr>
           <p:nvPr>
-            <p:ph idx="1" type="body"/>
+            <p:ph type="body" idx="1"/>
           </p:nvPr>
         </p:nvSpPr>
         <p:spPr>
@@ -1093,12 +1138,12 @@
           </a:prstGeom>
         </p:spPr>
         <p:txBody>
-          <a:bodyPr anchorCtr="0" anchor="t" bIns="91425" lIns="91425" spcFirstLastPara="1" rIns="91425" wrap="square" tIns="91425">
+          <a:bodyPr spcFirstLastPara="1" wrap="square" lIns="91425" tIns="91425" rIns="91425" bIns="91425" anchor="t" anchorCtr="0">
             <a:noAutofit/>
           </a:bodyPr>
           <a:lstStyle/>
           <a:p>
-            <a:pPr indent="0" lvl="0" marL="0" rtl="0" algn="l">
+            <a:pPr marL="0" lvl="0" indent="0" algn="l" rtl="0">
               <a:spcBef>
                 <a:spcPts val="0"/>
               </a:spcBef>
@@ -1107,9 +1152,6 @@
               </a:spcAft>
               <a:buNone/>
             </a:pPr>
-            <a:r>
-              <a:t/>
-            </a:r>
             <a:endParaRPr/>
           </a:p>
         </p:txBody>
@@ -1123,11 +1165,11 @@
 </file>
 
 <file path=ppt/notesSlides/notesSlide13.xml><?xml version="1.0" encoding="utf-8"?>
-<p:notes xmlns:a="http://schemas.openxmlformats.org/drawingml/2006/main" xmlns:r="http://schemas.openxmlformats.org/officeDocument/2006/relationships" xmlns:mc="http://schemas.openxmlformats.org/markup-compatibility/2006" xmlns:mv="urn:schemas-microsoft-com:mac:vml" xmlns:p="http://schemas.openxmlformats.org/presentationml/2006/main" xmlns:c="http://schemas.openxmlformats.org/drawingml/2006/chart" xmlns:dgm="http://schemas.openxmlformats.org/drawingml/2006/diagram" xmlns:o="urn:schemas-microsoft-com:office:office" xmlns:v="urn:schemas-microsoft-com:vml" xmlns:pvml="urn:schemas-microsoft-com:office:powerpoint" xmlns:com="http://schemas.openxmlformats.org/drawingml/2006/compatibility" xmlns:p14="http://schemas.microsoft.com/office/powerpoint/2010/main" xmlns:p15="http://schemas.microsoft.com/office/powerpoint/2012/main" xmlns:ahyp="http://schemas.microsoft.com/office/drawing/2018/hyperlinkcolor" showMasterPhAnim="0" showMasterSp="0">
+<p:notes xmlns:a="http://schemas.openxmlformats.org/drawingml/2006/main" xmlns:r="http://schemas.openxmlformats.org/officeDocument/2006/relationships" xmlns:p="http://schemas.openxmlformats.org/presentationml/2006/main" showMasterSp="0" showMasterPhAnim="0">
   <p:cSld>
     <p:spTree>
       <p:nvGrpSpPr>
-        <p:cNvPr id="143" name="Shape 143"/>
+        <p:cNvPr id="1" name="Shape 143"/>
         <p:cNvGrpSpPr/>
         <p:nvPr/>
       </p:nvGrpSpPr>
@@ -1142,9 +1184,11 @@
       <p:sp>
         <p:nvSpPr>
           <p:cNvPr id="144" name="Google Shape;144;g22ea25fd1ab_0_257:notes"/>
-          <p:cNvSpPr/>
+          <p:cNvSpPr>
+            <a:spLocks noGrp="1" noRot="1" noChangeAspect="1"/>
+          </p:cNvSpPr>
           <p:nvPr>
-            <p:ph idx="2" type="sldImg"/>
+            <p:ph type="sldImg" idx="2"/>
           </p:nvPr>
         </p:nvSpPr>
         <p:spPr>
@@ -1153,9 +1197,13 @@
             <a:ext cx="6096000" cy="3429000"/>
           </a:xfrm>
           <a:custGeom>
-            <a:rect b="b" l="l" r="r" t="t"/>
+            <a:avLst/>
+            <a:gdLst/>
+            <a:ahLst/>
+            <a:cxnLst/>
+            <a:rect l="l" t="t" r="r" b="b"/>
             <a:pathLst>
-              <a:path extrusionOk="0" h="120000" w="120000">
+              <a:path w="120000" h="120000" extrusionOk="0">
                 <a:moveTo>
                   <a:pt x="0" y="0"/>
                 </a:moveTo>
@@ -1177,9 +1225,11 @@
       <p:sp>
         <p:nvSpPr>
           <p:cNvPr id="145" name="Google Shape;145;g22ea25fd1ab_0_257:notes"/>
-          <p:cNvSpPr txBox="1"/>
+          <p:cNvSpPr txBox="1">
+            <a:spLocks noGrp="1"/>
+          </p:cNvSpPr>
           <p:nvPr>
-            <p:ph idx="1" type="body"/>
+            <p:ph type="body" idx="1"/>
           </p:nvPr>
         </p:nvSpPr>
         <p:spPr>
@@ -1192,12 +1242,12 @@
           </a:prstGeom>
         </p:spPr>
         <p:txBody>
-          <a:bodyPr anchorCtr="0" anchor="t" bIns="91425" lIns="91425" spcFirstLastPara="1" rIns="91425" wrap="square" tIns="91425">
+          <a:bodyPr spcFirstLastPara="1" wrap="square" lIns="91425" tIns="91425" rIns="91425" bIns="91425" anchor="t" anchorCtr="0">
             <a:noAutofit/>
           </a:bodyPr>
           <a:lstStyle/>
           <a:p>
-            <a:pPr indent="0" lvl="0" marL="0" rtl="0" algn="l">
+            <a:pPr marL="0" lvl="0" indent="0" algn="l" rtl="0">
               <a:spcBef>
                 <a:spcPts val="0"/>
               </a:spcBef>
@@ -1206,9 +1256,6 @@
               </a:spcAft>
               <a:buNone/>
             </a:pPr>
-            <a:r>
-              <a:t/>
-            </a:r>
             <a:endParaRPr/>
           </a:p>
         </p:txBody>
@@ -1222,11 +1269,11 @@
 </file>
 
 <file path=ppt/notesSlides/notesSlide14.xml><?xml version="1.0" encoding="utf-8"?>
-<p:notes xmlns:a="http://schemas.openxmlformats.org/drawingml/2006/main" xmlns:r="http://schemas.openxmlformats.org/officeDocument/2006/relationships" xmlns:mc="http://schemas.openxmlformats.org/markup-compatibility/2006" xmlns:mv="urn:schemas-microsoft-com:mac:vml" xmlns:p="http://schemas.openxmlformats.org/presentationml/2006/main" xmlns:c="http://schemas.openxmlformats.org/drawingml/2006/chart" xmlns:dgm="http://schemas.openxmlformats.org/drawingml/2006/diagram" xmlns:o="urn:schemas-microsoft-com:office:office" xmlns:v="urn:schemas-microsoft-com:vml" xmlns:pvml="urn:schemas-microsoft-com:office:powerpoint" xmlns:com="http://schemas.openxmlformats.org/drawingml/2006/compatibility" xmlns:p14="http://schemas.microsoft.com/office/powerpoint/2010/main" xmlns:p15="http://schemas.microsoft.com/office/powerpoint/2012/main" xmlns:ahyp="http://schemas.microsoft.com/office/drawing/2018/hyperlinkcolor" showMasterPhAnim="0" showMasterSp="0">
+<p:notes xmlns:a="http://schemas.openxmlformats.org/drawingml/2006/main" xmlns:r="http://schemas.openxmlformats.org/officeDocument/2006/relationships" xmlns:p="http://schemas.openxmlformats.org/presentationml/2006/main" showMasterSp="0" showMasterPhAnim="0">
   <p:cSld>
     <p:spTree>
       <p:nvGrpSpPr>
-        <p:cNvPr id="149" name="Shape 149"/>
+        <p:cNvPr id="1" name="Shape 149"/>
         <p:cNvGrpSpPr/>
         <p:nvPr/>
       </p:nvGrpSpPr>
@@ -1241,20 +1288,26 @@
       <p:sp>
         <p:nvSpPr>
           <p:cNvPr id="150" name="Google Shape;150;g22ea25fd1ab_0_175:notes"/>
-          <p:cNvSpPr/>
+          <p:cNvSpPr>
+            <a:spLocks noGrp="1" noRot="1" noChangeAspect="1"/>
+          </p:cNvSpPr>
           <p:nvPr>
-            <p:ph idx="2" type="sldImg"/>
+            <p:ph type="sldImg" idx="2"/>
           </p:nvPr>
         </p:nvSpPr>
         <p:spPr>
           <a:xfrm>
-            <a:off x="381300" y="685800"/>
+            <a:off x="381000" y="685800"/>
             <a:ext cx="6096000" cy="3429000"/>
           </a:xfrm>
           <a:custGeom>
-            <a:rect b="b" l="l" r="r" t="t"/>
+            <a:avLst/>
+            <a:gdLst/>
+            <a:ahLst/>
+            <a:cxnLst/>
+            <a:rect l="l" t="t" r="r" b="b"/>
             <a:pathLst>
-              <a:path extrusionOk="0" h="120000" w="120000">
+              <a:path w="120000" h="120000" extrusionOk="0">
                 <a:moveTo>
                   <a:pt x="0" y="0"/>
                 </a:moveTo>
@@ -1276,9 +1329,11 @@
       <p:sp>
         <p:nvSpPr>
           <p:cNvPr id="151" name="Google Shape;151;g22ea25fd1ab_0_175:notes"/>
-          <p:cNvSpPr txBox="1"/>
+          <p:cNvSpPr txBox="1">
+            <a:spLocks noGrp="1"/>
+          </p:cNvSpPr>
           <p:nvPr>
-            <p:ph idx="1" type="body"/>
+            <p:ph type="body" idx="1"/>
           </p:nvPr>
         </p:nvSpPr>
         <p:spPr>
@@ -1291,12 +1346,12 @@
           </a:prstGeom>
         </p:spPr>
         <p:txBody>
-          <a:bodyPr anchorCtr="0" anchor="t" bIns="91425" lIns="91425" spcFirstLastPara="1" rIns="91425" wrap="square" tIns="91425">
+          <a:bodyPr spcFirstLastPara="1" wrap="square" lIns="91425" tIns="91425" rIns="91425" bIns="91425" anchor="t" anchorCtr="0">
             <a:noAutofit/>
           </a:bodyPr>
           <a:lstStyle/>
           <a:p>
-            <a:pPr indent="0" lvl="0" marL="0" rtl="0" algn="l">
+            <a:pPr marL="0" lvl="0" indent="0" algn="l" rtl="0">
               <a:spcBef>
                 <a:spcPts val="0"/>
               </a:spcBef>
@@ -1305,9 +1360,6 @@
               </a:spcAft>
               <a:buNone/>
             </a:pPr>
-            <a:r>
-              <a:t/>
-            </a:r>
             <a:endParaRPr/>
           </a:p>
         </p:txBody>
@@ -1321,11 +1373,11 @@
 </file>
 
 <file path=ppt/notesSlides/notesSlide2.xml><?xml version="1.0" encoding="utf-8"?>
-<p:notes xmlns:a="http://schemas.openxmlformats.org/drawingml/2006/main" xmlns:r="http://schemas.openxmlformats.org/officeDocument/2006/relationships" xmlns:mc="http://schemas.openxmlformats.org/markup-compatibility/2006" xmlns:mv="urn:schemas-microsoft-com:mac:vml" xmlns:p="http://schemas.openxmlformats.org/presentationml/2006/main" xmlns:c="http://schemas.openxmlformats.org/drawingml/2006/chart" xmlns:dgm="http://schemas.openxmlformats.org/drawingml/2006/diagram" xmlns:o="urn:schemas-microsoft-com:office:office" xmlns:v="urn:schemas-microsoft-com:vml" xmlns:pvml="urn:schemas-microsoft-com:office:powerpoint" xmlns:com="http://schemas.openxmlformats.org/drawingml/2006/compatibility" xmlns:p14="http://schemas.microsoft.com/office/powerpoint/2010/main" xmlns:p15="http://schemas.microsoft.com/office/powerpoint/2012/main" xmlns:ahyp="http://schemas.microsoft.com/office/drawing/2018/hyperlinkcolor" showMasterPhAnim="0" showMasterSp="0">
+<p:notes xmlns:a="http://schemas.openxmlformats.org/drawingml/2006/main" xmlns:r="http://schemas.openxmlformats.org/officeDocument/2006/relationships" xmlns:p="http://schemas.openxmlformats.org/presentationml/2006/main" showMasterSp="0" showMasterPhAnim="0">
   <p:cSld>
     <p:spTree>
       <p:nvGrpSpPr>
-        <p:cNvPr id="56" name="Shape 56"/>
+        <p:cNvPr id="1" name="Shape 56"/>
         <p:cNvGrpSpPr/>
         <p:nvPr/>
       </p:nvGrpSpPr>
@@ -1340,9 +1392,11 @@
       <p:sp>
         <p:nvSpPr>
           <p:cNvPr id="57" name="Google Shape;57;g22ea25fd1ab_0_136:notes"/>
-          <p:cNvSpPr/>
+          <p:cNvSpPr>
+            <a:spLocks noGrp="1" noRot="1" noChangeAspect="1"/>
+          </p:cNvSpPr>
           <p:nvPr>
-            <p:ph idx="2" type="sldImg"/>
+            <p:ph type="sldImg" idx="2"/>
           </p:nvPr>
         </p:nvSpPr>
         <p:spPr>
@@ -1351,9 +1405,13 @@
             <a:ext cx="6096000" cy="3429000"/>
           </a:xfrm>
           <a:custGeom>
-            <a:rect b="b" l="l" r="r" t="t"/>
+            <a:avLst/>
+            <a:gdLst/>
+            <a:ahLst/>
+            <a:cxnLst/>
+            <a:rect l="l" t="t" r="r" b="b"/>
             <a:pathLst>
-              <a:path extrusionOk="0" h="120000" w="120000">
+              <a:path w="120000" h="120000" extrusionOk="0">
                 <a:moveTo>
                   <a:pt x="0" y="0"/>
                 </a:moveTo>
@@ -1375,9 +1433,11 @@
       <p:sp>
         <p:nvSpPr>
           <p:cNvPr id="58" name="Google Shape;58;g22ea25fd1ab_0_136:notes"/>
-          <p:cNvSpPr txBox="1"/>
+          <p:cNvSpPr txBox="1">
+            <a:spLocks noGrp="1"/>
+          </p:cNvSpPr>
           <p:nvPr>
-            <p:ph idx="1" type="body"/>
+            <p:ph type="body" idx="1"/>
           </p:nvPr>
         </p:nvSpPr>
         <p:spPr>
@@ -1390,12 +1450,12 @@
           </a:prstGeom>
         </p:spPr>
         <p:txBody>
-          <a:bodyPr anchorCtr="0" anchor="t" bIns="91425" lIns="91425" spcFirstLastPara="1" rIns="91425" wrap="square" tIns="91425">
+          <a:bodyPr spcFirstLastPara="1" wrap="square" lIns="91425" tIns="91425" rIns="91425" bIns="91425" anchor="t" anchorCtr="0">
             <a:noAutofit/>
           </a:bodyPr>
           <a:lstStyle/>
           <a:p>
-            <a:pPr indent="0" lvl="0" marL="0" rtl="0" algn="l">
+            <a:pPr marL="0" lvl="0" indent="0" algn="l" rtl="0">
               <a:spcBef>
                 <a:spcPts val="0"/>
               </a:spcBef>
@@ -1404,9 +1464,6 @@
               </a:spcAft>
               <a:buNone/>
             </a:pPr>
-            <a:r>
-              <a:t/>
-            </a:r>
             <a:endParaRPr/>
           </a:p>
         </p:txBody>
@@ -1420,11 +1477,11 @@
 </file>
 
 <file path=ppt/notesSlides/notesSlide3.xml><?xml version="1.0" encoding="utf-8"?>
-<p:notes xmlns:a="http://schemas.openxmlformats.org/drawingml/2006/main" xmlns:r="http://schemas.openxmlformats.org/officeDocument/2006/relationships" xmlns:mc="http://schemas.openxmlformats.org/markup-compatibility/2006" xmlns:mv="urn:schemas-microsoft-com:mac:vml" xmlns:p="http://schemas.openxmlformats.org/presentationml/2006/main" xmlns:c="http://schemas.openxmlformats.org/drawingml/2006/chart" xmlns:dgm="http://schemas.openxmlformats.org/drawingml/2006/diagram" xmlns:o="urn:schemas-microsoft-com:office:office" xmlns:v="urn:schemas-microsoft-com:vml" xmlns:pvml="urn:schemas-microsoft-com:office:powerpoint" xmlns:com="http://schemas.openxmlformats.org/drawingml/2006/compatibility" xmlns:p14="http://schemas.microsoft.com/office/powerpoint/2010/main" xmlns:p15="http://schemas.microsoft.com/office/powerpoint/2012/main" xmlns:ahyp="http://schemas.microsoft.com/office/drawing/2018/hyperlinkcolor" showMasterPhAnim="0" showMasterSp="0">
+<p:notes xmlns:a="http://schemas.openxmlformats.org/drawingml/2006/main" xmlns:r="http://schemas.openxmlformats.org/officeDocument/2006/relationships" xmlns:p="http://schemas.openxmlformats.org/presentationml/2006/main" showMasterSp="0" showMasterPhAnim="0">
   <p:cSld>
     <p:spTree>
       <p:nvGrpSpPr>
-        <p:cNvPr id="63" name="Shape 63"/>
+        <p:cNvPr id="1" name="Shape 63"/>
         <p:cNvGrpSpPr/>
         <p:nvPr/>
       </p:nvGrpSpPr>
@@ -1439,9 +1496,11 @@
       <p:sp>
         <p:nvSpPr>
           <p:cNvPr id="64" name="Google Shape;64;g22ea25fd1ab_0_0:notes"/>
-          <p:cNvSpPr/>
+          <p:cNvSpPr>
+            <a:spLocks noGrp="1" noRot="1" noChangeAspect="1"/>
+          </p:cNvSpPr>
           <p:nvPr>
-            <p:ph idx="2" type="sldImg"/>
+            <p:ph type="sldImg" idx="2"/>
           </p:nvPr>
         </p:nvSpPr>
         <p:spPr>
@@ -1450,9 +1509,13 @@
             <a:ext cx="6096000" cy="3429000"/>
           </a:xfrm>
           <a:custGeom>
-            <a:rect b="b" l="l" r="r" t="t"/>
+            <a:avLst/>
+            <a:gdLst/>
+            <a:ahLst/>
+            <a:cxnLst/>
+            <a:rect l="l" t="t" r="r" b="b"/>
             <a:pathLst>
-              <a:path extrusionOk="0" h="120000" w="120000">
+              <a:path w="120000" h="120000" extrusionOk="0">
                 <a:moveTo>
                   <a:pt x="0" y="0"/>
                 </a:moveTo>
@@ -1474,9 +1537,11 @@
       <p:sp>
         <p:nvSpPr>
           <p:cNvPr id="65" name="Google Shape;65;g22ea25fd1ab_0_0:notes"/>
-          <p:cNvSpPr txBox="1"/>
+          <p:cNvSpPr txBox="1">
+            <a:spLocks noGrp="1"/>
+          </p:cNvSpPr>
           <p:nvPr>
-            <p:ph idx="1" type="body"/>
+            <p:ph type="body" idx="1"/>
           </p:nvPr>
         </p:nvSpPr>
         <p:spPr>
@@ -1489,12 +1554,12 @@
           </a:prstGeom>
         </p:spPr>
         <p:txBody>
-          <a:bodyPr anchorCtr="0" anchor="t" bIns="91425" lIns="91425" spcFirstLastPara="1" rIns="91425" wrap="square" tIns="91425">
+          <a:bodyPr spcFirstLastPara="1" wrap="square" lIns="91425" tIns="91425" rIns="91425" bIns="91425" anchor="t" anchorCtr="0">
             <a:noAutofit/>
           </a:bodyPr>
           <a:lstStyle/>
           <a:p>
-            <a:pPr indent="0" lvl="0" marL="0" rtl="0" algn="l">
+            <a:pPr marL="0" lvl="0" indent="0" algn="l" rtl="0">
               <a:spcBef>
                 <a:spcPts val="0"/>
               </a:spcBef>
@@ -1503,9 +1568,6 @@
               </a:spcAft>
               <a:buNone/>
             </a:pPr>
-            <a:r>
-              <a:t/>
-            </a:r>
             <a:endParaRPr/>
           </a:p>
         </p:txBody>
@@ -1519,11 +1581,11 @@
 </file>
 
 <file path=ppt/notesSlides/notesSlide4.xml><?xml version="1.0" encoding="utf-8"?>
-<p:notes xmlns:a="http://schemas.openxmlformats.org/drawingml/2006/main" xmlns:r="http://schemas.openxmlformats.org/officeDocument/2006/relationships" xmlns:mc="http://schemas.openxmlformats.org/markup-compatibility/2006" xmlns:mv="urn:schemas-microsoft-com:mac:vml" xmlns:p="http://schemas.openxmlformats.org/presentationml/2006/main" xmlns:c="http://schemas.openxmlformats.org/drawingml/2006/chart" xmlns:dgm="http://schemas.openxmlformats.org/drawingml/2006/diagram" xmlns:o="urn:schemas-microsoft-com:office:office" xmlns:v="urn:schemas-microsoft-com:vml" xmlns:pvml="urn:schemas-microsoft-com:office:powerpoint" xmlns:com="http://schemas.openxmlformats.org/drawingml/2006/compatibility" xmlns:p14="http://schemas.microsoft.com/office/powerpoint/2010/main" xmlns:p15="http://schemas.microsoft.com/office/powerpoint/2012/main" xmlns:ahyp="http://schemas.microsoft.com/office/drawing/2018/hyperlinkcolor" showMasterPhAnim="0" showMasterSp="0">
+<p:notes xmlns:a="http://schemas.openxmlformats.org/drawingml/2006/main" xmlns:r="http://schemas.openxmlformats.org/officeDocument/2006/relationships" xmlns:p="http://schemas.openxmlformats.org/presentationml/2006/main" showMasterSp="0" showMasterPhAnim="0">
   <p:cSld>
     <p:spTree>
       <p:nvGrpSpPr>
-        <p:cNvPr id="75" name="Shape 75"/>
+        <p:cNvPr id="1" name="Shape 75"/>
         <p:cNvGrpSpPr/>
         <p:nvPr/>
       </p:nvGrpSpPr>
@@ -1538,9 +1600,11 @@
       <p:sp>
         <p:nvSpPr>
           <p:cNvPr id="76" name="Google Shape;76;g22ea25fd1ab_0_5:notes"/>
-          <p:cNvSpPr/>
+          <p:cNvSpPr>
+            <a:spLocks noGrp="1" noRot="1" noChangeAspect="1"/>
+          </p:cNvSpPr>
           <p:nvPr>
-            <p:ph idx="2" type="sldImg"/>
+            <p:ph type="sldImg" idx="2"/>
           </p:nvPr>
         </p:nvSpPr>
         <p:spPr>
@@ -1549,9 +1613,13 @@
             <a:ext cx="6096000" cy="3429000"/>
           </a:xfrm>
           <a:custGeom>
-            <a:rect b="b" l="l" r="r" t="t"/>
+            <a:avLst/>
+            <a:gdLst/>
+            <a:ahLst/>
+            <a:cxnLst/>
+            <a:rect l="l" t="t" r="r" b="b"/>
             <a:pathLst>
-              <a:path extrusionOk="0" h="120000" w="120000">
+              <a:path w="120000" h="120000" extrusionOk="0">
                 <a:moveTo>
                   <a:pt x="0" y="0"/>
                 </a:moveTo>
@@ -1569,23 +1637,25 @@
             </a:pathLst>
           </a:custGeom>
           <a:noFill/>
-          <a:ln cap="flat" cmpd="sng" w="9525">
+          <a:ln w="9525" cap="flat" cmpd="sng">
             <a:solidFill>
               <a:srgbClr val="000000"/>
             </a:solidFill>
             <a:prstDash val="solid"/>
             <a:round/>
-            <a:headEnd len="sm" w="sm" type="none"/>
-            <a:tailEnd len="sm" w="sm" type="none"/>
+            <a:headEnd type="none" w="sm" len="sm"/>
+            <a:tailEnd type="none" w="sm" len="sm"/>
           </a:ln>
         </p:spPr>
       </p:sp>
       <p:sp>
         <p:nvSpPr>
           <p:cNvPr id="77" name="Google Shape;77;g22ea25fd1ab_0_5:notes"/>
-          <p:cNvSpPr txBox="1"/>
+          <p:cNvSpPr txBox="1">
+            <a:spLocks noGrp="1"/>
+          </p:cNvSpPr>
           <p:nvPr>
-            <p:ph idx="1" type="body"/>
+            <p:ph type="body" idx="1"/>
           </p:nvPr>
         </p:nvSpPr>
         <p:spPr>
@@ -1602,12 +1672,12 @@
           </a:ln>
         </p:spPr>
         <p:txBody>
-          <a:bodyPr anchorCtr="0" anchor="t" bIns="91425" lIns="91425" spcFirstLastPara="1" rIns="91425" wrap="square" tIns="91425">
+          <a:bodyPr spcFirstLastPara="1" wrap="square" lIns="91425" tIns="91425" rIns="91425" bIns="91425" anchor="t" anchorCtr="0">
             <a:noAutofit/>
           </a:bodyPr>
           <a:lstStyle/>
           <a:p>
-            <a:pPr indent="0" lvl="0" marL="0" rtl="0" algn="l">
+            <a:pPr marL="0" lvl="0" indent="0" algn="l" rtl="0">
               <a:lnSpc>
                 <a:spcPct val="100000"/>
               </a:lnSpc>
@@ -1620,9 +1690,6 @@
               <a:buSzPts val="1100"/>
               <a:buNone/>
             </a:pPr>
-            <a:r>
-              <a:t/>
-            </a:r>
             <a:endParaRPr/>
           </a:p>
         </p:txBody>
@@ -1636,11 +1703,11 @@
 </file>
 
 <file path=ppt/notesSlides/notesSlide5.xml><?xml version="1.0" encoding="utf-8"?>
-<p:notes xmlns:a="http://schemas.openxmlformats.org/drawingml/2006/main" xmlns:r="http://schemas.openxmlformats.org/officeDocument/2006/relationships" xmlns:mc="http://schemas.openxmlformats.org/markup-compatibility/2006" xmlns:mv="urn:schemas-microsoft-com:mac:vml" xmlns:p="http://schemas.openxmlformats.org/presentationml/2006/main" xmlns:c="http://schemas.openxmlformats.org/drawingml/2006/chart" xmlns:dgm="http://schemas.openxmlformats.org/drawingml/2006/diagram" xmlns:o="urn:schemas-microsoft-com:office:office" xmlns:v="urn:schemas-microsoft-com:vml" xmlns:pvml="urn:schemas-microsoft-com:office:powerpoint" xmlns:com="http://schemas.openxmlformats.org/drawingml/2006/compatibility" xmlns:p14="http://schemas.microsoft.com/office/powerpoint/2010/main" xmlns:p15="http://schemas.microsoft.com/office/powerpoint/2012/main" xmlns:ahyp="http://schemas.microsoft.com/office/drawing/2018/hyperlinkcolor" showMasterPhAnim="0" showMasterSp="0">
+<p:notes xmlns:a="http://schemas.openxmlformats.org/drawingml/2006/main" xmlns:r="http://schemas.openxmlformats.org/officeDocument/2006/relationships" xmlns:p="http://schemas.openxmlformats.org/presentationml/2006/main" showMasterSp="0" showMasterPhAnim="0">
   <p:cSld>
     <p:spTree>
       <p:nvGrpSpPr>
-        <p:cNvPr id="85" name="Shape 85"/>
+        <p:cNvPr id="1" name="Shape 85"/>
         <p:cNvGrpSpPr/>
         <p:nvPr/>
       </p:nvGrpSpPr>
@@ -1655,9 +1722,11 @@
       <p:sp>
         <p:nvSpPr>
           <p:cNvPr id="86" name="Google Shape;86;g22ea25fd1ab_0_81:notes"/>
-          <p:cNvSpPr/>
+          <p:cNvSpPr>
+            <a:spLocks noGrp="1" noRot="1" noChangeAspect="1"/>
+          </p:cNvSpPr>
           <p:nvPr>
-            <p:ph idx="2" type="sldImg"/>
+            <p:ph type="sldImg" idx="2"/>
           </p:nvPr>
         </p:nvSpPr>
         <p:spPr>
@@ -1666,9 +1735,13 @@
             <a:ext cx="6096000" cy="3429000"/>
           </a:xfrm>
           <a:custGeom>
-            <a:rect b="b" l="l" r="r" t="t"/>
+            <a:avLst/>
+            <a:gdLst/>
+            <a:ahLst/>
+            <a:cxnLst/>
+            <a:rect l="l" t="t" r="r" b="b"/>
             <a:pathLst>
-              <a:path extrusionOk="0" h="120000" w="120000">
+              <a:path w="120000" h="120000" extrusionOk="0">
                 <a:moveTo>
                   <a:pt x="0" y="0"/>
                 </a:moveTo>
@@ -1686,23 +1759,25 @@
             </a:pathLst>
           </a:custGeom>
           <a:noFill/>
-          <a:ln cap="flat" cmpd="sng" w="9525">
+          <a:ln w="9525" cap="flat" cmpd="sng">
             <a:solidFill>
               <a:srgbClr val="000000"/>
             </a:solidFill>
             <a:prstDash val="solid"/>
             <a:round/>
-            <a:headEnd len="sm" w="sm" type="none"/>
-            <a:tailEnd len="sm" w="sm" type="none"/>
+            <a:headEnd type="none" w="sm" len="sm"/>
+            <a:tailEnd type="none" w="sm" len="sm"/>
           </a:ln>
         </p:spPr>
       </p:sp>
       <p:sp>
         <p:nvSpPr>
           <p:cNvPr id="87" name="Google Shape;87;g22ea25fd1ab_0_81:notes"/>
-          <p:cNvSpPr txBox="1"/>
+          <p:cNvSpPr txBox="1">
+            <a:spLocks noGrp="1"/>
+          </p:cNvSpPr>
           <p:nvPr>
-            <p:ph idx="1" type="body"/>
+            <p:ph type="body" idx="1"/>
           </p:nvPr>
         </p:nvSpPr>
         <p:spPr>
@@ -1719,12 +1794,12 @@
           </a:ln>
         </p:spPr>
         <p:txBody>
-          <a:bodyPr anchorCtr="0" anchor="t" bIns="91425" lIns="91425" spcFirstLastPara="1" rIns="91425" wrap="square" tIns="91425">
+          <a:bodyPr spcFirstLastPara="1" wrap="square" lIns="91425" tIns="91425" rIns="91425" bIns="91425" anchor="t" anchorCtr="0">
             <a:noAutofit/>
           </a:bodyPr>
           <a:lstStyle/>
           <a:p>
-            <a:pPr indent="0" lvl="0" marL="0" rtl="0" algn="l">
+            <a:pPr marL="0" lvl="0" indent="0" algn="l" rtl="0">
               <a:lnSpc>
                 <a:spcPct val="100000"/>
               </a:lnSpc>
@@ -1737,9 +1812,6 @@
               <a:buSzPts val="1100"/>
               <a:buNone/>
             </a:pPr>
-            <a:r>
-              <a:t/>
-            </a:r>
             <a:endParaRPr/>
           </a:p>
         </p:txBody>
@@ -1753,11 +1825,11 @@
 </file>
 
 <file path=ppt/notesSlides/notesSlide6.xml><?xml version="1.0" encoding="utf-8"?>
-<p:notes xmlns:a="http://schemas.openxmlformats.org/drawingml/2006/main" xmlns:r="http://schemas.openxmlformats.org/officeDocument/2006/relationships" xmlns:mc="http://schemas.openxmlformats.org/markup-compatibility/2006" xmlns:mv="urn:schemas-microsoft-com:mac:vml" xmlns:p="http://schemas.openxmlformats.org/presentationml/2006/main" xmlns:c="http://schemas.openxmlformats.org/drawingml/2006/chart" xmlns:dgm="http://schemas.openxmlformats.org/drawingml/2006/diagram" xmlns:o="urn:schemas-microsoft-com:office:office" xmlns:v="urn:schemas-microsoft-com:vml" xmlns:pvml="urn:schemas-microsoft-com:office:powerpoint" xmlns:com="http://schemas.openxmlformats.org/drawingml/2006/compatibility" xmlns:p14="http://schemas.microsoft.com/office/powerpoint/2010/main" xmlns:p15="http://schemas.microsoft.com/office/powerpoint/2012/main" xmlns:ahyp="http://schemas.microsoft.com/office/drawing/2018/hyperlinkcolor" showMasterPhAnim="0" showMasterSp="0">
+<p:notes xmlns:a="http://schemas.openxmlformats.org/drawingml/2006/main" xmlns:r="http://schemas.openxmlformats.org/officeDocument/2006/relationships" xmlns:p="http://schemas.openxmlformats.org/presentationml/2006/main" showMasterSp="0" showMasterPhAnim="0">
   <p:cSld>
     <p:spTree>
       <p:nvGrpSpPr>
-        <p:cNvPr id="93" name="Shape 93"/>
+        <p:cNvPr id="1" name="Shape 93"/>
         <p:cNvGrpSpPr/>
         <p:nvPr/>
       </p:nvGrpSpPr>
@@ -1772,9 +1844,11 @@
       <p:sp>
         <p:nvSpPr>
           <p:cNvPr id="94" name="Google Shape;94;g22ea25fd1ab_0_142:notes"/>
-          <p:cNvSpPr/>
+          <p:cNvSpPr>
+            <a:spLocks noGrp="1" noRot="1" noChangeAspect="1"/>
+          </p:cNvSpPr>
           <p:nvPr>
-            <p:ph idx="2" type="sldImg"/>
+            <p:ph type="sldImg" idx="2"/>
           </p:nvPr>
         </p:nvSpPr>
         <p:spPr>
@@ -1783,9 +1857,13 @@
             <a:ext cx="6096000" cy="3429000"/>
           </a:xfrm>
           <a:custGeom>
-            <a:rect b="b" l="l" r="r" t="t"/>
+            <a:avLst/>
+            <a:gdLst/>
+            <a:ahLst/>
+            <a:cxnLst/>
+            <a:rect l="l" t="t" r="r" b="b"/>
             <a:pathLst>
-              <a:path extrusionOk="0" h="120000" w="120000">
+              <a:path w="120000" h="120000" extrusionOk="0">
                 <a:moveTo>
                   <a:pt x="0" y="0"/>
                 </a:moveTo>
@@ -1807,9 +1885,11 @@
       <p:sp>
         <p:nvSpPr>
           <p:cNvPr id="95" name="Google Shape;95;g22ea25fd1ab_0_142:notes"/>
-          <p:cNvSpPr txBox="1"/>
+          <p:cNvSpPr txBox="1">
+            <a:spLocks noGrp="1"/>
+          </p:cNvSpPr>
           <p:nvPr>
-            <p:ph idx="1" type="body"/>
+            <p:ph type="body" idx="1"/>
           </p:nvPr>
         </p:nvSpPr>
         <p:spPr>
@@ -1822,12 +1902,12 @@
           </a:prstGeom>
         </p:spPr>
         <p:txBody>
-          <a:bodyPr anchorCtr="0" anchor="t" bIns="91425" lIns="91425" spcFirstLastPara="1" rIns="91425" wrap="square" tIns="91425">
+          <a:bodyPr spcFirstLastPara="1" wrap="square" lIns="91425" tIns="91425" rIns="91425" bIns="91425" anchor="t" anchorCtr="0">
             <a:noAutofit/>
           </a:bodyPr>
           <a:lstStyle/>
           <a:p>
-            <a:pPr indent="0" lvl="0" marL="0" rtl="0" algn="l">
+            <a:pPr marL="0" lvl="0" indent="0" algn="l" rtl="0">
               <a:spcBef>
                 <a:spcPts val="0"/>
               </a:spcBef>
@@ -1836,9 +1916,6 @@
               </a:spcAft>
               <a:buNone/>
             </a:pPr>
-            <a:r>
-              <a:t/>
-            </a:r>
             <a:endParaRPr/>
           </a:p>
         </p:txBody>
@@ -1852,11 +1929,11 @@
 </file>
 
 <file path=ppt/notesSlides/notesSlide7.xml><?xml version="1.0" encoding="utf-8"?>
-<p:notes xmlns:a="http://schemas.openxmlformats.org/drawingml/2006/main" xmlns:r="http://schemas.openxmlformats.org/officeDocument/2006/relationships" xmlns:mc="http://schemas.openxmlformats.org/markup-compatibility/2006" xmlns:mv="urn:schemas-microsoft-com:mac:vml" xmlns:p="http://schemas.openxmlformats.org/presentationml/2006/main" xmlns:c="http://schemas.openxmlformats.org/drawingml/2006/chart" xmlns:dgm="http://schemas.openxmlformats.org/drawingml/2006/diagram" xmlns:o="urn:schemas-microsoft-com:office:office" xmlns:v="urn:schemas-microsoft-com:vml" xmlns:pvml="urn:schemas-microsoft-com:office:powerpoint" xmlns:com="http://schemas.openxmlformats.org/drawingml/2006/compatibility" xmlns:p14="http://schemas.microsoft.com/office/powerpoint/2010/main" xmlns:p15="http://schemas.microsoft.com/office/powerpoint/2012/main" xmlns:ahyp="http://schemas.microsoft.com/office/drawing/2018/hyperlinkcolor" showMasterPhAnim="0" showMasterSp="0">
+<p:notes xmlns:a="http://schemas.openxmlformats.org/drawingml/2006/main" xmlns:r="http://schemas.openxmlformats.org/officeDocument/2006/relationships" xmlns:p="http://schemas.openxmlformats.org/presentationml/2006/main" showMasterSp="0" showMasterPhAnim="0">
   <p:cSld>
     <p:spTree>
       <p:nvGrpSpPr>
-        <p:cNvPr id="102" name="Shape 102"/>
+        <p:cNvPr id="1" name="Shape 102"/>
         <p:cNvGrpSpPr/>
         <p:nvPr/>
       </p:nvGrpSpPr>
@@ -1871,9 +1948,11 @@
       <p:sp>
         <p:nvSpPr>
           <p:cNvPr id="103" name="Google Shape;103;g22ea25fd1ab_0_163:notes"/>
-          <p:cNvSpPr/>
+          <p:cNvSpPr>
+            <a:spLocks noGrp="1" noRot="1" noChangeAspect="1"/>
+          </p:cNvSpPr>
           <p:nvPr>
-            <p:ph idx="2" type="sldImg"/>
+            <p:ph type="sldImg" idx="2"/>
           </p:nvPr>
         </p:nvSpPr>
         <p:spPr>
@@ -1882,9 +1961,13 @@
             <a:ext cx="6096000" cy="3429000"/>
           </a:xfrm>
           <a:custGeom>
-            <a:rect b="b" l="l" r="r" t="t"/>
+            <a:avLst/>
+            <a:gdLst/>
+            <a:ahLst/>
+            <a:cxnLst/>
+            <a:rect l="l" t="t" r="r" b="b"/>
             <a:pathLst>
-              <a:path extrusionOk="0" h="120000" w="120000">
+              <a:path w="120000" h="120000" extrusionOk="0">
                 <a:moveTo>
                   <a:pt x="0" y="0"/>
                 </a:moveTo>
@@ -1906,9 +1989,11 @@
       <p:sp>
         <p:nvSpPr>
           <p:cNvPr id="104" name="Google Shape;104;g22ea25fd1ab_0_163:notes"/>
-          <p:cNvSpPr txBox="1"/>
+          <p:cNvSpPr txBox="1">
+            <a:spLocks noGrp="1"/>
+          </p:cNvSpPr>
           <p:nvPr>
-            <p:ph idx="1" type="body"/>
+            <p:ph type="body" idx="1"/>
           </p:nvPr>
         </p:nvSpPr>
         <p:spPr>
@@ -1921,12 +2006,12 @@
           </a:prstGeom>
         </p:spPr>
         <p:txBody>
-          <a:bodyPr anchorCtr="0" anchor="t" bIns="91425" lIns="91425" spcFirstLastPara="1" rIns="91425" wrap="square" tIns="91425">
+          <a:bodyPr spcFirstLastPara="1" wrap="square" lIns="91425" tIns="91425" rIns="91425" bIns="91425" anchor="t" anchorCtr="0">
             <a:noAutofit/>
           </a:bodyPr>
           <a:lstStyle/>
           <a:p>
-            <a:pPr indent="0" lvl="0" marL="0" rtl="0" algn="l">
+            <a:pPr marL="0" lvl="0" indent="0" algn="l" rtl="0">
               <a:spcBef>
                 <a:spcPts val="0"/>
               </a:spcBef>
@@ -1935,9 +2020,6 @@
               </a:spcAft>
               <a:buNone/>
             </a:pPr>
-            <a:r>
-              <a:t/>
-            </a:r>
             <a:endParaRPr/>
           </a:p>
         </p:txBody>
@@ -1951,11 +2033,11 @@
 </file>
 
 <file path=ppt/notesSlides/notesSlide8.xml><?xml version="1.0" encoding="utf-8"?>
-<p:notes xmlns:a="http://schemas.openxmlformats.org/drawingml/2006/main" xmlns:r="http://schemas.openxmlformats.org/officeDocument/2006/relationships" xmlns:mc="http://schemas.openxmlformats.org/markup-compatibility/2006" xmlns:mv="urn:schemas-microsoft-com:mac:vml" xmlns:p="http://schemas.openxmlformats.org/presentationml/2006/main" xmlns:c="http://schemas.openxmlformats.org/drawingml/2006/chart" xmlns:dgm="http://schemas.openxmlformats.org/drawingml/2006/diagram" xmlns:o="urn:schemas-microsoft-com:office:office" xmlns:v="urn:schemas-microsoft-com:vml" xmlns:pvml="urn:schemas-microsoft-com:office:powerpoint" xmlns:com="http://schemas.openxmlformats.org/drawingml/2006/compatibility" xmlns:p14="http://schemas.microsoft.com/office/powerpoint/2010/main" xmlns:p15="http://schemas.microsoft.com/office/powerpoint/2012/main" xmlns:ahyp="http://schemas.microsoft.com/office/drawing/2018/hyperlinkcolor" showMasterPhAnim="0" showMasterSp="0">
+<p:notes xmlns:a="http://schemas.openxmlformats.org/drawingml/2006/main" xmlns:r="http://schemas.openxmlformats.org/officeDocument/2006/relationships" xmlns:p="http://schemas.openxmlformats.org/presentationml/2006/main" showMasterSp="0" showMasterPhAnim="0">
   <p:cSld>
     <p:spTree>
       <p:nvGrpSpPr>
-        <p:cNvPr id="111" name="Shape 111"/>
+        <p:cNvPr id="1" name="Shape 111"/>
         <p:cNvGrpSpPr/>
         <p:nvPr/>
       </p:nvGrpSpPr>
@@ -1970,9 +2052,11 @@
       <p:sp>
         <p:nvSpPr>
           <p:cNvPr id="112" name="Google Shape;112;g22ea25fd1ab_0_28:notes"/>
-          <p:cNvSpPr/>
+          <p:cNvSpPr>
+            <a:spLocks noGrp="1" noRot="1" noChangeAspect="1"/>
+          </p:cNvSpPr>
           <p:nvPr>
-            <p:ph idx="2" type="sldImg"/>
+            <p:ph type="sldImg" idx="2"/>
           </p:nvPr>
         </p:nvSpPr>
         <p:spPr>
@@ -1981,9 +2065,13 @@
             <a:ext cx="6096000" cy="3429000"/>
           </a:xfrm>
           <a:custGeom>
-            <a:rect b="b" l="l" r="r" t="t"/>
+            <a:avLst/>
+            <a:gdLst/>
+            <a:ahLst/>
+            <a:cxnLst/>
+            <a:rect l="l" t="t" r="r" b="b"/>
             <a:pathLst>
-              <a:path extrusionOk="0" h="120000" w="120000">
+              <a:path w="120000" h="120000" extrusionOk="0">
                 <a:moveTo>
                   <a:pt x="0" y="0"/>
                 </a:moveTo>
@@ -2001,23 +2089,25 @@
             </a:pathLst>
           </a:custGeom>
           <a:noFill/>
-          <a:ln cap="flat" cmpd="sng" w="9525">
+          <a:ln w="9525" cap="flat" cmpd="sng">
             <a:solidFill>
               <a:srgbClr val="000000"/>
             </a:solidFill>
             <a:prstDash val="solid"/>
             <a:round/>
-            <a:headEnd len="sm" w="sm" type="none"/>
-            <a:tailEnd len="sm" w="sm" type="none"/>
+            <a:headEnd type="none" w="sm" len="sm"/>
+            <a:tailEnd type="none" w="sm" len="sm"/>
           </a:ln>
         </p:spPr>
       </p:sp>
       <p:sp>
         <p:nvSpPr>
           <p:cNvPr id="113" name="Google Shape;113;g22ea25fd1ab_0_28:notes"/>
-          <p:cNvSpPr txBox="1"/>
+          <p:cNvSpPr txBox="1">
+            <a:spLocks noGrp="1"/>
+          </p:cNvSpPr>
           <p:nvPr>
-            <p:ph idx="1" type="body"/>
+            <p:ph type="body" idx="1"/>
           </p:nvPr>
         </p:nvSpPr>
         <p:spPr>
@@ -2034,12 +2124,12 @@
           </a:ln>
         </p:spPr>
         <p:txBody>
-          <a:bodyPr anchorCtr="0" anchor="t" bIns="91425" lIns="91425" spcFirstLastPara="1" rIns="91425" wrap="square" tIns="91425">
+          <a:bodyPr spcFirstLastPara="1" wrap="square" lIns="91425" tIns="91425" rIns="91425" bIns="91425" anchor="t" anchorCtr="0">
             <a:noAutofit/>
           </a:bodyPr>
           <a:lstStyle/>
           <a:p>
-            <a:pPr indent="0" lvl="0" marL="0" rtl="0" algn="l">
+            <a:pPr marL="0" lvl="0" indent="0" algn="l" rtl="0">
               <a:lnSpc>
                 <a:spcPct val="100000"/>
               </a:lnSpc>
@@ -2052,9 +2142,6 @@
               <a:buSzPts val="1100"/>
               <a:buNone/>
             </a:pPr>
-            <a:r>
-              <a:t/>
-            </a:r>
             <a:endParaRPr/>
           </a:p>
         </p:txBody>
@@ -2068,11 +2155,11 @@
 </file>
 
 <file path=ppt/notesSlides/notesSlide9.xml><?xml version="1.0" encoding="utf-8"?>
-<p:notes xmlns:a="http://schemas.openxmlformats.org/drawingml/2006/main" xmlns:r="http://schemas.openxmlformats.org/officeDocument/2006/relationships" xmlns:mc="http://schemas.openxmlformats.org/markup-compatibility/2006" xmlns:mv="urn:schemas-microsoft-com:mac:vml" xmlns:p="http://schemas.openxmlformats.org/presentationml/2006/main" xmlns:c="http://schemas.openxmlformats.org/drawingml/2006/chart" xmlns:dgm="http://schemas.openxmlformats.org/drawingml/2006/diagram" xmlns:o="urn:schemas-microsoft-com:office:office" xmlns:v="urn:schemas-microsoft-com:vml" xmlns:pvml="urn:schemas-microsoft-com:office:powerpoint" xmlns:com="http://schemas.openxmlformats.org/drawingml/2006/compatibility" xmlns:p14="http://schemas.microsoft.com/office/powerpoint/2010/main" xmlns:p15="http://schemas.microsoft.com/office/powerpoint/2012/main" xmlns:ahyp="http://schemas.microsoft.com/office/drawing/2018/hyperlinkcolor" showMasterPhAnim="0" showMasterSp="0">
+<p:notes xmlns:a="http://schemas.openxmlformats.org/drawingml/2006/main" xmlns:r="http://schemas.openxmlformats.org/officeDocument/2006/relationships" xmlns:p="http://schemas.openxmlformats.org/presentationml/2006/main" showMasterSp="0" showMasterPhAnim="0">
   <p:cSld>
     <p:spTree>
       <p:nvGrpSpPr>
-        <p:cNvPr id="117" name="Shape 117"/>
+        <p:cNvPr id="1" name="Shape 117"/>
         <p:cNvGrpSpPr/>
         <p:nvPr/>
       </p:nvGrpSpPr>
@@ -2087,9 +2174,11 @@
       <p:sp>
         <p:nvSpPr>
           <p:cNvPr id="118" name="Google Shape;118;g258956bab95_0_0:notes"/>
-          <p:cNvSpPr/>
+          <p:cNvSpPr>
+            <a:spLocks noGrp="1" noRot="1" noChangeAspect="1"/>
+          </p:cNvSpPr>
           <p:nvPr>
-            <p:ph idx="2" type="sldImg"/>
+            <p:ph type="sldImg" idx="2"/>
           </p:nvPr>
         </p:nvSpPr>
         <p:spPr>
@@ -2098,9 +2187,13 @@
             <a:ext cx="6096000" cy="3429000"/>
           </a:xfrm>
           <a:custGeom>
-            <a:rect b="b" l="l" r="r" t="t"/>
+            <a:avLst/>
+            <a:gdLst/>
+            <a:ahLst/>
+            <a:cxnLst/>
+            <a:rect l="l" t="t" r="r" b="b"/>
             <a:pathLst>
-              <a:path extrusionOk="0" h="120000" w="120000">
+              <a:path w="120000" h="120000" extrusionOk="0">
                 <a:moveTo>
                   <a:pt x="0" y="0"/>
                 </a:moveTo>
@@ -2122,9 +2215,11 @@
       <p:sp>
         <p:nvSpPr>
           <p:cNvPr id="119" name="Google Shape;119;g258956bab95_0_0:notes"/>
-          <p:cNvSpPr txBox="1"/>
+          <p:cNvSpPr txBox="1">
+            <a:spLocks noGrp="1"/>
+          </p:cNvSpPr>
           <p:nvPr>
-            <p:ph idx="1" type="body"/>
+            <p:ph type="body" idx="1"/>
           </p:nvPr>
         </p:nvSpPr>
         <p:spPr>
@@ -2137,12 +2232,12 @@
           </a:prstGeom>
         </p:spPr>
         <p:txBody>
-          <a:bodyPr anchorCtr="0" anchor="t" bIns="91425" lIns="91425" spcFirstLastPara="1" rIns="91425" wrap="square" tIns="91425">
+          <a:bodyPr spcFirstLastPara="1" wrap="square" lIns="91425" tIns="91425" rIns="91425" bIns="91425" anchor="t" anchorCtr="0">
             <a:noAutofit/>
           </a:bodyPr>
           <a:lstStyle/>
           <a:p>
-            <a:pPr indent="0" lvl="0" marL="0" rtl="0" algn="l">
+            <a:pPr marL="0" lvl="0" indent="0" algn="l" rtl="0">
               <a:spcBef>
                 <a:spcPts val="0"/>
               </a:spcBef>
@@ -2151,9 +2246,6 @@
               </a:spcAft>
               <a:buNone/>
             </a:pPr>
-            <a:r>
-              <a:t/>
-            </a:r>
             <a:endParaRPr/>
           </a:p>
         </p:txBody>
@@ -2167,11 +2259,11 @@
 </file>
 
 <file path=ppt/slideLayouts/slideLayout1.xml><?xml version="1.0" encoding="utf-8"?>
-<p:sldLayout xmlns:a="http://schemas.openxmlformats.org/drawingml/2006/main" xmlns:r="http://schemas.openxmlformats.org/officeDocument/2006/relationships" xmlns:mc="http://schemas.openxmlformats.org/markup-compatibility/2006" xmlns:mv="urn:schemas-microsoft-com:mac:vml" xmlns:p="http://schemas.openxmlformats.org/presentationml/2006/main" xmlns:c="http://schemas.openxmlformats.org/drawingml/2006/chart" xmlns:dgm="http://schemas.openxmlformats.org/drawingml/2006/diagram" xmlns:o="urn:schemas-microsoft-com:office:office" xmlns:v="urn:schemas-microsoft-com:vml" xmlns:pvml="urn:schemas-microsoft-com:office:powerpoint" xmlns:com="http://schemas.openxmlformats.org/drawingml/2006/compatibility" xmlns:p14="http://schemas.microsoft.com/office/powerpoint/2010/main" xmlns:p15="http://schemas.microsoft.com/office/powerpoint/2012/main" xmlns:ahyp="http://schemas.microsoft.com/office/drawing/2018/hyperlinkcolor" matchingName="Title slide" type="title">
+<p:sldLayout xmlns:a="http://schemas.openxmlformats.org/drawingml/2006/main" xmlns:r="http://schemas.openxmlformats.org/officeDocument/2006/relationships" xmlns:p="http://schemas.openxmlformats.org/presentationml/2006/main" matchingName="Title slide" type="title">
   <p:cSld name="TITLE">
     <p:spTree>
       <p:nvGrpSpPr>
-        <p:cNvPr id="9" name="Shape 9"/>
+        <p:cNvPr id="1" name="Shape 9"/>
         <p:cNvGrpSpPr/>
         <p:nvPr/>
       </p:nvGrpSpPr>
@@ -2186,7 +2278,9 @@
       <p:sp>
         <p:nvSpPr>
           <p:cNvPr id="10" name="Google Shape;10;p2"/>
-          <p:cNvSpPr txBox="1"/>
+          <p:cNvSpPr txBox="1">
+            <a:spLocks noGrp="1"/>
+          </p:cNvSpPr>
           <p:nvPr>
             <p:ph type="ctrTitle"/>
           </p:nvPr>
@@ -2201,7 +2295,7 @@
           </a:prstGeom>
         </p:spPr>
         <p:txBody>
-          <a:bodyPr anchorCtr="0" anchor="b" bIns="91425" lIns="91425" spcFirstLastPara="1" rIns="91425" wrap="square" tIns="91425">
+          <a:bodyPr spcFirstLastPara="1" wrap="square" lIns="91425" tIns="91425" rIns="91425" bIns="91425" anchor="b" anchorCtr="0">
             <a:normAutofit/>
           </a:bodyPr>
           <a:lstStyle>
@@ -2305,15 +2399,19 @@
               <a:defRPr sz="5200"/>
             </a:lvl9pPr>
           </a:lstStyle>
-          <a:p/>
+          <a:p>
+            <a:endParaRPr/>
+          </a:p>
         </p:txBody>
       </p:sp>
       <p:sp>
         <p:nvSpPr>
           <p:cNvPr id="11" name="Google Shape;11;p2"/>
-          <p:cNvSpPr txBox="1"/>
+          <p:cNvSpPr txBox="1">
+            <a:spLocks noGrp="1"/>
+          </p:cNvSpPr>
           <p:nvPr>
-            <p:ph idx="1" type="subTitle"/>
+            <p:ph type="subTitle" idx="1"/>
           </p:nvPr>
         </p:nvSpPr>
         <p:spPr>
@@ -2326,7 +2424,7 @@
           </a:prstGeom>
         </p:spPr>
         <p:txBody>
-          <a:bodyPr anchorCtr="0" anchor="t" bIns="91425" lIns="91425" spcFirstLastPara="1" rIns="91425" wrap="square" tIns="91425">
+          <a:bodyPr spcFirstLastPara="1" wrap="square" lIns="91425" tIns="91425" rIns="91425" bIns="91425" anchor="t" anchorCtr="0">
             <a:normAutofit/>
           </a:bodyPr>
           <a:lstStyle>
@@ -2457,15 +2555,19 @@
               <a:defRPr sz="2800"/>
             </a:lvl9pPr>
           </a:lstStyle>
-          <a:p/>
+          <a:p>
+            <a:endParaRPr/>
+          </a:p>
         </p:txBody>
       </p:sp>
       <p:sp>
         <p:nvSpPr>
           <p:cNvPr id="12" name="Google Shape;12;p2"/>
-          <p:cNvSpPr txBox="1"/>
+          <p:cNvSpPr txBox="1">
+            <a:spLocks noGrp="1"/>
+          </p:cNvSpPr>
           <p:nvPr>
-            <p:ph idx="12" type="sldNum"/>
+            <p:ph type="sldNum" idx="12"/>
           </p:nvPr>
         </p:nvSpPr>
         <p:spPr>
@@ -2478,7 +2580,7 @@
           </a:prstGeom>
         </p:spPr>
         <p:txBody>
-          <a:bodyPr anchorCtr="0" anchor="ctr" bIns="91425" lIns="91425" spcFirstLastPara="1" rIns="91425" wrap="square" tIns="91425">
+          <a:bodyPr spcFirstLastPara="1" wrap="square" lIns="91425" tIns="91425" rIns="91425" bIns="91425" anchor="ctr" anchorCtr="0">
             <a:normAutofit/>
           </a:bodyPr>
           <a:lstStyle>
@@ -2520,7 +2622,7 @@
             </a:lvl9pPr>
           </a:lstStyle>
           <a:p>
-            <a:pPr indent="0" lvl="0" marL="0" rtl="0" algn="r">
+            <a:pPr marL="0" lvl="0" indent="0" algn="r" rtl="0">
               <a:spcBef>
                 <a:spcPts val="0"/>
               </a:spcBef>
@@ -2546,11 +2648,11 @@
 </file>
 
 <file path=ppt/slideLayouts/slideLayout10.xml><?xml version="1.0" encoding="utf-8"?>
-<p:sldLayout xmlns:a="http://schemas.openxmlformats.org/drawingml/2006/main" xmlns:r="http://schemas.openxmlformats.org/officeDocument/2006/relationships" xmlns:mc="http://schemas.openxmlformats.org/markup-compatibility/2006" xmlns:mv="urn:schemas-microsoft-com:mac:vml" xmlns:p="http://schemas.openxmlformats.org/presentationml/2006/main" xmlns:c="http://schemas.openxmlformats.org/drawingml/2006/chart" xmlns:dgm="http://schemas.openxmlformats.org/drawingml/2006/diagram" xmlns:o="urn:schemas-microsoft-com:office:office" xmlns:v="urn:schemas-microsoft-com:vml" xmlns:pvml="urn:schemas-microsoft-com:office:powerpoint" xmlns:com="http://schemas.openxmlformats.org/drawingml/2006/compatibility" xmlns:p14="http://schemas.microsoft.com/office/powerpoint/2010/main" xmlns:p15="http://schemas.microsoft.com/office/powerpoint/2012/main" xmlns:ahyp="http://schemas.microsoft.com/office/drawing/2018/hyperlinkcolor" matchingName="Big number">
+<p:sldLayout xmlns:a="http://schemas.openxmlformats.org/drawingml/2006/main" xmlns:r="http://schemas.openxmlformats.org/officeDocument/2006/relationships" xmlns:p="http://schemas.openxmlformats.org/presentationml/2006/main" matchingName="Big number">
   <p:cSld name="BIG_NUMBER">
     <p:spTree>
       <p:nvGrpSpPr>
-        <p:cNvPr id="44" name="Shape 44"/>
+        <p:cNvPr id="1" name="Shape 44"/>
         <p:cNvGrpSpPr/>
         <p:nvPr/>
       </p:nvGrpSpPr>
@@ -2565,9 +2667,11 @@
       <p:sp>
         <p:nvSpPr>
           <p:cNvPr id="45" name="Google Shape;45;p11"/>
-          <p:cNvSpPr txBox="1"/>
+          <p:cNvSpPr txBox="1">
+            <a:spLocks noGrp="1"/>
+          </p:cNvSpPr>
           <p:nvPr>
-            <p:ph hasCustomPrompt="1" type="title"/>
+            <p:ph type="title" hasCustomPrompt="1"/>
           </p:nvPr>
         </p:nvSpPr>
         <p:spPr>
@@ -2580,7 +2684,7 @@
           </a:prstGeom>
         </p:spPr>
         <p:txBody>
-          <a:bodyPr anchorCtr="0" anchor="b" bIns="91425" lIns="91425" spcFirstLastPara="1" rIns="91425" wrap="square" tIns="91425">
+          <a:bodyPr spcFirstLastPara="1" wrap="square" lIns="91425" tIns="91425" rIns="91425" bIns="91425" anchor="b" anchorCtr="0">
             <a:normAutofit/>
           </a:bodyPr>
           <a:lstStyle>
@@ -2694,9 +2798,11 @@
       <p:sp>
         <p:nvSpPr>
           <p:cNvPr id="46" name="Google Shape;46;p11"/>
-          <p:cNvSpPr txBox="1"/>
+          <p:cNvSpPr txBox="1">
+            <a:spLocks noGrp="1"/>
+          </p:cNvSpPr>
           <p:nvPr>
-            <p:ph idx="1" type="body"/>
+            <p:ph type="body" idx="1"/>
           </p:nvPr>
         </p:nvSpPr>
         <p:spPr>
@@ -2709,11 +2815,11 @@
           </a:prstGeom>
         </p:spPr>
         <p:txBody>
-          <a:bodyPr anchorCtr="0" anchor="t" bIns="91425" lIns="91425" spcFirstLastPara="1" rIns="91425" wrap="square" tIns="91425">
+          <a:bodyPr spcFirstLastPara="1" wrap="square" lIns="91425" tIns="91425" rIns="91425" bIns="91425" anchor="t" anchorCtr="0">
             <a:normAutofit/>
           </a:bodyPr>
           <a:lstStyle>
-            <a:lvl1pPr indent="-342900" lvl="0" marL="457200" algn="ctr">
+            <a:lvl1pPr marL="457200" lvl="0" indent="-342900" algn="ctr">
               <a:spcBef>
                 <a:spcPts val="0"/>
               </a:spcBef>
@@ -2724,7 +2830,7 @@
               <a:buChar char="●"/>
               <a:defRPr/>
             </a:lvl1pPr>
-            <a:lvl2pPr indent="-317500" lvl="1" marL="914400" algn="ctr">
+            <a:lvl2pPr marL="914400" lvl="1" indent="-317500" algn="ctr">
               <a:spcBef>
                 <a:spcPts val="0"/>
               </a:spcBef>
@@ -2735,7 +2841,7 @@
               <a:buChar char="○"/>
               <a:defRPr/>
             </a:lvl2pPr>
-            <a:lvl3pPr indent="-317500" lvl="2" marL="1371600" algn="ctr">
+            <a:lvl3pPr marL="1371600" lvl="2" indent="-317500" algn="ctr">
               <a:spcBef>
                 <a:spcPts val="0"/>
               </a:spcBef>
@@ -2746,7 +2852,7 @@
               <a:buChar char="■"/>
               <a:defRPr/>
             </a:lvl3pPr>
-            <a:lvl4pPr indent="-317500" lvl="3" marL="1828800" algn="ctr">
+            <a:lvl4pPr marL="1828800" lvl="3" indent="-317500" algn="ctr">
               <a:spcBef>
                 <a:spcPts val="0"/>
               </a:spcBef>
@@ -2757,7 +2863,7 @@
               <a:buChar char="●"/>
               <a:defRPr/>
             </a:lvl4pPr>
-            <a:lvl5pPr indent="-317500" lvl="4" marL="2286000" algn="ctr">
+            <a:lvl5pPr marL="2286000" lvl="4" indent="-317500" algn="ctr">
               <a:spcBef>
                 <a:spcPts val="0"/>
               </a:spcBef>
@@ -2768,7 +2874,7 @@
               <a:buChar char="○"/>
               <a:defRPr/>
             </a:lvl5pPr>
-            <a:lvl6pPr indent="-317500" lvl="5" marL="2743200" algn="ctr">
+            <a:lvl6pPr marL="2743200" lvl="5" indent="-317500" algn="ctr">
               <a:spcBef>
                 <a:spcPts val="0"/>
               </a:spcBef>
@@ -2779,7 +2885,7 @@
               <a:buChar char="■"/>
               <a:defRPr/>
             </a:lvl6pPr>
-            <a:lvl7pPr indent="-317500" lvl="6" marL="3200400" algn="ctr">
+            <a:lvl7pPr marL="3200400" lvl="6" indent="-317500" algn="ctr">
               <a:spcBef>
                 <a:spcPts val="0"/>
               </a:spcBef>
@@ -2790,7 +2896,7 @@
               <a:buChar char="●"/>
               <a:defRPr/>
             </a:lvl7pPr>
-            <a:lvl8pPr indent="-317500" lvl="7" marL="3657600" algn="ctr">
+            <a:lvl8pPr marL="3657600" lvl="7" indent="-317500" algn="ctr">
               <a:spcBef>
                 <a:spcPts val="0"/>
               </a:spcBef>
@@ -2801,7 +2907,7 @@
               <a:buChar char="○"/>
               <a:defRPr/>
             </a:lvl8pPr>
-            <a:lvl9pPr indent="-317500" lvl="8" marL="4114800" algn="ctr">
+            <a:lvl9pPr marL="4114800" lvl="8" indent="-317500" algn="ctr">
               <a:spcBef>
                 <a:spcPts val="0"/>
               </a:spcBef>
@@ -2813,15 +2919,19 @@
               <a:defRPr/>
             </a:lvl9pPr>
           </a:lstStyle>
-          <a:p/>
+          <a:p>
+            <a:endParaRPr/>
+          </a:p>
         </p:txBody>
       </p:sp>
       <p:sp>
         <p:nvSpPr>
           <p:cNvPr id="47" name="Google Shape;47;p11"/>
-          <p:cNvSpPr txBox="1"/>
+          <p:cNvSpPr txBox="1">
+            <a:spLocks noGrp="1"/>
+          </p:cNvSpPr>
           <p:nvPr>
-            <p:ph idx="12" type="sldNum"/>
+            <p:ph type="sldNum" idx="12"/>
           </p:nvPr>
         </p:nvSpPr>
         <p:spPr>
@@ -2834,7 +2944,7 @@
           </a:prstGeom>
         </p:spPr>
         <p:txBody>
-          <a:bodyPr anchorCtr="0" anchor="ctr" bIns="91425" lIns="91425" spcFirstLastPara="1" rIns="91425" wrap="square" tIns="91425">
+          <a:bodyPr spcFirstLastPara="1" wrap="square" lIns="91425" tIns="91425" rIns="91425" bIns="91425" anchor="ctr" anchorCtr="0">
             <a:normAutofit/>
           </a:bodyPr>
           <a:lstStyle>
@@ -2876,7 +2986,7 @@
             </a:lvl9pPr>
           </a:lstStyle>
           <a:p>
-            <a:pPr indent="0" lvl="0" marL="0" rtl="0" algn="r">
+            <a:pPr marL="0" lvl="0" indent="0" algn="r" rtl="0">
               <a:spcBef>
                 <a:spcPts val="0"/>
               </a:spcBef>
@@ -2902,11 +3012,11 @@
 </file>
 
 <file path=ppt/slideLayouts/slideLayout11.xml><?xml version="1.0" encoding="utf-8"?>
-<p:sldLayout xmlns:a="http://schemas.openxmlformats.org/drawingml/2006/main" xmlns:r="http://schemas.openxmlformats.org/officeDocument/2006/relationships" xmlns:mc="http://schemas.openxmlformats.org/markup-compatibility/2006" xmlns:mv="urn:schemas-microsoft-com:mac:vml" xmlns:p="http://schemas.openxmlformats.org/presentationml/2006/main" xmlns:c="http://schemas.openxmlformats.org/drawingml/2006/chart" xmlns:dgm="http://schemas.openxmlformats.org/drawingml/2006/diagram" xmlns:o="urn:schemas-microsoft-com:office:office" xmlns:v="urn:schemas-microsoft-com:vml" xmlns:pvml="urn:schemas-microsoft-com:office:powerpoint" xmlns:com="http://schemas.openxmlformats.org/drawingml/2006/compatibility" xmlns:p14="http://schemas.microsoft.com/office/powerpoint/2010/main" xmlns:p15="http://schemas.microsoft.com/office/powerpoint/2012/main" xmlns:ahyp="http://schemas.microsoft.com/office/drawing/2018/hyperlinkcolor" matchingName="Blank" type="blank">
+<p:sldLayout xmlns:a="http://schemas.openxmlformats.org/drawingml/2006/main" xmlns:r="http://schemas.openxmlformats.org/officeDocument/2006/relationships" xmlns:p="http://schemas.openxmlformats.org/presentationml/2006/main" matchingName="Blank" type="blank">
   <p:cSld name="BLANK">
     <p:spTree>
       <p:nvGrpSpPr>
-        <p:cNvPr id="48" name="Shape 48"/>
+        <p:cNvPr id="1" name="Shape 48"/>
         <p:cNvGrpSpPr/>
         <p:nvPr/>
       </p:nvGrpSpPr>
@@ -2921,9 +3031,11 @@
       <p:sp>
         <p:nvSpPr>
           <p:cNvPr id="49" name="Google Shape;49;p12"/>
-          <p:cNvSpPr txBox="1"/>
+          <p:cNvSpPr txBox="1">
+            <a:spLocks noGrp="1"/>
+          </p:cNvSpPr>
           <p:nvPr>
-            <p:ph idx="12" type="sldNum"/>
+            <p:ph type="sldNum" idx="12"/>
           </p:nvPr>
         </p:nvSpPr>
         <p:spPr>
@@ -2936,7 +3048,7 @@
           </a:prstGeom>
         </p:spPr>
         <p:txBody>
-          <a:bodyPr anchorCtr="0" anchor="ctr" bIns="91425" lIns="91425" spcFirstLastPara="1" rIns="91425" wrap="square" tIns="91425">
+          <a:bodyPr spcFirstLastPara="1" wrap="square" lIns="91425" tIns="91425" rIns="91425" bIns="91425" anchor="ctr" anchorCtr="0">
             <a:normAutofit/>
           </a:bodyPr>
           <a:lstStyle>
@@ -2978,7 +3090,7 @@
             </a:lvl9pPr>
           </a:lstStyle>
           <a:p>
-            <a:pPr indent="0" lvl="0" marL="0" rtl="0" algn="r">
+            <a:pPr marL="0" lvl="0" indent="0" algn="r" rtl="0">
               <a:spcBef>
                 <a:spcPts val="0"/>
               </a:spcBef>
@@ -3004,11 +3116,11 @@
 </file>
 
 <file path=ppt/slideLayouts/slideLayout2.xml><?xml version="1.0" encoding="utf-8"?>
-<p:sldLayout xmlns:a="http://schemas.openxmlformats.org/drawingml/2006/main" xmlns:r="http://schemas.openxmlformats.org/officeDocument/2006/relationships" xmlns:mc="http://schemas.openxmlformats.org/markup-compatibility/2006" xmlns:mv="urn:schemas-microsoft-com:mac:vml" xmlns:p="http://schemas.openxmlformats.org/presentationml/2006/main" xmlns:c="http://schemas.openxmlformats.org/drawingml/2006/chart" xmlns:dgm="http://schemas.openxmlformats.org/drawingml/2006/diagram" xmlns:o="urn:schemas-microsoft-com:office:office" xmlns:v="urn:schemas-microsoft-com:vml" xmlns:pvml="urn:schemas-microsoft-com:office:powerpoint" xmlns:com="http://schemas.openxmlformats.org/drawingml/2006/compatibility" xmlns:p14="http://schemas.microsoft.com/office/powerpoint/2010/main" xmlns:p15="http://schemas.microsoft.com/office/powerpoint/2012/main" xmlns:ahyp="http://schemas.microsoft.com/office/drawing/2018/hyperlinkcolor" matchingName="Section header" type="secHead">
+<p:sldLayout xmlns:a="http://schemas.openxmlformats.org/drawingml/2006/main" xmlns:r="http://schemas.openxmlformats.org/officeDocument/2006/relationships" xmlns:p="http://schemas.openxmlformats.org/presentationml/2006/main" matchingName="Section header" type="secHead">
   <p:cSld name="SECTION_HEADER">
     <p:spTree>
       <p:nvGrpSpPr>
-        <p:cNvPr id="13" name="Shape 13"/>
+        <p:cNvPr id="1" name="Shape 13"/>
         <p:cNvGrpSpPr/>
         <p:nvPr/>
       </p:nvGrpSpPr>
@@ -3023,7 +3135,9 @@
       <p:sp>
         <p:nvSpPr>
           <p:cNvPr id="14" name="Google Shape;14;p3"/>
-          <p:cNvSpPr txBox="1"/>
+          <p:cNvSpPr txBox="1">
+            <a:spLocks noGrp="1"/>
+          </p:cNvSpPr>
           <p:nvPr>
             <p:ph type="title"/>
           </p:nvPr>
@@ -3038,7 +3152,7 @@
           </a:prstGeom>
         </p:spPr>
         <p:txBody>
-          <a:bodyPr anchorCtr="0" anchor="ctr" bIns="91425" lIns="91425" spcFirstLastPara="1" rIns="91425" wrap="square" tIns="91425">
+          <a:bodyPr spcFirstLastPara="1" wrap="square" lIns="91425" tIns="91425" rIns="91425" bIns="91425" anchor="ctr" anchorCtr="0">
             <a:normAutofit/>
           </a:bodyPr>
           <a:lstStyle>
@@ -3142,15 +3256,19 @@
               <a:defRPr sz="3600"/>
             </a:lvl9pPr>
           </a:lstStyle>
-          <a:p/>
+          <a:p>
+            <a:endParaRPr/>
+          </a:p>
         </p:txBody>
       </p:sp>
       <p:sp>
         <p:nvSpPr>
           <p:cNvPr id="15" name="Google Shape;15;p3"/>
-          <p:cNvSpPr txBox="1"/>
+          <p:cNvSpPr txBox="1">
+            <a:spLocks noGrp="1"/>
+          </p:cNvSpPr>
           <p:nvPr>
-            <p:ph idx="12" type="sldNum"/>
+            <p:ph type="sldNum" idx="12"/>
           </p:nvPr>
         </p:nvSpPr>
         <p:spPr>
@@ -3163,7 +3281,7 @@
           </a:prstGeom>
         </p:spPr>
         <p:txBody>
-          <a:bodyPr anchorCtr="0" anchor="ctr" bIns="91425" lIns="91425" spcFirstLastPara="1" rIns="91425" wrap="square" tIns="91425">
+          <a:bodyPr spcFirstLastPara="1" wrap="square" lIns="91425" tIns="91425" rIns="91425" bIns="91425" anchor="ctr" anchorCtr="0">
             <a:normAutofit/>
           </a:bodyPr>
           <a:lstStyle>
@@ -3205,7 +3323,7 @@
             </a:lvl9pPr>
           </a:lstStyle>
           <a:p>
-            <a:pPr indent="0" lvl="0" marL="0" rtl="0" algn="r">
+            <a:pPr marL="0" lvl="0" indent="0" algn="r" rtl="0">
               <a:spcBef>
                 <a:spcPts val="0"/>
               </a:spcBef>
@@ -3231,11 +3349,11 @@
 </file>
 
 <file path=ppt/slideLayouts/slideLayout3.xml><?xml version="1.0" encoding="utf-8"?>
-<p:sldLayout xmlns:a="http://schemas.openxmlformats.org/drawingml/2006/main" xmlns:r="http://schemas.openxmlformats.org/officeDocument/2006/relationships" xmlns:mc="http://schemas.openxmlformats.org/markup-compatibility/2006" xmlns:mv="urn:schemas-microsoft-com:mac:vml" xmlns:p="http://schemas.openxmlformats.org/presentationml/2006/main" xmlns:c="http://schemas.openxmlformats.org/drawingml/2006/chart" xmlns:dgm="http://schemas.openxmlformats.org/drawingml/2006/diagram" xmlns:o="urn:schemas-microsoft-com:office:office" xmlns:v="urn:schemas-microsoft-com:vml" xmlns:pvml="urn:schemas-microsoft-com:office:powerpoint" xmlns:com="http://schemas.openxmlformats.org/drawingml/2006/compatibility" xmlns:p14="http://schemas.microsoft.com/office/powerpoint/2010/main" xmlns:p15="http://schemas.microsoft.com/office/powerpoint/2012/main" xmlns:ahyp="http://schemas.microsoft.com/office/drawing/2018/hyperlinkcolor" matchingName="Title and body" type="tx">
+<p:sldLayout xmlns:a="http://schemas.openxmlformats.org/drawingml/2006/main" xmlns:r="http://schemas.openxmlformats.org/officeDocument/2006/relationships" xmlns:p="http://schemas.openxmlformats.org/presentationml/2006/main" matchingName="Title and body" type="tx">
   <p:cSld name="TITLE_AND_BODY">
     <p:spTree>
       <p:nvGrpSpPr>
-        <p:cNvPr id="16" name="Shape 16"/>
+        <p:cNvPr id="1" name="Shape 16"/>
         <p:cNvGrpSpPr/>
         <p:nvPr/>
       </p:nvGrpSpPr>
@@ -3250,7 +3368,9 @@
       <p:sp>
         <p:nvSpPr>
           <p:cNvPr id="17" name="Google Shape;17;p4"/>
-          <p:cNvSpPr txBox="1"/>
+          <p:cNvSpPr txBox="1">
+            <a:spLocks noGrp="1"/>
+          </p:cNvSpPr>
           <p:nvPr>
             <p:ph type="title"/>
           </p:nvPr>
@@ -3265,7 +3385,7 @@
           </a:prstGeom>
         </p:spPr>
         <p:txBody>
-          <a:bodyPr anchorCtr="0" anchor="t" bIns="91425" lIns="91425" spcFirstLastPara="1" rIns="91425" wrap="square" tIns="91425">
+          <a:bodyPr spcFirstLastPara="1" wrap="square" lIns="91425" tIns="91425" rIns="91425" bIns="91425" anchor="t" anchorCtr="0">
             <a:normAutofit/>
           </a:bodyPr>
           <a:lstStyle>
@@ -3369,15 +3489,19 @@
               <a:defRPr/>
             </a:lvl9pPr>
           </a:lstStyle>
-          <a:p/>
+          <a:p>
+            <a:endParaRPr/>
+          </a:p>
         </p:txBody>
       </p:sp>
       <p:sp>
         <p:nvSpPr>
           <p:cNvPr id="18" name="Google Shape;18;p4"/>
-          <p:cNvSpPr txBox="1"/>
+          <p:cNvSpPr txBox="1">
+            <a:spLocks noGrp="1"/>
+          </p:cNvSpPr>
           <p:nvPr>
-            <p:ph idx="1" type="body"/>
+            <p:ph type="body" idx="1"/>
           </p:nvPr>
         </p:nvSpPr>
         <p:spPr>
@@ -3390,11 +3514,11 @@
           </a:prstGeom>
         </p:spPr>
         <p:txBody>
-          <a:bodyPr anchorCtr="0" anchor="t" bIns="91425" lIns="91425" spcFirstLastPara="1" rIns="91425" wrap="square" tIns="91425">
+          <a:bodyPr spcFirstLastPara="1" wrap="square" lIns="91425" tIns="91425" rIns="91425" bIns="91425" anchor="t" anchorCtr="0">
             <a:normAutofit/>
           </a:bodyPr>
           <a:lstStyle>
-            <a:lvl1pPr indent="-342900" lvl="0" marL="457200">
+            <a:lvl1pPr marL="457200" lvl="0" indent="-342900">
               <a:spcBef>
                 <a:spcPts val="0"/>
               </a:spcBef>
@@ -3405,7 +3529,7 @@
               <a:buChar char="●"/>
               <a:defRPr/>
             </a:lvl1pPr>
-            <a:lvl2pPr indent="-317500" lvl="1" marL="914400">
+            <a:lvl2pPr marL="914400" lvl="1" indent="-317500">
               <a:spcBef>
                 <a:spcPts val="0"/>
               </a:spcBef>
@@ -3416,7 +3540,7 @@
               <a:buChar char="○"/>
               <a:defRPr/>
             </a:lvl2pPr>
-            <a:lvl3pPr indent="-317500" lvl="2" marL="1371600">
+            <a:lvl3pPr marL="1371600" lvl="2" indent="-317500">
               <a:spcBef>
                 <a:spcPts val="0"/>
               </a:spcBef>
@@ -3427,7 +3551,7 @@
               <a:buChar char="■"/>
               <a:defRPr/>
             </a:lvl3pPr>
-            <a:lvl4pPr indent="-317500" lvl="3" marL="1828800">
+            <a:lvl4pPr marL="1828800" lvl="3" indent="-317500">
               <a:spcBef>
                 <a:spcPts val="0"/>
               </a:spcBef>
@@ -3438,7 +3562,7 @@
               <a:buChar char="●"/>
               <a:defRPr/>
             </a:lvl4pPr>
-            <a:lvl5pPr indent="-317500" lvl="4" marL="2286000">
+            <a:lvl5pPr marL="2286000" lvl="4" indent="-317500">
               <a:spcBef>
                 <a:spcPts val="0"/>
               </a:spcBef>
@@ -3449,7 +3573,7 @@
               <a:buChar char="○"/>
               <a:defRPr/>
             </a:lvl5pPr>
-            <a:lvl6pPr indent="-317500" lvl="5" marL="2743200">
+            <a:lvl6pPr marL="2743200" lvl="5" indent="-317500">
               <a:spcBef>
                 <a:spcPts val="0"/>
               </a:spcBef>
@@ -3460,7 +3584,7 @@
               <a:buChar char="■"/>
               <a:defRPr/>
             </a:lvl6pPr>
-            <a:lvl7pPr indent="-317500" lvl="6" marL="3200400">
+            <a:lvl7pPr marL="3200400" lvl="6" indent="-317500">
               <a:spcBef>
                 <a:spcPts val="0"/>
               </a:spcBef>
@@ -3471,7 +3595,7 @@
               <a:buChar char="●"/>
               <a:defRPr/>
             </a:lvl7pPr>
-            <a:lvl8pPr indent="-317500" lvl="7" marL="3657600">
+            <a:lvl8pPr marL="3657600" lvl="7" indent="-317500">
               <a:spcBef>
                 <a:spcPts val="0"/>
               </a:spcBef>
@@ -3482,7 +3606,7 @@
               <a:buChar char="○"/>
               <a:defRPr/>
             </a:lvl8pPr>
-            <a:lvl9pPr indent="-317500" lvl="8" marL="4114800">
+            <a:lvl9pPr marL="4114800" lvl="8" indent="-317500">
               <a:spcBef>
                 <a:spcPts val="0"/>
               </a:spcBef>
@@ -3494,15 +3618,19 @@
               <a:defRPr/>
             </a:lvl9pPr>
           </a:lstStyle>
-          <a:p/>
+          <a:p>
+            <a:endParaRPr/>
+          </a:p>
         </p:txBody>
       </p:sp>
       <p:sp>
         <p:nvSpPr>
           <p:cNvPr id="19" name="Google Shape;19;p4"/>
-          <p:cNvSpPr txBox="1"/>
+          <p:cNvSpPr txBox="1">
+            <a:spLocks noGrp="1"/>
+          </p:cNvSpPr>
           <p:nvPr>
-            <p:ph idx="12" type="sldNum"/>
+            <p:ph type="sldNum" idx="12"/>
           </p:nvPr>
         </p:nvSpPr>
         <p:spPr>
@@ -3515,7 +3643,7 @@
           </a:prstGeom>
         </p:spPr>
         <p:txBody>
-          <a:bodyPr anchorCtr="0" anchor="ctr" bIns="91425" lIns="91425" spcFirstLastPara="1" rIns="91425" wrap="square" tIns="91425">
+          <a:bodyPr spcFirstLastPara="1" wrap="square" lIns="91425" tIns="91425" rIns="91425" bIns="91425" anchor="ctr" anchorCtr="0">
             <a:normAutofit/>
           </a:bodyPr>
           <a:lstStyle>
@@ -3557,7 +3685,7 @@
             </a:lvl9pPr>
           </a:lstStyle>
           <a:p>
-            <a:pPr indent="0" lvl="0" marL="0" rtl="0" algn="r">
+            <a:pPr marL="0" lvl="0" indent="0" algn="r" rtl="0">
               <a:spcBef>
                 <a:spcPts val="0"/>
               </a:spcBef>
@@ -3583,11 +3711,11 @@
 </file>
 
 <file path=ppt/slideLayouts/slideLayout4.xml><?xml version="1.0" encoding="utf-8"?>
-<p:sldLayout xmlns:a="http://schemas.openxmlformats.org/drawingml/2006/main" xmlns:r="http://schemas.openxmlformats.org/officeDocument/2006/relationships" xmlns:mc="http://schemas.openxmlformats.org/markup-compatibility/2006" xmlns:mv="urn:schemas-microsoft-com:mac:vml" xmlns:p="http://schemas.openxmlformats.org/presentationml/2006/main" xmlns:c="http://schemas.openxmlformats.org/drawingml/2006/chart" xmlns:dgm="http://schemas.openxmlformats.org/drawingml/2006/diagram" xmlns:o="urn:schemas-microsoft-com:office:office" xmlns:v="urn:schemas-microsoft-com:vml" xmlns:pvml="urn:schemas-microsoft-com:office:powerpoint" xmlns:com="http://schemas.openxmlformats.org/drawingml/2006/compatibility" xmlns:p14="http://schemas.microsoft.com/office/powerpoint/2010/main" xmlns:p15="http://schemas.microsoft.com/office/powerpoint/2012/main" xmlns:ahyp="http://schemas.microsoft.com/office/drawing/2018/hyperlinkcolor" matchingName="Title and two columns" type="twoColTx">
+<p:sldLayout xmlns:a="http://schemas.openxmlformats.org/drawingml/2006/main" xmlns:r="http://schemas.openxmlformats.org/officeDocument/2006/relationships" xmlns:p="http://schemas.openxmlformats.org/presentationml/2006/main" matchingName="Title and two columns" type="twoColTx">
   <p:cSld name="TITLE_AND_TWO_COLUMNS">
     <p:spTree>
       <p:nvGrpSpPr>
-        <p:cNvPr id="20" name="Shape 20"/>
+        <p:cNvPr id="1" name="Shape 20"/>
         <p:cNvGrpSpPr/>
         <p:nvPr/>
       </p:nvGrpSpPr>
@@ -3602,7 +3730,9 @@
       <p:sp>
         <p:nvSpPr>
           <p:cNvPr id="21" name="Google Shape;21;p5"/>
-          <p:cNvSpPr txBox="1"/>
+          <p:cNvSpPr txBox="1">
+            <a:spLocks noGrp="1"/>
+          </p:cNvSpPr>
           <p:nvPr>
             <p:ph type="title"/>
           </p:nvPr>
@@ -3617,7 +3747,7 @@
           </a:prstGeom>
         </p:spPr>
         <p:txBody>
-          <a:bodyPr anchorCtr="0" anchor="t" bIns="91425" lIns="91425" spcFirstLastPara="1" rIns="91425" wrap="square" tIns="91425">
+          <a:bodyPr spcFirstLastPara="1" wrap="square" lIns="91425" tIns="91425" rIns="91425" bIns="91425" anchor="t" anchorCtr="0">
             <a:normAutofit/>
           </a:bodyPr>
           <a:lstStyle>
@@ -3721,15 +3851,19 @@
               <a:defRPr/>
             </a:lvl9pPr>
           </a:lstStyle>
-          <a:p/>
+          <a:p>
+            <a:endParaRPr/>
+          </a:p>
         </p:txBody>
       </p:sp>
       <p:sp>
         <p:nvSpPr>
           <p:cNvPr id="22" name="Google Shape;22;p5"/>
-          <p:cNvSpPr txBox="1"/>
+          <p:cNvSpPr txBox="1">
+            <a:spLocks noGrp="1"/>
+          </p:cNvSpPr>
           <p:nvPr>
-            <p:ph idx="1" type="body"/>
+            <p:ph type="body" idx="1"/>
           </p:nvPr>
         </p:nvSpPr>
         <p:spPr>
@@ -3742,11 +3876,11 @@
           </a:prstGeom>
         </p:spPr>
         <p:txBody>
-          <a:bodyPr anchorCtr="0" anchor="t" bIns="91425" lIns="91425" spcFirstLastPara="1" rIns="91425" wrap="square" tIns="91425">
+          <a:bodyPr spcFirstLastPara="1" wrap="square" lIns="91425" tIns="91425" rIns="91425" bIns="91425" anchor="t" anchorCtr="0">
             <a:normAutofit/>
           </a:bodyPr>
           <a:lstStyle>
-            <a:lvl1pPr indent="-317500" lvl="0" marL="457200">
+            <a:lvl1pPr marL="457200" lvl="0" indent="-317500">
               <a:spcBef>
                 <a:spcPts val="0"/>
               </a:spcBef>
@@ -3757,7 +3891,7 @@
               <a:buChar char="●"/>
               <a:defRPr sz="1400"/>
             </a:lvl1pPr>
-            <a:lvl2pPr indent="-304800" lvl="1" marL="914400">
+            <a:lvl2pPr marL="914400" lvl="1" indent="-304800">
               <a:spcBef>
                 <a:spcPts val="0"/>
               </a:spcBef>
@@ -3768,7 +3902,7 @@
               <a:buChar char="○"/>
               <a:defRPr sz="1200"/>
             </a:lvl2pPr>
-            <a:lvl3pPr indent="-304800" lvl="2" marL="1371600">
+            <a:lvl3pPr marL="1371600" lvl="2" indent="-304800">
               <a:spcBef>
                 <a:spcPts val="0"/>
               </a:spcBef>
@@ -3779,7 +3913,7 @@
               <a:buChar char="■"/>
               <a:defRPr sz="1200"/>
             </a:lvl3pPr>
-            <a:lvl4pPr indent="-304800" lvl="3" marL="1828800">
+            <a:lvl4pPr marL="1828800" lvl="3" indent="-304800">
               <a:spcBef>
                 <a:spcPts val="0"/>
               </a:spcBef>
@@ -3790,7 +3924,7 @@
               <a:buChar char="●"/>
               <a:defRPr sz="1200"/>
             </a:lvl4pPr>
-            <a:lvl5pPr indent="-304800" lvl="4" marL="2286000">
+            <a:lvl5pPr marL="2286000" lvl="4" indent="-304800">
               <a:spcBef>
                 <a:spcPts val="0"/>
               </a:spcBef>
@@ -3801,7 +3935,7 @@
               <a:buChar char="○"/>
               <a:defRPr sz="1200"/>
             </a:lvl5pPr>
-            <a:lvl6pPr indent="-304800" lvl="5" marL="2743200">
+            <a:lvl6pPr marL="2743200" lvl="5" indent="-304800">
               <a:spcBef>
                 <a:spcPts val="0"/>
               </a:spcBef>
@@ -3812,7 +3946,7 @@
               <a:buChar char="■"/>
               <a:defRPr sz="1200"/>
             </a:lvl6pPr>
-            <a:lvl7pPr indent="-304800" lvl="6" marL="3200400">
+            <a:lvl7pPr marL="3200400" lvl="6" indent="-304800">
               <a:spcBef>
                 <a:spcPts val="0"/>
               </a:spcBef>
@@ -3823,7 +3957,7 @@
               <a:buChar char="●"/>
               <a:defRPr sz="1200"/>
             </a:lvl7pPr>
-            <a:lvl8pPr indent="-304800" lvl="7" marL="3657600">
+            <a:lvl8pPr marL="3657600" lvl="7" indent="-304800">
               <a:spcBef>
                 <a:spcPts val="0"/>
               </a:spcBef>
@@ -3834,7 +3968,7 @@
               <a:buChar char="○"/>
               <a:defRPr sz="1200"/>
             </a:lvl8pPr>
-            <a:lvl9pPr indent="-304800" lvl="8" marL="4114800">
+            <a:lvl9pPr marL="4114800" lvl="8" indent="-304800">
               <a:spcBef>
                 <a:spcPts val="0"/>
               </a:spcBef>
@@ -3846,15 +3980,19 @@
               <a:defRPr sz="1200"/>
             </a:lvl9pPr>
           </a:lstStyle>
-          <a:p/>
+          <a:p>
+            <a:endParaRPr/>
+          </a:p>
         </p:txBody>
       </p:sp>
       <p:sp>
         <p:nvSpPr>
           <p:cNvPr id="23" name="Google Shape;23;p5"/>
-          <p:cNvSpPr txBox="1"/>
+          <p:cNvSpPr txBox="1">
+            <a:spLocks noGrp="1"/>
+          </p:cNvSpPr>
           <p:nvPr>
-            <p:ph idx="2" type="body"/>
+            <p:ph type="body" idx="2"/>
           </p:nvPr>
         </p:nvSpPr>
         <p:spPr>
@@ -3867,11 +4005,11 @@
           </a:prstGeom>
         </p:spPr>
         <p:txBody>
-          <a:bodyPr anchorCtr="0" anchor="t" bIns="91425" lIns="91425" spcFirstLastPara="1" rIns="91425" wrap="square" tIns="91425">
+          <a:bodyPr spcFirstLastPara="1" wrap="square" lIns="91425" tIns="91425" rIns="91425" bIns="91425" anchor="t" anchorCtr="0">
             <a:normAutofit/>
           </a:bodyPr>
           <a:lstStyle>
-            <a:lvl1pPr indent="-317500" lvl="0" marL="457200">
+            <a:lvl1pPr marL="457200" lvl="0" indent="-317500">
               <a:spcBef>
                 <a:spcPts val="0"/>
               </a:spcBef>
@@ -3882,7 +4020,7 @@
               <a:buChar char="●"/>
               <a:defRPr sz="1400"/>
             </a:lvl1pPr>
-            <a:lvl2pPr indent="-304800" lvl="1" marL="914400">
+            <a:lvl2pPr marL="914400" lvl="1" indent="-304800">
               <a:spcBef>
                 <a:spcPts val="0"/>
               </a:spcBef>
@@ -3893,7 +4031,7 @@
               <a:buChar char="○"/>
               <a:defRPr sz="1200"/>
             </a:lvl2pPr>
-            <a:lvl3pPr indent="-304800" lvl="2" marL="1371600">
+            <a:lvl3pPr marL="1371600" lvl="2" indent="-304800">
               <a:spcBef>
                 <a:spcPts val="0"/>
               </a:spcBef>
@@ -3904,7 +4042,7 @@
               <a:buChar char="■"/>
               <a:defRPr sz="1200"/>
             </a:lvl3pPr>
-            <a:lvl4pPr indent="-304800" lvl="3" marL="1828800">
+            <a:lvl4pPr marL="1828800" lvl="3" indent="-304800">
               <a:spcBef>
                 <a:spcPts val="0"/>
               </a:spcBef>
@@ -3915,7 +4053,7 @@
               <a:buChar char="●"/>
               <a:defRPr sz="1200"/>
             </a:lvl4pPr>
-            <a:lvl5pPr indent="-304800" lvl="4" marL="2286000">
+            <a:lvl5pPr marL="2286000" lvl="4" indent="-304800">
               <a:spcBef>
                 <a:spcPts val="0"/>
               </a:spcBef>
@@ -3926,7 +4064,7 @@
               <a:buChar char="○"/>
               <a:defRPr sz="1200"/>
             </a:lvl5pPr>
-            <a:lvl6pPr indent="-304800" lvl="5" marL="2743200">
+            <a:lvl6pPr marL="2743200" lvl="5" indent="-304800">
               <a:spcBef>
                 <a:spcPts val="0"/>
               </a:spcBef>
@@ -3937,7 +4075,7 @@
               <a:buChar char="■"/>
               <a:defRPr sz="1200"/>
             </a:lvl6pPr>
-            <a:lvl7pPr indent="-304800" lvl="6" marL="3200400">
+            <a:lvl7pPr marL="3200400" lvl="6" indent="-304800">
               <a:spcBef>
                 <a:spcPts val="0"/>
               </a:spcBef>
@@ -3948,7 +4086,7 @@
               <a:buChar char="●"/>
               <a:defRPr sz="1200"/>
             </a:lvl7pPr>
-            <a:lvl8pPr indent="-304800" lvl="7" marL="3657600">
+            <a:lvl8pPr marL="3657600" lvl="7" indent="-304800">
               <a:spcBef>
                 <a:spcPts val="0"/>
               </a:spcBef>
@@ -3959,7 +4097,7 @@
               <a:buChar char="○"/>
               <a:defRPr sz="1200"/>
             </a:lvl8pPr>
-            <a:lvl9pPr indent="-304800" lvl="8" marL="4114800">
+            <a:lvl9pPr marL="4114800" lvl="8" indent="-304800">
               <a:spcBef>
                 <a:spcPts val="0"/>
               </a:spcBef>
@@ -3971,15 +4109,19 @@
               <a:defRPr sz="1200"/>
             </a:lvl9pPr>
           </a:lstStyle>
-          <a:p/>
+          <a:p>
+            <a:endParaRPr/>
+          </a:p>
         </p:txBody>
       </p:sp>
       <p:sp>
         <p:nvSpPr>
           <p:cNvPr id="24" name="Google Shape;24;p5"/>
-          <p:cNvSpPr txBox="1"/>
+          <p:cNvSpPr txBox="1">
+            <a:spLocks noGrp="1"/>
+          </p:cNvSpPr>
           <p:nvPr>
-            <p:ph idx="12" type="sldNum"/>
+            <p:ph type="sldNum" idx="12"/>
           </p:nvPr>
         </p:nvSpPr>
         <p:spPr>
@@ -3992,7 +4134,7 @@
           </a:prstGeom>
         </p:spPr>
         <p:txBody>
-          <a:bodyPr anchorCtr="0" anchor="ctr" bIns="91425" lIns="91425" spcFirstLastPara="1" rIns="91425" wrap="square" tIns="91425">
+          <a:bodyPr spcFirstLastPara="1" wrap="square" lIns="91425" tIns="91425" rIns="91425" bIns="91425" anchor="ctr" anchorCtr="0">
             <a:normAutofit/>
           </a:bodyPr>
           <a:lstStyle>
@@ -4034,7 +4176,7 @@
             </a:lvl9pPr>
           </a:lstStyle>
           <a:p>
-            <a:pPr indent="0" lvl="0" marL="0" rtl="0" algn="r">
+            <a:pPr marL="0" lvl="0" indent="0" algn="r" rtl="0">
               <a:spcBef>
                 <a:spcPts val="0"/>
               </a:spcBef>
@@ -4060,11 +4202,11 @@
 </file>
 
 <file path=ppt/slideLayouts/slideLayout5.xml><?xml version="1.0" encoding="utf-8"?>
-<p:sldLayout xmlns:a="http://schemas.openxmlformats.org/drawingml/2006/main" xmlns:r="http://schemas.openxmlformats.org/officeDocument/2006/relationships" xmlns:mc="http://schemas.openxmlformats.org/markup-compatibility/2006" xmlns:mv="urn:schemas-microsoft-com:mac:vml" xmlns:p="http://schemas.openxmlformats.org/presentationml/2006/main" xmlns:c="http://schemas.openxmlformats.org/drawingml/2006/chart" xmlns:dgm="http://schemas.openxmlformats.org/drawingml/2006/diagram" xmlns:o="urn:schemas-microsoft-com:office:office" xmlns:v="urn:schemas-microsoft-com:vml" xmlns:pvml="urn:schemas-microsoft-com:office:powerpoint" xmlns:com="http://schemas.openxmlformats.org/drawingml/2006/compatibility" xmlns:p14="http://schemas.microsoft.com/office/powerpoint/2010/main" xmlns:p15="http://schemas.microsoft.com/office/powerpoint/2012/main" xmlns:ahyp="http://schemas.microsoft.com/office/drawing/2018/hyperlinkcolor" matchingName="Title only" type="titleOnly">
+<p:sldLayout xmlns:a="http://schemas.openxmlformats.org/drawingml/2006/main" xmlns:r="http://schemas.openxmlformats.org/officeDocument/2006/relationships" xmlns:p="http://schemas.openxmlformats.org/presentationml/2006/main" matchingName="Title only" type="titleOnly">
   <p:cSld name="TITLE_ONLY">
     <p:spTree>
       <p:nvGrpSpPr>
-        <p:cNvPr id="25" name="Shape 25"/>
+        <p:cNvPr id="1" name="Shape 25"/>
         <p:cNvGrpSpPr/>
         <p:nvPr/>
       </p:nvGrpSpPr>
@@ -4079,7 +4221,9 @@
       <p:sp>
         <p:nvSpPr>
           <p:cNvPr id="26" name="Google Shape;26;p6"/>
-          <p:cNvSpPr txBox="1"/>
+          <p:cNvSpPr txBox="1">
+            <a:spLocks noGrp="1"/>
+          </p:cNvSpPr>
           <p:nvPr>
             <p:ph type="title"/>
           </p:nvPr>
@@ -4094,7 +4238,7 @@
           </a:prstGeom>
         </p:spPr>
         <p:txBody>
-          <a:bodyPr anchorCtr="0" anchor="t" bIns="91425" lIns="91425" spcFirstLastPara="1" rIns="91425" wrap="square" tIns="91425">
+          <a:bodyPr spcFirstLastPara="1" wrap="square" lIns="91425" tIns="91425" rIns="91425" bIns="91425" anchor="t" anchorCtr="0">
             <a:normAutofit/>
           </a:bodyPr>
           <a:lstStyle>
@@ -4198,15 +4342,19 @@
               <a:defRPr/>
             </a:lvl9pPr>
           </a:lstStyle>
-          <a:p/>
+          <a:p>
+            <a:endParaRPr/>
+          </a:p>
         </p:txBody>
       </p:sp>
       <p:sp>
         <p:nvSpPr>
           <p:cNvPr id="27" name="Google Shape;27;p6"/>
-          <p:cNvSpPr txBox="1"/>
+          <p:cNvSpPr txBox="1">
+            <a:spLocks noGrp="1"/>
+          </p:cNvSpPr>
           <p:nvPr>
-            <p:ph idx="12" type="sldNum"/>
+            <p:ph type="sldNum" idx="12"/>
           </p:nvPr>
         </p:nvSpPr>
         <p:spPr>
@@ -4219,7 +4367,7 @@
           </a:prstGeom>
         </p:spPr>
         <p:txBody>
-          <a:bodyPr anchorCtr="0" anchor="ctr" bIns="91425" lIns="91425" spcFirstLastPara="1" rIns="91425" wrap="square" tIns="91425">
+          <a:bodyPr spcFirstLastPara="1" wrap="square" lIns="91425" tIns="91425" rIns="91425" bIns="91425" anchor="ctr" anchorCtr="0">
             <a:normAutofit/>
           </a:bodyPr>
           <a:lstStyle>
@@ -4261,7 +4409,7 @@
             </a:lvl9pPr>
           </a:lstStyle>
           <a:p>
-            <a:pPr indent="0" lvl="0" marL="0" rtl="0" algn="r">
+            <a:pPr marL="0" lvl="0" indent="0" algn="r" rtl="0">
               <a:spcBef>
                 <a:spcPts val="0"/>
               </a:spcBef>
@@ -4287,11 +4435,11 @@
 </file>
 
 <file path=ppt/slideLayouts/slideLayout6.xml><?xml version="1.0" encoding="utf-8"?>
-<p:sldLayout xmlns:a="http://schemas.openxmlformats.org/drawingml/2006/main" xmlns:r="http://schemas.openxmlformats.org/officeDocument/2006/relationships" xmlns:mc="http://schemas.openxmlformats.org/markup-compatibility/2006" xmlns:mv="urn:schemas-microsoft-com:mac:vml" xmlns:p="http://schemas.openxmlformats.org/presentationml/2006/main" xmlns:c="http://schemas.openxmlformats.org/drawingml/2006/chart" xmlns:dgm="http://schemas.openxmlformats.org/drawingml/2006/diagram" xmlns:o="urn:schemas-microsoft-com:office:office" xmlns:v="urn:schemas-microsoft-com:vml" xmlns:pvml="urn:schemas-microsoft-com:office:powerpoint" xmlns:com="http://schemas.openxmlformats.org/drawingml/2006/compatibility" xmlns:p14="http://schemas.microsoft.com/office/powerpoint/2010/main" xmlns:p15="http://schemas.microsoft.com/office/powerpoint/2012/main" xmlns:ahyp="http://schemas.microsoft.com/office/drawing/2018/hyperlinkcolor" matchingName="One column text">
+<p:sldLayout xmlns:a="http://schemas.openxmlformats.org/drawingml/2006/main" xmlns:r="http://schemas.openxmlformats.org/officeDocument/2006/relationships" xmlns:p="http://schemas.openxmlformats.org/presentationml/2006/main" matchingName="One column text">
   <p:cSld name="ONE_COLUMN_TEXT">
     <p:spTree>
       <p:nvGrpSpPr>
-        <p:cNvPr id="28" name="Shape 28"/>
+        <p:cNvPr id="1" name="Shape 28"/>
         <p:cNvGrpSpPr/>
         <p:nvPr/>
       </p:nvGrpSpPr>
@@ -4306,7 +4454,9 @@
       <p:sp>
         <p:nvSpPr>
           <p:cNvPr id="29" name="Google Shape;29;p7"/>
-          <p:cNvSpPr txBox="1"/>
+          <p:cNvSpPr txBox="1">
+            <a:spLocks noGrp="1"/>
+          </p:cNvSpPr>
           <p:nvPr>
             <p:ph type="title"/>
           </p:nvPr>
@@ -4321,7 +4471,7 @@
           </a:prstGeom>
         </p:spPr>
         <p:txBody>
-          <a:bodyPr anchorCtr="0" anchor="b" bIns="91425" lIns="91425" spcFirstLastPara="1" rIns="91425" wrap="square" tIns="91425">
+          <a:bodyPr spcFirstLastPara="1" wrap="square" lIns="91425" tIns="91425" rIns="91425" bIns="91425" anchor="b" anchorCtr="0">
             <a:normAutofit/>
           </a:bodyPr>
           <a:lstStyle>
@@ -4425,15 +4575,19 @@
               <a:defRPr sz="2400"/>
             </a:lvl9pPr>
           </a:lstStyle>
-          <a:p/>
+          <a:p>
+            <a:endParaRPr/>
+          </a:p>
         </p:txBody>
       </p:sp>
       <p:sp>
         <p:nvSpPr>
           <p:cNvPr id="30" name="Google Shape;30;p7"/>
-          <p:cNvSpPr txBox="1"/>
+          <p:cNvSpPr txBox="1">
+            <a:spLocks noGrp="1"/>
+          </p:cNvSpPr>
           <p:nvPr>
-            <p:ph idx="1" type="body"/>
+            <p:ph type="body" idx="1"/>
           </p:nvPr>
         </p:nvSpPr>
         <p:spPr>
@@ -4446,11 +4600,11 @@
           </a:prstGeom>
         </p:spPr>
         <p:txBody>
-          <a:bodyPr anchorCtr="0" anchor="t" bIns="91425" lIns="91425" spcFirstLastPara="1" rIns="91425" wrap="square" tIns="91425">
+          <a:bodyPr spcFirstLastPara="1" wrap="square" lIns="91425" tIns="91425" rIns="91425" bIns="91425" anchor="t" anchorCtr="0">
             <a:normAutofit/>
           </a:bodyPr>
           <a:lstStyle>
-            <a:lvl1pPr indent="-304800" lvl="0" marL="457200">
+            <a:lvl1pPr marL="457200" lvl="0" indent="-304800">
               <a:spcBef>
                 <a:spcPts val="0"/>
               </a:spcBef>
@@ -4461,7 +4615,7 @@
               <a:buChar char="●"/>
               <a:defRPr sz="1200"/>
             </a:lvl1pPr>
-            <a:lvl2pPr indent="-304800" lvl="1" marL="914400">
+            <a:lvl2pPr marL="914400" lvl="1" indent="-304800">
               <a:spcBef>
                 <a:spcPts val="0"/>
               </a:spcBef>
@@ -4472,7 +4626,7 @@
               <a:buChar char="○"/>
               <a:defRPr sz="1200"/>
             </a:lvl2pPr>
-            <a:lvl3pPr indent="-304800" lvl="2" marL="1371600">
+            <a:lvl3pPr marL="1371600" lvl="2" indent="-304800">
               <a:spcBef>
                 <a:spcPts val="0"/>
               </a:spcBef>
@@ -4483,7 +4637,7 @@
               <a:buChar char="■"/>
               <a:defRPr sz="1200"/>
             </a:lvl3pPr>
-            <a:lvl4pPr indent="-304800" lvl="3" marL="1828800">
+            <a:lvl4pPr marL="1828800" lvl="3" indent="-304800">
               <a:spcBef>
                 <a:spcPts val="0"/>
               </a:spcBef>
@@ -4494,7 +4648,7 @@
               <a:buChar char="●"/>
               <a:defRPr sz="1200"/>
             </a:lvl4pPr>
-            <a:lvl5pPr indent="-304800" lvl="4" marL="2286000">
+            <a:lvl5pPr marL="2286000" lvl="4" indent="-304800">
               <a:spcBef>
                 <a:spcPts val="0"/>
               </a:spcBef>
@@ -4505,7 +4659,7 @@
               <a:buChar char="○"/>
               <a:defRPr sz="1200"/>
             </a:lvl5pPr>
-            <a:lvl6pPr indent="-304800" lvl="5" marL="2743200">
+            <a:lvl6pPr marL="2743200" lvl="5" indent="-304800">
               <a:spcBef>
                 <a:spcPts val="0"/>
               </a:spcBef>
@@ -4516,7 +4670,7 @@
               <a:buChar char="■"/>
               <a:defRPr sz="1200"/>
             </a:lvl6pPr>
-            <a:lvl7pPr indent="-304800" lvl="6" marL="3200400">
+            <a:lvl7pPr marL="3200400" lvl="6" indent="-304800">
               <a:spcBef>
                 <a:spcPts val="0"/>
               </a:spcBef>
@@ -4527,7 +4681,7 @@
               <a:buChar char="●"/>
               <a:defRPr sz="1200"/>
             </a:lvl7pPr>
-            <a:lvl8pPr indent="-304800" lvl="7" marL="3657600">
+            <a:lvl8pPr marL="3657600" lvl="7" indent="-304800">
               <a:spcBef>
                 <a:spcPts val="0"/>
               </a:spcBef>
@@ -4538,7 +4692,7 @@
               <a:buChar char="○"/>
               <a:defRPr sz="1200"/>
             </a:lvl8pPr>
-            <a:lvl9pPr indent="-304800" lvl="8" marL="4114800">
+            <a:lvl9pPr marL="4114800" lvl="8" indent="-304800">
               <a:spcBef>
                 <a:spcPts val="0"/>
               </a:spcBef>
@@ -4550,15 +4704,19 @@
               <a:defRPr sz="1200"/>
             </a:lvl9pPr>
           </a:lstStyle>
-          <a:p/>
+          <a:p>
+            <a:endParaRPr/>
+          </a:p>
         </p:txBody>
       </p:sp>
       <p:sp>
         <p:nvSpPr>
           <p:cNvPr id="31" name="Google Shape;31;p7"/>
-          <p:cNvSpPr txBox="1"/>
+          <p:cNvSpPr txBox="1">
+            <a:spLocks noGrp="1"/>
+          </p:cNvSpPr>
           <p:nvPr>
-            <p:ph idx="12" type="sldNum"/>
+            <p:ph type="sldNum" idx="12"/>
           </p:nvPr>
         </p:nvSpPr>
         <p:spPr>
@@ -4571,7 +4729,7 @@
           </a:prstGeom>
         </p:spPr>
         <p:txBody>
-          <a:bodyPr anchorCtr="0" anchor="ctr" bIns="91425" lIns="91425" spcFirstLastPara="1" rIns="91425" wrap="square" tIns="91425">
+          <a:bodyPr spcFirstLastPara="1" wrap="square" lIns="91425" tIns="91425" rIns="91425" bIns="91425" anchor="ctr" anchorCtr="0">
             <a:normAutofit/>
           </a:bodyPr>
           <a:lstStyle>
@@ -4613,7 +4771,7 @@
             </a:lvl9pPr>
           </a:lstStyle>
           <a:p>
-            <a:pPr indent="0" lvl="0" marL="0" rtl="0" algn="r">
+            <a:pPr marL="0" lvl="0" indent="0" algn="r" rtl="0">
               <a:spcBef>
                 <a:spcPts val="0"/>
               </a:spcBef>
@@ -4639,11 +4797,11 @@
 </file>
 
 <file path=ppt/slideLayouts/slideLayout7.xml><?xml version="1.0" encoding="utf-8"?>
-<p:sldLayout xmlns:a="http://schemas.openxmlformats.org/drawingml/2006/main" xmlns:r="http://schemas.openxmlformats.org/officeDocument/2006/relationships" xmlns:mc="http://schemas.openxmlformats.org/markup-compatibility/2006" xmlns:mv="urn:schemas-microsoft-com:mac:vml" xmlns:p="http://schemas.openxmlformats.org/presentationml/2006/main" xmlns:c="http://schemas.openxmlformats.org/drawingml/2006/chart" xmlns:dgm="http://schemas.openxmlformats.org/drawingml/2006/diagram" xmlns:o="urn:schemas-microsoft-com:office:office" xmlns:v="urn:schemas-microsoft-com:vml" xmlns:pvml="urn:schemas-microsoft-com:office:powerpoint" xmlns:com="http://schemas.openxmlformats.org/drawingml/2006/compatibility" xmlns:p14="http://schemas.microsoft.com/office/powerpoint/2010/main" xmlns:p15="http://schemas.microsoft.com/office/powerpoint/2012/main" xmlns:ahyp="http://schemas.microsoft.com/office/drawing/2018/hyperlinkcolor" matchingName="Main point">
+<p:sldLayout xmlns:a="http://schemas.openxmlformats.org/drawingml/2006/main" xmlns:r="http://schemas.openxmlformats.org/officeDocument/2006/relationships" xmlns:p="http://schemas.openxmlformats.org/presentationml/2006/main" matchingName="Main point">
   <p:cSld name="MAIN_POINT">
     <p:spTree>
       <p:nvGrpSpPr>
-        <p:cNvPr id="32" name="Shape 32"/>
+        <p:cNvPr id="1" name="Shape 32"/>
         <p:cNvGrpSpPr/>
         <p:nvPr/>
       </p:nvGrpSpPr>
@@ -4658,7 +4816,9 @@
       <p:sp>
         <p:nvSpPr>
           <p:cNvPr id="33" name="Google Shape;33;p8"/>
-          <p:cNvSpPr txBox="1"/>
+          <p:cNvSpPr txBox="1">
+            <a:spLocks noGrp="1"/>
+          </p:cNvSpPr>
           <p:nvPr>
             <p:ph type="title"/>
           </p:nvPr>
@@ -4673,7 +4833,7 @@
           </a:prstGeom>
         </p:spPr>
         <p:txBody>
-          <a:bodyPr anchorCtr="0" anchor="ctr" bIns="91425" lIns="91425" spcFirstLastPara="1" rIns="91425" wrap="square" tIns="91425">
+          <a:bodyPr spcFirstLastPara="1" wrap="square" lIns="91425" tIns="91425" rIns="91425" bIns="91425" anchor="ctr" anchorCtr="0">
             <a:normAutofit/>
           </a:bodyPr>
           <a:lstStyle>
@@ -4777,15 +4937,19 @@
               <a:defRPr sz="4800"/>
             </a:lvl9pPr>
           </a:lstStyle>
-          <a:p/>
+          <a:p>
+            <a:endParaRPr/>
+          </a:p>
         </p:txBody>
       </p:sp>
       <p:sp>
         <p:nvSpPr>
           <p:cNvPr id="34" name="Google Shape;34;p8"/>
-          <p:cNvSpPr txBox="1"/>
+          <p:cNvSpPr txBox="1">
+            <a:spLocks noGrp="1"/>
+          </p:cNvSpPr>
           <p:nvPr>
-            <p:ph idx="12" type="sldNum"/>
+            <p:ph type="sldNum" idx="12"/>
           </p:nvPr>
         </p:nvSpPr>
         <p:spPr>
@@ -4798,7 +4962,7 @@
           </a:prstGeom>
         </p:spPr>
         <p:txBody>
-          <a:bodyPr anchorCtr="0" anchor="ctr" bIns="91425" lIns="91425" spcFirstLastPara="1" rIns="91425" wrap="square" tIns="91425">
+          <a:bodyPr spcFirstLastPara="1" wrap="square" lIns="91425" tIns="91425" rIns="91425" bIns="91425" anchor="ctr" anchorCtr="0">
             <a:normAutofit/>
           </a:bodyPr>
           <a:lstStyle>
@@ -4840,7 +5004,7 @@
             </a:lvl9pPr>
           </a:lstStyle>
           <a:p>
-            <a:pPr indent="0" lvl="0" marL="0" rtl="0" algn="r">
+            <a:pPr marL="0" lvl="0" indent="0" algn="r" rtl="0">
               <a:spcBef>
                 <a:spcPts val="0"/>
               </a:spcBef>
@@ -4866,11 +5030,11 @@
 </file>
 
 <file path=ppt/slideLayouts/slideLayout8.xml><?xml version="1.0" encoding="utf-8"?>
-<p:sldLayout xmlns:a="http://schemas.openxmlformats.org/drawingml/2006/main" xmlns:r="http://schemas.openxmlformats.org/officeDocument/2006/relationships" xmlns:mc="http://schemas.openxmlformats.org/markup-compatibility/2006" xmlns:mv="urn:schemas-microsoft-com:mac:vml" xmlns:p="http://schemas.openxmlformats.org/presentationml/2006/main" xmlns:c="http://schemas.openxmlformats.org/drawingml/2006/chart" xmlns:dgm="http://schemas.openxmlformats.org/drawingml/2006/diagram" xmlns:o="urn:schemas-microsoft-com:office:office" xmlns:v="urn:schemas-microsoft-com:vml" xmlns:pvml="urn:schemas-microsoft-com:office:powerpoint" xmlns:com="http://schemas.openxmlformats.org/drawingml/2006/compatibility" xmlns:p14="http://schemas.microsoft.com/office/powerpoint/2010/main" xmlns:p15="http://schemas.microsoft.com/office/powerpoint/2012/main" xmlns:ahyp="http://schemas.microsoft.com/office/drawing/2018/hyperlinkcolor" matchingName="Section title and description">
+<p:sldLayout xmlns:a="http://schemas.openxmlformats.org/drawingml/2006/main" xmlns:r="http://schemas.openxmlformats.org/officeDocument/2006/relationships" xmlns:p="http://schemas.openxmlformats.org/presentationml/2006/main" matchingName="Section title and description">
   <p:cSld name="SECTION_TITLE_AND_DESCRIPTION">
     <p:spTree>
       <p:nvGrpSpPr>
-        <p:cNvPr id="35" name="Shape 35"/>
+        <p:cNvPr id="1" name="Shape 35"/>
         <p:cNvGrpSpPr/>
         <p:nvPr/>
       </p:nvGrpSpPr>
@@ -4904,12 +5068,12 @@
           </a:ln>
         </p:spPr>
         <p:txBody>
-          <a:bodyPr anchorCtr="0" anchor="ctr" bIns="91425" lIns="91425" spcFirstLastPara="1" rIns="91425" wrap="square" tIns="91425">
+          <a:bodyPr spcFirstLastPara="1" wrap="square" lIns="91425" tIns="91425" rIns="91425" bIns="91425" anchor="ctr" anchorCtr="0">
             <a:noAutofit/>
           </a:bodyPr>
           <a:lstStyle/>
           <a:p>
-            <a:pPr indent="0" lvl="0" marL="0" rtl="0" algn="l">
+            <a:pPr marL="0" lvl="0" indent="0" algn="l" rtl="0">
               <a:spcBef>
                 <a:spcPts val="0"/>
               </a:spcBef>
@@ -4918,9 +5082,6 @@
               </a:spcAft>
               <a:buNone/>
             </a:pPr>
-            <a:r>
-              <a:t/>
-            </a:r>
             <a:endParaRPr/>
           </a:p>
         </p:txBody>
@@ -4928,7 +5089,9 @@
       <p:sp>
         <p:nvSpPr>
           <p:cNvPr id="37" name="Google Shape;37;p9"/>
-          <p:cNvSpPr txBox="1"/>
+          <p:cNvSpPr txBox="1">
+            <a:spLocks noGrp="1"/>
+          </p:cNvSpPr>
           <p:nvPr>
             <p:ph type="title"/>
           </p:nvPr>
@@ -4943,7 +5106,7 @@
           </a:prstGeom>
         </p:spPr>
         <p:txBody>
-          <a:bodyPr anchorCtr="0" anchor="b" bIns="91425" lIns="91425" spcFirstLastPara="1" rIns="91425" wrap="square" tIns="91425">
+          <a:bodyPr spcFirstLastPara="1" wrap="square" lIns="91425" tIns="91425" rIns="91425" bIns="91425" anchor="b" anchorCtr="0">
             <a:normAutofit/>
           </a:bodyPr>
           <a:lstStyle>
@@ -5047,15 +5210,19 @@
               <a:defRPr sz="4200"/>
             </a:lvl9pPr>
           </a:lstStyle>
-          <a:p/>
+          <a:p>
+            <a:endParaRPr/>
+          </a:p>
         </p:txBody>
       </p:sp>
       <p:sp>
         <p:nvSpPr>
           <p:cNvPr id="38" name="Google Shape;38;p9"/>
-          <p:cNvSpPr txBox="1"/>
+          <p:cNvSpPr txBox="1">
+            <a:spLocks noGrp="1"/>
+          </p:cNvSpPr>
           <p:nvPr>
-            <p:ph idx="1" type="subTitle"/>
+            <p:ph type="subTitle" idx="1"/>
           </p:nvPr>
         </p:nvSpPr>
         <p:spPr>
@@ -5068,7 +5235,7 @@
           </a:prstGeom>
         </p:spPr>
         <p:txBody>
-          <a:bodyPr anchorCtr="0" anchor="t" bIns="91425" lIns="91425" spcFirstLastPara="1" rIns="91425" wrap="square" tIns="91425">
+          <a:bodyPr spcFirstLastPara="1" wrap="square" lIns="91425" tIns="91425" rIns="91425" bIns="91425" anchor="t" anchorCtr="0">
             <a:normAutofit/>
           </a:bodyPr>
           <a:lstStyle>
@@ -5199,15 +5366,19 @@
               <a:defRPr sz="2100"/>
             </a:lvl9pPr>
           </a:lstStyle>
-          <a:p/>
+          <a:p>
+            <a:endParaRPr/>
+          </a:p>
         </p:txBody>
       </p:sp>
       <p:sp>
         <p:nvSpPr>
           <p:cNvPr id="39" name="Google Shape;39;p9"/>
-          <p:cNvSpPr txBox="1"/>
+          <p:cNvSpPr txBox="1">
+            <a:spLocks noGrp="1"/>
+          </p:cNvSpPr>
           <p:nvPr>
-            <p:ph idx="2" type="body"/>
+            <p:ph type="body" idx="2"/>
           </p:nvPr>
         </p:nvSpPr>
         <p:spPr>
@@ -5220,11 +5391,11 @@
           </a:prstGeom>
         </p:spPr>
         <p:txBody>
-          <a:bodyPr anchorCtr="0" anchor="ctr" bIns="91425" lIns="91425" spcFirstLastPara="1" rIns="91425" wrap="square" tIns="91425">
+          <a:bodyPr spcFirstLastPara="1" wrap="square" lIns="91425" tIns="91425" rIns="91425" bIns="91425" anchor="ctr" anchorCtr="0">
             <a:normAutofit/>
           </a:bodyPr>
           <a:lstStyle>
-            <a:lvl1pPr indent="-342900" lvl="0" marL="457200">
+            <a:lvl1pPr marL="457200" lvl="0" indent="-342900">
               <a:spcBef>
                 <a:spcPts val="0"/>
               </a:spcBef>
@@ -5235,7 +5406,7 @@
               <a:buChar char="●"/>
               <a:defRPr/>
             </a:lvl1pPr>
-            <a:lvl2pPr indent="-317500" lvl="1" marL="914400">
+            <a:lvl2pPr marL="914400" lvl="1" indent="-317500">
               <a:spcBef>
                 <a:spcPts val="0"/>
               </a:spcBef>
@@ -5246,7 +5417,7 @@
               <a:buChar char="○"/>
               <a:defRPr/>
             </a:lvl2pPr>
-            <a:lvl3pPr indent="-317500" lvl="2" marL="1371600">
+            <a:lvl3pPr marL="1371600" lvl="2" indent="-317500">
               <a:spcBef>
                 <a:spcPts val="0"/>
               </a:spcBef>
@@ -5257,7 +5428,7 @@
               <a:buChar char="■"/>
               <a:defRPr/>
             </a:lvl3pPr>
-            <a:lvl4pPr indent="-317500" lvl="3" marL="1828800">
+            <a:lvl4pPr marL="1828800" lvl="3" indent="-317500">
               <a:spcBef>
                 <a:spcPts val="0"/>
               </a:spcBef>
@@ -5268,7 +5439,7 @@
               <a:buChar char="●"/>
               <a:defRPr/>
             </a:lvl4pPr>
-            <a:lvl5pPr indent="-317500" lvl="4" marL="2286000">
+            <a:lvl5pPr marL="2286000" lvl="4" indent="-317500">
               <a:spcBef>
                 <a:spcPts val="0"/>
               </a:spcBef>
@@ -5279,7 +5450,7 @@
               <a:buChar char="○"/>
               <a:defRPr/>
             </a:lvl5pPr>
-            <a:lvl6pPr indent="-317500" lvl="5" marL="2743200">
+            <a:lvl6pPr marL="2743200" lvl="5" indent="-317500">
               <a:spcBef>
                 <a:spcPts val="0"/>
               </a:spcBef>
@@ -5290,7 +5461,7 @@
               <a:buChar char="■"/>
               <a:defRPr/>
             </a:lvl6pPr>
-            <a:lvl7pPr indent="-317500" lvl="6" marL="3200400">
+            <a:lvl7pPr marL="3200400" lvl="6" indent="-317500">
               <a:spcBef>
                 <a:spcPts val="0"/>
               </a:spcBef>
@@ -5301,7 +5472,7 @@
               <a:buChar char="●"/>
               <a:defRPr/>
             </a:lvl7pPr>
-            <a:lvl8pPr indent="-317500" lvl="7" marL="3657600">
+            <a:lvl8pPr marL="3657600" lvl="7" indent="-317500">
               <a:spcBef>
                 <a:spcPts val="0"/>
               </a:spcBef>
@@ -5312,7 +5483,7 @@
               <a:buChar char="○"/>
               <a:defRPr/>
             </a:lvl8pPr>
-            <a:lvl9pPr indent="-317500" lvl="8" marL="4114800">
+            <a:lvl9pPr marL="4114800" lvl="8" indent="-317500">
               <a:spcBef>
                 <a:spcPts val="0"/>
               </a:spcBef>
@@ -5324,15 +5495,19 @@
               <a:defRPr/>
             </a:lvl9pPr>
           </a:lstStyle>
-          <a:p/>
+          <a:p>
+            <a:endParaRPr/>
+          </a:p>
         </p:txBody>
       </p:sp>
       <p:sp>
         <p:nvSpPr>
           <p:cNvPr id="40" name="Google Shape;40;p9"/>
-          <p:cNvSpPr txBox="1"/>
+          <p:cNvSpPr txBox="1">
+            <a:spLocks noGrp="1"/>
+          </p:cNvSpPr>
           <p:nvPr>
-            <p:ph idx="12" type="sldNum"/>
+            <p:ph type="sldNum" idx="12"/>
           </p:nvPr>
         </p:nvSpPr>
         <p:spPr>
@@ -5345,7 +5520,7 @@
           </a:prstGeom>
         </p:spPr>
         <p:txBody>
-          <a:bodyPr anchorCtr="0" anchor="ctr" bIns="91425" lIns="91425" spcFirstLastPara="1" rIns="91425" wrap="square" tIns="91425">
+          <a:bodyPr spcFirstLastPara="1" wrap="square" lIns="91425" tIns="91425" rIns="91425" bIns="91425" anchor="ctr" anchorCtr="0">
             <a:normAutofit/>
           </a:bodyPr>
           <a:lstStyle>
@@ -5387,7 +5562,7 @@
             </a:lvl9pPr>
           </a:lstStyle>
           <a:p>
-            <a:pPr indent="0" lvl="0" marL="0" rtl="0" algn="r">
+            <a:pPr marL="0" lvl="0" indent="0" algn="r" rtl="0">
               <a:spcBef>
                 <a:spcPts val="0"/>
               </a:spcBef>
@@ -5413,11 +5588,11 @@
 </file>
 
 <file path=ppt/slideLayouts/slideLayout9.xml><?xml version="1.0" encoding="utf-8"?>
-<p:sldLayout xmlns:a="http://schemas.openxmlformats.org/drawingml/2006/main" xmlns:r="http://schemas.openxmlformats.org/officeDocument/2006/relationships" xmlns:mc="http://schemas.openxmlformats.org/markup-compatibility/2006" xmlns:mv="urn:schemas-microsoft-com:mac:vml" xmlns:p="http://schemas.openxmlformats.org/presentationml/2006/main" xmlns:c="http://schemas.openxmlformats.org/drawingml/2006/chart" xmlns:dgm="http://schemas.openxmlformats.org/drawingml/2006/diagram" xmlns:o="urn:schemas-microsoft-com:office:office" xmlns:v="urn:schemas-microsoft-com:vml" xmlns:pvml="urn:schemas-microsoft-com:office:powerpoint" xmlns:com="http://schemas.openxmlformats.org/drawingml/2006/compatibility" xmlns:p14="http://schemas.microsoft.com/office/powerpoint/2010/main" xmlns:p15="http://schemas.microsoft.com/office/powerpoint/2012/main" xmlns:ahyp="http://schemas.microsoft.com/office/drawing/2018/hyperlinkcolor" matchingName="Caption">
+<p:sldLayout xmlns:a="http://schemas.openxmlformats.org/drawingml/2006/main" xmlns:r="http://schemas.openxmlformats.org/officeDocument/2006/relationships" xmlns:p="http://schemas.openxmlformats.org/presentationml/2006/main" matchingName="Caption">
   <p:cSld name="CAPTION_ONLY">
     <p:spTree>
       <p:nvGrpSpPr>
-        <p:cNvPr id="41" name="Shape 41"/>
+        <p:cNvPr id="1" name="Shape 41"/>
         <p:cNvGrpSpPr/>
         <p:nvPr/>
       </p:nvGrpSpPr>
@@ -5432,9 +5607,11 @@
       <p:sp>
         <p:nvSpPr>
           <p:cNvPr id="42" name="Google Shape;42;p10"/>
-          <p:cNvSpPr txBox="1"/>
+          <p:cNvSpPr txBox="1">
+            <a:spLocks noGrp="1"/>
+          </p:cNvSpPr>
           <p:nvPr>
-            <p:ph idx="1" type="body"/>
+            <p:ph type="body" idx="1"/>
           </p:nvPr>
         </p:nvSpPr>
         <p:spPr>
@@ -5447,11 +5624,11 @@
           </a:prstGeom>
         </p:spPr>
         <p:txBody>
-          <a:bodyPr anchorCtr="0" anchor="ctr" bIns="91425" lIns="91425" spcFirstLastPara="1" rIns="91425" wrap="square" tIns="91425">
+          <a:bodyPr spcFirstLastPara="1" wrap="square" lIns="91425" tIns="91425" rIns="91425" bIns="91425" anchor="ctr" anchorCtr="0">
             <a:normAutofit/>
           </a:bodyPr>
           <a:lstStyle>
-            <a:lvl1pPr indent="-228600" lvl="0" marL="457200">
+            <a:lvl1pPr marL="457200" lvl="0" indent="-228600">
               <a:lnSpc>
                 <a:spcPct val="100000"/>
               </a:lnSpc>
@@ -5466,15 +5643,19 @@
               <a:defRPr/>
             </a:lvl1pPr>
           </a:lstStyle>
-          <a:p/>
+          <a:p>
+            <a:endParaRPr/>
+          </a:p>
         </p:txBody>
       </p:sp>
       <p:sp>
         <p:nvSpPr>
           <p:cNvPr id="43" name="Google Shape;43;p10"/>
-          <p:cNvSpPr txBox="1"/>
+          <p:cNvSpPr txBox="1">
+            <a:spLocks noGrp="1"/>
+          </p:cNvSpPr>
           <p:nvPr>
-            <p:ph idx="12" type="sldNum"/>
+            <p:ph type="sldNum" idx="12"/>
           </p:nvPr>
         </p:nvSpPr>
         <p:spPr>
@@ -5487,7 +5668,7 @@
           </a:prstGeom>
         </p:spPr>
         <p:txBody>
-          <a:bodyPr anchorCtr="0" anchor="ctr" bIns="91425" lIns="91425" spcFirstLastPara="1" rIns="91425" wrap="square" tIns="91425">
+          <a:bodyPr spcFirstLastPara="1" wrap="square" lIns="91425" tIns="91425" rIns="91425" bIns="91425" anchor="ctr" anchorCtr="0">
             <a:normAutofit/>
           </a:bodyPr>
           <a:lstStyle>
@@ -5529,7 +5710,7 @@
             </a:lvl9pPr>
           </a:lstStyle>
           <a:p>
-            <a:pPr indent="0" lvl="0" marL="0" rtl="0" algn="r">
+            <a:pPr marL="0" lvl="0" indent="0" algn="r" rtl="0">
               <a:spcBef>
                 <a:spcPts val="0"/>
               </a:spcBef>
@@ -5555,18 +5736,19 @@
 </file>
 
 <file path=ppt/slideMasters/slideMaster1.xml><?xml version="1.0" encoding="utf-8"?>
-<p:sldMaster xmlns:a="http://schemas.openxmlformats.org/drawingml/2006/main" xmlns:r="http://schemas.openxmlformats.org/officeDocument/2006/relationships" xmlns:mc="http://schemas.openxmlformats.org/markup-compatibility/2006" xmlns:mv="urn:schemas-microsoft-com:mac:vml" xmlns:p="http://schemas.openxmlformats.org/presentationml/2006/main" xmlns:c="http://schemas.openxmlformats.org/drawingml/2006/chart" xmlns:dgm="http://schemas.openxmlformats.org/drawingml/2006/diagram" xmlns:o="urn:schemas-microsoft-com:office:office" xmlns:v="urn:schemas-microsoft-com:vml" xmlns:pvml="urn:schemas-microsoft-com:office:powerpoint" xmlns:com="http://schemas.openxmlformats.org/drawingml/2006/compatibility" xmlns:p14="http://schemas.microsoft.com/office/powerpoint/2010/main" xmlns:p15="http://schemas.microsoft.com/office/powerpoint/2012/main" xmlns:ahyp="http://schemas.microsoft.com/office/drawing/2018/hyperlinkcolor">
+<p:sldMaster xmlns:a="http://schemas.openxmlformats.org/drawingml/2006/main" xmlns:r="http://schemas.openxmlformats.org/officeDocument/2006/relationships" xmlns:p="http://schemas.openxmlformats.org/presentationml/2006/main">
   <p:cSld name="simple-light-2">
     <p:bg>
       <p:bgPr>
         <a:solidFill>
           <a:schemeClr val="lt1"/>
         </a:solidFill>
+        <a:effectLst/>
       </p:bgPr>
     </p:bg>
     <p:spTree>
       <p:nvGrpSpPr>
-        <p:cNvPr id="5" name="Shape 5"/>
+        <p:cNvPr id="1" name="Shape 5"/>
         <p:cNvGrpSpPr/>
         <p:nvPr/>
       </p:nvGrpSpPr>
@@ -5581,7 +5763,9 @@
       <p:sp>
         <p:nvSpPr>
           <p:cNvPr id="6" name="Google Shape;6;p1"/>
-          <p:cNvSpPr txBox="1"/>
+          <p:cNvSpPr txBox="1">
+            <a:spLocks noGrp="1"/>
+          </p:cNvSpPr>
           <p:nvPr>
             <p:ph type="title"/>
           </p:nvPr>
@@ -5600,7 +5784,7 @@
           </a:ln>
         </p:spPr>
         <p:txBody>
-          <a:bodyPr anchorCtr="0" anchor="t" bIns="91425" lIns="91425" spcFirstLastPara="1" rIns="91425" wrap="square" tIns="91425">
+          <a:bodyPr spcFirstLastPara="1" wrap="square" lIns="91425" tIns="91425" rIns="91425" bIns="91425" anchor="t" anchorCtr="0">
             <a:normAutofit/>
           </a:bodyPr>
           <a:lstStyle>
@@ -5767,15 +5951,19 @@
               </a:defRPr>
             </a:lvl9pPr>
           </a:lstStyle>
-          <a:p/>
+          <a:p>
+            <a:endParaRPr/>
+          </a:p>
         </p:txBody>
       </p:sp>
       <p:sp>
         <p:nvSpPr>
           <p:cNvPr id="7" name="Google Shape;7;p1"/>
-          <p:cNvSpPr txBox="1"/>
+          <p:cNvSpPr txBox="1">
+            <a:spLocks noGrp="1"/>
+          </p:cNvSpPr>
           <p:nvPr>
-            <p:ph idx="1" type="body"/>
+            <p:ph type="body" idx="1"/>
           </p:nvPr>
         </p:nvSpPr>
         <p:spPr>
@@ -5792,11 +5980,11 @@
           </a:ln>
         </p:spPr>
         <p:txBody>
-          <a:bodyPr anchorCtr="0" anchor="t" bIns="91425" lIns="91425" spcFirstLastPara="1" rIns="91425" wrap="square" tIns="91425">
+          <a:bodyPr spcFirstLastPara="1" wrap="square" lIns="91425" tIns="91425" rIns="91425" bIns="91425" anchor="t" anchorCtr="0">
             <a:normAutofit/>
           </a:bodyPr>
           <a:lstStyle>
-            <a:lvl1pPr indent="-342900" lvl="0" marL="457200">
+            <a:lvl1pPr marL="457200" lvl="0" indent="-342900">
               <a:lnSpc>
                 <a:spcPct val="115000"/>
               </a:lnSpc>
@@ -5817,7 +6005,7 @@
                 </a:solidFill>
               </a:defRPr>
             </a:lvl1pPr>
-            <a:lvl2pPr indent="-317500" lvl="1" marL="914400">
+            <a:lvl2pPr marL="914400" lvl="1" indent="-317500">
               <a:lnSpc>
                 <a:spcPct val="115000"/>
               </a:lnSpc>
@@ -5838,7 +6026,7 @@
                 </a:solidFill>
               </a:defRPr>
             </a:lvl2pPr>
-            <a:lvl3pPr indent="-317500" lvl="2" marL="1371600">
+            <a:lvl3pPr marL="1371600" lvl="2" indent="-317500">
               <a:lnSpc>
                 <a:spcPct val="115000"/>
               </a:lnSpc>
@@ -5859,7 +6047,7 @@
                 </a:solidFill>
               </a:defRPr>
             </a:lvl3pPr>
-            <a:lvl4pPr indent="-317500" lvl="3" marL="1828800">
+            <a:lvl4pPr marL="1828800" lvl="3" indent="-317500">
               <a:lnSpc>
                 <a:spcPct val="115000"/>
               </a:lnSpc>
@@ -5880,7 +6068,7 @@
                 </a:solidFill>
               </a:defRPr>
             </a:lvl4pPr>
-            <a:lvl5pPr indent="-317500" lvl="4" marL="2286000">
+            <a:lvl5pPr marL="2286000" lvl="4" indent="-317500">
               <a:lnSpc>
                 <a:spcPct val="115000"/>
               </a:lnSpc>
@@ -5901,7 +6089,7 @@
                 </a:solidFill>
               </a:defRPr>
             </a:lvl5pPr>
-            <a:lvl6pPr indent="-317500" lvl="5" marL="2743200">
+            <a:lvl6pPr marL="2743200" lvl="5" indent="-317500">
               <a:lnSpc>
                 <a:spcPct val="115000"/>
               </a:lnSpc>
@@ -5922,7 +6110,7 @@
                 </a:solidFill>
               </a:defRPr>
             </a:lvl6pPr>
-            <a:lvl7pPr indent="-317500" lvl="6" marL="3200400">
+            <a:lvl7pPr marL="3200400" lvl="6" indent="-317500">
               <a:lnSpc>
                 <a:spcPct val="115000"/>
               </a:lnSpc>
@@ -5943,7 +6131,7 @@
                 </a:solidFill>
               </a:defRPr>
             </a:lvl7pPr>
-            <a:lvl8pPr indent="-317500" lvl="7" marL="3657600">
+            <a:lvl8pPr marL="3657600" lvl="7" indent="-317500">
               <a:lnSpc>
                 <a:spcPct val="115000"/>
               </a:lnSpc>
@@ -5964,7 +6152,7 @@
                 </a:solidFill>
               </a:defRPr>
             </a:lvl8pPr>
-            <a:lvl9pPr indent="-317500" lvl="8" marL="4114800">
+            <a:lvl9pPr marL="4114800" lvl="8" indent="-317500">
               <a:lnSpc>
                 <a:spcPct val="115000"/>
               </a:lnSpc>
@@ -5986,15 +6174,19 @@
               </a:defRPr>
             </a:lvl9pPr>
           </a:lstStyle>
-          <a:p/>
+          <a:p>
+            <a:endParaRPr/>
+          </a:p>
         </p:txBody>
       </p:sp>
       <p:sp>
         <p:nvSpPr>
           <p:cNvPr id="8" name="Google Shape;8;p1"/>
-          <p:cNvSpPr txBox="1"/>
+          <p:cNvSpPr txBox="1">
+            <a:spLocks noGrp="1"/>
+          </p:cNvSpPr>
           <p:nvPr>
-            <p:ph idx="12" type="sldNum"/>
+            <p:ph type="sldNum" idx="12"/>
           </p:nvPr>
         </p:nvSpPr>
         <p:spPr>
@@ -6011,7 +6203,7 @@
           </a:ln>
         </p:spPr>
         <p:txBody>
-          <a:bodyPr anchorCtr="0" anchor="ctr" bIns="91425" lIns="91425" spcFirstLastPara="1" rIns="91425" wrap="square" tIns="91425">
+          <a:bodyPr spcFirstLastPara="1" wrap="square" lIns="91425" tIns="91425" rIns="91425" bIns="91425" anchor="ctr" anchorCtr="0">
             <a:normAutofit/>
           </a:bodyPr>
           <a:lstStyle>
@@ -6089,7 +6281,7 @@
             </a:lvl9pPr>
           </a:lstStyle>
           <a:p>
-            <a:pPr indent="0" lvl="0" marL="0" rtl="0" algn="r">
+            <a:pPr marL="0" lvl="0" indent="0" algn="r" rtl="0">
               <a:spcBef>
                 <a:spcPts val="0"/>
               </a:spcBef>
@@ -6108,7 +6300,7 @@
       </p:sp>
     </p:spTree>
   </p:cSld>
-  <p:clrMap accent1="accent1" accent2="accent2" accent3="accent3" accent4="accent4" accent5="accent5" accent6="accent6" bg1="lt1" bg2="dk2" tx1="dk1" tx2="lt2" folHlink="folHlink" hlink="hlink"/>
+  <p:clrMap bg1="lt1" tx1="dk1" bg2="dk2" tx2="lt2" accent1="accent1" accent2="accent2" accent3="accent3" accent4="accent4" accent5="accent5" accent6="accent6" hlink="hlink" folHlink="folHlink"/>
   <p:sldLayoutIdLst>
     <p:sldLayoutId id="2147483648" r:id="rId1"/>
     <p:sldLayoutId id="2147483649" r:id="rId2"/>
@@ -6122,10 +6314,10 @@
     <p:sldLayoutId id="2147483657" r:id="rId10"/>
     <p:sldLayoutId id="2147483658" r:id="rId11"/>
   </p:sldLayoutIdLst>
-  <p:hf dt="0" ftr="0" hdr="0" sldNum="0"/>
+  <p:hf sldNum="0" hdr="0" ftr="0" dt="0"/>
   <p:txStyles>
     <p:titleStyle>
-      <a:defPPr lvl="0" marR="0" rtl="0" algn="l">
+      <a:defPPr marR="0" lvl="0" algn="l" rtl="0">
         <a:lnSpc>
           <a:spcPct val="100000"/>
         </a:lnSpc>
@@ -6136,7 +6328,7 @@
           <a:spcPts val="0"/>
         </a:spcAft>
       </a:defPPr>
-      <a:lvl1pPr lvl="0" marR="0" rtl="0" algn="l">
+      <a:lvl1pPr marR="0" lvl="0" algn="l" rtl="0">
         <a:lnSpc>
           <a:spcPct val="100000"/>
         </a:lnSpc>
@@ -6150,7 +6342,7 @@
           <a:srgbClr val="000000"/>
         </a:buClr>
         <a:buFont typeface="Arial"/>
-        <a:defRPr b="0" i="0" sz="1400" u="none" cap="none" strike="noStrike">
+        <a:defRPr sz="1400" b="0" i="0" u="none" strike="noStrike" cap="none">
           <a:solidFill>
             <a:srgbClr val="000000"/>
           </a:solidFill>
@@ -6160,7 +6352,7 @@
           <a:sym typeface="Arial"/>
         </a:defRPr>
       </a:lvl1pPr>
-      <a:lvl2pPr lvl="1" marR="0" rtl="0" algn="l">
+      <a:lvl2pPr marR="0" lvl="1" algn="l" rtl="0">
         <a:lnSpc>
           <a:spcPct val="100000"/>
         </a:lnSpc>
@@ -6174,7 +6366,7 @@
           <a:srgbClr val="000000"/>
         </a:buClr>
         <a:buFont typeface="Arial"/>
-        <a:defRPr b="0" i="0" sz="1400" u="none" cap="none" strike="noStrike">
+        <a:defRPr sz="1400" b="0" i="0" u="none" strike="noStrike" cap="none">
           <a:solidFill>
             <a:srgbClr val="000000"/>
           </a:solidFill>
@@ -6184,7 +6376,7 @@
           <a:sym typeface="Arial"/>
         </a:defRPr>
       </a:lvl2pPr>
-      <a:lvl3pPr lvl="2" marR="0" rtl="0" algn="l">
+      <a:lvl3pPr marR="0" lvl="2" algn="l" rtl="0">
         <a:lnSpc>
           <a:spcPct val="100000"/>
         </a:lnSpc>
@@ -6198,7 +6390,7 @@
           <a:srgbClr val="000000"/>
         </a:buClr>
         <a:buFont typeface="Arial"/>
-        <a:defRPr b="0" i="0" sz="1400" u="none" cap="none" strike="noStrike">
+        <a:defRPr sz="1400" b="0" i="0" u="none" strike="noStrike" cap="none">
           <a:solidFill>
             <a:srgbClr val="000000"/>
           </a:solidFill>
@@ -6208,7 +6400,7 @@
           <a:sym typeface="Arial"/>
         </a:defRPr>
       </a:lvl3pPr>
-      <a:lvl4pPr lvl="3" marR="0" rtl="0" algn="l">
+      <a:lvl4pPr marR="0" lvl="3" algn="l" rtl="0">
         <a:lnSpc>
           <a:spcPct val="100000"/>
         </a:lnSpc>
@@ -6222,7 +6414,7 @@
           <a:srgbClr val="000000"/>
         </a:buClr>
         <a:buFont typeface="Arial"/>
-        <a:defRPr b="0" i="0" sz="1400" u="none" cap="none" strike="noStrike">
+        <a:defRPr sz="1400" b="0" i="0" u="none" strike="noStrike" cap="none">
           <a:solidFill>
             <a:srgbClr val="000000"/>
           </a:solidFill>
@@ -6232,7 +6424,7 @@
           <a:sym typeface="Arial"/>
         </a:defRPr>
       </a:lvl4pPr>
-      <a:lvl5pPr lvl="4" marR="0" rtl="0" algn="l">
+      <a:lvl5pPr marR="0" lvl="4" algn="l" rtl="0">
         <a:lnSpc>
           <a:spcPct val="100000"/>
         </a:lnSpc>
@@ -6246,7 +6438,7 @@
           <a:srgbClr val="000000"/>
         </a:buClr>
         <a:buFont typeface="Arial"/>
-        <a:defRPr b="0" i="0" sz="1400" u="none" cap="none" strike="noStrike">
+        <a:defRPr sz="1400" b="0" i="0" u="none" strike="noStrike" cap="none">
           <a:solidFill>
             <a:srgbClr val="000000"/>
           </a:solidFill>
@@ -6256,7 +6448,7 @@
           <a:sym typeface="Arial"/>
         </a:defRPr>
       </a:lvl5pPr>
-      <a:lvl6pPr lvl="5" marR="0" rtl="0" algn="l">
+      <a:lvl6pPr marR="0" lvl="5" algn="l" rtl="0">
         <a:lnSpc>
           <a:spcPct val="100000"/>
         </a:lnSpc>
@@ -6270,7 +6462,7 @@
           <a:srgbClr val="000000"/>
         </a:buClr>
         <a:buFont typeface="Arial"/>
-        <a:defRPr b="0" i="0" sz="1400" u="none" cap="none" strike="noStrike">
+        <a:defRPr sz="1400" b="0" i="0" u="none" strike="noStrike" cap="none">
           <a:solidFill>
             <a:srgbClr val="000000"/>
           </a:solidFill>
@@ -6280,7 +6472,7 @@
           <a:sym typeface="Arial"/>
         </a:defRPr>
       </a:lvl6pPr>
-      <a:lvl7pPr lvl="6" marR="0" rtl="0" algn="l">
+      <a:lvl7pPr marR="0" lvl="6" algn="l" rtl="0">
         <a:lnSpc>
           <a:spcPct val="100000"/>
         </a:lnSpc>
@@ -6294,7 +6486,7 @@
           <a:srgbClr val="000000"/>
         </a:buClr>
         <a:buFont typeface="Arial"/>
-        <a:defRPr b="0" i="0" sz="1400" u="none" cap="none" strike="noStrike">
+        <a:defRPr sz="1400" b="0" i="0" u="none" strike="noStrike" cap="none">
           <a:solidFill>
             <a:srgbClr val="000000"/>
           </a:solidFill>
@@ -6304,7 +6496,7 @@
           <a:sym typeface="Arial"/>
         </a:defRPr>
       </a:lvl7pPr>
-      <a:lvl8pPr lvl="7" marR="0" rtl="0" algn="l">
+      <a:lvl8pPr marR="0" lvl="7" algn="l" rtl="0">
         <a:lnSpc>
           <a:spcPct val="100000"/>
         </a:lnSpc>
@@ -6318,7 +6510,7 @@
           <a:srgbClr val="000000"/>
         </a:buClr>
         <a:buFont typeface="Arial"/>
-        <a:defRPr b="0" i="0" sz="1400" u="none" cap="none" strike="noStrike">
+        <a:defRPr sz="1400" b="0" i="0" u="none" strike="noStrike" cap="none">
           <a:solidFill>
             <a:srgbClr val="000000"/>
           </a:solidFill>
@@ -6328,7 +6520,7 @@
           <a:sym typeface="Arial"/>
         </a:defRPr>
       </a:lvl8pPr>
-      <a:lvl9pPr lvl="8" marR="0" rtl="0" algn="l">
+      <a:lvl9pPr marR="0" lvl="8" algn="l" rtl="0">
         <a:lnSpc>
           <a:spcPct val="100000"/>
         </a:lnSpc>
@@ -6342,7 +6534,7 @@
           <a:srgbClr val="000000"/>
         </a:buClr>
         <a:buFont typeface="Arial"/>
-        <a:defRPr b="0" i="0" sz="1400" u="none" cap="none" strike="noStrike">
+        <a:defRPr sz="1400" b="0" i="0" u="none" strike="noStrike" cap="none">
           <a:solidFill>
             <a:srgbClr val="000000"/>
           </a:solidFill>
@@ -6354,7 +6546,7 @@
       </a:lvl9pPr>
     </p:titleStyle>
     <p:bodyStyle>
-      <a:defPPr lvl="0" marR="0" rtl="0" algn="l">
+      <a:defPPr marR="0" lvl="0" algn="l" rtl="0">
         <a:lnSpc>
           <a:spcPct val="100000"/>
         </a:lnSpc>
@@ -6365,7 +6557,7 @@
           <a:spcPts val="0"/>
         </a:spcAft>
       </a:defPPr>
-      <a:lvl1pPr lvl="0" marR="0" rtl="0" algn="l">
+      <a:lvl1pPr marR="0" lvl="0" algn="l" rtl="0">
         <a:lnSpc>
           <a:spcPct val="100000"/>
         </a:lnSpc>
@@ -6379,7 +6571,7 @@
           <a:srgbClr val="000000"/>
         </a:buClr>
         <a:buFont typeface="Arial"/>
-        <a:defRPr b="0" i="0" sz="1400" u="none" cap="none" strike="noStrike">
+        <a:defRPr sz="1400" b="0" i="0" u="none" strike="noStrike" cap="none">
           <a:solidFill>
             <a:srgbClr val="000000"/>
           </a:solidFill>
@@ -6389,7 +6581,7 @@
           <a:sym typeface="Arial"/>
         </a:defRPr>
       </a:lvl1pPr>
-      <a:lvl2pPr lvl="1" marR="0" rtl="0" algn="l">
+      <a:lvl2pPr marR="0" lvl="1" algn="l" rtl="0">
         <a:lnSpc>
           <a:spcPct val="100000"/>
         </a:lnSpc>
@@ -6403,7 +6595,7 @@
           <a:srgbClr val="000000"/>
         </a:buClr>
         <a:buFont typeface="Arial"/>
-        <a:defRPr b="0" i="0" sz="1400" u="none" cap="none" strike="noStrike">
+        <a:defRPr sz="1400" b="0" i="0" u="none" strike="noStrike" cap="none">
           <a:solidFill>
             <a:srgbClr val="000000"/>
           </a:solidFill>
@@ -6413,7 +6605,7 @@
           <a:sym typeface="Arial"/>
         </a:defRPr>
       </a:lvl2pPr>
-      <a:lvl3pPr lvl="2" marR="0" rtl="0" algn="l">
+      <a:lvl3pPr marR="0" lvl="2" algn="l" rtl="0">
         <a:lnSpc>
           <a:spcPct val="100000"/>
         </a:lnSpc>
@@ -6427,7 +6619,7 @@
           <a:srgbClr val="000000"/>
         </a:buClr>
         <a:buFont typeface="Arial"/>
-        <a:defRPr b="0" i="0" sz="1400" u="none" cap="none" strike="noStrike">
+        <a:defRPr sz="1400" b="0" i="0" u="none" strike="noStrike" cap="none">
           <a:solidFill>
             <a:srgbClr val="000000"/>
           </a:solidFill>
@@ -6437,7 +6629,7 @@
           <a:sym typeface="Arial"/>
         </a:defRPr>
       </a:lvl3pPr>
-      <a:lvl4pPr lvl="3" marR="0" rtl="0" algn="l">
+      <a:lvl4pPr marR="0" lvl="3" algn="l" rtl="0">
         <a:lnSpc>
           <a:spcPct val="100000"/>
         </a:lnSpc>
@@ -6451,7 +6643,7 @@
           <a:srgbClr val="000000"/>
         </a:buClr>
         <a:buFont typeface="Arial"/>
-        <a:defRPr b="0" i="0" sz="1400" u="none" cap="none" strike="noStrike">
+        <a:defRPr sz="1400" b="0" i="0" u="none" strike="noStrike" cap="none">
           <a:solidFill>
             <a:srgbClr val="000000"/>
           </a:solidFill>
@@ -6461,7 +6653,7 @@
           <a:sym typeface="Arial"/>
         </a:defRPr>
       </a:lvl4pPr>
-      <a:lvl5pPr lvl="4" marR="0" rtl="0" algn="l">
+      <a:lvl5pPr marR="0" lvl="4" algn="l" rtl="0">
         <a:lnSpc>
           <a:spcPct val="100000"/>
         </a:lnSpc>
@@ -6475,7 +6667,7 @@
           <a:srgbClr val="000000"/>
         </a:buClr>
         <a:buFont typeface="Arial"/>
-        <a:defRPr b="0" i="0" sz="1400" u="none" cap="none" strike="noStrike">
+        <a:defRPr sz="1400" b="0" i="0" u="none" strike="noStrike" cap="none">
           <a:solidFill>
             <a:srgbClr val="000000"/>
           </a:solidFill>
@@ -6485,7 +6677,7 @@
           <a:sym typeface="Arial"/>
         </a:defRPr>
       </a:lvl5pPr>
-      <a:lvl6pPr lvl="5" marR="0" rtl="0" algn="l">
+      <a:lvl6pPr marR="0" lvl="5" algn="l" rtl="0">
         <a:lnSpc>
           <a:spcPct val="100000"/>
         </a:lnSpc>
@@ -6499,7 +6691,7 @@
           <a:srgbClr val="000000"/>
         </a:buClr>
         <a:buFont typeface="Arial"/>
-        <a:defRPr b="0" i="0" sz="1400" u="none" cap="none" strike="noStrike">
+        <a:defRPr sz="1400" b="0" i="0" u="none" strike="noStrike" cap="none">
           <a:solidFill>
             <a:srgbClr val="000000"/>
           </a:solidFill>
@@ -6509,7 +6701,7 @@
           <a:sym typeface="Arial"/>
         </a:defRPr>
       </a:lvl6pPr>
-      <a:lvl7pPr lvl="6" marR="0" rtl="0" algn="l">
+      <a:lvl7pPr marR="0" lvl="6" algn="l" rtl="0">
         <a:lnSpc>
           <a:spcPct val="100000"/>
         </a:lnSpc>
@@ -6523,7 +6715,7 @@
           <a:srgbClr val="000000"/>
         </a:buClr>
         <a:buFont typeface="Arial"/>
-        <a:defRPr b="0" i="0" sz="1400" u="none" cap="none" strike="noStrike">
+        <a:defRPr sz="1400" b="0" i="0" u="none" strike="noStrike" cap="none">
           <a:solidFill>
             <a:srgbClr val="000000"/>
           </a:solidFill>
@@ -6533,7 +6725,7 @@
           <a:sym typeface="Arial"/>
         </a:defRPr>
       </a:lvl7pPr>
-      <a:lvl8pPr lvl="7" marR="0" rtl="0" algn="l">
+      <a:lvl8pPr marR="0" lvl="7" algn="l" rtl="0">
         <a:lnSpc>
           <a:spcPct val="100000"/>
         </a:lnSpc>
@@ -6547,7 +6739,7 @@
           <a:srgbClr val="000000"/>
         </a:buClr>
         <a:buFont typeface="Arial"/>
-        <a:defRPr b="0" i="0" sz="1400" u="none" cap="none" strike="noStrike">
+        <a:defRPr sz="1400" b="0" i="0" u="none" strike="noStrike" cap="none">
           <a:solidFill>
             <a:srgbClr val="000000"/>
           </a:solidFill>
@@ -6557,7 +6749,7 @@
           <a:sym typeface="Arial"/>
         </a:defRPr>
       </a:lvl8pPr>
-      <a:lvl9pPr lvl="8" marR="0" rtl="0" algn="l">
+      <a:lvl9pPr marR="0" lvl="8" algn="l" rtl="0">
         <a:lnSpc>
           <a:spcPct val="100000"/>
         </a:lnSpc>
@@ -6571,7 +6763,7 @@
           <a:srgbClr val="000000"/>
         </a:buClr>
         <a:buFont typeface="Arial"/>
-        <a:defRPr b="0" i="0" sz="1400" u="none" cap="none" strike="noStrike">
+        <a:defRPr sz="1400" b="0" i="0" u="none" strike="noStrike" cap="none">
           <a:solidFill>
             <a:srgbClr val="000000"/>
           </a:solidFill>
@@ -6583,7 +6775,7 @@
       </a:lvl9pPr>
     </p:bodyStyle>
     <p:otherStyle>
-      <a:defPPr lvl="0" marR="0" rtl="0" algn="l">
+      <a:defPPr marR="0" lvl="0" algn="l" rtl="0">
         <a:lnSpc>
           <a:spcPct val="100000"/>
         </a:lnSpc>
@@ -6594,7 +6786,7 @@
           <a:spcPts val="0"/>
         </a:spcAft>
       </a:defPPr>
-      <a:lvl1pPr lvl="0" marR="0" rtl="0" algn="l">
+      <a:lvl1pPr marR="0" lvl="0" algn="l" rtl="0">
         <a:lnSpc>
           <a:spcPct val="100000"/>
         </a:lnSpc>
@@ -6608,7 +6800,7 @@
           <a:srgbClr val="000000"/>
         </a:buClr>
         <a:buFont typeface="Arial"/>
-        <a:defRPr b="0" i="0" sz="1400" u="none" cap="none" strike="noStrike">
+        <a:defRPr sz="1400" b="0" i="0" u="none" strike="noStrike" cap="none">
           <a:solidFill>
             <a:srgbClr val="000000"/>
           </a:solidFill>
@@ -6618,7 +6810,7 @@
           <a:sym typeface="Arial"/>
         </a:defRPr>
       </a:lvl1pPr>
-      <a:lvl2pPr lvl="1" marR="0" rtl="0" algn="l">
+      <a:lvl2pPr marR="0" lvl="1" algn="l" rtl="0">
         <a:lnSpc>
           <a:spcPct val="100000"/>
         </a:lnSpc>
@@ -6632,7 +6824,7 @@
           <a:srgbClr val="000000"/>
         </a:buClr>
         <a:buFont typeface="Arial"/>
-        <a:defRPr b="0" i="0" sz="1400" u="none" cap="none" strike="noStrike">
+        <a:defRPr sz="1400" b="0" i="0" u="none" strike="noStrike" cap="none">
           <a:solidFill>
             <a:srgbClr val="000000"/>
           </a:solidFill>
@@ -6642,7 +6834,7 @@
           <a:sym typeface="Arial"/>
         </a:defRPr>
       </a:lvl2pPr>
-      <a:lvl3pPr lvl="2" marR="0" rtl="0" algn="l">
+      <a:lvl3pPr marR="0" lvl="2" algn="l" rtl="0">
         <a:lnSpc>
           <a:spcPct val="100000"/>
         </a:lnSpc>
@@ -6656,7 +6848,7 @@
           <a:srgbClr val="000000"/>
         </a:buClr>
         <a:buFont typeface="Arial"/>
-        <a:defRPr b="0" i="0" sz="1400" u="none" cap="none" strike="noStrike">
+        <a:defRPr sz="1400" b="0" i="0" u="none" strike="noStrike" cap="none">
           <a:solidFill>
             <a:srgbClr val="000000"/>
           </a:solidFill>
@@ -6666,7 +6858,7 @@
           <a:sym typeface="Arial"/>
         </a:defRPr>
       </a:lvl3pPr>
-      <a:lvl4pPr lvl="3" marR="0" rtl="0" algn="l">
+      <a:lvl4pPr marR="0" lvl="3" algn="l" rtl="0">
         <a:lnSpc>
           <a:spcPct val="100000"/>
         </a:lnSpc>
@@ -6680,7 +6872,7 @@
           <a:srgbClr val="000000"/>
         </a:buClr>
         <a:buFont typeface="Arial"/>
-        <a:defRPr b="0" i="0" sz="1400" u="none" cap="none" strike="noStrike">
+        <a:defRPr sz="1400" b="0" i="0" u="none" strike="noStrike" cap="none">
           <a:solidFill>
             <a:srgbClr val="000000"/>
           </a:solidFill>
@@ -6690,7 +6882,7 @@
           <a:sym typeface="Arial"/>
         </a:defRPr>
       </a:lvl4pPr>
-      <a:lvl5pPr lvl="4" marR="0" rtl="0" algn="l">
+      <a:lvl5pPr marR="0" lvl="4" algn="l" rtl="0">
         <a:lnSpc>
           <a:spcPct val="100000"/>
         </a:lnSpc>
@@ -6704,7 +6896,7 @@
           <a:srgbClr val="000000"/>
         </a:buClr>
         <a:buFont typeface="Arial"/>
-        <a:defRPr b="0" i="0" sz="1400" u="none" cap="none" strike="noStrike">
+        <a:defRPr sz="1400" b="0" i="0" u="none" strike="noStrike" cap="none">
           <a:solidFill>
             <a:srgbClr val="000000"/>
           </a:solidFill>
@@ -6714,7 +6906,7 @@
           <a:sym typeface="Arial"/>
         </a:defRPr>
       </a:lvl5pPr>
-      <a:lvl6pPr lvl="5" marR="0" rtl="0" algn="l">
+      <a:lvl6pPr marR="0" lvl="5" algn="l" rtl="0">
         <a:lnSpc>
           <a:spcPct val="100000"/>
         </a:lnSpc>
@@ -6728,7 +6920,7 @@
           <a:srgbClr val="000000"/>
         </a:buClr>
         <a:buFont typeface="Arial"/>
-        <a:defRPr b="0" i="0" sz="1400" u="none" cap="none" strike="noStrike">
+        <a:defRPr sz="1400" b="0" i="0" u="none" strike="noStrike" cap="none">
           <a:solidFill>
             <a:srgbClr val="000000"/>
           </a:solidFill>
@@ -6738,7 +6930,7 @@
           <a:sym typeface="Arial"/>
         </a:defRPr>
       </a:lvl6pPr>
-      <a:lvl7pPr lvl="6" marR="0" rtl="0" algn="l">
+      <a:lvl7pPr marR="0" lvl="6" algn="l" rtl="0">
         <a:lnSpc>
           <a:spcPct val="100000"/>
         </a:lnSpc>
@@ -6752,7 +6944,7 @@
           <a:srgbClr val="000000"/>
         </a:buClr>
         <a:buFont typeface="Arial"/>
-        <a:defRPr b="0" i="0" sz="1400" u="none" cap="none" strike="noStrike">
+        <a:defRPr sz="1400" b="0" i="0" u="none" strike="noStrike" cap="none">
           <a:solidFill>
             <a:srgbClr val="000000"/>
           </a:solidFill>
@@ -6762,7 +6954,7 @@
           <a:sym typeface="Arial"/>
         </a:defRPr>
       </a:lvl7pPr>
-      <a:lvl8pPr lvl="7" marR="0" rtl="0" algn="l">
+      <a:lvl8pPr marR="0" lvl="7" algn="l" rtl="0">
         <a:lnSpc>
           <a:spcPct val="100000"/>
         </a:lnSpc>
@@ -6776,7 +6968,7 @@
           <a:srgbClr val="000000"/>
         </a:buClr>
         <a:buFont typeface="Arial"/>
-        <a:defRPr b="0" i="0" sz="1400" u="none" cap="none" strike="noStrike">
+        <a:defRPr sz="1400" b="0" i="0" u="none" strike="noStrike" cap="none">
           <a:solidFill>
             <a:srgbClr val="000000"/>
           </a:solidFill>
@@ -6786,7 +6978,7 @@
           <a:sym typeface="Arial"/>
         </a:defRPr>
       </a:lvl8pPr>
-      <a:lvl9pPr lvl="8" marR="0" rtl="0" algn="l">
+      <a:lvl9pPr marR="0" lvl="8" algn="l" rtl="0">
         <a:lnSpc>
           <a:spcPct val="100000"/>
         </a:lnSpc>
@@ -6800,7 +6992,7 @@
           <a:srgbClr val="000000"/>
         </a:buClr>
         <a:buFont typeface="Arial"/>
-        <a:defRPr b="0" i="0" sz="1400" u="none" cap="none" strike="noStrike">
+        <a:defRPr sz="1400" b="0" i="0" u="none" strike="noStrike" cap="none">
           <a:solidFill>
             <a:srgbClr val="000000"/>
           </a:solidFill>
@@ -6816,11 +7008,11 @@
 </file>
 
 <file path=ppt/slides/slide1.xml><?xml version="1.0" encoding="utf-8"?>
-<p:sld xmlns:a="http://schemas.openxmlformats.org/drawingml/2006/main" xmlns:r="http://schemas.openxmlformats.org/officeDocument/2006/relationships" xmlns:mc="http://schemas.openxmlformats.org/markup-compatibility/2006" xmlns:mv="urn:schemas-microsoft-com:mac:vml" xmlns:p="http://schemas.openxmlformats.org/presentationml/2006/main" xmlns:c="http://schemas.openxmlformats.org/drawingml/2006/chart" xmlns:dgm="http://schemas.openxmlformats.org/drawingml/2006/diagram" xmlns:o="urn:schemas-microsoft-com:office:office" xmlns:v="urn:schemas-microsoft-com:vml" xmlns:pvml="urn:schemas-microsoft-com:office:powerpoint" xmlns:com="http://schemas.openxmlformats.org/drawingml/2006/compatibility" xmlns:p14="http://schemas.microsoft.com/office/powerpoint/2010/main" xmlns:p15="http://schemas.microsoft.com/office/powerpoint/2012/main" xmlns:ahyp="http://schemas.microsoft.com/office/drawing/2018/hyperlinkcolor">
+<p:sld xmlns:a="http://schemas.openxmlformats.org/drawingml/2006/main" xmlns:r="http://schemas.openxmlformats.org/officeDocument/2006/relationships" xmlns:p="http://schemas.openxmlformats.org/presentationml/2006/main">
   <p:cSld>
     <p:spTree>
       <p:nvGrpSpPr>
-        <p:cNvPr id="53" name="Shape 53"/>
+        <p:cNvPr id="1" name="Shape 53"/>
         <p:cNvGrpSpPr/>
         <p:nvPr/>
       </p:nvGrpSpPr>
@@ -6835,7 +7027,9 @@
       <p:sp>
         <p:nvSpPr>
           <p:cNvPr id="54" name="Google Shape;54;p13"/>
-          <p:cNvSpPr txBox="1"/>
+          <p:cNvSpPr txBox="1">
+            <a:spLocks noGrp="1"/>
+          </p:cNvSpPr>
           <p:nvPr>
             <p:ph type="ctrTitle"/>
           </p:nvPr>
@@ -6854,12 +7048,12 @@
           </a:ln>
         </p:spPr>
         <p:txBody>
-          <a:bodyPr anchorCtr="0" anchor="b" bIns="91425" lIns="91425" spcFirstLastPara="1" rIns="91425" wrap="square" tIns="91425">
+          <a:bodyPr spcFirstLastPara="1" wrap="square" lIns="91425" tIns="91425" rIns="91425" bIns="91425" anchor="b" anchorCtr="0">
             <a:normAutofit fontScale="90000"/>
           </a:bodyPr>
           <a:lstStyle/>
           <a:p>
-            <a:pPr indent="0" lvl="0" marL="0" rtl="0" algn="ctr">
+            <a:pPr marL="0" lvl="0" indent="0" algn="ctr" rtl="0">
               <a:lnSpc>
                 <a:spcPct val="100000"/>
               </a:lnSpc>
@@ -6873,13 +7067,13 @@
               <a:buNone/>
             </a:pPr>
             <a:r>
-              <a:rPr lang="en"/>
+              <a:rPr lang="en" dirty="0"/>
               <a:t>Short Read Workshop Day 7</a:t>
             </a:r>
-            <a:endParaRPr/>
-          </a:p>
-          <a:p>
-            <a:pPr indent="0" lvl="0" marL="0" rtl="0" algn="ctr">
+            <a:endParaRPr dirty="0"/>
+          </a:p>
+          <a:p>
+            <a:pPr marL="0" lvl="0" indent="0" algn="ctr" rtl="0">
               <a:lnSpc>
                 <a:spcPct val="100000"/>
               </a:lnSpc>
@@ -6893,19 +7087,21 @@
               <a:buNone/>
             </a:pPr>
             <a:r>
-              <a:rPr i="1" lang="en"/>
+              <a:rPr lang="en" i="1" dirty="0"/>
               <a:t>Counting Reads and Differential Expression</a:t>
             </a:r>
-            <a:endParaRPr i="1"/>
+            <a:endParaRPr i="1" dirty="0"/>
           </a:p>
         </p:txBody>
       </p:sp>
       <p:sp>
         <p:nvSpPr>
           <p:cNvPr id="55" name="Google Shape;55;p13"/>
-          <p:cNvSpPr txBox="1"/>
+          <p:cNvSpPr txBox="1">
+            <a:spLocks noGrp="1"/>
+          </p:cNvSpPr>
           <p:nvPr>
-            <p:ph idx="1" type="subTitle"/>
+            <p:ph type="subTitle" idx="1"/>
           </p:nvPr>
         </p:nvSpPr>
         <p:spPr>
@@ -6922,12 +7118,12 @@
           </a:ln>
         </p:spPr>
         <p:txBody>
-          <a:bodyPr anchorCtr="0" anchor="t" bIns="91425" lIns="91425" spcFirstLastPara="1" rIns="91425" wrap="square" tIns="91425">
+          <a:bodyPr spcFirstLastPara="1" wrap="square" lIns="91425" tIns="91425" rIns="91425" bIns="91425" anchor="t" anchorCtr="0">
             <a:normAutofit/>
           </a:bodyPr>
           <a:lstStyle/>
           <a:p>
-            <a:pPr indent="0" lvl="0" marL="0" rtl="0" algn="ctr">
+            <a:pPr marL="0" lvl="0" indent="0" algn="ctr" rtl="0">
               <a:lnSpc>
                 <a:spcPct val="100000"/>
               </a:lnSpc>
@@ -6941,13 +7137,17 @@
               <a:buNone/>
             </a:pPr>
             <a:r>
-              <a:rPr lang="en" sz="2500"/>
-              <a:t>Rutendo Sigauke</a:t>
-            </a:r>
-            <a:endParaRPr sz="2500"/>
-          </a:p>
-          <a:p>
-            <a:pPr indent="0" lvl="0" marL="0" rtl="0" algn="ctr">
+              <a:rPr lang="en" sz="2500" dirty="0"/>
+              <a:t>Rutendo </a:t>
+            </a:r>
+            <a:r>
+              <a:rPr lang="en" sz="2500" dirty="0" err="1"/>
+              <a:t>Sigauke</a:t>
+            </a:r>
+            <a:endParaRPr sz="2500" dirty="0"/>
+          </a:p>
+          <a:p>
+            <a:pPr marL="0" lvl="0" indent="0" algn="ctr" rtl="0">
               <a:lnSpc>
                 <a:spcPct val="100000"/>
               </a:lnSpc>
@@ -6961,10 +7161,10 @@
               <a:buNone/>
             </a:pPr>
             <a:r>
-              <a:rPr lang="en" sz="2500"/>
+              <a:rPr lang="en" sz="2500" dirty="0"/>
               <a:t>2023</a:t>
             </a:r>
-            <a:endParaRPr sz="2500"/>
+            <a:endParaRPr sz="2500" dirty="0"/>
           </a:p>
         </p:txBody>
       </p:sp>
@@ -6977,11 +7177,11 @@
 </file>
 
 <file path=ppt/slides/slide10.xml><?xml version="1.0" encoding="utf-8"?>
-<p:sld xmlns:a="http://schemas.openxmlformats.org/drawingml/2006/main" xmlns:r="http://schemas.openxmlformats.org/officeDocument/2006/relationships" xmlns:mc="http://schemas.openxmlformats.org/markup-compatibility/2006" xmlns:mv="urn:schemas-microsoft-com:mac:vml" xmlns:p="http://schemas.openxmlformats.org/presentationml/2006/main" xmlns:c="http://schemas.openxmlformats.org/drawingml/2006/chart" xmlns:dgm="http://schemas.openxmlformats.org/drawingml/2006/diagram" xmlns:o="urn:schemas-microsoft-com:office:office" xmlns:v="urn:schemas-microsoft-com:vml" xmlns:pvml="urn:schemas-microsoft-com:office:powerpoint" xmlns:com="http://schemas.openxmlformats.org/drawingml/2006/compatibility" xmlns:p14="http://schemas.microsoft.com/office/powerpoint/2010/main" xmlns:p15="http://schemas.microsoft.com/office/powerpoint/2012/main" xmlns:ahyp="http://schemas.microsoft.com/office/drawing/2018/hyperlinkcolor">
+<p:sld xmlns:a="http://schemas.openxmlformats.org/drawingml/2006/main" xmlns:r="http://schemas.openxmlformats.org/officeDocument/2006/relationships" xmlns:p="http://schemas.openxmlformats.org/presentationml/2006/main">
   <p:cSld>
     <p:spTree>
       <p:nvGrpSpPr>
-        <p:cNvPr id="126" name="Shape 126"/>
+        <p:cNvPr id="1" name="Shape 126"/>
         <p:cNvGrpSpPr/>
         <p:nvPr/>
       </p:nvGrpSpPr>
@@ -6996,7 +7196,9 @@
       <p:sp>
         <p:nvSpPr>
           <p:cNvPr id="127" name="Google Shape;127;p22"/>
-          <p:cNvSpPr txBox="1"/>
+          <p:cNvSpPr txBox="1">
+            <a:spLocks noGrp="1"/>
+          </p:cNvSpPr>
           <p:nvPr>
             <p:ph type="title"/>
           </p:nvPr>
@@ -7011,12 +7213,12 @@
           </a:prstGeom>
         </p:spPr>
         <p:txBody>
-          <a:bodyPr anchorCtr="0" anchor="t" bIns="91425" lIns="91425" spcFirstLastPara="1" rIns="91425" wrap="square" tIns="91425">
+          <a:bodyPr spcFirstLastPara="1" wrap="square" lIns="91425" tIns="91425" rIns="91425" bIns="91425" anchor="t" anchorCtr="0">
             <a:normAutofit fontScale="90000"/>
           </a:bodyPr>
           <a:lstStyle/>
           <a:p>
-            <a:pPr indent="0" lvl="0" marL="0" rtl="0" algn="ctr">
+            <a:pPr marL="0" lvl="0" indent="0" algn="ctr" rtl="0">
               <a:spcBef>
                 <a:spcPts val="0"/>
               </a:spcBef>
@@ -7036,9 +7238,11 @@
       <p:sp>
         <p:nvSpPr>
           <p:cNvPr id="128" name="Google Shape;128;p22"/>
-          <p:cNvSpPr txBox="1"/>
+          <p:cNvSpPr txBox="1">
+            <a:spLocks noGrp="1"/>
+          </p:cNvSpPr>
           <p:nvPr>
-            <p:ph idx="1" type="body"/>
+            <p:ph type="body" idx="1"/>
           </p:nvPr>
         </p:nvSpPr>
         <p:spPr>
@@ -7051,12 +7255,12 @@
           </a:prstGeom>
         </p:spPr>
         <p:txBody>
-          <a:bodyPr anchorCtr="0" anchor="t" bIns="91425" lIns="91425" spcFirstLastPara="1" rIns="91425" wrap="square" tIns="91425">
+          <a:bodyPr spcFirstLastPara="1" wrap="square" lIns="91425" tIns="91425" rIns="91425" bIns="91425" anchor="t" anchorCtr="0">
             <a:normAutofit/>
           </a:bodyPr>
           <a:lstStyle/>
           <a:p>
-            <a:pPr indent="-355600" lvl="0" marL="457200" rtl="0" algn="l">
+            <a:pPr marL="457200" lvl="0" indent="-355600" algn="l" rtl="0">
               <a:spcBef>
                 <a:spcPts val="0"/>
               </a:spcBef>
@@ -7067,13 +7271,13 @@
               <a:buChar char="●"/>
             </a:pPr>
             <a:r>
-              <a:rPr lang="en" sz="2000"/>
+              <a:rPr lang="en" sz="2000" dirty="0"/>
               <a:t>What feature would you used to count reads for RNA-seq?</a:t>
             </a:r>
-            <a:endParaRPr sz="2000"/>
-          </a:p>
-          <a:p>
-            <a:pPr indent="-355600" lvl="0" marL="457200" rtl="0" algn="l">
+            <a:endParaRPr sz="2000" dirty="0"/>
+          </a:p>
+          <a:p>
+            <a:pPr marL="457200" lvl="0" indent="-355600" algn="l" rtl="0">
               <a:lnSpc>
                 <a:spcPct val="150000"/>
               </a:lnSpc>
@@ -7087,13 +7291,13 @@
               <a:buAutoNum type="alphaUcPeriod"/>
             </a:pPr>
             <a:r>
-              <a:rPr lang="en" sz="2000"/>
+              <a:rPr lang="en" sz="2000" dirty="0"/>
               <a:t>Gene</a:t>
             </a:r>
-            <a:endParaRPr sz="2000"/>
-          </a:p>
-          <a:p>
-            <a:pPr indent="-355600" lvl="0" marL="457200" rtl="0" algn="l">
+            <a:endParaRPr sz="2000" dirty="0"/>
+          </a:p>
+          <a:p>
+            <a:pPr marL="457200" lvl="0" indent="-355600" algn="l" rtl="0">
               <a:lnSpc>
                 <a:spcPct val="150000"/>
               </a:lnSpc>
@@ -7107,13 +7311,13 @@
               <a:buAutoNum type="alphaUcPeriod"/>
             </a:pPr>
             <a:r>
-              <a:rPr lang="en" sz="2000"/>
+              <a:rPr lang="en" sz="2000" dirty="0"/>
               <a:t>Exon</a:t>
             </a:r>
-            <a:endParaRPr sz="2000"/>
-          </a:p>
-          <a:p>
-            <a:pPr indent="-355600" lvl="0" marL="457200" rtl="0" algn="l">
+            <a:endParaRPr sz="2000" dirty="0"/>
+          </a:p>
+          <a:p>
+            <a:pPr marL="457200" lvl="0" indent="-355600" algn="l" rtl="0">
               <a:lnSpc>
                 <a:spcPct val="150000"/>
               </a:lnSpc>
@@ -7127,10 +7331,10 @@
               <a:buAutoNum type="alphaUcPeriod"/>
             </a:pPr>
             <a:r>
-              <a:rPr lang="en" sz="2000"/>
-              <a:t>Transcript</a:t>
-            </a:r>
-            <a:endParaRPr sz="2000"/>
+              <a:rPr lang="en" sz="2000" dirty="0"/>
+              <a:t>Transcripts</a:t>
+            </a:r>
+            <a:endParaRPr sz="2000" dirty="0"/>
           </a:p>
         </p:txBody>
       </p:sp>
@@ -7154,12 +7358,12 @@
           </a:ln>
         </p:spPr>
         <p:txBody>
-          <a:bodyPr anchorCtr="0" anchor="t" bIns="91425" lIns="91425" spcFirstLastPara="1" rIns="91425" wrap="square" tIns="91425">
+          <a:bodyPr spcFirstLastPara="1" wrap="square" lIns="91425" tIns="91425" rIns="91425" bIns="91425" anchor="t" anchorCtr="0">
             <a:spAutoFit/>
           </a:bodyPr>
           <a:lstStyle/>
           <a:p>
-            <a:pPr indent="0" lvl="0" marL="0" rtl="0" algn="l">
+            <a:pPr marL="0" lvl="0" indent="0" algn="l" rtl="0">
               <a:spcBef>
                 <a:spcPts val="0"/>
               </a:spcBef>
@@ -7193,11 +7397,11 @@
 </file>
 
 <file path=ppt/slides/slide11.xml><?xml version="1.0" encoding="utf-8"?>
-<p:sld xmlns:a="http://schemas.openxmlformats.org/drawingml/2006/main" xmlns:r="http://schemas.openxmlformats.org/officeDocument/2006/relationships" xmlns:mc="http://schemas.openxmlformats.org/markup-compatibility/2006" xmlns:mv="urn:schemas-microsoft-com:mac:vml" xmlns:p="http://schemas.openxmlformats.org/presentationml/2006/main" xmlns:c="http://schemas.openxmlformats.org/drawingml/2006/chart" xmlns:dgm="http://schemas.openxmlformats.org/drawingml/2006/diagram" xmlns:o="urn:schemas-microsoft-com:office:office" xmlns:v="urn:schemas-microsoft-com:vml" xmlns:pvml="urn:schemas-microsoft-com:office:powerpoint" xmlns:com="http://schemas.openxmlformats.org/drawingml/2006/compatibility" xmlns:p14="http://schemas.microsoft.com/office/powerpoint/2010/main" xmlns:p15="http://schemas.microsoft.com/office/powerpoint/2012/main" xmlns:ahyp="http://schemas.microsoft.com/office/drawing/2018/hyperlinkcolor">
+<p:sld xmlns:a="http://schemas.openxmlformats.org/drawingml/2006/main" xmlns:r="http://schemas.openxmlformats.org/officeDocument/2006/relationships" xmlns:p="http://schemas.openxmlformats.org/presentationml/2006/main">
   <p:cSld>
     <p:spTree>
       <p:nvGrpSpPr>
-        <p:cNvPr id="133" name="Shape 133"/>
+        <p:cNvPr id="1" name="Shape 133"/>
         <p:cNvGrpSpPr/>
         <p:nvPr/>
       </p:nvGrpSpPr>
@@ -7212,9 +7416,11 @@
       <p:sp>
         <p:nvSpPr>
           <p:cNvPr id="134" name="Google Shape;134;p23"/>
-          <p:cNvSpPr txBox="1"/>
+          <p:cNvSpPr txBox="1">
+            <a:spLocks noGrp="1"/>
+          </p:cNvSpPr>
           <p:nvPr>
-            <p:ph idx="1" type="body"/>
+            <p:ph type="body" idx="1"/>
           </p:nvPr>
         </p:nvSpPr>
         <p:spPr>
@@ -7227,12 +7433,12 @@
           </a:prstGeom>
         </p:spPr>
         <p:txBody>
-          <a:bodyPr anchorCtr="0" anchor="t" bIns="91425" lIns="91425" spcFirstLastPara="1" rIns="91425" wrap="square" tIns="91425">
+          <a:bodyPr spcFirstLastPara="1" wrap="square" lIns="91425" tIns="91425" rIns="91425" bIns="91425" anchor="t" anchorCtr="0">
             <a:normAutofit/>
           </a:bodyPr>
           <a:lstStyle/>
           <a:p>
-            <a:pPr indent="-355600" lvl="0" marL="457200" rtl="0" algn="l">
+            <a:pPr marL="457200" lvl="0" indent="-355600" algn="l" rtl="0">
               <a:lnSpc>
                 <a:spcPct val="150000"/>
               </a:lnSpc>
@@ -7246,11 +7452,11 @@
               <a:buChar char="●"/>
             </a:pPr>
             <a:r>
-              <a:rPr lang="en" sz="2000"/>
+              <a:rPr lang="en" sz="2000" dirty="0"/>
               <a:t>Follow</a:t>
             </a:r>
             <a:r>
-              <a:rPr lang="en" sz="2000">
+              <a:rPr lang="en" sz="2000" dirty="0">
                 <a:solidFill>
                   <a:srgbClr val="1155CC"/>
                 </a:solidFill>
@@ -7258,13 +7464,13 @@
               <a:t> DESeq2</a:t>
             </a:r>
             <a:r>
-              <a:rPr lang="en" sz="2000"/>
+              <a:rPr lang="en" sz="2000" dirty="0"/>
               <a:t> worksheet</a:t>
             </a:r>
-            <a:endParaRPr sz="2000"/>
-          </a:p>
-          <a:p>
-            <a:pPr indent="-342900" lvl="1" marL="914400" rtl="0" algn="l">
+            <a:endParaRPr sz="2000" dirty="0"/>
+          </a:p>
+          <a:p>
+            <a:pPr marL="914400" lvl="1" indent="-342900" algn="l" rtl="0">
               <a:lnSpc>
                 <a:spcPct val="150000"/>
               </a:lnSpc>
@@ -7278,17 +7484,19 @@
               <a:buChar char="○"/>
             </a:pPr>
             <a:r>
-              <a:rPr lang="en" sz="1800"/>
+              <a:rPr lang="en" sz="1800" dirty="0"/>
               <a:t>This will be run in an R console in RStudio</a:t>
             </a:r>
-            <a:endParaRPr sz="1800"/>
+            <a:endParaRPr sz="1800" dirty="0"/>
           </a:p>
         </p:txBody>
       </p:sp>
       <p:sp>
         <p:nvSpPr>
           <p:cNvPr id="135" name="Google Shape;135;p23"/>
-          <p:cNvSpPr txBox="1"/>
+          <p:cNvSpPr txBox="1">
+            <a:spLocks noGrp="1"/>
+          </p:cNvSpPr>
           <p:nvPr>
             <p:ph type="title"/>
           </p:nvPr>
@@ -7303,12 +7511,12 @@
           </a:prstGeom>
         </p:spPr>
         <p:txBody>
-          <a:bodyPr anchorCtr="0" anchor="t" bIns="91425" lIns="91425" spcFirstLastPara="1" rIns="91425" wrap="square" tIns="91425">
+          <a:bodyPr spcFirstLastPara="1" wrap="square" lIns="91425" tIns="91425" rIns="91425" bIns="91425" anchor="t" anchorCtr="0">
             <a:normAutofit fontScale="90000"/>
           </a:bodyPr>
           <a:lstStyle/>
           <a:p>
-            <a:pPr indent="0" lvl="0" marL="0" rtl="0" algn="ctr">
+            <a:pPr marL="0" lvl="0" indent="0" algn="ctr" rtl="0">
               <a:spcBef>
                 <a:spcPts val="0"/>
               </a:spcBef>
@@ -7318,10 +7526,10 @@
               <a:buNone/>
             </a:pPr>
             <a:r>
-              <a:rPr lang="en"/>
+              <a:rPr lang="en" dirty="0"/>
               <a:t>Run DESeq2…</a:t>
             </a:r>
-            <a:endParaRPr/>
+            <a:endParaRPr dirty="0"/>
           </a:p>
         </p:txBody>
       </p:sp>
@@ -7362,11 +7570,11 @@
 </file>
 
 <file path=ppt/slides/slide12.xml><?xml version="1.0" encoding="utf-8"?>
-<p:sld xmlns:a="http://schemas.openxmlformats.org/drawingml/2006/main" xmlns:r="http://schemas.openxmlformats.org/officeDocument/2006/relationships" xmlns:mc="http://schemas.openxmlformats.org/markup-compatibility/2006" xmlns:mv="urn:schemas-microsoft-com:mac:vml" xmlns:p="http://schemas.openxmlformats.org/presentationml/2006/main" xmlns:c="http://schemas.openxmlformats.org/drawingml/2006/chart" xmlns:dgm="http://schemas.openxmlformats.org/drawingml/2006/diagram" xmlns:o="urn:schemas-microsoft-com:office:office" xmlns:v="urn:schemas-microsoft-com:vml" xmlns:pvml="urn:schemas-microsoft-com:office:powerpoint" xmlns:com="http://schemas.openxmlformats.org/drawingml/2006/compatibility" xmlns:p14="http://schemas.microsoft.com/office/powerpoint/2010/main" xmlns:p15="http://schemas.microsoft.com/office/powerpoint/2012/main" xmlns:ahyp="http://schemas.microsoft.com/office/drawing/2018/hyperlinkcolor">
+<p:sld xmlns:a="http://schemas.openxmlformats.org/drawingml/2006/main" xmlns:r="http://schemas.openxmlformats.org/officeDocument/2006/relationships" xmlns:p="http://schemas.openxmlformats.org/presentationml/2006/main">
   <p:cSld>
     <p:spTree>
       <p:nvGrpSpPr>
-        <p:cNvPr id="140" name="Shape 140"/>
+        <p:cNvPr id="1" name="Shape 140"/>
         <p:cNvGrpSpPr/>
         <p:nvPr/>
       </p:nvGrpSpPr>
@@ -7381,7 +7589,9 @@
       <p:sp>
         <p:nvSpPr>
           <p:cNvPr id="141" name="Google Shape;141;p24"/>
-          <p:cNvSpPr txBox="1"/>
+          <p:cNvSpPr txBox="1">
+            <a:spLocks noGrp="1"/>
+          </p:cNvSpPr>
           <p:nvPr>
             <p:ph type="title"/>
           </p:nvPr>
@@ -7396,12 +7606,12 @@
           </a:prstGeom>
         </p:spPr>
         <p:txBody>
-          <a:bodyPr anchorCtr="0" anchor="t" bIns="91425" lIns="91425" spcFirstLastPara="1" rIns="91425" wrap="square" tIns="91425">
+          <a:bodyPr spcFirstLastPara="1" wrap="square" lIns="91425" tIns="91425" rIns="91425" bIns="91425" anchor="t" anchorCtr="0">
             <a:normAutofit fontScale="90000"/>
           </a:bodyPr>
           <a:lstStyle/>
           <a:p>
-            <a:pPr indent="0" lvl="0" marL="0" rtl="0" algn="ctr">
+            <a:pPr marL="0" lvl="0" indent="0" algn="ctr" rtl="0">
               <a:spcBef>
                 <a:spcPts val="0"/>
               </a:spcBef>
@@ -7411,19 +7621,21 @@
               <a:buNone/>
             </a:pPr>
             <a:r>
-              <a:rPr lang="en"/>
+              <a:rPr lang="en" dirty="0"/>
               <a:t>Challenge Question</a:t>
             </a:r>
-            <a:endParaRPr/>
+            <a:endParaRPr dirty="0"/>
           </a:p>
         </p:txBody>
       </p:sp>
       <p:sp>
         <p:nvSpPr>
           <p:cNvPr id="142" name="Google Shape;142;p24"/>
-          <p:cNvSpPr txBox="1"/>
+          <p:cNvSpPr txBox="1">
+            <a:spLocks noGrp="1"/>
+          </p:cNvSpPr>
           <p:nvPr>
-            <p:ph idx="1" type="body"/>
+            <p:ph type="body" idx="1"/>
           </p:nvPr>
         </p:nvSpPr>
         <p:spPr>
@@ -7436,12 +7648,12 @@
           </a:prstGeom>
         </p:spPr>
         <p:txBody>
-          <a:bodyPr anchorCtr="0" anchor="t" bIns="91425" lIns="91425" spcFirstLastPara="1" rIns="91425" wrap="square" tIns="91425">
+          <a:bodyPr spcFirstLastPara="1" wrap="square" lIns="91425" tIns="91425" rIns="91425" bIns="91425" anchor="t" anchorCtr="0">
             <a:normAutofit/>
           </a:bodyPr>
           <a:lstStyle/>
           <a:p>
-            <a:pPr indent="-355600" lvl="0" marL="457200" rtl="0" algn="l">
+            <a:pPr marL="457200" lvl="0" indent="-355600" algn="l" rtl="0">
               <a:spcBef>
                 <a:spcPts val="0"/>
               </a:spcBef>
@@ -7452,10 +7664,10 @@
               <a:buChar char="●"/>
             </a:pPr>
             <a:r>
-              <a:rPr lang="en" sz="2000"/>
+              <a:rPr lang="en" sz="2000" dirty="0"/>
               <a:t>How would you run DESeq2 on the supercomputer?</a:t>
             </a:r>
-            <a:endParaRPr sz="2000"/>
+            <a:endParaRPr sz="2000" dirty="0"/>
           </a:p>
         </p:txBody>
       </p:sp>
@@ -7468,11 +7680,11 @@
 </file>
 
 <file path=ppt/slides/slide13.xml><?xml version="1.0" encoding="utf-8"?>
-<p:sld xmlns:a="http://schemas.openxmlformats.org/drawingml/2006/main" xmlns:r="http://schemas.openxmlformats.org/officeDocument/2006/relationships" xmlns:mc="http://schemas.openxmlformats.org/markup-compatibility/2006" xmlns:mv="urn:schemas-microsoft-com:mac:vml" xmlns:p="http://schemas.openxmlformats.org/presentationml/2006/main" xmlns:c="http://schemas.openxmlformats.org/drawingml/2006/chart" xmlns:dgm="http://schemas.openxmlformats.org/drawingml/2006/diagram" xmlns:o="urn:schemas-microsoft-com:office:office" xmlns:v="urn:schemas-microsoft-com:vml" xmlns:pvml="urn:schemas-microsoft-com:office:powerpoint" xmlns:com="http://schemas.openxmlformats.org/drawingml/2006/compatibility" xmlns:p14="http://schemas.microsoft.com/office/powerpoint/2010/main" xmlns:p15="http://schemas.microsoft.com/office/powerpoint/2012/main" xmlns:ahyp="http://schemas.microsoft.com/office/drawing/2018/hyperlinkcolor">
+<p:sld xmlns:a="http://schemas.openxmlformats.org/drawingml/2006/main" xmlns:r="http://schemas.openxmlformats.org/officeDocument/2006/relationships" xmlns:p="http://schemas.openxmlformats.org/presentationml/2006/main">
   <p:cSld>
     <p:spTree>
       <p:nvGrpSpPr>
-        <p:cNvPr id="146" name="Shape 146"/>
+        <p:cNvPr id="1" name="Shape 146"/>
         <p:cNvGrpSpPr/>
         <p:nvPr/>
       </p:nvGrpSpPr>
@@ -7487,7 +7699,9 @@
       <p:sp>
         <p:nvSpPr>
           <p:cNvPr id="147" name="Google Shape;147;p25"/>
-          <p:cNvSpPr txBox="1"/>
+          <p:cNvSpPr txBox="1">
+            <a:spLocks noGrp="1"/>
+          </p:cNvSpPr>
           <p:nvPr>
             <p:ph type="title"/>
           </p:nvPr>
@@ -7502,12 +7716,12 @@
           </a:prstGeom>
         </p:spPr>
         <p:txBody>
-          <a:bodyPr anchorCtr="0" anchor="t" bIns="91425" lIns="91425" spcFirstLastPara="1" rIns="91425" wrap="square" tIns="91425">
+          <a:bodyPr spcFirstLastPara="1" wrap="square" lIns="91425" tIns="91425" rIns="91425" bIns="91425" anchor="t" anchorCtr="0">
             <a:normAutofit fontScale="90000"/>
           </a:bodyPr>
           <a:lstStyle/>
           <a:p>
-            <a:pPr indent="0" lvl="0" marL="0" rtl="0" algn="ctr">
+            <a:pPr marL="0" lvl="0" indent="0" algn="ctr" rtl="0">
               <a:spcBef>
                 <a:spcPts val="0"/>
               </a:spcBef>
@@ -7527,9 +7741,11 @@
       <p:sp>
         <p:nvSpPr>
           <p:cNvPr id="148" name="Google Shape;148;p25"/>
-          <p:cNvSpPr txBox="1"/>
+          <p:cNvSpPr txBox="1">
+            <a:spLocks noGrp="1"/>
+          </p:cNvSpPr>
           <p:nvPr>
-            <p:ph idx="1" type="body"/>
+            <p:ph type="body" idx="1"/>
           </p:nvPr>
         </p:nvSpPr>
         <p:spPr>
@@ -7542,12 +7758,12 @@
           </a:prstGeom>
         </p:spPr>
         <p:txBody>
-          <a:bodyPr anchorCtr="0" anchor="t" bIns="91425" lIns="91425" spcFirstLastPara="1" rIns="91425" wrap="square" tIns="91425">
+          <a:bodyPr spcFirstLastPara="1" wrap="square" lIns="91425" tIns="91425" rIns="91425" bIns="91425" anchor="t" anchorCtr="0">
             <a:normAutofit/>
           </a:bodyPr>
           <a:lstStyle/>
           <a:p>
-            <a:pPr indent="-355600" lvl="0" marL="457200" rtl="0" algn="l">
+            <a:pPr marL="457200" lvl="0" indent="-355600" algn="l" rtl="0">
               <a:lnSpc>
                 <a:spcPct val="150000"/>
               </a:lnSpc>
@@ -7561,13 +7777,13 @@
               <a:buChar char="●"/>
             </a:pPr>
             <a:r>
-              <a:rPr lang="en" sz="2000"/>
+              <a:rPr lang="en" sz="2000" dirty="0"/>
               <a:t>How would you run DESeq2 on the supercomputer?</a:t>
             </a:r>
-            <a:endParaRPr sz="2000"/>
-          </a:p>
-          <a:p>
-            <a:pPr indent="-342900" lvl="1" marL="914400" rtl="0" algn="l">
+            <a:endParaRPr sz="2000" dirty="0"/>
+          </a:p>
+          <a:p>
+            <a:pPr marL="914400" lvl="1" indent="-342900" algn="l" rtl="0">
               <a:lnSpc>
                 <a:spcPct val="150000"/>
               </a:lnSpc>
@@ -7581,13 +7797,13 @@
               <a:buChar char="○"/>
             </a:pPr>
             <a:r>
-              <a:rPr lang="en" sz="1800"/>
+              <a:rPr lang="en" sz="1800" dirty="0"/>
               <a:t>Install DESeq2 in your R packages directory</a:t>
             </a:r>
-            <a:endParaRPr sz="1800"/>
-          </a:p>
-          <a:p>
-            <a:pPr indent="-342900" lvl="1" marL="914400" rtl="0" algn="l">
+            <a:endParaRPr sz="1800" dirty="0"/>
+          </a:p>
+          <a:p>
+            <a:pPr marL="914400" lvl="1" indent="-342900" algn="l" rtl="0">
               <a:lnSpc>
                 <a:spcPct val="150000"/>
               </a:lnSpc>
@@ -7601,13 +7817,13 @@
               <a:buChar char="○"/>
             </a:pPr>
             <a:r>
-              <a:rPr lang="en" sz="1800"/>
+              <a:rPr lang="en" sz="1800" dirty="0"/>
               <a:t>Make a conditions table that matches your count table</a:t>
             </a:r>
-            <a:endParaRPr sz="1800"/>
-          </a:p>
-          <a:p>
-            <a:pPr indent="-342900" lvl="1" marL="914400" rtl="0" algn="l">
+            <a:endParaRPr sz="1800" dirty="0"/>
+          </a:p>
+          <a:p>
+            <a:pPr marL="914400" lvl="1" indent="-342900" algn="l" rtl="0">
               <a:lnSpc>
                 <a:spcPct val="150000"/>
               </a:lnSpc>
@@ -7621,10 +7837,18 @@
               <a:buChar char="○"/>
             </a:pPr>
             <a:r>
-              <a:rPr lang="en" sz="1800"/>
-              <a:t>Run the R script through an sbatch script</a:t>
-            </a:r>
-            <a:endParaRPr sz="1800"/>
+              <a:rPr lang="en" sz="1800" dirty="0"/>
+              <a:t>Run the R script through an </a:t>
+            </a:r>
+            <a:r>
+              <a:rPr lang="en" sz="1800" dirty="0" err="1"/>
+              <a:t>sbatch</a:t>
+            </a:r>
+            <a:r>
+              <a:rPr lang="en" sz="1800" dirty="0"/>
+              <a:t> script</a:t>
+            </a:r>
+            <a:endParaRPr sz="1800" dirty="0"/>
           </a:p>
         </p:txBody>
       </p:sp>
@@ -7637,11 +7861,11 @@
 </file>
 
 <file path=ppt/slides/slide14.xml><?xml version="1.0" encoding="utf-8"?>
-<p:sld xmlns:a="http://schemas.openxmlformats.org/drawingml/2006/main" xmlns:r="http://schemas.openxmlformats.org/officeDocument/2006/relationships" xmlns:mc="http://schemas.openxmlformats.org/markup-compatibility/2006" xmlns:mv="urn:schemas-microsoft-com:mac:vml" xmlns:p="http://schemas.openxmlformats.org/presentationml/2006/main" xmlns:c="http://schemas.openxmlformats.org/drawingml/2006/chart" xmlns:dgm="http://schemas.openxmlformats.org/drawingml/2006/diagram" xmlns:o="urn:schemas-microsoft-com:office:office" xmlns:v="urn:schemas-microsoft-com:vml" xmlns:pvml="urn:schemas-microsoft-com:office:powerpoint" xmlns:com="http://schemas.openxmlformats.org/drawingml/2006/compatibility" xmlns:p14="http://schemas.microsoft.com/office/powerpoint/2010/main" xmlns:p15="http://schemas.microsoft.com/office/powerpoint/2012/main" xmlns:ahyp="http://schemas.microsoft.com/office/drawing/2018/hyperlinkcolor">
+<p:sld xmlns:a="http://schemas.openxmlformats.org/drawingml/2006/main" xmlns:r="http://schemas.openxmlformats.org/officeDocument/2006/relationships" xmlns:p="http://schemas.openxmlformats.org/presentationml/2006/main">
   <p:cSld>
     <p:spTree>
       <p:nvGrpSpPr>
-        <p:cNvPr id="152" name="Shape 152"/>
+        <p:cNvPr id="1" name="Shape 152"/>
         <p:cNvGrpSpPr/>
         <p:nvPr/>
       </p:nvGrpSpPr>
@@ -7656,7 +7880,9 @@
       <p:sp>
         <p:nvSpPr>
           <p:cNvPr id="153" name="Google Shape;153;p26"/>
-          <p:cNvSpPr txBox="1"/>
+          <p:cNvSpPr txBox="1">
+            <a:spLocks noGrp="1"/>
+          </p:cNvSpPr>
           <p:nvPr>
             <p:ph type="title"/>
           </p:nvPr>
@@ -7671,12 +7897,12 @@
           </a:prstGeom>
         </p:spPr>
         <p:txBody>
-          <a:bodyPr anchorCtr="0" anchor="t" bIns="91425" lIns="91425" spcFirstLastPara="1" rIns="91425" wrap="square" tIns="91425">
+          <a:bodyPr spcFirstLastPara="1" wrap="square" lIns="91425" tIns="91425" rIns="91425" bIns="91425" anchor="t" anchorCtr="0">
             <a:normAutofit fontScale="90000"/>
           </a:bodyPr>
           <a:lstStyle/>
           <a:p>
-            <a:pPr indent="0" lvl="0" marL="0" rtl="0" algn="ctr">
+            <a:pPr marL="0" lvl="0" indent="0" algn="ctr" rtl="0">
               <a:spcBef>
                 <a:spcPts val="0"/>
               </a:spcBef>
@@ -7690,13 +7916,10 @@
               <a:buFont typeface="Arial"/>
               <a:buNone/>
             </a:pPr>
-            <a:r>
-              <a:t/>
-            </a:r>
             <a:endParaRPr/>
           </a:p>
           <a:p>
-            <a:pPr indent="0" lvl="0" marL="0" rtl="0" algn="ctr">
+            <a:pPr marL="0" lvl="0" indent="0" algn="ctr" rtl="0">
               <a:spcBef>
                 <a:spcPts val="0"/>
               </a:spcBef>
@@ -7705,9 +7928,6 @@
               </a:spcAft>
               <a:buNone/>
             </a:pPr>
-            <a:r>
-              <a:t/>
-            </a:r>
             <a:endParaRPr/>
           </a:p>
         </p:txBody>
@@ -7715,9 +7935,11 @@
       <p:sp>
         <p:nvSpPr>
           <p:cNvPr id="154" name="Google Shape;154;p26"/>
-          <p:cNvSpPr txBox="1"/>
+          <p:cNvSpPr txBox="1">
+            <a:spLocks noGrp="1"/>
+          </p:cNvSpPr>
           <p:nvPr>
-            <p:ph idx="1" type="body"/>
+            <p:ph type="body" idx="1"/>
           </p:nvPr>
         </p:nvSpPr>
         <p:spPr>
@@ -7730,14 +7952,14 @@
           </a:prstGeom>
         </p:spPr>
         <p:txBody>
-          <a:bodyPr anchorCtr="0" anchor="t" bIns="91425" lIns="91425" spcFirstLastPara="1" rIns="91425" wrap="square" tIns="91425">
+          <a:bodyPr spcFirstLastPara="1" wrap="square" lIns="91425" tIns="91425" rIns="91425" bIns="91425" anchor="t" anchorCtr="0">
             <a:normAutofit/>
           </a:bodyPr>
           <a:lstStyle/>
           <a:p>
-            <a:pPr indent="-355600" lvl="0" marL="457200" rtl="0" algn="l">
+            <a:pPr marL="457200" lvl="0" indent="-355600" algn="l" rtl="0">
               <a:lnSpc>
-                <a:spcPct val="150000"/>
+                <a:spcPct val="100000"/>
               </a:lnSpc>
               <a:spcBef>
                 <a:spcPts val="0"/>
@@ -7749,37 +7971,19 @@
               <a:buChar char="●"/>
             </a:pPr>
             <a:r>
-              <a:rPr lang="en" sz="2000"/>
-              <a:t>Explore DE genes with a heatmap</a:t>
-            </a:r>
-            <a:endParaRPr sz="2000"/>
-          </a:p>
-          <a:p>
-            <a:pPr indent="-355600" lvl="0" marL="457200" rtl="0" algn="l">
-              <a:lnSpc>
-                <a:spcPct val="100000"/>
-              </a:lnSpc>
-              <a:spcBef>
-                <a:spcPts val="0"/>
-              </a:spcBef>
-              <a:spcAft>
-                <a:spcPts val="0"/>
-              </a:spcAft>
-              <a:buSzPts val="2000"/>
-              <a:buChar char="●"/>
-            </a:pPr>
-            <a:r>
-              <a:rPr lang="en" sz="2000"/>
-              <a:t>Run DESeq2 to explore differential expression with nicotine and caffeine treatments</a:t>
-            </a:r>
-            <a:endParaRPr sz="2000"/>
+              <a:rPr lang="en" sz="2000" dirty="0"/>
+              <a:t>Run DESeq2 to explore differential expression with a different cell line</a:t>
+            </a:r>
+            <a:endParaRPr sz="2000" dirty="0"/>
           </a:p>
         </p:txBody>
       </p:sp>
       <p:sp>
         <p:nvSpPr>
           <p:cNvPr id="155" name="Google Shape;155;p26"/>
-          <p:cNvSpPr txBox="1"/>
+          <p:cNvSpPr txBox="1">
+            <a:spLocks noGrp="1"/>
+          </p:cNvSpPr>
           <p:nvPr>
             <p:ph type="title"/>
           </p:nvPr>
@@ -7794,12 +7998,12 @@
           </a:prstGeom>
         </p:spPr>
         <p:txBody>
-          <a:bodyPr anchorCtr="0" anchor="t" bIns="91425" lIns="91425" spcFirstLastPara="1" rIns="91425" wrap="square" tIns="91425">
+          <a:bodyPr spcFirstLastPara="1" wrap="square" lIns="91425" tIns="91425" rIns="91425" bIns="91425" anchor="t" anchorCtr="0">
             <a:normAutofit fontScale="90000"/>
           </a:bodyPr>
           <a:lstStyle/>
           <a:p>
-            <a:pPr indent="0" lvl="0" marL="0" rtl="0" algn="ctr">
+            <a:pPr marL="0" lvl="0" indent="0" algn="ctr" rtl="0">
               <a:spcBef>
                 <a:spcPts val="0"/>
               </a:spcBef>
@@ -7809,10 +8013,10 @@
               <a:buNone/>
             </a:pPr>
             <a:r>
-              <a:rPr lang="en"/>
+              <a:rPr lang="en" dirty="0"/>
               <a:t>Homework</a:t>
             </a:r>
-            <a:endParaRPr/>
+            <a:endParaRPr dirty="0"/>
           </a:p>
         </p:txBody>
       </p:sp>
@@ -7825,11 +8029,11 @@
 </file>
 
 <file path=ppt/slides/slide2.xml><?xml version="1.0" encoding="utf-8"?>
-<p:sld xmlns:a="http://schemas.openxmlformats.org/drawingml/2006/main" xmlns:r="http://schemas.openxmlformats.org/officeDocument/2006/relationships" xmlns:mc="http://schemas.openxmlformats.org/markup-compatibility/2006" xmlns:mv="urn:schemas-microsoft-com:mac:vml" xmlns:p="http://schemas.openxmlformats.org/presentationml/2006/main" xmlns:c="http://schemas.openxmlformats.org/drawingml/2006/chart" xmlns:dgm="http://schemas.openxmlformats.org/drawingml/2006/diagram" xmlns:o="urn:schemas-microsoft-com:office:office" xmlns:v="urn:schemas-microsoft-com:vml" xmlns:pvml="urn:schemas-microsoft-com:office:powerpoint" xmlns:com="http://schemas.openxmlformats.org/drawingml/2006/compatibility" xmlns:p14="http://schemas.microsoft.com/office/powerpoint/2010/main" xmlns:p15="http://schemas.microsoft.com/office/powerpoint/2012/main" xmlns:ahyp="http://schemas.microsoft.com/office/drawing/2018/hyperlinkcolor">
+<p:sld xmlns:a="http://schemas.openxmlformats.org/drawingml/2006/main" xmlns:r="http://schemas.openxmlformats.org/officeDocument/2006/relationships" xmlns:p="http://schemas.openxmlformats.org/presentationml/2006/main">
   <p:cSld>
     <p:spTree>
       <p:nvGrpSpPr>
-        <p:cNvPr id="59" name="Shape 59"/>
+        <p:cNvPr id="1" name="Shape 59"/>
         <p:cNvGrpSpPr/>
         <p:nvPr/>
       </p:nvGrpSpPr>
@@ -7844,7 +8048,9 @@
       <p:sp>
         <p:nvSpPr>
           <p:cNvPr id="60" name="Google Shape;60;p14"/>
-          <p:cNvSpPr txBox="1"/>
+          <p:cNvSpPr txBox="1">
+            <a:spLocks noGrp="1"/>
+          </p:cNvSpPr>
           <p:nvPr>
             <p:ph type="title"/>
           </p:nvPr>
@@ -7859,12 +8065,12 @@
           </a:prstGeom>
         </p:spPr>
         <p:txBody>
-          <a:bodyPr anchorCtr="0" anchor="t" bIns="91425" lIns="91425" spcFirstLastPara="1" rIns="91425" wrap="square" tIns="91425">
+          <a:bodyPr spcFirstLastPara="1" wrap="square" lIns="91425" tIns="91425" rIns="91425" bIns="91425" anchor="t" anchorCtr="0">
             <a:normAutofit fontScale="90000"/>
           </a:bodyPr>
           <a:lstStyle/>
           <a:p>
-            <a:pPr indent="0" lvl="0" marL="0" rtl="0" algn="ctr">
+            <a:pPr marL="0" lvl="0" indent="0" algn="ctr" rtl="0">
               <a:spcBef>
                 <a:spcPts val="0"/>
               </a:spcBef>
@@ -7874,19 +8080,21 @@
               <a:buNone/>
             </a:pPr>
             <a:r>
-              <a:rPr lang="en"/>
+              <a:rPr lang="en" dirty="0"/>
               <a:t>Day 7 Overview</a:t>
             </a:r>
-            <a:endParaRPr/>
+            <a:endParaRPr dirty="0"/>
           </a:p>
         </p:txBody>
       </p:sp>
       <p:sp>
         <p:nvSpPr>
           <p:cNvPr id="61" name="Google Shape;61;p14"/>
-          <p:cNvSpPr txBox="1"/>
+          <p:cNvSpPr txBox="1">
+            <a:spLocks noGrp="1"/>
+          </p:cNvSpPr>
           <p:nvPr>
-            <p:ph idx="1" type="body"/>
+            <p:ph type="body" idx="1"/>
           </p:nvPr>
         </p:nvSpPr>
         <p:spPr>
@@ -7899,12 +8107,12 @@
           </a:prstGeom>
         </p:spPr>
         <p:txBody>
-          <a:bodyPr anchorCtr="0" anchor="t" bIns="91425" lIns="91425" spcFirstLastPara="1" rIns="91425" wrap="square" tIns="91425">
+          <a:bodyPr spcFirstLastPara="1" wrap="square" lIns="91425" tIns="91425" rIns="91425" bIns="91425" anchor="t" anchorCtr="0">
             <a:normAutofit lnSpcReduction="10000"/>
           </a:bodyPr>
           <a:lstStyle/>
           <a:p>
-            <a:pPr indent="-355600" lvl="0" marL="457200" rtl="0" algn="l">
+            <a:pPr marL="457200" lvl="0" indent="-355600" algn="l" rtl="0">
               <a:lnSpc>
                 <a:spcPct val="150000"/>
               </a:lnSpc>
@@ -7918,13 +8126,13 @@
               <a:buChar char="●"/>
             </a:pPr>
             <a:r>
-              <a:rPr lang="en" sz="2000"/>
+              <a:rPr lang="en" sz="2000" dirty="0"/>
               <a:t>M&amp;Ms</a:t>
             </a:r>
-            <a:endParaRPr sz="2000"/>
-          </a:p>
-          <a:p>
-            <a:pPr indent="-355600" lvl="0" marL="457200" rtl="0" algn="l">
+            <a:endParaRPr sz="2000" dirty="0"/>
+          </a:p>
+          <a:p>
+            <a:pPr marL="457200" lvl="0" indent="-355600" algn="l" rtl="0">
               <a:lnSpc>
                 <a:spcPct val="150000"/>
               </a:lnSpc>
@@ -7938,13 +8146,13 @@
               <a:buChar char="●"/>
             </a:pPr>
             <a:r>
-              <a:rPr lang="en" sz="2000"/>
+              <a:rPr lang="en" sz="2000" dirty="0" err="1"/>
               <a:t>featureCounts</a:t>
             </a:r>
-            <a:endParaRPr sz="2000"/>
-          </a:p>
-          <a:p>
-            <a:pPr indent="-355600" lvl="0" marL="457200" rtl="0" algn="l">
+            <a:endParaRPr sz="2000" dirty="0"/>
+          </a:p>
+          <a:p>
+            <a:pPr marL="457200" lvl="0" indent="-355600" algn="l" rtl="0">
               <a:lnSpc>
                 <a:spcPct val="150000"/>
               </a:lnSpc>
@@ -7958,10 +8166,10 @@
               <a:buChar char="●"/>
             </a:pPr>
             <a:r>
-              <a:rPr lang="en" sz="2000"/>
+              <a:rPr lang="en" sz="2000" dirty="0"/>
               <a:t>DESeq2</a:t>
             </a:r>
-            <a:endParaRPr sz="2000"/>
+            <a:endParaRPr sz="2000" dirty="0"/>
           </a:p>
         </p:txBody>
       </p:sp>
@@ -7975,7 +8183,7 @@
           <a:blip r:embed="rId3">
             <a:alphaModFix/>
           </a:blip>
-          <a:srcRect b="0" l="0" r="0" t="0"/>
+          <a:srcRect/>
           <a:stretch/>
         </p:blipFill>
         <p:spPr>
@@ -8001,11 +8209,11 @@
 </file>
 
 <file path=ppt/slides/slide3.xml><?xml version="1.0" encoding="utf-8"?>
-<p:sld xmlns:a="http://schemas.openxmlformats.org/drawingml/2006/main" xmlns:r="http://schemas.openxmlformats.org/officeDocument/2006/relationships" xmlns:mc="http://schemas.openxmlformats.org/markup-compatibility/2006" xmlns:mv="urn:schemas-microsoft-com:mac:vml" xmlns:p="http://schemas.openxmlformats.org/presentationml/2006/main" xmlns:c="http://schemas.openxmlformats.org/drawingml/2006/chart" xmlns:dgm="http://schemas.openxmlformats.org/drawingml/2006/diagram" xmlns:o="urn:schemas-microsoft-com:office:office" xmlns:v="urn:schemas-microsoft-com:vml" xmlns:pvml="urn:schemas-microsoft-com:office:powerpoint" xmlns:com="http://schemas.openxmlformats.org/drawingml/2006/compatibility" xmlns:p14="http://schemas.microsoft.com/office/powerpoint/2010/main" xmlns:p15="http://schemas.microsoft.com/office/powerpoint/2012/main" xmlns:ahyp="http://schemas.microsoft.com/office/drawing/2018/hyperlinkcolor">
+<p:sld xmlns:a="http://schemas.openxmlformats.org/drawingml/2006/main" xmlns:r="http://schemas.openxmlformats.org/officeDocument/2006/relationships" xmlns:p="http://schemas.openxmlformats.org/presentationml/2006/main">
   <p:cSld>
     <p:spTree>
       <p:nvGrpSpPr>
-        <p:cNvPr id="66" name="Shape 66"/>
+        <p:cNvPr id="1" name="Shape 66"/>
         <p:cNvGrpSpPr/>
         <p:nvPr/>
       </p:nvGrpSpPr>
@@ -8027,7 +8235,7 @@
           <a:blip r:embed="rId3">
             <a:alphaModFix/>
           </a:blip>
-          <a:srcRect b="0" l="0" r="0" t="0"/>
+          <a:srcRect/>
           <a:stretch/>
         </p:blipFill>
         <p:spPr>
@@ -8047,7 +8255,9 @@
       <p:sp>
         <p:nvSpPr>
           <p:cNvPr id="68" name="Google Shape;68;p15"/>
-          <p:cNvSpPr txBox="1"/>
+          <p:cNvSpPr txBox="1">
+            <a:spLocks noGrp="1"/>
+          </p:cNvSpPr>
           <p:nvPr>
             <p:ph type="title"/>
           </p:nvPr>
@@ -8062,12 +8272,12 @@
           </a:prstGeom>
         </p:spPr>
         <p:txBody>
-          <a:bodyPr anchorCtr="0" anchor="t" bIns="91425" lIns="91425" spcFirstLastPara="1" rIns="91425" wrap="square" tIns="91425">
+          <a:bodyPr spcFirstLastPara="1" wrap="square" lIns="91425" tIns="91425" rIns="91425" bIns="91425" anchor="t" anchorCtr="0">
             <a:normAutofit fontScale="90000"/>
           </a:bodyPr>
           <a:lstStyle/>
           <a:p>
-            <a:pPr indent="0" lvl="0" marL="0" rtl="0" algn="ctr">
+            <a:pPr marL="0" lvl="0" indent="0" algn="ctr" rtl="0">
               <a:spcBef>
                 <a:spcPts val="0"/>
               </a:spcBef>
@@ -8083,7 +8293,7 @@
             <a:endParaRPr/>
           </a:p>
           <a:p>
-            <a:pPr indent="0" lvl="0" marL="0" rtl="0" algn="ctr">
+            <a:pPr marL="0" lvl="0" indent="0" algn="ctr" rtl="0">
               <a:spcBef>
                 <a:spcPts val="0"/>
               </a:spcBef>
@@ -8092,13 +8302,10 @@
               </a:spcAft>
               <a:buNone/>
             </a:pPr>
-            <a:r>
-              <a:t/>
-            </a:r>
             <a:endParaRPr/>
           </a:p>
           <a:p>
-            <a:pPr indent="0" lvl="0" marL="0" rtl="0" algn="ctr">
+            <a:pPr marL="0" lvl="0" indent="0" algn="ctr" rtl="0">
               <a:spcBef>
                 <a:spcPts val="0"/>
               </a:spcBef>
@@ -8107,9 +8314,6 @@
               </a:spcAft>
               <a:buNone/>
             </a:pPr>
-            <a:r>
-              <a:t/>
-            </a:r>
             <a:endParaRPr/>
           </a:p>
         </p:txBody>
@@ -8134,12 +8338,12 @@
           </a:ln>
         </p:spPr>
         <p:txBody>
-          <a:bodyPr anchorCtr="0" anchor="t" bIns="91425" lIns="91425" spcFirstLastPara="1" rIns="91425" wrap="square" tIns="91425">
+          <a:bodyPr spcFirstLastPara="1" wrap="square" lIns="91425" tIns="91425" rIns="91425" bIns="91425" anchor="t" anchorCtr="0">
             <a:noAutofit/>
           </a:bodyPr>
           <a:lstStyle/>
           <a:p>
-            <a:pPr indent="0" lvl="0" marL="0" rtl="0" algn="ctr">
+            <a:pPr marL="0" lvl="0" indent="0" algn="ctr" rtl="0">
               <a:spcBef>
                 <a:spcPts val="0"/>
               </a:spcBef>
@@ -8154,13 +8358,13 @@
               <a:buNone/>
             </a:pPr>
             <a:r>
-              <a:rPr lang="en" sz="2000"/>
+              <a:rPr lang="en" sz="2000" dirty="0"/>
               <a:t>Find genes that are different between samples</a:t>
             </a:r>
-            <a:endParaRPr sz="2000"/>
-          </a:p>
-          <a:p>
-            <a:pPr indent="0" lvl="0" marL="0" rtl="0" algn="ctr">
+            <a:endParaRPr sz="2000" dirty="0"/>
+          </a:p>
+          <a:p>
+            <a:pPr marL="0" lvl="0" indent="0" algn="ctr" rtl="0">
               <a:spcBef>
                 <a:spcPts val="0"/>
               </a:spcBef>
@@ -8174,13 +8378,10 @@
               <a:buFont typeface="Arial"/>
               <a:buNone/>
             </a:pPr>
-            <a:r>
-              <a:t/>
-            </a:r>
-            <a:endParaRPr sz="2000"/>
-          </a:p>
-          <a:p>
-            <a:pPr indent="0" lvl="0" marL="0" rtl="0" algn="ctr">
+            <a:endParaRPr sz="2000" dirty="0"/>
+          </a:p>
+          <a:p>
+            <a:pPr marL="0" lvl="0" indent="0" algn="ctr" rtl="0">
               <a:spcBef>
                 <a:spcPts val="0"/>
               </a:spcBef>
@@ -8189,10 +8390,7 @@
               </a:spcAft>
               <a:buNone/>
             </a:pPr>
-            <a:r>
-              <a:t/>
-            </a:r>
-            <a:endParaRPr sz="2000"/>
+            <a:endParaRPr sz="2000" dirty="0"/>
           </a:p>
         </p:txBody>
       </p:sp>
@@ -8209,29 +8407,29 @@
           </a:xfrm>
           <a:prstGeom prst="roundRect">
             <a:avLst>
-              <a:gd fmla="val 16667" name="adj"/>
+              <a:gd name="adj" fmla="val 16667"/>
             </a:avLst>
           </a:prstGeom>
           <a:solidFill>
             <a:schemeClr val="lt2"/>
           </a:solidFill>
-          <a:ln cap="flat" cmpd="sng" w="9525">
+          <a:ln w="9525" cap="flat" cmpd="sng">
             <a:solidFill>
               <a:srgbClr val="999999"/>
             </a:solidFill>
             <a:prstDash val="solid"/>
             <a:round/>
-            <a:headEnd len="sm" w="sm" type="none"/>
-            <a:tailEnd len="sm" w="sm" type="none"/>
+            <a:headEnd type="none" w="sm" len="sm"/>
+            <a:tailEnd type="none" w="sm" len="sm"/>
           </a:ln>
         </p:spPr>
         <p:txBody>
-          <a:bodyPr anchorCtr="0" anchor="ctr" bIns="91425" lIns="91425" spcFirstLastPara="1" rIns="91425" wrap="square" tIns="91425">
+          <a:bodyPr spcFirstLastPara="1" wrap="square" lIns="91425" tIns="91425" rIns="91425" bIns="91425" anchor="ctr" anchorCtr="0">
             <a:noAutofit/>
           </a:bodyPr>
           <a:lstStyle/>
           <a:p>
-            <a:pPr indent="0" lvl="0" marL="0" rtl="0" algn="ctr">
+            <a:pPr marL="0" lvl="0" indent="0" algn="ctr" rtl="0">
               <a:spcBef>
                 <a:spcPts val="0"/>
               </a:spcBef>
@@ -8241,14 +8439,14 @@
               <a:buNone/>
             </a:pPr>
             <a:r>
-              <a:rPr lang="en" sz="1600">
+              <a:rPr lang="en" sz="1600" dirty="0">
                 <a:solidFill>
                   <a:srgbClr val="666666"/>
                 </a:solidFill>
               </a:rPr>
               <a:t>Map reads to reference genome</a:t>
             </a:r>
-            <a:endParaRPr sz="1600">
+            <a:endParaRPr sz="1600" dirty="0">
               <a:solidFill>
                 <a:srgbClr val="666666"/>
               </a:solidFill>
@@ -8269,29 +8467,29 @@
           </a:xfrm>
           <a:prstGeom prst="roundRect">
             <a:avLst>
-              <a:gd fmla="val 16667" name="adj"/>
+              <a:gd name="adj" fmla="val 16667"/>
             </a:avLst>
           </a:prstGeom>
           <a:solidFill>
             <a:schemeClr val="lt2"/>
           </a:solidFill>
-          <a:ln cap="flat" cmpd="sng" w="9525">
+          <a:ln w="9525" cap="flat" cmpd="sng">
             <a:solidFill>
               <a:schemeClr val="dk1"/>
             </a:solidFill>
             <a:prstDash val="solid"/>
             <a:round/>
-            <a:headEnd len="sm" w="sm" type="none"/>
-            <a:tailEnd len="sm" w="sm" type="none"/>
+            <a:headEnd type="none" w="sm" len="sm"/>
+            <a:tailEnd type="none" w="sm" len="sm"/>
           </a:ln>
         </p:spPr>
         <p:txBody>
-          <a:bodyPr anchorCtr="0" anchor="ctr" bIns="91425" lIns="91425" spcFirstLastPara="1" rIns="91425" wrap="square" tIns="91425">
+          <a:bodyPr spcFirstLastPara="1" wrap="square" lIns="91425" tIns="91425" rIns="91425" bIns="91425" anchor="ctr" anchorCtr="0">
             <a:noAutofit/>
           </a:bodyPr>
           <a:lstStyle/>
           <a:p>
-            <a:pPr indent="0" lvl="0" marL="0" rtl="0" algn="ctr">
+            <a:pPr marL="0" lvl="0" indent="0" algn="ctr" rtl="0">
               <a:spcBef>
                 <a:spcPts val="0"/>
               </a:spcBef>
@@ -8301,14 +8499,14 @@
               <a:buNone/>
             </a:pPr>
             <a:r>
-              <a:rPr lang="en" sz="1600">
+              <a:rPr lang="en" sz="1600" dirty="0">
                 <a:solidFill>
                   <a:schemeClr val="dk1"/>
                 </a:solidFill>
               </a:rPr>
               <a:t>Count reads</a:t>
             </a:r>
-            <a:endParaRPr sz="1600">
+            <a:endParaRPr sz="1600" dirty="0">
               <a:solidFill>
                 <a:schemeClr val="dk1"/>
               </a:solidFill>
@@ -8329,29 +8527,29 @@
           </a:xfrm>
           <a:prstGeom prst="roundRect">
             <a:avLst>
-              <a:gd fmla="val 16667" name="adj"/>
+              <a:gd name="adj" fmla="val 16667"/>
             </a:avLst>
           </a:prstGeom>
           <a:solidFill>
             <a:schemeClr val="lt2"/>
           </a:solidFill>
-          <a:ln cap="flat" cmpd="sng" w="9525">
+          <a:ln w="9525" cap="flat" cmpd="sng">
             <a:solidFill>
               <a:schemeClr val="dk1"/>
             </a:solidFill>
             <a:prstDash val="solid"/>
             <a:round/>
-            <a:headEnd len="sm" w="sm" type="none"/>
-            <a:tailEnd len="sm" w="sm" type="none"/>
+            <a:headEnd type="none" w="sm" len="sm"/>
+            <a:tailEnd type="none" w="sm" len="sm"/>
           </a:ln>
         </p:spPr>
         <p:txBody>
-          <a:bodyPr anchorCtr="0" anchor="ctr" bIns="91425" lIns="91425" spcFirstLastPara="1" rIns="91425" wrap="square" tIns="91425">
+          <a:bodyPr spcFirstLastPara="1" wrap="square" lIns="91425" tIns="91425" rIns="91425" bIns="91425" anchor="ctr" anchorCtr="0">
             <a:noAutofit/>
           </a:bodyPr>
           <a:lstStyle/>
           <a:p>
-            <a:pPr indent="0" lvl="0" marL="0" rtl="0" algn="ctr">
+            <a:pPr marL="0" lvl="0" indent="0" algn="ctr" rtl="0">
               <a:spcBef>
                 <a:spcPts val="0"/>
               </a:spcBef>
@@ -8394,14 +8592,14 @@
             <a:avLst/>
           </a:prstGeom>
           <a:noFill/>
-          <a:ln cap="flat" cmpd="sng" w="9525">
+          <a:ln w="9525" cap="flat" cmpd="sng">
             <a:solidFill>
               <a:schemeClr val="dk2"/>
             </a:solidFill>
             <a:prstDash val="solid"/>
             <a:round/>
-            <a:headEnd len="med" w="med" type="none"/>
-            <a:tailEnd len="med" w="med" type="stealth"/>
+            <a:headEnd type="none" w="med" len="med"/>
+            <a:tailEnd type="stealth" w="med" len="med"/>
           </a:ln>
         </p:spPr>
       </p:cxnSp>
@@ -8423,14 +8621,14 @@
             <a:avLst/>
           </a:prstGeom>
           <a:noFill/>
-          <a:ln cap="flat" cmpd="sng" w="9525">
+          <a:ln w="9525" cap="flat" cmpd="sng">
             <a:solidFill>
               <a:schemeClr val="dk2"/>
             </a:solidFill>
             <a:prstDash val="solid"/>
             <a:round/>
-            <a:headEnd len="med" w="med" type="none"/>
-            <a:tailEnd len="med" w="med" type="stealth"/>
+            <a:headEnd type="none" w="med" len="med"/>
+            <a:tailEnd type="stealth" w="med" len="med"/>
           </a:ln>
         </p:spPr>
       </p:cxnSp>
@@ -8443,11 +8641,11 @@
 </file>
 
 <file path=ppt/slides/slide4.xml><?xml version="1.0" encoding="utf-8"?>
-<p:sld xmlns:a="http://schemas.openxmlformats.org/drawingml/2006/main" xmlns:r="http://schemas.openxmlformats.org/officeDocument/2006/relationships" xmlns:mc="http://schemas.openxmlformats.org/markup-compatibility/2006" xmlns:mv="urn:schemas-microsoft-com:mac:vml" xmlns:p="http://schemas.openxmlformats.org/presentationml/2006/main" xmlns:c="http://schemas.openxmlformats.org/drawingml/2006/chart" xmlns:dgm="http://schemas.openxmlformats.org/drawingml/2006/diagram" xmlns:o="urn:schemas-microsoft-com:office:office" xmlns:v="urn:schemas-microsoft-com:vml" xmlns:pvml="urn:schemas-microsoft-com:office:powerpoint" xmlns:com="http://schemas.openxmlformats.org/drawingml/2006/compatibility" xmlns:p14="http://schemas.microsoft.com/office/powerpoint/2010/main" xmlns:p15="http://schemas.microsoft.com/office/powerpoint/2012/main" xmlns:ahyp="http://schemas.microsoft.com/office/drawing/2018/hyperlinkcolor">
+<p:sld xmlns:a="http://schemas.openxmlformats.org/drawingml/2006/main" xmlns:r="http://schemas.openxmlformats.org/officeDocument/2006/relationships" xmlns:p="http://schemas.openxmlformats.org/presentationml/2006/main">
   <p:cSld>
     <p:spTree>
       <p:nvGrpSpPr>
-        <p:cNvPr id="78" name="Shape 78"/>
+        <p:cNvPr id="1" name="Shape 78"/>
         <p:cNvGrpSpPr/>
         <p:nvPr/>
       </p:nvGrpSpPr>
@@ -8462,7 +8660,9 @@
       <p:sp>
         <p:nvSpPr>
           <p:cNvPr id="79" name="Google Shape;79;p16"/>
-          <p:cNvSpPr txBox="1"/>
+          <p:cNvSpPr txBox="1">
+            <a:spLocks noGrp="1"/>
+          </p:cNvSpPr>
           <p:nvPr>
             <p:ph type="title"/>
           </p:nvPr>
@@ -8481,12 +8681,12 @@
           </a:ln>
         </p:spPr>
         <p:txBody>
-          <a:bodyPr anchorCtr="0" anchor="t" bIns="91425" lIns="91425" spcFirstLastPara="1" rIns="91425" wrap="square" tIns="91425">
+          <a:bodyPr spcFirstLastPara="1" wrap="square" lIns="91425" tIns="91425" rIns="91425" bIns="91425" anchor="t" anchorCtr="0">
             <a:normAutofit fontScale="90000"/>
           </a:bodyPr>
           <a:lstStyle/>
           <a:p>
-            <a:pPr indent="0" lvl="0" marL="0" rtl="0" algn="ctr">
+            <a:pPr marL="0" lvl="0" indent="0" algn="ctr" rtl="0">
               <a:lnSpc>
                 <a:spcPct val="100000"/>
               </a:lnSpc>
@@ -8500,7 +8700,7 @@
               <a:buNone/>
             </a:pPr>
             <a:r>
-              <a:rPr lang="en">
+              <a:rPr lang="en" dirty="0" err="1">
                 <a:highlight>
                   <a:srgbClr val="F3F3F3"/>
                 </a:highlight>
@@ -8512,10 +8712,10 @@
               <a:t>featureCounts</a:t>
             </a:r>
             <a:r>
-              <a:rPr lang="en"/>
+              <a:rPr lang="en" dirty="0"/>
               <a:t> counts reads over features in R</a:t>
             </a:r>
-            <a:endParaRPr/>
+            <a:endParaRPr dirty="0"/>
           </a:p>
         </p:txBody>
       </p:sp>
@@ -8529,7 +8729,7 @@
           <a:blip r:embed="rId3">
             <a:alphaModFix/>
           </a:blip>
-          <a:srcRect b="0" l="0" r="0" t="0"/>
+          <a:srcRect/>
           <a:stretch/>
         </p:blipFill>
         <p:spPr>
@@ -8563,23 +8763,23 @@
           <a:solidFill>
             <a:srgbClr val="F3F3F3"/>
           </a:solidFill>
-          <a:ln cap="flat" cmpd="sng" w="9525">
+          <a:ln w="9525" cap="flat" cmpd="sng">
             <a:solidFill>
               <a:schemeClr val="lt1"/>
             </a:solidFill>
             <a:prstDash val="solid"/>
             <a:round/>
-            <a:headEnd len="sm" w="sm" type="none"/>
-            <a:tailEnd len="sm" w="sm" type="none"/>
+            <a:headEnd type="none" w="sm" len="sm"/>
+            <a:tailEnd type="none" w="sm" len="sm"/>
           </a:ln>
         </p:spPr>
         <p:txBody>
-          <a:bodyPr anchorCtr="0" anchor="t" bIns="91425" lIns="91425" spcFirstLastPara="1" rIns="91425" wrap="square" tIns="91425">
+          <a:bodyPr spcFirstLastPara="1" wrap="square" lIns="91425" tIns="91425" rIns="91425" bIns="91425" anchor="t" anchorCtr="0">
             <a:spAutoFit/>
           </a:bodyPr>
           <a:lstStyle/>
           <a:p>
-            <a:pPr indent="0" lvl="0" marL="0" marR="0" rtl="0" algn="l">
+            <a:pPr marL="0" marR="0" lvl="0" indent="0" algn="l" rtl="0">
               <a:lnSpc>
                 <a:spcPct val="100000"/>
               </a:lnSpc>
@@ -8597,7 +8797,7 @@
               <a:buNone/>
             </a:pPr>
             <a:r>
-              <a:rPr b="0" i="0" lang="en" sz="1000" u="none" cap="none" strike="noStrike">
+              <a:rPr lang="en" sz="1000" b="0" i="0" u="none" strike="noStrike" cap="none" dirty="0">
                 <a:solidFill>
                   <a:srgbClr val="000000"/>
                 </a:solidFill>
@@ -8606,10 +8806,34 @@
                 <a:cs typeface="Consolas"/>
                 <a:sym typeface="Consolas"/>
               </a:rPr>
-              <a:t>fc &lt;- featureCounts(files=</a:t>
-            </a:r>
-            <a:r>
-              <a:rPr b="1" i="0" lang="en" sz="1000" u="none" cap="none" strike="noStrike">
+              <a:t>fc &lt;- </a:t>
+            </a:r>
+            <a:r>
+              <a:rPr lang="en" sz="1000" b="0" i="0" u="none" strike="noStrike" cap="none" dirty="0" err="1">
+                <a:solidFill>
+                  <a:srgbClr val="000000"/>
+                </a:solidFill>
+                <a:latin typeface="Consolas"/>
+                <a:ea typeface="Consolas"/>
+                <a:cs typeface="Consolas"/>
+                <a:sym typeface="Consolas"/>
+              </a:rPr>
+              <a:t>featureCounts</a:t>
+            </a:r>
+            <a:r>
+              <a:rPr lang="en" sz="1000" b="0" i="0" u="none" strike="noStrike" cap="none" dirty="0">
+                <a:solidFill>
+                  <a:srgbClr val="000000"/>
+                </a:solidFill>
+                <a:latin typeface="Consolas"/>
+                <a:ea typeface="Consolas"/>
+                <a:cs typeface="Consolas"/>
+                <a:sym typeface="Consolas"/>
+              </a:rPr>
+              <a:t>(files=</a:t>
+            </a:r>
+            <a:r>
+              <a:rPr lang="en" sz="1000" b="1" i="0" u="none" strike="noStrike" cap="none" dirty="0" err="1">
                 <a:solidFill>
                   <a:srgbClr val="000000"/>
                 </a:solidFill>
@@ -8621,7 +8845,7 @@
               <a:t>bam_file_list</a:t>
             </a:r>
             <a:r>
-              <a:rPr b="0" i="0" lang="en" sz="1000" u="none" cap="none" strike="noStrike">
+              <a:rPr lang="en" sz="1000" b="0" i="0" u="none" strike="noStrike" cap="none" dirty="0">
                 <a:solidFill>
                   <a:srgbClr val="000000"/>
                 </a:solidFill>
@@ -8632,7 +8856,7 @@
               </a:rPr>
               <a:t>,</a:t>
             </a:r>
-            <a:endParaRPr b="0" i="0" sz="1000" u="none" cap="none" strike="noStrike">
+            <a:endParaRPr sz="1000" b="0" i="0" u="none" strike="noStrike" cap="none" dirty="0">
               <a:solidFill>
                 <a:srgbClr val="000000"/>
               </a:solidFill>
@@ -8643,7 +8867,7 @@
             </a:endParaRPr>
           </a:p>
           <a:p>
-            <a:pPr indent="0" lvl="0" marL="0" marR="0" rtl="0" algn="l">
+            <a:pPr marL="0" marR="0" lvl="0" indent="0" algn="l" rtl="0">
               <a:lnSpc>
                 <a:spcPct val="100000"/>
               </a:lnSpc>
@@ -8661,7 +8885,7 @@
               <a:buNone/>
             </a:pPr>
             <a:r>
-              <a:rPr b="0" i="0" lang="en" sz="1000" u="none" cap="none" strike="noStrike">
+              <a:rPr lang="en" sz="1000" b="0" i="0" u="none" strike="noStrike" cap="none" dirty="0">
                 <a:solidFill>
                   <a:srgbClr val="000000"/>
                 </a:solidFill>
@@ -8670,10 +8894,34 @@
                 <a:cs typeface="Consolas"/>
                 <a:sym typeface="Consolas"/>
               </a:rPr>
-              <a:t>                    annot.ext=</a:t>
-            </a:r>
-            <a:r>
-              <a:rPr b="1" i="0" lang="en" sz="1000" u="none" cap="none" strike="noStrike">
+              <a:t>                    </a:t>
+            </a:r>
+            <a:r>
+              <a:rPr lang="en" sz="1000" b="0" i="0" u="none" strike="noStrike" cap="none" dirty="0" err="1">
+                <a:solidFill>
+                  <a:srgbClr val="000000"/>
+                </a:solidFill>
+                <a:latin typeface="Consolas"/>
+                <a:ea typeface="Consolas"/>
+                <a:cs typeface="Consolas"/>
+                <a:sym typeface="Consolas"/>
+              </a:rPr>
+              <a:t>annot.ext</a:t>
+            </a:r>
+            <a:r>
+              <a:rPr lang="en" sz="1000" b="0" i="0" u="none" strike="noStrike" cap="none" dirty="0">
+                <a:solidFill>
+                  <a:srgbClr val="000000"/>
+                </a:solidFill>
+                <a:latin typeface="Consolas"/>
+                <a:ea typeface="Consolas"/>
+                <a:cs typeface="Consolas"/>
+                <a:sym typeface="Consolas"/>
+              </a:rPr>
+              <a:t>=</a:t>
+            </a:r>
+            <a:r>
+              <a:rPr lang="en" sz="1000" b="1" i="0" u="none" strike="noStrike" cap="none" dirty="0" err="1">
                 <a:solidFill>
                   <a:srgbClr val="000000"/>
                 </a:solidFill>
@@ -8685,7 +8933,7 @@
               <a:t>gtf</a:t>
             </a:r>
             <a:r>
-              <a:rPr b="0" i="0" lang="en" sz="1000" u="none" cap="none" strike="noStrike">
+              <a:rPr lang="en" sz="1000" b="0" i="0" u="none" strike="noStrike" cap="none" dirty="0">
                 <a:solidFill>
                   <a:srgbClr val="000000"/>
                 </a:solidFill>
@@ -8696,7 +8944,7 @@
               </a:rPr>
               <a:t>,</a:t>
             </a:r>
-            <a:endParaRPr b="0" i="0" sz="1000" u="none" cap="none" strike="noStrike">
+            <a:endParaRPr sz="1000" b="0" i="0" u="none" strike="noStrike" cap="none" dirty="0">
               <a:solidFill>
                 <a:srgbClr val="000000"/>
               </a:solidFill>
@@ -8707,7 +8955,7 @@
             </a:endParaRPr>
           </a:p>
           <a:p>
-            <a:pPr indent="0" lvl="0" marL="0" marR="0" rtl="0" algn="l">
+            <a:pPr marL="0" marR="0" lvl="0" indent="0" algn="l" rtl="0">
               <a:lnSpc>
                 <a:spcPct val="100000"/>
               </a:lnSpc>
@@ -8725,7 +8973,7 @@
               <a:buNone/>
             </a:pPr>
             <a:r>
-              <a:rPr b="0" i="0" lang="en" sz="1000" u="none" cap="none" strike="noStrike">
+              <a:rPr lang="en" sz="1000" b="0" i="0" u="none" strike="noStrike" cap="none" dirty="0">
                 <a:solidFill>
                   <a:srgbClr val="000000"/>
                 </a:solidFill>
@@ -8734,9 +8982,33 @@
                 <a:cs typeface="Consolas"/>
                 <a:sym typeface="Consolas"/>
               </a:rPr>
-              <a:t>                    isGTFAnnotationFile=TRUE,</a:t>
-            </a:r>
-            <a:endParaRPr b="0" i="0" sz="1000" u="none" cap="none" strike="noStrike">
+              <a:t>                    </a:t>
+            </a:r>
+            <a:r>
+              <a:rPr lang="en" sz="1000" b="0" i="0" u="none" strike="noStrike" cap="none" dirty="0" err="1">
+                <a:solidFill>
+                  <a:srgbClr val="000000"/>
+                </a:solidFill>
+                <a:latin typeface="Consolas"/>
+                <a:ea typeface="Consolas"/>
+                <a:cs typeface="Consolas"/>
+                <a:sym typeface="Consolas"/>
+              </a:rPr>
+              <a:t>isGTFAnnotationFile</a:t>
+            </a:r>
+            <a:r>
+              <a:rPr lang="en" sz="1000" b="0" i="0" u="none" strike="noStrike" cap="none" dirty="0">
+                <a:solidFill>
+                  <a:srgbClr val="000000"/>
+                </a:solidFill>
+                <a:latin typeface="Consolas"/>
+                <a:ea typeface="Consolas"/>
+                <a:cs typeface="Consolas"/>
+                <a:sym typeface="Consolas"/>
+              </a:rPr>
+              <a:t>=TRUE,</a:t>
+            </a:r>
+            <a:endParaRPr sz="1000" b="0" i="0" u="none" strike="noStrike" cap="none" dirty="0">
               <a:solidFill>
                 <a:srgbClr val="000000"/>
               </a:solidFill>
@@ -8747,7 +9019,7 @@
             </a:endParaRPr>
           </a:p>
           <a:p>
-            <a:pPr indent="0" lvl="0" marL="0" marR="0" rtl="0" algn="l">
+            <a:pPr marL="0" marR="0" lvl="0" indent="0" algn="l" rtl="0">
               <a:lnSpc>
                 <a:spcPct val="100000"/>
               </a:lnSpc>
@@ -8765,7 +9037,7 @@
               <a:buNone/>
             </a:pPr>
             <a:r>
-              <a:rPr b="0" i="0" lang="en" sz="1000" u="none" cap="none" strike="noStrike">
+              <a:rPr lang="en" sz="1000" b="0" i="0" u="none" strike="noStrike" cap="none" dirty="0">
                 <a:solidFill>
                   <a:srgbClr val="000000"/>
                 </a:solidFill>
@@ -8774,10 +9046,34 @@
                 <a:cs typeface="Consolas"/>
                 <a:sym typeface="Consolas"/>
               </a:rPr>
-              <a:t>                    GTF.featureType=</a:t>
-            </a:r>
-            <a:r>
-              <a:rPr b="1" i="0" lang="en" sz="1000" u="none" cap="none" strike="noStrike">
+              <a:t>                    </a:t>
+            </a:r>
+            <a:r>
+              <a:rPr lang="en" sz="1000" b="0" i="0" u="none" strike="noStrike" cap="none" dirty="0" err="1">
+                <a:solidFill>
+                  <a:srgbClr val="000000"/>
+                </a:solidFill>
+                <a:latin typeface="Consolas"/>
+                <a:ea typeface="Consolas"/>
+                <a:cs typeface="Consolas"/>
+                <a:sym typeface="Consolas"/>
+              </a:rPr>
+              <a:t>GTF.featureType</a:t>
+            </a:r>
+            <a:r>
+              <a:rPr lang="en" sz="1000" b="0" i="0" u="none" strike="noStrike" cap="none" dirty="0">
+                <a:solidFill>
+                  <a:srgbClr val="000000"/>
+                </a:solidFill>
+                <a:latin typeface="Consolas"/>
+                <a:ea typeface="Consolas"/>
+                <a:cs typeface="Consolas"/>
+                <a:sym typeface="Consolas"/>
+              </a:rPr>
+              <a:t>=</a:t>
+            </a:r>
+            <a:r>
+              <a:rPr lang="en" sz="1000" b="1" i="0" u="none" strike="noStrike" cap="none" dirty="0">
                 <a:solidFill>
                   <a:srgbClr val="000000"/>
                 </a:solidFill>
@@ -8789,7 +9085,7 @@
               <a:t>"exon"</a:t>
             </a:r>
             <a:r>
-              <a:rPr b="0" i="0" lang="en" sz="1000" u="none" cap="none" strike="noStrike">
+              <a:rPr lang="en" sz="1000" b="0" i="0" u="none" strike="noStrike" cap="none" dirty="0">
                 <a:solidFill>
                   <a:srgbClr val="000000"/>
                 </a:solidFill>
@@ -8800,7 +9096,7 @@
               </a:rPr>
               <a:t>,</a:t>
             </a:r>
-            <a:endParaRPr b="0" i="0" sz="1000" u="none" cap="none" strike="noStrike">
+            <a:endParaRPr sz="1000" b="0" i="0" u="none" strike="noStrike" cap="none" dirty="0">
               <a:solidFill>
                 <a:srgbClr val="000000"/>
               </a:solidFill>
@@ -8811,7 +9107,7 @@
             </a:endParaRPr>
           </a:p>
           <a:p>
-            <a:pPr indent="0" lvl="0" marL="0" marR="0" rtl="0" algn="l">
+            <a:pPr marL="0" marR="0" lvl="0" indent="0" algn="l" rtl="0">
               <a:lnSpc>
                 <a:spcPct val="100000"/>
               </a:lnSpc>
@@ -8829,207 +9125,7 @@
               <a:buNone/>
             </a:pPr>
             <a:r>
-              <a:rPr b="0" i="0" lang="en" sz="1000" u="none" cap="none" strike="noStrike">
-                <a:solidFill>
-                  <a:srgbClr val="000000"/>
-                </a:solidFill>
-                <a:latin typeface="Consolas"/>
-                <a:ea typeface="Consolas"/>
-                <a:cs typeface="Consolas"/>
-                <a:sym typeface="Consolas"/>
-              </a:rPr>
-              <a:t>                    GTF.attrType="gene_id",</a:t>
-            </a:r>
-            <a:endParaRPr b="0" i="0" sz="1000" u="none" cap="none" strike="noStrike">
-              <a:solidFill>
-                <a:srgbClr val="000000"/>
-              </a:solidFill>
-              <a:latin typeface="Consolas"/>
-              <a:ea typeface="Consolas"/>
-              <a:cs typeface="Consolas"/>
-              <a:sym typeface="Consolas"/>
-            </a:endParaRPr>
-          </a:p>
-          <a:p>
-            <a:pPr indent="0" lvl="0" marL="0" marR="0" rtl="0" algn="l">
-              <a:lnSpc>
-                <a:spcPct val="100000"/>
-              </a:lnSpc>
-              <a:spcBef>
-                <a:spcPts val="0"/>
-              </a:spcBef>
-              <a:spcAft>
-                <a:spcPts val="0"/>
-              </a:spcAft>
-              <a:buClr>
-                <a:schemeClr val="dk1"/>
-              </a:buClr>
-              <a:buSzPts val="1100"/>
-              <a:buFont typeface="Arial"/>
-              <a:buNone/>
-            </a:pPr>
-            <a:r>
-              <a:rPr b="0" i="0" lang="en" sz="1000" u="none" cap="none" strike="noStrike">
-                <a:solidFill>
-                  <a:srgbClr val="000000"/>
-                </a:solidFill>
-                <a:latin typeface="Consolas"/>
-                <a:ea typeface="Consolas"/>
-                <a:cs typeface="Consolas"/>
-                <a:sym typeface="Consolas"/>
-              </a:rPr>
-              <a:t>                    useMetaFeatures=TRUE,</a:t>
-            </a:r>
-            <a:endParaRPr b="0" i="0" sz="1000" u="none" cap="none" strike="noStrike">
-              <a:solidFill>
-                <a:srgbClr val="000000"/>
-              </a:solidFill>
-              <a:latin typeface="Consolas"/>
-              <a:ea typeface="Consolas"/>
-              <a:cs typeface="Consolas"/>
-              <a:sym typeface="Consolas"/>
-            </a:endParaRPr>
-          </a:p>
-          <a:p>
-            <a:pPr indent="0" lvl="0" marL="0" marR="0" rtl="0" algn="l">
-              <a:lnSpc>
-                <a:spcPct val="100000"/>
-              </a:lnSpc>
-              <a:spcBef>
-                <a:spcPts val="0"/>
-              </a:spcBef>
-              <a:spcAft>
-                <a:spcPts val="0"/>
-              </a:spcAft>
-              <a:buClr>
-                <a:schemeClr val="dk1"/>
-              </a:buClr>
-              <a:buSzPts val="1100"/>
-              <a:buFont typeface="Arial"/>
-              <a:buNone/>
-            </a:pPr>
-            <a:r>
-              <a:rPr b="0" i="0" lang="en" sz="1000" u="none" cap="none" strike="noStrike">
-                <a:solidFill>
-                  <a:srgbClr val="000000"/>
-                </a:solidFill>
-                <a:latin typeface="Consolas"/>
-                <a:ea typeface="Consolas"/>
-                <a:cs typeface="Consolas"/>
-                <a:sym typeface="Consolas"/>
-              </a:rPr>
-              <a:t>                    allowMultiOverlap=TRUE,</a:t>
-            </a:r>
-            <a:endParaRPr b="0" i="0" sz="1000" u="none" cap="none" strike="noStrike">
-              <a:solidFill>
-                <a:srgbClr val="000000"/>
-              </a:solidFill>
-              <a:latin typeface="Consolas"/>
-              <a:ea typeface="Consolas"/>
-              <a:cs typeface="Consolas"/>
-              <a:sym typeface="Consolas"/>
-            </a:endParaRPr>
-          </a:p>
-          <a:p>
-            <a:pPr indent="0" lvl="0" marL="0" marR="0" rtl="0" algn="l">
-              <a:lnSpc>
-                <a:spcPct val="100000"/>
-              </a:lnSpc>
-              <a:spcBef>
-                <a:spcPts val="0"/>
-              </a:spcBef>
-              <a:spcAft>
-                <a:spcPts val="0"/>
-              </a:spcAft>
-              <a:buClr>
-                <a:schemeClr val="dk1"/>
-              </a:buClr>
-              <a:buSzPts val="1100"/>
-              <a:buFont typeface="Arial"/>
-              <a:buNone/>
-            </a:pPr>
-            <a:r>
-              <a:rPr b="0" i="0" lang="en" sz="1000" u="none" cap="none" strike="noStrike">
-                <a:solidFill>
-                  <a:srgbClr val="000000"/>
-                </a:solidFill>
-                <a:latin typeface="Consolas"/>
-                <a:ea typeface="Consolas"/>
-                <a:cs typeface="Consolas"/>
-                <a:sym typeface="Consolas"/>
-              </a:rPr>
-              <a:t>                    largestOverlap=TRUE,</a:t>
-            </a:r>
-            <a:endParaRPr b="0" i="0" sz="1000" u="none" cap="none" strike="noStrike">
-              <a:solidFill>
-                <a:srgbClr val="000000"/>
-              </a:solidFill>
-              <a:latin typeface="Consolas"/>
-              <a:ea typeface="Consolas"/>
-              <a:cs typeface="Consolas"/>
-              <a:sym typeface="Consolas"/>
-            </a:endParaRPr>
-          </a:p>
-          <a:p>
-            <a:pPr indent="0" lvl="0" marL="0" marR="0" rtl="0" algn="l">
-              <a:lnSpc>
-                <a:spcPct val="100000"/>
-              </a:lnSpc>
-              <a:spcBef>
-                <a:spcPts val="0"/>
-              </a:spcBef>
-              <a:spcAft>
-                <a:spcPts val="0"/>
-              </a:spcAft>
-              <a:buClr>
-                <a:schemeClr val="dk1"/>
-              </a:buClr>
-              <a:buSzPts val="1100"/>
-              <a:buFont typeface="Arial"/>
-              <a:buNone/>
-            </a:pPr>
-            <a:r>
-              <a:rPr b="0" i="0" lang="en" sz="1000" u="none" cap="none" strike="noStrike">
-                <a:solidFill>
-                  <a:srgbClr val="000000"/>
-                </a:solidFill>
-                <a:latin typeface="Consolas"/>
-                <a:ea typeface="Consolas"/>
-                <a:cs typeface="Consolas"/>
-                <a:sym typeface="Consolas"/>
-              </a:rPr>
-              <a:t>                    countMultiMappingReads=TRUE,</a:t>
-            </a:r>
-            <a:endParaRPr b="0" i="0" sz="1000" u="none" cap="none" strike="noStrike">
-              <a:solidFill>
-                <a:srgbClr val="000000"/>
-              </a:solidFill>
-              <a:latin typeface="Consolas"/>
-              <a:ea typeface="Consolas"/>
-              <a:cs typeface="Consolas"/>
-              <a:sym typeface="Consolas"/>
-            </a:endParaRPr>
-          </a:p>
-          <a:p>
-            <a:pPr indent="0" lvl="0" marL="0" marR="0" rtl="0" algn="l">
-              <a:lnSpc>
-                <a:spcPct val="100000"/>
-              </a:lnSpc>
-              <a:spcBef>
-                <a:spcPts val="0"/>
-              </a:spcBef>
-              <a:spcAft>
-                <a:spcPts val="0"/>
-              </a:spcAft>
-              <a:buClr>
-                <a:schemeClr val="dk1"/>
-              </a:buClr>
-              <a:buSzPts val="1100"/>
-              <a:buFont typeface="Arial"/>
-              <a:buNone/>
-            </a:pPr>
-            <a:r>
-              <a:rPr b="0" i="0" lang="en" sz="1000" u="none" cap="none" strike="noStrike">
+              <a:rPr lang="en" sz="1000" b="0" i="0" u="none" strike="noStrike" cap="none" dirty="0">
                 <a:solidFill>
                   <a:srgbClr val="000000"/>
                 </a:solidFill>
@@ -9041,7 +9137,351 @@
               <a:t>                    </a:t>
             </a:r>
             <a:r>
-              <a:rPr b="1" i="0" lang="en" sz="1000" u="none" cap="none" strike="noStrike">
+              <a:rPr lang="en" sz="1000" b="0" i="0" u="none" strike="noStrike" cap="none" dirty="0" err="1">
+                <a:solidFill>
+                  <a:srgbClr val="000000"/>
+                </a:solidFill>
+                <a:latin typeface="Consolas"/>
+                <a:ea typeface="Consolas"/>
+                <a:cs typeface="Consolas"/>
+                <a:sym typeface="Consolas"/>
+              </a:rPr>
+              <a:t>GTF.attrType</a:t>
+            </a:r>
+            <a:r>
+              <a:rPr lang="en" sz="1000" b="0" i="0" u="none" strike="noStrike" cap="none" dirty="0">
+                <a:solidFill>
+                  <a:srgbClr val="000000"/>
+                </a:solidFill>
+                <a:latin typeface="Consolas"/>
+                <a:ea typeface="Consolas"/>
+                <a:cs typeface="Consolas"/>
+                <a:sym typeface="Consolas"/>
+              </a:rPr>
+              <a:t>="</a:t>
+            </a:r>
+            <a:r>
+              <a:rPr lang="en" sz="1000" b="0" i="0" u="none" strike="noStrike" cap="none" dirty="0" err="1">
+                <a:solidFill>
+                  <a:srgbClr val="000000"/>
+                </a:solidFill>
+                <a:latin typeface="Consolas"/>
+                <a:ea typeface="Consolas"/>
+                <a:cs typeface="Consolas"/>
+                <a:sym typeface="Consolas"/>
+              </a:rPr>
+              <a:t>gene_id</a:t>
+            </a:r>
+            <a:r>
+              <a:rPr lang="en" sz="1000" b="0" i="0" u="none" strike="noStrike" cap="none" dirty="0">
+                <a:solidFill>
+                  <a:srgbClr val="000000"/>
+                </a:solidFill>
+                <a:latin typeface="Consolas"/>
+                <a:ea typeface="Consolas"/>
+                <a:cs typeface="Consolas"/>
+                <a:sym typeface="Consolas"/>
+              </a:rPr>
+              <a:t>",</a:t>
+            </a:r>
+            <a:endParaRPr sz="1000" b="0" i="0" u="none" strike="noStrike" cap="none" dirty="0">
+              <a:solidFill>
+                <a:srgbClr val="000000"/>
+              </a:solidFill>
+              <a:latin typeface="Consolas"/>
+              <a:ea typeface="Consolas"/>
+              <a:cs typeface="Consolas"/>
+              <a:sym typeface="Consolas"/>
+            </a:endParaRPr>
+          </a:p>
+          <a:p>
+            <a:pPr marL="0" marR="0" lvl="0" indent="0" algn="l" rtl="0">
+              <a:lnSpc>
+                <a:spcPct val="100000"/>
+              </a:lnSpc>
+              <a:spcBef>
+                <a:spcPts val="0"/>
+              </a:spcBef>
+              <a:spcAft>
+                <a:spcPts val="0"/>
+              </a:spcAft>
+              <a:buClr>
+                <a:schemeClr val="dk1"/>
+              </a:buClr>
+              <a:buSzPts val="1100"/>
+              <a:buFont typeface="Arial"/>
+              <a:buNone/>
+            </a:pPr>
+            <a:r>
+              <a:rPr lang="en" sz="1000" b="0" i="0" u="none" strike="noStrike" cap="none" dirty="0">
+                <a:solidFill>
+                  <a:srgbClr val="000000"/>
+                </a:solidFill>
+                <a:latin typeface="Consolas"/>
+                <a:ea typeface="Consolas"/>
+                <a:cs typeface="Consolas"/>
+                <a:sym typeface="Consolas"/>
+              </a:rPr>
+              <a:t>                    </a:t>
+            </a:r>
+            <a:r>
+              <a:rPr lang="en" sz="1000" b="0" i="0" u="none" strike="noStrike" cap="none" dirty="0" err="1">
+                <a:solidFill>
+                  <a:srgbClr val="000000"/>
+                </a:solidFill>
+                <a:latin typeface="Consolas"/>
+                <a:ea typeface="Consolas"/>
+                <a:cs typeface="Consolas"/>
+                <a:sym typeface="Consolas"/>
+              </a:rPr>
+              <a:t>useMetaFeatures</a:t>
+            </a:r>
+            <a:r>
+              <a:rPr lang="en" sz="1000" b="0" i="0" u="none" strike="noStrike" cap="none" dirty="0">
+                <a:solidFill>
+                  <a:srgbClr val="000000"/>
+                </a:solidFill>
+                <a:latin typeface="Consolas"/>
+                <a:ea typeface="Consolas"/>
+                <a:cs typeface="Consolas"/>
+                <a:sym typeface="Consolas"/>
+              </a:rPr>
+              <a:t>=TRUE,</a:t>
+            </a:r>
+            <a:endParaRPr sz="1000" b="0" i="0" u="none" strike="noStrike" cap="none" dirty="0">
+              <a:solidFill>
+                <a:srgbClr val="000000"/>
+              </a:solidFill>
+              <a:latin typeface="Consolas"/>
+              <a:ea typeface="Consolas"/>
+              <a:cs typeface="Consolas"/>
+              <a:sym typeface="Consolas"/>
+            </a:endParaRPr>
+          </a:p>
+          <a:p>
+            <a:pPr marL="0" marR="0" lvl="0" indent="0" algn="l" rtl="0">
+              <a:lnSpc>
+                <a:spcPct val="100000"/>
+              </a:lnSpc>
+              <a:spcBef>
+                <a:spcPts val="0"/>
+              </a:spcBef>
+              <a:spcAft>
+                <a:spcPts val="0"/>
+              </a:spcAft>
+              <a:buClr>
+                <a:schemeClr val="dk1"/>
+              </a:buClr>
+              <a:buSzPts val="1100"/>
+              <a:buFont typeface="Arial"/>
+              <a:buNone/>
+            </a:pPr>
+            <a:r>
+              <a:rPr lang="en" sz="1000" b="0" i="0" u="none" strike="noStrike" cap="none" dirty="0">
+                <a:solidFill>
+                  <a:srgbClr val="000000"/>
+                </a:solidFill>
+                <a:latin typeface="Consolas"/>
+                <a:ea typeface="Consolas"/>
+                <a:cs typeface="Consolas"/>
+                <a:sym typeface="Consolas"/>
+              </a:rPr>
+              <a:t>                    </a:t>
+            </a:r>
+            <a:r>
+              <a:rPr lang="en" sz="1000" b="0" i="0" u="none" strike="noStrike" cap="none" dirty="0" err="1">
+                <a:solidFill>
+                  <a:srgbClr val="000000"/>
+                </a:solidFill>
+                <a:latin typeface="Consolas"/>
+                <a:ea typeface="Consolas"/>
+                <a:cs typeface="Consolas"/>
+                <a:sym typeface="Consolas"/>
+              </a:rPr>
+              <a:t>allowMultiOverlap</a:t>
+            </a:r>
+            <a:r>
+              <a:rPr lang="en" sz="1000" b="0" i="0" u="none" strike="noStrike" cap="none" dirty="0">
+                <a:solidFill>
+                  <a:srgbClr val="000000"/>
+                </a:solidFill>
+                <a:latin typeface="Consolas"/>
+                <a:ea typeface="Consolas"/>
+                <a:cs typeface="Consolas"/>
+                <a:sym typeface="Consolas"/>
+              </a:rPr>
+              <a:t>=TRUE,</a:t>
+            </a:r>
+            <a:endParaRPr sz="1000" b="0" i="0" u="none" strike="noStrike" cap="none" dirty="0">
+              <a:solidFill>
+                <a:srgbClr val="000000"/>
+              </a:solidFill>
+              <a:latin typeface="Consolas"/>
+              <a:ea typeface="Consolas"/>
+              <a:cs typeface="Consolas"/>
+              <a:sym typeface="Consolas"/>
+            </a:endParaRPr>
+          </a:p>
+          <a:p>
+            <a:pPr marL="0" marR="0" lvl="0" indent="0" algn="l" rtl="0">
+              <a:lnSpc>
+                <a:spcPct val="100000"/>
+              </a:lnSpc>
+              <a:spcBef>
+                <a:spcPts val="0"/>
+              </a:spcBef>
+              <a:spcAft>
+                <a:spcPts val="0"/>
+              </a:spcAft>
+              <a:buClr>
+                <a:schemeClr val="dk1"/>
+              </a:buClr>
+              <a:buSzPts val="1100"/>
+              <a:buFont typeface="Arial"/>
+              <a:buNone/>
+            </a:pPr>
+            <a:r>
+              <a:rPr lang="en" sz="1000" b="0" i="0" u="none" strike="noStrike" cap="none" dirty="0">
+                <a:solidFill>
+                  <a:srgbClr val="000000"/>
+                </a:solidFill>
+                <a:latin typeface="Consolas"/>
+                <a:ea typeface="Consolas"/>
+                <a:cs typeface="Consolas"/>
+                <a:sym typeface="Consolas"/>
+              </a:rPr>
+              <a:t>                    </a:t>
+            </a:r>
+            <a:r>
+              <a:rPr lang="en" sz="1000" b="0" i="0" u="none" strike="noStrike" cap="none" dirty="0" err="1">
+                <a:solidFill>
+                  <a:srgbClr val="000000"/>
+                </a:solidFill>
+                <a:latin typeface="Consolas"/>
+                <a:ea typeface="Consolas"/>
+                <a:cs typeface="Consolas"/>
+                <a:sym typeface="Consolas"/>
+              </a:rPr>
+              <a:t>largestOverlap</a:t>
+            </a:r>
+            <a:r>
+              <a:rPr lang="en" sz="1000" b="0" i="0" u="none" strike="noStrike" cap="none" dirty="0">
+                <a:solidFill>
+                  <a:srgbClr val="000000"/>
+                </a:solidFill>
+                <a:latin typeface="Consolas"/>
+                <a:ea typeface="Consolas"/>
+                <a:cs typeface="Consolas"/>
+                <a:sym typeface="Consolas"/>
+              </a:rPr>
+              <a:t>=TRUE,</a:t>
+            </a:r>
+            <a:endParaRPr sz="1000" b="0" i="0" u="none" strike="noStrike" cap="none" dirty="0">
+              <a:solidFill>
+                <a:srgbClr val="000000"/>
+              </a:solidFill>
+              <a:latin typeface="Consolas"/>
+              <a:ea typeface="Consolas"/>
+              <a:cs typeface="Consolas"/>
+              <a:sym typeface="Consolas"/>
+            </a:endParaRPr>
+          </a:p>
+          <a:p>
+            <a:pPr marL="0" marR="0" lvl="0" indent="0" algn="l" rtl="0">
+              <a:lnSpc>
+                <a:spcPct val="100000"/>
+              </a:lnSpc>
+              <a:spcBef>
+                <a:spcPts val="0"/>
+              </a:spcBef>
+              <a:spcAft>
+                <a:spcPts val="0"/>
+              </a:spcAft>
+              <a:buClr>
+                <a:schemeClr val="dk1"/>
+              </a:buClr>
+              <a:buSzPts val="1100"/>
+              <a:buFont typeface="Arial"/>
+              <a:buNone/>
+            </a:pPr>
+            <a:r>
+              <a:rPr lang="en" sz="1000" b="0" i="0" u="none" strike="noStrike" cap="none" dirty="0">
+                <a:solidFill>
+                  <a:srgbClr val="000000"/>
+                </a:solidFill>
+                <a:latin typeface="Consolas"/>
+                <a:ea typeface="Consolas"/>
+                <a:cs typeface="Consolas"/>
+                <a:sym typeface="Consolas"/>
+              </a:rPr>
+              <a:t>                    </a:t>
+            </a:r>
+            <a:r>
+              <a:rPr lang="en" sz="1000" b="0" i="0" u="none" strike="noStrike" cap="none" dirty="0" err="1">
+                <a:solidFill>
+                  <a:srgbClr val="000000"/>
+                </a:solidFill>
+                <a:latin typeface="Consolas"/>
+                <a:ea typeface="Consolas"/>
+                <a:cs typeface="Consolas"/>
+                <a:sym typeface="Consolas"/>
+              </a:rPr>
+              <a:t>countMultiMappingReads</a:t>
+            </a:r>
+            <a:r>
+              <a:rPr lang="en" sz="1000" b="0" i="0" u="none" strike="noStrike" cap="none" dirty="0">
+                <a:solidFill>
+                  <a:srgbClr val="000000"/>
+                </a:solidFill>
+                <a:latin typeface="Consolas"/>
+                <a:ea typeface="Consolas"/>
+                <a:cs typeface="Consolas"/>
+                <a:sym typeface="Consolas"/>
+              </a:rPr>
+              <a:t>=TRUE,</a:t>
+            </a:r>
+            <a:endParaRPr sz="1000" b="0" i="0" u="none" strike="noStrike" cap="none" dirty="0">
+              <a:solidFill>
+                <a:srgbClr val="000000"/>
+              </a:solidFill>
+              <a:latin typeface="Consolas"/>
+              <a:ea typeface="Consolas"/>
+              <a:cs typeface="Consolas"/>
+              <a:sym typeface="Consolas"/>
+            </a:endParaRPr>
+          </a:p>
+          <a:p>
+            <a:pPr marL="0" marR="0" lvl="0" indent="0" algn="l" rtl="0">
+              <a:lnSpc>
+                <a:spcPct val="100000"/>
+              </a:lnSpc>
+              <a:spcBef>
+                <a:spcPts val="0"/>
+              </a:spcBef>
+              <a:spcAft>
+                <a:spcPts val="0"/>
+              </a:spcAft>
+              <a:buClr>
+                <a:schemeClr val="dk1"/>
+              </a:buClr>
+              <a:buSzPts val="1100"/>
+              <a:buFont typeface="Arial"/>
+              <a:buNone/>
+            </a:pPr>
+            <a:r>
+              <a:rPr lang="en" sz="1000" b="0" i="0" u="none" strike="noStrike" cap="none" dirty="0">
+                <a:solidFill>
+                  <a:srgbClr val="000000"/>
+                </a:solidFill>
+                <a:latin typeface="Consolas"/>
+                <a:ea typeface="Consolas"/>
+                <a:cs typeface="Consolas"/>
+                <a:sym typeface="Consolas"/>
+              </a:rPr>
+              <a:t>                    </a:t>
+            </a:r>
+            <a:r>
+              <a:rPr lang="en" sz="1000" b="1" i="0" u="none" strike="noStrike" cap="none" dirty="0" err="1">
                 <a:solidFill>
                   <a:srgbClr val="000000"/>
                 </a:solidFill>
@@ -9053,7 +9493,7 @@
               <a:t>isPairedEnd</a:t>
             </a:r>
             <a:r>
-              <a:rPr b="0" i="0" lang="en" sz="1000" u="none" cap="none" strike="noStrike">
+              <a:rPr lang="en" sz="1000" b="0" i="0" u="none" strike="noStrike" cap="none" dirty="0">
                 <a:solidFill>
                   <a:srgbClr val="000000"/>
                 </a:solidFill>
@@ -9064,7 +9504,7 @@
               </a:rPr>
               <a:t>=TRUE,</a:t>
             </a:r>
-            <a:endParaRPr b="0" i="0" sz="1000" u="none" cap="none" strike="noStrike">
+            <a:endParaRPr sz="1000" b="0" i="0" u="none" strike="noStrike" cap="none" dirty="0">
               <a:solidFill>
                 <a:srgbClr val="000000"/>
               </a:solidFill>
@@ -9075,7 +9515,7 @@
             </a:endParaRPr>
           </a:p>
           <a:p>
-            <a:pPr indent="0" lvl="0" marL="0" marR="0" rtl="0" algn="l">
+            <a:pPr marL="0" marR="0" lvl="0" indent="0" algn="l" rtl="0">
               <a:lnSpc>
                 <a:spcPct val="100000"/>
               </a:lnSpc>
@@ -9093,7 +9533,7 @@
               <a:buNone/>
             </a:pPr>
             <a:r>
-              <a:rPr b="0" i="0" lang="en" sz="1000" u="none" cap="none" strike="noStrike">
+              <a:rPr lang="en" sz="1000" b="0" i="0" u="none" strike="noStrike" cap="none" dirty="0">
                 <a:solidFill>
                   <a:srgbClr val="000000"/>
                 </a:solidFill>
@@ -9105,7 +9545,7 @@
               <a:t>                    </a:t>
             </a:r>
             <a:r>
-              <a:rPr b="1" i="0" lang="en" sz="1000" u="none" cap="none" strike="noStrike">
+              <a:rPr lang="en" sz="1000" b="1" i="0" u="none" strike="noStrike" cap="none" dirty="0" err="1">
                 <a:solidFill>
                   <a:srgbClr val="000000"/>
                 </a:solidFill>
@@ -9117,7 +9557,7 @@
               <a:t>strandSpecific</a:t>
             </a:r>
             <a:r>
-              <a:rPr b="0" i="0" lang="en" sz="1000" u="none" cap="none" strike="noStrike">
+              <a:rPr lang="en" sz="1000" b="0" i="0" u="none" strike="noStrike" cap="none" dirty="0">
                 <a:solidFill>
                   <a:srgbClr val="000000"/>
                 </a:solidFill>
@@ -9128,7 +9568,7 @@
               </a:rPr>
               <a:t>=1,</a:t>
             </a:r>
-            <a:endParaRPr b="0" i="0" sz="1000" u="none" cap="none" strike="noStrike">
+            <a:endParaRPr sz="1000" b="0" i="0" u="none" strike="noStrike" cap="none" dirty="0">
               <a:solidFill>
                 <a:srgbClr val="000000"/>
               </a:solidFill>
@@ -9139,7 +9579,7 @@
             </a:endParaRPr>
           </a:p>
           <a:p>
-            <a:pPr indent="0" lvl="0" marL="0" marR="0" rtl="0" algn="l">
+            <a:pPr marL="0" marR="0" lvl="0" indent="0" algn="l" rtl="0">
               <a:lnSpc>
                 <a:spcPct val="100000"/>
               </a:lnSpc>
@@ -9157,7 +9597,7 @@
               <a:buNone/>
             </a:pPr>
             <a:r>
-              <a:rPr b="0" i="0" lang="en" sz="1000" u="none" cap="none" strike="noStrike">
+              <a:rPr lang="en" sz="1000" b="0" i="0" u="none" strike="noStrike" cap="none" dirty="0">
                 <a:solidFill>
                   <a:srgbClr val="000000"/>
                 </a:solidFill>
@@ -9166,9 +9606,33 @@
                 <a:cs typeface="Consolas"/>
                 <a:sym typeface="Consolas"/>
               </a:rPr>
-              <a:t>                    nthreads=N)</a:t>
-            </a:r>
-            <a:endParaRPr b="0" i="0" sz="1000" u="none" cap="none" strike="noStrike">
+              <a:t>                    </a:t>
+            </a:r>
+            <a:r>
+              <a:rPr lang="en" sz="1000" b="0" i="0" u="none" strike="noStrike" cap="none" dirty="0" err="1">
+                <a:solidFill>
+                  <a:srgbClr val="000000"/>
+                </a:solidFill>
+                <a:latin typeface="Consolas"/>
+                <a:ea typeface="Consolas"/>
+                <a:cs typeface="Consolas"/>
+                <a:sym typeface="Consolas"/>
+              </a:rPr>
+              <a:t>nthreads</a:t>
+            </a:r>
+            <a:r>
+              <a:rPr lang="en" sz="1000" b="0" i="0" u="none" strike="noStrike" cap="none" dirty="0">
+                <a:solidFill>
+                  <a:srgbClr val="000000"/>
+                </a:solidFill>
+                <a:latin typeface="Consolas"/>
+                <a:ea typeface="Consolas"/>
+                <a:cs typeface="Consolas"/>
+                <a:sym typeface="Consolas"/>
+              </a:rPr>
+              <a:t>=N)</a:t>
+            </a:r>
+            <a:endParaRPr sz="1000" b="0" i="0" u="none" strike="noStrike" cap="none" dirty="0">
               <a:solidFill>
                 <a:srgbClr val="000000"/>
               </a:solidFill>
@@ -9200,12 +9664,12 @@
           </a:ln>
         </p:spPr>
         <p:txBody>
-          <a:bodyPr anchorCtr="0" anchor="t" bIns="91425" lIns="91425" spcFirstLastPara="1" rIns="91425" wrap="square" tIns="91425">
+          <a:bodyPr spcFirstLastPara="1" wrap="square" lIns="91425" tIns="91425" rIns="91425" bIns="91425" anchor="t" anchorCtr="0">
             <a:spAutoFit/>
           </a:bodyPr>
           <a:lstStyle/>
           <a:p>
-            <a:pPr indent="0" lvl="0" marL="0" marR="0" rtl="0" algn="ctr">
+            <a:pPr marL="0" marR="0" lvl="0" indent="0" algn="ctr" rtl="0">
               <a:lnSpc>
                 <a:spcPct val="100000"/>
               </a:lnSpc>
@@ -9223,7 +9687,7 @@
               <a:buNone/>
             </a:pPr>
             <a:r>
-              <a:rPr b="0" i="0" lang="en" sz="1400" u="none" cap="none" strike="noStrike">
+              <a:rPr lang="en" sz="1400" b="0" i="0" u="none" strike="noStrike" cap="none">
                 <a:solidFill>
                   <a:srgbClr val="000000"/>
                 </a:solidFill>
@@ -9235,7 +9699,7 @@
               <a:t>There are several options in </a:t>
             </a:r>
             <a:r>
-              <a:rPr b="0" i="0" lang="en" sz="1400" u="none" cap="none" strike="noStrike">
+              <a:rPr lang="en" sz="1400" b="0" i="0" u="none" strike="noStrike" cap="none">
                 <a:solidFill>
                   <a:srgbClr val="000000"/>
                 </a:solidFill>
@@ -9249,7 +9713,7 @@
               </a:rPr>
               <a:t>featureCounts</a:t>
             </a:r>
-            <a:endParaRPr b="0" i="0" sz="1400" u="none" cap="none" strike="noStrike">
+            <a:endParaRPr sz="1400" b="0" i="0" u="none" strike="noStrike" cap="none">
               <a:solidFill>
                 <a:srgbClr val="000000"/>
               </a:solidFill>
@@ -9284,12 +9748,12 @@
           </a:ln>
         </p:spPr>
         <p:txBody>
-          <a:bodyPr anchorCtr="0" anchor="t" bIns="91425" lIns="91425" spcFirstLastPara="1" rIns="91425" wrap="square" tIns="91425">
+          <a:bodyPr spcFirstLastPara="1" wrap="square" lIns="91425" tIns="91425" rIns="91425" bIns="91425" anchor="t" anchorCtr="0">
             <a:spAutoFit/>
           </a:bodyPr>
           <a:lstStyle/>
           <a:p>
-            <a:pPr indent="0" lvl="0" marL="0" marR="0" rtl="0" algn="ctr">
+            <a:pPr marL="0" marR="0" lvl="0" indent="0" algn="ctr" rtl="0">
               <a:lnSpc>
                 <a:spcPct val="100000"/>
               </a:lnSpc>
@@ -9307,7 +9771,7 @@
               <a:buNone/>
             </a:pPr>
             <a:r>
-              <a:rPr b="0" i="0" lang="en" sz="1200" u="sng" cap="none" strike="noStrike">
+              <a:rPr lang="en" sz="1200" b="0" i="0" u="sng" strike="noStrike" cap="none">
                 <a:solidFill>
                   <a:schemeClr val="accent1"/>
                 </a:solidFill>
@@ -9318,14 +9782,14 @@
                 <a:hlinkClick r:id="rId4">
                   <a:extLst>
                     <a:ext uri="{A12FA001-AC4F-418D-AE19-62706E023703}">
-                      <ahyp:hlinkClr val="tx"/>
+                      <ahyp:hlinkClr xmlns:ahyp="http://schemas.microsoft.com/office/drawing/2018/hyperlinkcolor" val="tx"/>
                     </a:ext>
                   </a:extLst>
                 </a:hlinkClick>
               </a:rPr>
               <a:t>https://hbctraining.github.io/Intro-to-rnaseq-hpc-O2/lessons/05_counting_reads.html</a:t>
             </a:r>
-            <a:endParaRPr b="0" i="0" sz="1200" u="none" cap="none" strike="noStrike">
+            <a:endParaRPr sz="1200" b="0" i="0" u="none" strike="noStrike" cap="none">
               <a:solidFill>
                 <a:schemeClr val="accent1"/>
               </a:solidFill>
@@ -9336,7 +9800,7 @@
             </a:endParaRPr>
           </a:p>
           <a:p>
-            <a:pPr indent="0" lvl="0" marL="0" marR="0" rtl="0" algn="ctr">
+            <a:pPr marL="0" marR="0" lvl="0" indent="0" algn="ctr" rtl="0">
               <a:lnSpc>
                 <a:spcPct val="100000"/>
               </a:lnSpc>
@@ -9353,10 +9817,7 @@
               <a:buFont typeface="Arial"/>
               <a:buNone/>
             </a:pPr>
-            <a:r>
-              <a:t/>
-            </a:r>
-            <a:endParaRPr b="0" i="0" sz="1200" u="none" cap="none" strike="noStrike">
+            <a:endParaRPr sz="1200" b="0" i="0" u="none" strike="noStrike" cap="none">
               <a:solidFill>
                 <a:schemeClr val="accent1"/>
               </a:solidFill>
@@ -9378,7 +9839,7 @@
           <a:blip r:embed="rId5">
             <a:alphaModFix/>
           </a:blip>
-          <a:srcRect b="0" l="0" r="0" t="0"/>
+          <a:srcRect/>
           <a:stretch/>
         </p:blipFill>
         <p:spPr>
@@ -9404,11 +9865,11 @@
 </file>
 
 <file path=ppt/slides/slide5.xml><?xml version="1.0" encoding="utf-8"?>
-<p:sld xmlns:a="http://schemas.openxmlformats.org/drawingml/2006/main" xmlns:r="http://schemas.openxmlformats.org/officeDocument/2006/relationships" xmlns:mc="http://schemas.openxmlformats.org/markup-compatibility/2006" xmlns:mv="urn:schemas-microsoft-com:mac:vml" xmlns:p="http://schemas.openxmlformats.org/presentationml/2006/main" xmlns:c="http://schemas.openxmlformats.org/drawingml/2006/chart" xmlns:dgm="http://schemas.openxmlformats.org/drawingml/2006/diagram" xmlns:o="urn:schemas-microsoft-com:office:office" xmlns:v="urn:schemas-microsoft-com:vml" xmlns:pvml="urn:schemas-microsoft-com:office:powerpoint" xmlns:com="http://schemas.openxmlformats.org/drawingml/2006/compatibility" xmlns:p14="http://schemas.microsoft.com/office/powerpoint/2010/main" xmlns:p15="http://schemas.microsoft.com/office/powerpoint/2012/main" xmlns:ahyp="http://schemas.microsoft.com/office/drawing/2018/hyperlinkcolor">
+<p:sld xmlns:a="http://schemas.openxmlformats.org/drawingml/2006/main" xmlns:r="http://schemas.openxmlformats.org/officeDocument/2006/relationships" xmlns:p="http://schemas.openxmlformats.org/presentationml/2006/main">
   <p:cSld>
     <p:spTree>
       <p:nvGrpSpPr>
-        <p:cNvPr id="88" name="Shape 88"/>
+        <p:cNvPr id="1" name="Shape 88"/>
         <p:cNvGrpSpPr/>
         <p:nvPr/>
       </p:nvGrpSpPr>
@@ -9423,7 +9884,9 @@
       <p:sp>
         <p:nvSpPr>
           <p:cNvPr id="89" name="Google Shape;89;p17"/>
-          <p:cNvSpPr txBox="1"/>
+          <p:cNvSpPr txBox="1">
+            <a:spLocks noGrp="1"/>
+          </p:cNvSpPr>
           <p:nvPr>
             <p:ph type="title"/>
           </p:nvPr>
@@ -9442,12 +9905,12 @@
           </a:ln>
         </p:spPr>
         <p:txBody>
-          <a:bodyPr anchorCtr="0" anchor="t" bIns="91425" lIns="91425" spcFirstLastPara="1" rIns="91425" wrap="square" tIns="91425">
+          <a:bodyPr spcFirstLastPara="1" wrap="square" lIns="91425" tIns="91425" rIns="91425" bIns="91425" anchor="t" anchorCtr="0">
             <a:normAutofit fontScale="90000"/>
           </a:bodyPr>
           <a:lstStyle/>
           <a:p>
-            <a:pPr indent="0" lvl="0" marL="0" rtl="0" algn="ctr">
+            <a:pPr marL="0" lvl="0" indent="0" algn="ctr" rtl="0">
               <a:lnSpc>
                 <a:spcPct val="100000"/>
               </a:lnSpc>
@@ -9461,23 +9924,29 @@
               <a:buNone/>
             </a:pPr>
             <a:r>
-              <a:rPr lang="en"/>
-              <a:t>The are o</a:t>
-            </a:r>
-            <a:r>
-              <a:rPr lang="en"/>
-              <a:t>ther tools for counting reads but featureCounts is more efficient</a:t>
-            </a:r>
-            <a:endParaRPr/>
+              <a:rPr lang="en" dirty="0"/>
+              <a:t>The are other tools for counting reads but </a:t>
+            </a:r>
+            <a:r>
+              <a:rPr lang="en" dirty="0" err="1"/>
+              <a:t>featureCounts</a:t>
+            </a:r>
+            <a:r>
+              <a:rPr lang="en" dirty="0"/>
+              <a:t> is more efficient</a:t>
+            </a:r>
+            <a:endParaRPr dirty="0"/>
           </a:p>
         </p:txBody>
       </p:sp>
       <p:sp>
         <p:nvSpPr>
           <p:cNvPr id="90" name="Google Shape;90;p17"/>
-          <p:cNvSpPr txBox="1"/>
+          <p:cNvSpPr txBox="1">
+            <a:spLocks noGrp="1"/>
+          </p:cNvSpPr>
           <p:nvPr>
-            <p:ph idx="1" type="body"/>
+            <p:ph type="body" idx="1"/>
           </p:nvPr>
         </p:nvSpPr>
         <p:spPr>
@@ -9494,12 +9963,12 @@
           </a:ln>
         </p:spPr>
         <p:txBody>
-          <a:bodyPr anchorCtr="0" anchor="t" bIns="91425" lIns="91425" spcFirstLastPara="1" rIns="91425" wrap="square" tIns="91425">
-            <a:normAutofit/>
+          <a:bodyPr spcFirstLastPara="1" wrap="square" lIns="91425" tIns="91425" rIns="91425" bIns="91425" anchor="t" anchorCtr="0">
+            <a:noAutofit/>
           </a:bodyPr>
           <a:lstStyle/>
           <a:p>
-            <a:pPr indent="0" lvl="0" marL="0" rtl="0" algn="ctr">
+            <a:pPr marL="0" lvl="0" indent="0" algn="ctr" rtl="0">
               <a:lnSpc>
                 <a:spcPct val="115000"/>
               </a:lnSpc>
@@ -9513,7 +9982,7 @@
               <a:buNone/>
             </a:pPr>
             <a:r>
-              <a:rPr lang="en" sz="2000">
+              <a:rPr lang="en" sz="2000" dirty="0" err="1">
                 <a:solidFill>
                   <a:schemeClr val="dk1"/>
                 </a:solidFill>
@@ -9528,18 +9997,27 @@
               <a:t>featureCounts</a:t>
             </a:r>
             <a:r>
-              <a:rPr lang="en" sz="2000">
+              <a:rPr lang="en" sz="2000" dirty="0">
                 <a:latin typeface="Helvetica Neue"/>
                 <a:ea typeface="Helvetica Neue"/>
                 <a:cs typeface="Helvetica Neue"/>
                 <a:sym typeface="Helvetica Neue"/>
               </a:rPr>
-              <a:t> is faster and more efficient.</a:t>
-            </a:r>
-            <a:endParaRPr sz="2000">
-              <a:latin typeface="Helvetica Neue"/>
+              <a:t> </a:t>
+            </a:r>
+            <a:r>
+              <a:rPr lang="en" sz="2000" dirty="0">
+                <a:latin typeface="Arial" panose="020B0604020202020204" pitchFamily="34" charset="0"/>
+                <a:ea typeface="Helvetica Neue"/>
+                <a:cs typeface="Arial" panose="020B0604020202020204" pitchFamily="34" charset="0"/>
+                <a:sym typeface="Helvetica Neue"/>
+              </a:rPr>
+              <a:t>is faster and more efficient.</a:t>
+            </a:r>
+            <a:endParaRPr sz="2000" dirty="0">
+              <a:latin typeface="Arial" panose="020B0604020202020204" pitchFamily="34" charset="0"/>
               <a:ea typeface="Helvetica Neue"/>
-              <a:cs typeface="Helvetica Neue"/>
+              <a:cs typeface="Arial" panose="020B0604020202020204" pitchFamily="34" charset="0"/>
               <a:sym typeface="Helvetica Neue"/>
             </a:endParaRPr>
           </a:p>
@@ -9555,7 +10033,7 @@
           <a:blip r:embed="rId3">
             <a:alphaModFix/>
           </a:blip>
-          <a:srcRect b="0" l="0" r="0" t="0"/>
+          <a:srcRect/>
           <a:stretch/>
         </p:blipFill>
         <p:spPr>
@@ -9592,12 +10070,12 @@
           </a:ln>
         </p:spPr>
         <p:txBody>
-          <a:bodyPr anchorCtr="0" anchor="t" bIns="91425" lIns="91425" spcFirstLastPara="1" rIns="91425" wrap="square" tIns="91425">
+          <a:bodyPr spcFirstLastPara="1" wrap="square" lIns="91425" tIns="91425" rIns="91425" bIns="91425" anchor="t" anchorCtr="0">
             <a:spAutoFit/>
           </a:bodyPr>
           <a:lstStyle/>
           <a:p>
-            <a:pPr indent="0" lvl="0" marL="0" marR="0" rtl="0" algn="ctr">
+            <a:pPr marL="0" marR="0" lvl="0" indent="0" algn="ctr" rtl="0">
               <a:lnSpc>
                 <a:spcPct val="100000"/>
               </a:lnSpc>
@@ -9615,24 +10093,24 @@
               <a:buNone/>
             </a:pPr>
             <a:r>
-              <a:rPr b="0" i="0" lang="en" sz="1200" u="none" cap="none" strike="noStrike">
+              <a:rPr lang="en" sz="1200" b="0" i="0" u="none" strike="noStrike" cap="none" dirty="0">
                 <a:solidFill>
                   <a:srgbClr val="000000"/>
                 </a:solidFill>
-                <a:latin typeface="Helvetica Neue"/>
+                <a:latin typeface="Arial" panose="020B0604020202020204" pitchFamily="34" charset="0"/>
                 <a:ea typeface="Helvetica Neue"/>
-                <a:cs typeface="Helvetica Neue"/>
+                <a:cs typeface="Arial" panose="020B0604020202020204" pitchFamily="34" charset="0"/>
                 <a:sym typeface="Helvetica Neue"/>
               </a:rPr>
               <a:t>Liao et al. Bioinformatics 2014 doi:10.1093/bioinformatics/btt656</a:t>
             </a:r>
-            <a:endParaRPr b="0" i="0" sz="1200" u="none" cap="none" strike="noStrike">
+            <a:endParaRPr sz="1200" b="0" i="0" u="none" strike="noStrike" cap="none" dirty="0">
               <a:solidFill>
                 <a:srgbClr val="000000"/>
               </a:solidFill>
-              <a:latin typeface="Helvetica Neue"/>
+              <a:latin typeface="Arial" panose="020B0604020202020204" pitchFamily="34" charset="0"/>
               <a:ea typeface="Helvetica Neue"/>
-              <a:cs typeface="Helvetica Neue"/>
+              <a:cs typeface="Arial" panose="020B0604020202020204" pitchFamily="34" charset="0"/>
               <a:sym typeface="Helvetica Neue"/>
             </a:endParaRPr>
           </a:p>
@@ -9647,11 +10125,11 @@
 </file>
 
 <file path=ppt/slides/slide6.xml><?xml version="1.0" encoding="utf-8"?>
-<p:sld xmlns:a="http://schemas.openxmlformats.org/drawingml/2006/main" xmlns:r="http://schemas.openxmlformats.org/officeDocument/2006/relationships" xmlns:mc="http://schemas.openxmlformats.org/markup-compatibility/2006" xmlns:mv="urn:schemas-microsoft-com:mac:vml" xmlns:p="http://schemas.openxmlformats.org/presentationml/2006/main" xmlns:c="http://schemas.openxmlformats.org/drawingml/2006/chart" xmlns:dgm="http://schemas.openxmlformats.org/drawingml/2006/diagram" xmlns:o="urn:schemas-microsoft-com:office:office" xmlns:v="urn:schemas-microsoft-com:vml" xmlns:pvml="urn:schemas-microsoft-com:office:powerpoint" xmlns:com="http://schemas.openxmlformats.org/drawingml/2006/compatibility" xmlns:p14="http://schemas.microsoft.com/office/powerpoint/2010/main" xmlns:p15="http://schemas.microsoft.com/office/powerpoint/2012/main" xmlns:ahyp="http://schemas.microsoft.com/office/drawing/2018/hyperlinkcolor">
+<p:sld xmlns:a="http://schemas.openxmlformats.org/drawingml/2006/main" xmlns:r="http://schemas.openxmlformats.org/officeDocument/2006/relationships" xmlns:p="http://schemas.openxmlformats.org/presentationml/2006/main">
   <p:cSld>
     <p:spTree>
       <p:nvGrpSpPr>
-        <p:cNvPr id="96" name="Shape 96"/>
+        <p:cNvPr id="1" name="Shape 96"/>
         <p:cNvGrpSpPr/>
         <p:nvPr/>
       </p:nvGrpSpPr>
@@ -9666,7 +10144,9 @@
       <p:sp>
         <p:nvSpPr>
           <p:cNvPr id="97" name="Google Shape;97;p18"/>
-          <p:cNvSpPr txBox="1"/>
+          <p:cNvSpPr txBox="1">
+            <a:spLocks noGrp="1"/>
+          </p:cNvSpPr>
           <p:nvPr>
             <p:ph type="title"/>
           </p:nvPr>
@@ -9681,12 +10161,12 @@
           </a:prstGeom>
         </p:spPr>
         <p:txBody>
-          <a:bodyPr anchorCtr="0" anchor="t" bIns="91425" lIns="91425" spcFirstLastPara="1" rIns="91425" wrap="square" tIns="91425">
+          <a:bodyPr spcFirstLastPara="1" wrap="square" lIns="91425" tIns="91425" rIns="91425" bIns="91425" anchor="t" anchorCtr="0">
             <a:normAutofit fontScale="90000"/>
           </a:bodyPr>
           <a:lstStyle/>
           <a:p>
-            <a:pPr indent="0" lvl="0" marL="0" rtl="0" algn="ctr">
+            <a:pPr marL="0" lvl="0" indent="0" algn="ctr" rtl="0">
               <a:spcBef>
                 <a:spcPts val="0"/>
               </a:spcBef>
@@ -9696,10 +10176,10 @@
               <a:buNone/>
             </a:pPr>
             <a:r>
-              <a:rPr lang="en"/>
+              <a:rPr lang="en" dirty="0"/>
               <a:t>DESeq2 Recap</a:t>
             </a:r>
-            <a:endParaRPr/>
+            <a:endParaRPr dirty="0"/>
           </a:p>
         </p:txBody>
       </p:sp>
@@ -9727,7 +10207,7 @@
             <a:blip r:embed="rId3">
               <a:alphaModFix/>
             </a:blip>
-            <a:srcRect b="0" l="0" r="0" t="41850"/>
+            <a:srcRect t="41850"/>
             <a:stretch/>
           </p:blipFill>
           <p:spPr>
@@ -9761,23 +10241,23 @@
             <a:solidFill>
               <a:schemeClr val="lt1"/>
             </a:solidFill>
-            <a:ln cap="flat" cmpd="sng" w="9525">
+            <a:ln w="9525" cap="flat" cmpd="sng">
               <a:solidFill>
                 <a:schemeClr val="lt1"/>
               </a:solidFill>
               <a:prstDash val="solid"/>
               <a:round/>
-              <a:headEnd len="sm" w="sm" type="none"/>
-              <a:tailEnd len="sm" w="sm" type="none"/>
+              <a:headEnd type="none" w="sm" len="sm"/>
+              <a:tailEnd type="none" w="sm" len="sm"/>
             </a:ln>
           </p:spPr>
           <p:txBody>
-            <a:bodyPr anchorCtr="0" anchor="ctr" bIns="91425" lIns="91425" spcFirstLastPara="1" rIns="91425" wrap="square" tIns="91425">
+            <a:bodyPr spcFirstLastPara="1" wrap="square" lIns="91425" tIns="91425" rIns="91425" bIns="91425" anchor="ctr" anchorCtr="0">
               <a:noAutofit/>
             </a:bodyPr>
             <a:lstStyle/>
             <a:p>
-              <a:pPr indent="0" lvl="0" marL="0" rtl="0" algn="l">
+              <a:pPr marL="0" lvl="0" indent="0" algn="l" rtl="0">
                 <a:spcBef>
                   <a:spcPts val="0"/>
                 </a:spcBef>
@@ -9786,9 +10266,6 @@
                 </a:spcAft>
                 <a:buNone/>
               </a:pPr>
-              <a:r>
-                <a:t/>
-              </a:r>
               <a:endParaRPr/>
             </a:p>
           </p:txBody>
@@ -9814,12 +10291,12 @@
           </a:ln>
         </p:spPr>
         <p:txBody>
-          <a:bodyPr anchorCtr="0" anchor="t" bIns="45700" lIns="91425" spcFirstLastPara="1" rIns="91425" wrap="square" tIns="45700">
+          <a:bodyPr spcFirstLastPara="1" wrap="square" lIns="91425" tIns="45700" rIns="91425" bIns="45700" anchor="t" anchorCtr="0">
             <a:noAutofit/>
           </a:bodyPr>
           <a:lstStyle/>
           <a:p>
-            <a:pPr indent="0" lvl="0" marL="0" marR="0" rtl="0" algn="ctr">
+            <a:pPr marL="0" marR="0" lvl="0" indent="0" algn="ctr" rtl="0">
               <a:lnSpc>
                 <a:spcPct val="100000"/>
               </a:lnSpc>
@@ -9837,28 +10314,28 @@
               <a:buNone/>
             </a:pPr>
             <a:r>
-              <a:rPr lang="en" sz="1200" u="sng">
+              <a:rPr lang="en" sz="1200" u="sng" dirty="0">
                 <a:solidFill>
                   <a:schemeClr val="accent1"/>
                 </a:solidFill>
                 <a:hlinkClick r:id="rId4">
                   <a:extLst>
                     <a:ext uri="{A12FA001-AC4F-418D-AE19-62706E023703}">
-                      <ahyp:hlinkClr val="tx"/>
+                      <ahyp:hlinkClr xmlns:ahyp="http://schemas.microsoft.com/office/drawing/2018/hyperlinkcolor" val="tx"/>
                     </a:ext>
                   </a:extLst>
                 </a:hlinkClick>
               </a:rPr>
               <a:t>https://hbctraining.github.io/DGE_workshop_salmon/lessons/04_DGE_DESeq2_analysis.html</a:t>
             </a:r>
-            <a:endParaRPr sz="1200">
+            <a:endParaRPr sz="1200" dirty="0">
               <a:solidFill>
                 <a:schemeClr val="accent1"/>
               </a:solidFill>
             </a:endParaRPr>
           </a:p>
           <a:p>
-            <a:pPr indent="0" lvl="0" marL="0" marR="0" rtl="0" algn="ctr">
+            <a:pPr marL="0" marR="0" lvl="0" indent="0" algn="ctr" rtl="0">
               <a:lnSpc>
                 <a:spcPct val="100000"/>
               </a:lnSpc>
@@ -9875,10 +10352,7 @@
               <a:buFont typeface="Arial"/>
               <a:buNone/>
             </a:pPr>
-            <a:r>
-              <a:t/>
-            </a:r>
-            <a:endParaRPr sz="1200">
+            <a:endParaRPr sz="1200" dirty="0">
               <a:solidFill>
                 <a:schemeClr val="accent1"/>
               </a:solidFill>
@@ -9895,11 +10369,11 @@
 </file>
 
 <file path=ppt/slides/slide7.xml><?xml version="1.0" encoding="utf-8"?>
-<p:sld xmlns:a="http://schemas.openxmlformats.org/drawingml/2006/main" xmlns:r="http://schemas.openxmlformats.org/officeDocument/2006/relationships" xmlns:mc="http://schemas.openxmlformats.org/markup-compatibility/2006" xmlns:mv="urn:schemas-microsoft-com:mac:vml" xmlns:p="http://schemas.openxmlformats.org/presentationml/2006/main" xmlns:c="http://schemas.openxmlformats.org/drawingml/2006/chart" xmlns:dgm="http://schemas.openxmlformats.org/drawingml/2006/diagram" xmlns:o="urn:schemas-microsoft-com:office:office" xmlns:v="urn:schemas-microsoft-com:vml" xmlns:pvml="urn:schemas-microsoft-com:office:powerpoint" xmlns:com="http://schemas.openxmlformats.org/drawingml/2006/compatibility" xmlns:p14="http://schemas.microsoft.com/office/powerpoint/2010/main" xmlns:p15="http://schemas.microsoft.com/office/powerpoint/2012/main" xmlns:ahyp="http://schemas.microsoft.com/office/drawing/2018/hyperlinkcolor">
+<p:sld xmlns:a="http://schemas.openxmlformats.org/drawingml/2006/main" xmlns:r="http://schemas.openxmlformats.org/officeDocument/2006/relationships" xmlns:p="http://schemas.openxmlformats.org/presentationml/2006/main">
   <p:cSld>
     <p:spTree>
       <p:nvGrpSpPr>
-        <p:cNvPr id="105" name="Shape 105"/>
+        <p:cNvPr id="1" name="Shape 105"/>
         <p:cNvGrpSpPr/>
         <p:nvPr/>
       </p:nvGrpSpPr>
@@ -9921,7 +10395,7 @@
           <a:blip r:embed="rId3">
             <a:alphaModFix amt="18000"/>
           </a:blip>
-          <a:srcRect b="0" l="0" r="0" t="41850"/>
+          <a:srcRect t="41850"/>
           <a:stretch/>
         </p:blipFill>
         <p:spPr>
@@ -9955,23 +10429,23 @@
           <a:solidFill>
             <a:schemeClr val="lt1"/>
           </a:solidFill>
-          <a:ln cap="flat" cmpd="sng" w="9525">
+          <a:ln w="9525" cap="flat" cmpd="sng">
             <a:solidFill>
               <a:schemeClr val="lt1"/>
             </a:solidFill>
             <a:prstDash val="solid"/>
             <a:round/>
-            <a:headEnd len="sm" w="sm" type="none"/>
-            <a:tailEnd len="sm" w="sm" type="none"/>
+            <a:headEnd type="none" w="sm" len="sm"/>
+            <a:tailEnd type="none" w="sm" len="sm"/>
           </a:ln>
         </p:spPr>
         <p:txBody>
-          <a:bodyPr anchorCtr="0" anchor="ctr" bIns="91425" lIns="91425" spcFirstLastPara="1" rIns="91425" wrap="square" tIns="91425">
+          <a:bodyPr spcFirstLastPara="1" wrap="square" lIns="91425" tIns="91425" rIns="91425" bIns="91425" anchor="ctr" anchorCtr="0">
             <a:noAutofit/>
           </a:bodyPr>
           <a:lstStyle/>
           <a:p>
-            <a:pPr indent="0" lvl="0" marL="0" rtl="0" algn="l">
+            <a:pPr marL="0" lvl="0" indent="0" algn="l" rtl="0">
               <a:spcBef>
                 <a:spcPts val="0"/>
               </a:spcBef>
@@ -9980,9 +10454,6 @@
               </a:spcAft>
               <a:buNone/>
             </a:pPr>
-            <a:r>
-              <a:t/>
-            </a:r>
             <a:endParaRPr/>
           </a:p>
         </p:txBody>
@@ -10007,12 +10478,12 @@
           </a:ln>
         </p:spPr>
         <p:txBody>
-          <a:bodyPr anchorCtr="0" anchor="t" bIns="91425" lIns="91425" spcFirstLastPara="1" rIns="91425" wrap="square" tIns="91425">
+          <a:bodyPr spcFirstLastPara="1" wrap="square" lIns="91425" tIns="91425" rIns="91425" bIns="91425" anchor="t" anchorCtr="0">
             <a:spAutoFit/>
           </a:bodyPr>
           <a:lstStyle/>
           <a:p>
-            <a:pPr indent="0" lvl="0" marL="0" rtl="0" algn="ctr">
+            <a:pPr marL="0" lvl="0" indent="0" algn="ctr" rtl="0">
               <a:spcBef>
                 <a:spcPts val="0"/>
               </a:spcBef>
@@ -10022,14 +10493,14 @@
               <a:buNone/>
             </a:pPr>
             <a:r>
-              <a:rPr lang="en" sz="3900">
+              <a:rPr lang="en" sz="3900" dirty="0">
                 <a:solidFill>
                   <a:schemeClr val="dk1"/>
                 </a:solidFill>
               </a:rPr>
               <a:t>Assumption: MOST features are not changing</a:t>
             </a:r>
-            <a:endParaRPr sz="3900">
+            <a:endParaRPr sz="3900" dirty="0">
               <a:solidFill>
                 <a:schemeClr val="dk1"/>
               </a:solidFill>
@@ -10057,12 +10528,12 @@
           </a:ln>
         </p:spPr>
         <p:txBody>
-          <a:bodyPr anchorCtr="0" anchor="t" bIns="45700" lIns="91425" spcFirstLastPara="1" rIns="91425" wrap="square" tIns="45700">
+          <a:bodyPr spcFirstLastPara="1" wrap="square" lIns="91425" tIns="45700" rIns="91425" bIns="45700" anchor="t" anchorCtr="0">
             <a:noAutofit/>
           </a:bodyPr>
           <a:lstStyle/>
           <a:p>
-            <a:pPr indent="0" lvl="0" marL="0" marR="0" rtl="0" algn="ctr">
+            <a:pPr marL="0" marR="0" lvl="0" indent="0" algn="ctr" rtl="0">
               <a:lnSpc>
                 <a:spcPct val="100000"/>
               </a:lnSpc>
@@ -10087,7 +10558,7 @@
                 <a:hlinkClick r:id="rId4">
                   <a:extLst>
                     <a:ext uri="{A12FA001-AC4F-418D-AE19-62706E023703}">
-                      <ahyp:hlinkClr val="tx"/>
+                      <ahyp:hlinkClr xmlns:ahyp="http://schemas.microsoft.com/office/drawing/2018/hyperlinkcolor" val="tx"/>
                     </a:ext>
                   </a:extLst>
                 </a:hlinkClick>
@@ -10101,7 +10572,7 @@
             </a:endParaRPr>
           </a:p>
           <a:p>
-            <a:pPr indent="0" lvl="0" marL="0" marR="0" rtl="0" algn="ctr">
+            <a:pPr marL="0" marR="0" lvl="0" indent="0" algn="ctr" rtl="0">
               <a:lnSpc>
                 <a:spcPct val="100000"/>
               </a:lnSpc>
@@ -10118,9 +10589,6 @@
               <a:buFont typeface="Arial"/>
               <a:buNone/>
             </a:pPr>
-            <a:r>
-              <a:t/>
-            </a:r>
             <a:endParaRPr sz="1200">
               <a:solidFill>
                 <a:schemeClr val="accent1"/>
@@ -10132,7 +10600,9 @@
       <p:sp>
         <p:nvSpPr>
           <p:cNvPr id="110" name="Google Shape;110;p19"/>
-          <p:cNvSpPr txBox="1"/>
+          <p:cNvSpPr txBox="1">
+            <a:spLocks noGrp="1"/>
+          </p:cNvSpPr>
           <p:nvPr>
             <p:ph type="title"/>
           </p:nvPr>
@@ -10147,12 +10617,12 @@
           </a:prstGeom>
         </p:spPr>
         <p:txBody>
-          <a:bodyPr anchorCtr="0" anchor="t" bIns="91425" lIns="91425" spcFirstLastPara="1" rIns="91425" wrap="square" tIns="91425">
+          <a:bodyPr spcFirstLastPara="1" wrap="square" lIns="91425" tIns="91425" rIns="91425" bIns="91425" anchor="t" anchorCtr="0">
             <a:normAutofit fontScale="90000"/>
           </a:bodyPr>
           <a:lstStyle/>
           <a:p>
-            <a:pPr indent="0" lvl="0" marL="0" rtl="0" algn="ctr">
+            <a:pPr marL="0" lvl="0" indent="0" algn="ctr" rtl="0">
               <a:spcBef>
                 <a:spcPts val="0"/>
               </a:spcBef>
@@ -10162,10 +10632,10 @@
               <a:buNone/>
             </a:pPr>
             <a:r>
-              <a:rPr lang="en"/>
+              <a:rPr lang="en" dirty="0"/>
               <a:t>DESeq2 Recap</a:t>
             </a:r>
-            <a:endParaRPr/>
+            <a:endParaRPr dirty="0"/>
           </a:p>
         </p:txBody>
       </p:sp>
@@ -10178,11 +10648,11 @@
 </file>
 
 <file path=ppt/slides/slide8.xml><?xml version="1.0" encoding="utf-8"?>
-<p:sld xmlns:a="http://schemas.openxmlformats.org/drawingml/2006/main" xmlns:r="http://schemas.openxmlformats.org/officeDocument/2006/relationships" xmlns:mc="http://schemas.openxmlformats.org/markup-compatibility/2006" xmlns:mv="urn:schemas-microsoft-com:mac:vml" xmlns:p="http://schemas.openxmlformats.org/presentationml/2006/main" xmlns:c="http://schemas.openxmlformats.org/drawingml/2006/chart" xmlns:dgm="http://schemas.openxmlformats.org/drawingml/2006/diagram" xmlns:o="urn:schemas-microsoft-com:office:office" xmlns:v="urn:schemas-microsoft-com:vml" xmlns:pvml="urn:schemas-microsoft-com:office:powerpoint" xmlns:com="http://schemas.openxmlformats.org/drawingml/2006/compatibility" xmlns:p14="http://schemas.microsoft.com/office/powerpoint/2010/main" xmlns:p15="http://schemas.microsoft.com/office/powerpoint/2012/main" xmlns:ahyp="http://schemas.microsoft.com/office/drawing/2018/hyperlinkcolor">
+<p:sld xmlns:a="http://schemas.openxmlformats.org/drawingml/2006/main" xmlns:r="http://schemas.openxmlformats.org/officeDocument/2006/relationships" xmlns:p="http://schemas.openxmlformats.org/presentationml/2006/main">
   <p:cSld>
     <p:spTree>
       <p:nvGrpSpPr>
-        <p:cNvPr id="114" name="Shape 114"/>
+        <p:cNvPr id="1" name="Shape 114"/>
         <p:cNvGrpSpPr/>
         <p:nvPr/>
       </p:nvGrpSpPr>
@@ -10197,7 +10667,9 @@
       <p:sp>
         <p:nvSpPr>
           <p:cNvPr id="115" name="Google Shape;115;p20"/>
-          <p:cNvSpPr txBox="1"/>
+          <p:cNvSpPr txBox="1">
+            <a:spLocks noGrp="1"/>
+          </p:cNvSpPr>
           <p:nvPr>
             <p:ph type="title"/>
           </p:nvPr>
@@ -10216,12 +10688,12 @@
           </a:ln>
         </p:spPr>
         <p:txBody>
-          <a:bodyPr anchorCtr="0" anchor="t" bIns="91425" lIns="91425" spcFirstLastPara="1" rIns="91425" wrap="square" tIns="91425">
+          <a:bodyPr spcFirstLastPara="1" wrap="square" lIns="91425" tIns="91425" rIns="91425" bIns="91425" anchor="t" anchorCtr="0">
             <a:normAutofit fontScale="90000"/>
           </a:bodyPr>
           <a:lstStyle/>
           <a:p>
-            <a:pPr indent="0" lvl="0" marL="0" rtl="0" algn="ctr">
+            <a:pPr marL="0" lvl="0" indent="0" algn="ctr" rtl="0">
               <a:lnSpc>
                 <a:spcPct val="100000"/>
               </a:lnSpc>
@@ -10235,11 +10707,11 @@
               <a:buNone/>
             </a:pPr>
             <a:r>
-              <a:rPr lang="en"/>
+              <a:rPr lang="en" dirty="0"/>
               <a:t>Counting reads with </a:t>
             </a:r>
             <a:r>
-              <a:rPr lang="en">
+              <a:rPr lang="en" dirty="0" err="1">
                 <a:highlight>
                   <a:srgbClr val="EFEFEF"/>
                 </a:highlight>
@@ -10250,7 +10722,7 @@
               </a:rPr>
               <a:t>featureCounts</a:t>
             </a:r>
-            <a:endParaRPr b="1">
+            <a:endParaRPr b="1" dirty="0">
               <a:highlight>
                 <a:srgbClr val="EFEFEF"/>
               </a:highlight>
@@ -10265,9 +10737,11 @@
       <p:sp>
         <p:nvSpPr>
           <p:cNvPr id="116" name="Google Shape;116;p20"/>
-          <p:cNvSpPr txBox="1"/>
+          <p:cNvSpPr txBox="1">
+            <a:spLocks noGrp="1"/>
+          </p:cNvSpPr>
           <p:nvPr>
-            <p:ph idx="1" type="body"/>
+            <p:ph type="body" idx="1"/>
           </p:nvPr>
         </p:nvSpPr>
         <p:spPr>
@@ -10284,12 +10758,12 @@
           </a:ln>
         </p:spPr>
         <p:txBody>
-          <a:bodyPr anchorCtr="0" anchor="t" bIns="91425" lIns="91425" spcFirstLastPara="1" rIns="91425" wrap="square" tIns="91425">
+          <a:bodyPr spcFirstLastPara="1" wrap="square" lIns="91425" tIns="91425" rIns="91425" bIns="91425" anchor="t" anchorCtr="0">
             <a:noAutofit/>
           </a:bodyPr>
           <a:lstStyle/>
           <a:p>
-            <a:pPr indent="-355600" lvl="0" marL="457200" rtl="0" algn="l">
+            <a:pPr marL="457200" lvl="0" indent="-355600" algn="l" rtl="0">
               <a:lnSpc>
                 <a:spcPct val="115000"/>
               </a:lnSpc>
@@ -10303,15 +10777,11 @@
               <a:buChar char="●"/>
             </a:pPr>
             <a:r>
-              <a:rPr lang="en" sz="2000"/>
-              <a:t>Follo</a:t>
-            </a:r>
-            <a:r>
-              <a:rPr lang="en" sz="2000"/>
-              <a:t>w </a:t>
-            </a:r>
-            <a:r>
-              <a:rPr lang="en" sz="2000">
+              <a:rPr lang="en" sz="2000" dirty="0"/>
+              <a:t>Follow </a:t>
+            </a:r>
+            <a:r>
+              <a:rPr lang="en" sz="2000" dirty="0" err="1">
                 <a:solidFill>
                   <a:srgbClr val="1155CC"/>
                 </a:solidFill>
@@ -10319,13 +10789,13 @@
               <a:t>featureCounts</a:t>
             </a:r>
             <a:r>
-              <a:rPr lang="en" sz="2000"/>
+              <a:rPr lang="en" sz="2000" dirty="0"/>
               <a:t> worksheet:</a:t>
             </a:r>
-            <a:endParaRPr sz="2000"/>
-          </a:p>
-          <a:p>
-            <a:pPr indent="-355600" lvl="1" marL="914400" rtl="0" algn="l">
+            <a:endParaRPr sz="2000" dirty="0"/>
+          </a:p>
+          <a:p>
+            <a:pPr marL="914400" lvl="1" indent="-355600" algn="l" rtl="0">
               <a:lnSpc>
                 <a:spcPct val="115000"/>
               </a:lnSpc>
@@ -10339,11 +10809,11 @@
               <a:buChar char="○"/>
             </a:pPr>
             <a:r>
-              <a:rPr lang="en" sz="2000"/>
+              <a:rPr lang="en" sz="2000" dirty="0"/>
               <a:t>Open </a:t>
             </a:r>
             <a:r>
-              <a:rPr lang="en" sz="2000">
+              <a:rPr lang="en" sz="2000" dirty="0">
                 <a:latin typeface="Consolas"/>
                 <a:ea typeface="Consolas"/>
                 <a:cs typeface="Consolas"/>
@@ -10352,11 +10822,11 @@
               <a:t>R</a:t>
             </a:r>
             <a:r>
-              <a:rPr lang="en" sz="2000"/>
+              <a:rPr lang="en" sz="2000" dirty="0"/>
               <a:t> and install </a:t>
             </a:r>
             <a:r>
-              <a:rPr lang="en" sz="2000">
+              <a:rPr lang="en" sz="2000" dirty="0" err="1">
                 <a:latin typeface="Consolas"/>
                 <a:ea typeface="Consolas"/>
                 <a:cs typeface="Consolas"/>
@@ -10364,7 +10834,7 @@
               </a:rPr>
               <a:t>Rsubread</a:t>
             </a:r>
-            <a:endParaRPr sz="2000">
+            <a:endParaRPr sz="2000" dirty="0">
               <a:latin typeface="Consolas"/>
               <a:ea typeface="Consolas"/>
               <a:cs typeface="Consolas"/>
@@ -10372,7 +10842,7 @@
             </a:endParaRPr>
           </a:p>
           <a:p>
-            <a:pPr indent="-355600" lvl="1" marL="914400" rtl="0" algn="l">
+            <a:pPr marL="914400" lvl="1" indent="-355600" algn="l" rtl="0">
               <a:lnSpc>
                 <a:spcPct val="115000"/>
               </a:lnSpc>
@@ -10386,15 +10856,11 @@
               <a:buChar char="○"/>
             </a:pPr>
             <a:r>
-              <a:rPr lang="en" sz="2000"/>
-              <a:t>Get</a:t>
-            </a:r>
-            <a:r>
-              <a:rPr lang="en" sz="2000"/>
-              <a:t> </a:t>
-            </a:r>
-            <a:r>
-              <a:rPr lang="en" sz="2000">
+              <a:rPr lang="en" sz="2000" dirty="0"/>
+              <a:t>Get </a:t>
+            </a:r>
+            <a:r>
+              <a:rPr lang="en" sz="2000" dirty="0">
                 <a:latin typeface="Consolas"/>
                 <a:ea typeface="Consolas"/>
                 <a:cs typeface="Consolas"/>
@@ -10403,11 +10869,11 @@
               <a:t>d7_featureCounts.R</a:t>
             </a:r>
             <a:r>
-              <a:rPr lang="en" sz="2000"/>
+              <a:rPr lang="en" sz="2000" dirty="0"/>
               <a:t> and </a:t>
             </a:r>
             <a:r>
-              <a:rPr lang="en" sz="2000">
+              <a:rPr lang="en" sz="2000" dirty="0">
                 <a:latin typeface="Consolas"/>
                 <a:ea typeface="Consolas"/>
                 <a:cs typeface="Consolas"/>
@@ -10416,10 +10882,10 @@
               <a:t>d7_featureCounts.sbatch</a:t>
             </a:r>
             <a:r>
-              <a:rPr lang="en" sz="2000"/>
+              <a:rPr lang="en" sz="2000" dirty="0"/>
               <a:t> scripts  </a:t>
             </a:r>
-            <a:endParaRPr sz="2000">
+            <a:endParaRPr sz="2000" dirty="0">
               <a:latin typeface="Consolas"/>
               <a:ea typeface="Consolas"/>
               <a:cs typeface="Consolas"/>
@@ -10427,7 +10893,7 @@
             </a:endParaRPr>
           </a:p>
           <a:p>
-            <a:pPr indent="-355600" lvl="1" marL="914400" rtl="0" algn="l">
+            <a:pPr marL="914400" lvl="1" indent="-355600" algn="l" rtl="0">
               <a:lnSpc>
                 <a:spcPct val="115000"/>
               </a:lnSpc>
@@ -10441,11 +10907,11 @@
               <a:buChar char="○"/>
             </a:pPr>
             <a:r>
-              <a:rPr lang="en" sz="2000"/>
+              <a:rPr lang="en" sz="2000" dirty="0"/>
               <a:t>Edit both scripts and execute the </a:t>
             </a:r>
             <a:r>
-              <a:rPr lang="en" sz="2000">
+              <a:rPr lang="en" sz="2000" dirty="0" err="1">
                 <a:latin typeface="Consolas"/>
                 <a:ea typeface="Consolas"/>
                 <a:cs typeface="Consolas"/>
@@ -10454,10 +10920,10 @@
               <a:t>sbatch</a:t>
             </a:r>
             <a:r>
-              <a:rPr lang="en" sz="2000"/>
+              <a:rPr lang="en" sz="2000" dirty="0"/>
               <a:t> script </a:t>
             </a:r>
-            <a:endParaRPr sz="2000"/>
+            <a:endParaRPr sz="2000" dirty="0"/>
           </a:p>
         </p:txBody>
       </p:sp>
@@ -10470,11 +10936,11 @@
 </file>
 
 <file path=ppt/slides/slide9.xml><?xml version="1.0" encoding="utf-8"?>
-<p:sld xmlns:a="http://schemas.openxmlformats.org/drawingml/2006/main" xmlns:r="http://schemas.openxmlformats.org/officeDocument/2006/relationships" xmlns:mc="http://schemas.openxmlformats.org/markup-compatibility/2006" xmlns:mv="urn:schemas-microsoft-com:mac:vml" xmlns:p="http://schemas.openxmlformats.org/presentationml/2006/main" xmlns:c="http://schemas.openxmlformats.org/drawingml/2006/chart" xmlns:dgm="http://schemas.openxmlformats.org/drawingml/2006/diagram" xmlns:o="urn:schemas-microsoft-com:office:office" xmlns:v="urn:schemas-microsoft-com:vml" xmlns:pvml="urn:schemas-microsoft-com:office:powerpoint" xmlns:com="http://schemas.openxmlformats.org/drawingml/2006/compatibility" xmlns:p14="http://schemas.microsoft.com/office/powerpoint/2010/main" xmlns:p15="http://schemas.microsoft.com/office/powerpoint/2012/main" xmlns:ahyp="http://schemas.microsoft.com/office/drawing/2018/hyperlinkcolor">
+<p:sld xmlns:a="http://schemas.openxmlformats.org/drawingml/2006/main" xmlns:r="http://schemas.openxmlformats.org/officeDocument/2006/relationships" xmlns:p="http://schemas.openxmlformats.org/presentationml/2006/main">
   <p:cSld>
     <p:spTree>
       <p:nvGrpSpPr>
-        <p:cNvPr id="120" name="Shape 120"/>
+        <p:cNvPr id="1" name="Shape 120"/>
         <p:cNvGrpSpPr/>
         <p:nvPr/>
       </p:nvGrpSpPr>
@@ -10489,7 +10955,9 @@
       <p:sp>
         <p:nvSpPr>
           <p:cNvPr id="121" name="Google Shape;121;p21"/>
-          <p:cNvSpPr txBox="1"/>
+          <p:cNvSpPr txBox="1">
+            <a:spLocks noGrp="1"/>
+          </p:cNvSpPr>
           <p:nvPr>
             <p:ph type="title"/>
           </p:nvPr>
@@ -10504,12 +10972,12 @@
           </a:prstGeom>
         </p:spPr>
         <p:txBody>
-          <a:bodyPr anchorCtr="0" anchor="t" bIns="91425" lIns="91425" spcFirstLastPara="1" rIns="91425" wrap="square" tIns="91425">
+          <a:bodyPr spcFirstLastPara="1" wrap="square" lIns="91425" tIns="91425" rIns="91425" bIns="91425" anchor="t" anchorCtr="0">
             <a:normAutofit fontScale="90000"/>
           </a:bodyPr>
           <a:lstStyle/>
           <a:p>
-            <a:pPr indent="0" lvl="0" marL="0" rtl="0" algn="ctr">
+            <a:pPr marL="0" lvl="0" indent="0" algn="ctr" rtl="0">
               <a:spcBef>
                 <a:spcPts val="0"/>
               </a:spcBef>
@@ -10519,19 +10987,21 @@
               <a:buNone/>
             </a:pPr>
             <a:r>
-              <a:rPr lang="en"/>
+              <a:rPr lang="en" dirty="0"/>
               <a:t>Challenge Question</a:t>
             </a:r>
-            <a:endParaRPr/>
+            <a:endParaRPr dirty="0"/>
           </a:p>
         </p:txBody>
       </p:sp>
       <p:sp>
         <p:nvSpPr>
           <p:cNvPr id="122" name="Google Shape;122;p21"/>
-          <p:cNvSpPr txBox="1"/>
+          <p:cNvSpPr txBox="1">
+            <a:spLocks noGrp="1"/>
+          </p:cNvSpPr>
           <p:nvPr>
-            <p:ph idx="1" type="body"/>
+            <p:ph type="body" idx="1"/>
           </p:nvPr>
         </p:nvSpPr>
         <p:spPr>
@@ -10544,12 +11014,12 @@
           </a:prstGeom>
         </p:spPr>
         <p:txBody>
-          <a:bodyPr anchorCtr="0" anchor="t" bIns="91425" lIns="91425" spcFirstLastPara="1" rIns="91425" wrap="square" tIns="91425">
+          <a:bodyPr spcFirstLastPara="1" wrap="square" lIns="91425" tIns="91425" rIns="91425" bIns="91425" anchor="t" anchorCtr="0">
             <a:normAutofit/>
           </a:bodyPr>
           <a:lstStyle/>
           <a:p>
-            <a:pPr indent="-355600" lvl="0" marL="457200" rtl="0" algn="l">
+            <a:pPr marL="457200" lvl="0" indent="-355600" algn="l" rtl="0">
               <a:spcBef>
                 <a:spcPts val="0"/>
               </a:spcBef>
@@ -10560,13 +11030,13 @@
               <a:buChar char="●"/>
             </a:pPr>
             <a:r>
-              <a:rPr lang="en" sz="2000"/>
+              <a:rPr lang="en" sz="2000" dirty="0"/>
               <a:t>What feature would you used to count reads for RNA-seq?</a:t>
             </a:r>
-            <a:endParaRPr sz="2000"/>
-          </a:p>
-          <a:p>
-            <a:pPr indent="-355600" lvl="0" marL="457200" rtl="0" algn="l">
+            <a:endParaRPr sz="2000" dirty="0"/>
+          </a:p>
+          <a:p>
+            <a:pPr marL="457200" lvl="0" indent="-355600" algn="l" rtl="0">
               <a:lnSpc>
                 <a:spcPct val="150000"/>
               </a:lnSpc>
@@ -10580,13 +11050,13 @@
               <a:buAutoNum type="alphaUcPeriod"/>
             </a:pPr>
             <a:r>
-              <a:rPr lang="en" sz="2000"/>
+              <a:rPr lang="en" sz="2000" dirty="0"/>
               <a:t>Gene</a:t>
             </a:r>
-            <a:endParaRPr sz="2000"/>
-          </a:p>
-          <a:p>
-            <a:pPr indent="-355600" lvl="0" marL="457200" rtl="0" algn="l">
+            <a:endParaRPr sz="2000" dirty="0"/>
+          </a:p>
+          <a:p>
+            <a:pPr marL="457200" lvl="0" indent="-355600" algn="l" rtl="0">
               <a:lnSpc>
                 <a:spcPct val="150000"/>
               </a:lnSpc>
@@ -10600,13 +11070,13 @@
               <a:buAutoNum type="alphaUcPeriod"/>
             </a:pPr>
             <a:r>
-              <a:rPr lang="en" sz="2000"/>
+              <a:rPr lang="en" sz="2000" dirty="0"/>
               <a:t>Exon</a:t>
             </a:r>
-            <a:endParaRPr sz="2000"/>
-          </a:p>
-          <a:p>
-            <a:pPr indent="-355600" lvl="0" marL="457200" rtl="0" algn="l">
+            <a:endParaRPr sz="2000" dirty="0"/>
+          </a:p>
+          <a:p>
+            <a:pPr marL="457200" lvl="0" indent="-355600" algn="l" rtl="0">
               <a:lnSpc>
                 <a:spcPct val="150000"/>
               </a:lnSpc>
@@ -10620,10 +11090,10 @@
               <a:buAutoNum type="alphaUcPeriod"/>
             </a:pPr>
             <a:r>
-              <a:rPr lang="en" sz="2000"/>
+              <a:rPr lang="en" sz="2000" dirty="0"/>
               <a:t>Transcripts</a:t>
             </a:r>
-            <a:endParaRPr sz="2000"/>
+            <a:endParaRPr sz="2000" dirty="0"/>
           </a:p>
         </p:txBody>
       </p:sp>
@@ -10636,7 +11106,7 @@
 </file>
 
 <file path=ppt/theme/theme1.xml><?xml version="1.0" encoding="utf-8"?>
-<a:theme xmlns:a="http://schemas.openxmlformats.org/drawingml/2006/main" xmlns:r="http://schemas.openxmlformats.org/officeDocument/2006/relationships" name="Simple Light">
+<a:theme xmlns:a="http://schemas.openxmlformats.org/drawingml/2006/main" name="Simple Light">
   <a:themeElements>
     <a:clrScheme name="Simple Light">
       <a:dk1>
@@ -10911,11 +11381,13 @@
       </a:bgFillStyleLst>
     </a:fmtScheme>
   </a:themeElements>
+  <a:objectDefaults/>
+  <a:extraClrSchemeLst/>
 </a:theme>
 </file>
 
 <file path=ppt/theme/theme2.xml><?xml version="1.0" encoding="utf-8"?>
-<a:theme xmlns:a="http://schemas.openxmlformats.org/drawingml/2006/main" xmlns:r="http://schemas.openxmlformats.org/officeDocument/2006/relationships">
+<a:theme xmlns:a="http://schemas.openxmlformats.org/drawingml/2006/main">
   <a:themeElements>
     <a:clrScheme name="Default">
       <a:dk1>
@@ -11190,5 +11662,7 @@
       </a:bgFillStyleLst>
     </a:fmtScheme>
   </a:themeElements>
+  <a:objectDefaults/>
+  <a:extraClrSchemeLst/>
 </a:theme>
 </file>
--- a/projectB/day07/slides/Day7_slides.pptx
+++ b/projectB/day07/slides/Day7_slides.pptx
@@ -5,40 +5,39 @@
     <p:sldMasterId id="2147483659" r:id="rId1"/>
   </p:sldMasterIdLst>
   <p:notesMasterIdLst>
-    <p:notesMasterId r:id="rId16"/>
+    <p:notesMasterId r:id="rId15"/>
   </p:notesMasterIdLst>
   <p:sldIdLst>
     <p:sldId id="256" r:id="rId2"/>
-    <p:sldId id="257" r:id="rId3"/>
+    <p:sldId id="270" r:id="rId3"/>
     <p:sldId id="258" r:id="rId4"/>
     <p:sldId id="259" r:id="rId5"/>
-    <p:sldId id="260" r:id="rId6"/>
-    <p:sldId id="261" r:id="rId7"/>
-    <p:sldId id="262" r:id="rId8"/>
-    <p:sldId id="263" r:id="rId9"/>
-    <p:sldId id="264" r:id="rId10"/>
-    <p:sldId id="265" r:id="rId11"/>
-    <p:sldId id="266" r:id="rId12"/>
-    <p:sldId id="267" r:id="rId13"/>
-    <p:sldId id="268" r:id="rId14"/>
-    <p:sldId id="269" r:id="rId15"/>
+    <p:sldId id="263" r:id="rId6"/>
+    <p:sldId id="264" r:id="rId7"/>
+    <p:sldId id="265" r:id="rId8"/>
+    <p:sldId id="261" r:id="rId9"/>
+    <p:sldId id="262" r:id="rId10"/>
+    <p:sldId id="266" r:id="rId11"/>
+    <p:sldId id="267" r:id="rId12"/>
+    <p:sldId id="268" r:id="rId13"/>
+    <p:sldId id="269" r:id="rId14"/>
   </p:sldIdLst>
   <p:sldSz cx="9144000" cy="5143500" type="screen16x9"/>
   <p:notesSz cx="6858000" cy="9144000"/>
   <p:embeddedFontLst>
     <p:embeddedFont>
       <p:font typeface="Consolas" panose="020B0609020204030204" pitchFamily="49" charset="0"/>
-      <p:regular r:id="rId17"/>
-      <p:bold r:id="rId18"/>
-      <p:italic r:id="rId19"/>
-      <p:boldItalic r:id="rId20"/>
+      <p:regular r:id="rId16"/>
+      <p:bold r:id="rId17"/>
+      <p:italic r:id="rId18"/>
+      <p:boldItalic r:id="rId19"/>
     </p:embeddedFont>
     <p:embeddedFont>
       <p:font typeface="Helvetica Neue" panose="02000503000000020004" pitchFamily="2" charset="0"/>
-      <p:regular r:id="rId21"/>
-      <p:bold r:id="rId22"/>
-      <p:italic r:id="rId23"/>
-      <p:boldItalic r:id="rId24"/>
+      <p:regular r:id="rId20"/>
+      <p:bold r:id="rId21"/>
+      <p:italic r:id="rId22"/>
+      <p:boldItalic r:id="rId23"/>
     </p:embeddedFont>
   </p:embeddedFontLst>
   <p:defaultTextStyle>
@@ -857,214 +856,6 @@
   <p:cSld>
     <p:spTree>
       <p:nvGrpSpPr>
-        <p:cNvPr id="1" name="Shape 123"/>
-        <p:cNvGrpSpPr/>
-        <p:nvPr/>
-      </p:nvGrpSpPr>
-      <p:grpSpPr>
-        <a:xfrm>
-          <a:off x="0" y="0"/>
-          <a:ext cx="0" cy="0"/>
-          <a:chOff x="0" y="0"/>
-          <a:chExt cx="0" cy="0"/>
-        </a:xfrm>
-      </p:grpSpPr>
-      <p:sp>
-        <p:nvSpPr>
-          <p:cNvPr id="124" name="Google Shape;124;g258956bab95_0_5:notes"/>
-          <p:cNvSpPr>
-            <a:spLocks noGrp="1" noRot="1" noChangeAspect="1"/>
-          </p:cNvSpPr>
-          <p:nvPr>
-            <p:ph type="sldImg" idx="2"/>
-          </p:nvPr>
-        </p:nvSpPr>
-        <p:spPr>
-          <a:xfrm>
-            <a:off x="381000" y="685800"/>
-            <a:ext cx="6096000" cy="3429000"/>
-          </a:xfrm>
-          <a:custGeom>
-            <a:avLst/>
-            <a:gdLst/>
-            <a:ahLst/>
-            <a:cxnLst/>
-            <a:rect l="l" t="t" r="r" b="b"/>
-            <a:pathLst>
-              <a:path w="120000" h="120000" extrusionOk="0">
-                <a:moveTo>
-                  <a:pt x="0" y="0"/>
-                </a:moveTo>
-                <a:lnTo>
-                  <a:pt x="120000" y="0"/>
-                </a:lnTo>
-                <a:lnTo>
-                  <a:pt x="120000" y="120000"/>
-                </a:lnTo>
-                <a:lnTo>
-                  <a:pt x="0" y="120000"/>
-                </a:lnTo>
-                <a:close/>
-              </a:path>
-            </a:pathLst>
-          </a:custGeom>
-        </p:spPr>
-      </p:sp>
-      <p:sp>
-        <p:nvSpPr>
-          <p:cNvPr id="125" name="Google Shape;125;g258956bab95_0_5:notes"/>
-          <p:cNvSpPr txBox="1">
-            <a:spLocks noGrp="1"/>
-          </p:cNvSpPr>
-          <p:nvPr>
-            <p:ph type="body" idx="1"/>
-          </p:nvPr>
-        </p:nvSpPr>
-        <p:spPr>
-          <a:xfrm>
-            <a:off x="685800" y="4343400"/>
-            <a:ext cx="5486400" cy="4114800"/>
-          </a:xfrm>
-          <a:prstGeom prst="rect">
-            <a:avLst/>
-          </a:prstGeom>
-        </p:spPr>
-        <p:txBody>
-          <a:bodyPr spcFirstLastPara="1" wrap="square" lIns="91425" tIns="91425" rIns="91425" bIns="91425" anchor="t" anchorCtr="0">
-            <a:noAutofit/>
-          </a:bodyPr>
-          <a:lstStyle/>
-          <a:p>
-            <a:pPr marL="0" lvl="0" indent="0" algn="l" rtl="0">
-              <a:spcBef>
-                <a:spcPts val="0"/>
-              </a:spcBef>
-              <a:spcAft>
-                <a:spcPts val="0"/>
-              </a:spcAft>
-              <a:buNone/>
-            </a:pPr>
-            <a:endParaRPr/>
-          </a:p>
-        </p:txBody>
-      </p:sp>
-    </p:spTree>
-  </p:cSld>
-  <p:clrMapOvr>
-    <a:masterClrMapping/>
-  </p:clrMapOvr>
-</p:notes>
-</file>
-
-<file path=ppt/notesSlides/notesSlide11.xml><?xml version="1.0" encoding="utf-8"?>
-<p:notes xmlns:a="http://schemas.openxmlformats.org/drawingml/2006/main" xmlns:r="http://schemas.openxmlformats.org/officeDocument/2006/relationships" xmlns:p="http://schemas.openxmlformats.org/presentationml/2006/main" showMasterSp="0" showMasterPhAnim="0">
-  <p:cSld>
-    <p:spTree>
-      <p:nvGrpSpPr>
-        <p:cNvPr id="1" name="Shape 130"/>
-        <p:cNvGrpSpPr/>
-        <p:nvPr/>
-      </p:nvGrpSpPr>
-      <p:grpSpPr>
-        <a:xfrm>
-          <a:off x="0" y="0"/>
-          <a:ext cx="0" cy="0"/>
-          <a:chOff x="0" y="0"/>
-          <a:chExt cx="0" cy="0"/>
-        </a:xfrm>
-      </p:grpSpPr>
-      <p:sp>
-        <p:nvSpPr>
-          <p:cNvPr id="131" name="Google Shape;131;g22ea25fd1ab_0_152:notes"/>
-          <p:cNvSpPr>
-            <a:spLocks noGrp="1" noRot="1" noChangeAspect="1"/>
-          </p:cNvSpPr>
-          <p:nvPr>
-            <p:ph type="sldImg" idx="2"/>
-          </p:nvPr>
-        </p:nvSpPr>
-        <p:spPr>
-          <a:xfrm>
-            <a:off x="381000" y="685800"/>
-            <a:ext cx="6096000" cy="3429000"/>
-          </a:xfrm>
-          <a:custGeom>
-            <a:avLst/>
-            <a:gdLst/>
-            <a:ahLst/>
-            <a:cxnLst/>
-            <a:rect l="l" t="t" r="r" b="b"/>
-            <a:pathLst>
-              <a:path w="120000" h="120000" extrusionOk="0">
-                <a:moveTo>
-                  <a:pt x="0" y="0"/>
-                </a:moveTo>
-                <a:lnTo>
-                  <a:pt x="120000" y="0"/>
-                </a:lnTo>
-                <a:lnTo>
-                  <a:pt x="120000" y="120000"/>
-                </a:lnTo>
-                <a:lnTo>
-                  <a:pt x="0" y="120000"/>
-                </a:lnTo>
-                <a:close/>
-              </a:path>
-            </a:pathLst>
-          </a:custGeom>
-        </p:spPr>
-      </p:sp>
-      <p:sp>
-        <p:nvSpPr>
-          <p:cNvPr id="132" name="Google Shape;132;g22ea25fd1ab_0_152:notes"/>
-          <p:cNvSpPr txBox="1">
-            <a:spLocks noGrp="1"/>
-          </p:cNvSpPr>
-          <p:nvPr>
-            <p:ph type="body" idx="1"/>
-          </p:nvPr>
-        </p:nvSpPr>
-        <p:spPr>
-          <a:xfrm>
-            <a:off x="685800" y="4343400"/>
-            <a:ext cx="5486400" cy="4114800"/>
-          </a:xfrm>
-          <a:prstGeom prst="rect">
-            <a:avLst/>
-          </a:prstGeom>
-        </p:spPr>
-        <p:txBody>
-          <a:bodyPr spcFirstLastPara="1" wrap="square" lIns="91425" tIns="91425" rIns="91425" bIns="91425" anchor="t" anchorCtr="0">
-            <a:noAutofit/>
-          </a:bodyPr>
-          <a:lstStyle/>
-          <a:p>
-            <a:pPr marL="0" lvl="0" indent="0" algn="l" rtl="0">
-              <a:spcBef>
-                <a:spcPts val="0"/>
-              </a:spcBef>
-              <a:spcAft>
-                <a:spcPts val="0"/>
-              </a:spcAft>
-              <a:buNone/>
-            </a:pPr>
-            <a:endParaRPr/>
-          </a:p>
-        </p:txBody>
-      </p:sp>
-    </p:spTree>
-  </p:cSld>
-  <p:clrMapOvr>
-    <a:masterClrMapping/>
-  </p:clrMapOvr>
-</p:notes>
-</file>
-
-<file path=ppt/notesSlides/notesSlide12.xml><?xml version="1.0" encoding="utf-8"?>
-<p:notes xmlns:a="http://schemas.openxmlformats.org/drawingml/2006/main" xmlns:r="http://schemas.openxmlformats.org/officeDocument/2006/relationships" xmlns:p="http://schemas.openxmlformats.org/presentationml/2006/main" showMasterSp="0" showMasterPhAnim="0">
-  <p:cSld>
-    <p:spTree>
-      <p:nvGrpSpPr>
         <p:cNvPr id="1" name="Shape 137"/>
         <p:cNvGrpSpPr/>
         <p:nvPr/>
@@ -1164,7 +955,7 @@
 </p:notes>
 </file>
 
-<file path=ppt/notesSlides/notesSlide13.xml><?xml version="1.0" encoding="utf-8"?>
+<file path=ppt/notesSlides/notesSlide11.xml><?xml version="1.0" encoding="utf-8"?>
 <p:notes xmlns:a="http://schemas.openxmlformats.org/drawingml/2006/main" xmlns:r="http://schemas.openxmlformats.org/officeDocument/2006/relationships" xmlns:p="http://schemas.openxmlformats.org/presentationml/2006/main" showMasterSp="0" showMasterPhAnim="0">
   <p:cSld>
     <p:spTree>
@@ -1268,7 +1059,7 @@
 </p:notes>
 </file>
 
-<file path=ppt/notesSlides/notesSlide14.xml><?xml version="1.0" encoding="utf-8"?>
+<file path=ppt/notesSlides/notesSlide12.xml><?xml version="1.0" encoding="utf-8"?>
 <p:notes xmlns:a="http://schemas.openxmlformats.org/drawingml/2006/main" xmlns:r="http://schemas.openxmlformats.org/officeDocument/2006/relationships" xmlns:p="http://schemas.openxmlformats.org/presentationml/2006/main" showMasterSp="0" showMasterPhAnim="0">
   <p:cSld>
     <p:spTree>
@@ -1377,110 +1168,6 @@
   <p:cSld>
     <p:spTree>
       <p:nvGrpSpPr>
-        <p:cNvPr id="1" name="Shape 56"/>
-        <p:cNvGrpSpPr/>
-        <p:nvPr/>
-      </p:nvGrpSpPr>
-      <p:grpSpPr>
-        <a:xfrm>
-          <a:off x="0" y="0"/>
-          <a:ext cx="0" cy="0"/>
-          <a:chOff x="0" y="0"/>
-          <a:chExt cx="0" cy="0"/>
-        </a:xfrm>
-      </p:grpSpPr>
-      <p:sp>
-        <p:nvSpPr>
-          <p:cNvPr id="57" name="Google Shape;57;g22ea25fd1ab_0_136:notes"/>
-          <p:cNvSpPr>
-            <a:spLocks noGrp="1" noRot="1" noChangeAspect="1"/>
-          </p:cNvSpPr>
-          <p:nvPr>
-            <p:ph type="sldImg" idx="2"/>
-          </p:nvPr>
-        </p:nvSpPr>
-        <p:spPr>
-          <a:xfrm>
-            <a:off x="381300" y="685800"/>
-            <a:ext cx="6096000" cy="3429000"/>
-          </a:xfrm>
-          <a:custGeom>
-            <a:avLst/>
-            <a:gdLst/>
-            <a:ahLst/>
-            <a:cxnLst/>
-            <a:rect l="l" t="t" r="r" b="b"/>
-            <a:pathLst>
-              <a:path w="120000" h="120000" extrusionOk="0">
-                <a:moveTo>
-                  <a:pt x="0" y="0"/>
-                </a:moveTo>
-                <a:lnTo>
-                  <a:pt x="120000" y="0"/>
-                </a:lnTo>
-                <a:lnTo>
-                  <a:pt x="120000" y="120000"/>
-                </a:lnTo>
-                <a:lnTo>
-                  <a:pt x="0" y="120000"/>
-                </a:lnTo>
-                <a:close/>
-              </a:path>
-            </a:pathLst>
-          </a:custGeom>
-        </p:spPr>
-      </p:sp>
-      <p:sp>
-        <p:nvSpPr>
-          <p:cNvPr id="58" name="Google Shape;58;g22ea25fd1ab_0_136:notes"/>
-          <p:cNvSpPr txBox="1">
-            <a:spLocks noGrp="1"/>
-          </p:cNvSpPr>
-          <p:nvPr>
-            <p:ph type="body" idx="1"/>
-          </p:nvPr>
-        </p:nvSpPr>
-        <p:spPr>
-          <a:xfrm>
-            <a:off x="685800" y="4343400"/>
-            <a:ext cx="5486400" cy="4114800"/>
-          </a:xfrm>
-          <a:prstGeom prst="rect">
-            <a:avLst/>
-          </a:prstGeom>
-        </p:spPr>
-        <p:txBody>
-          <a:bodyPr spcFirstLastPara="1" wrap="square" lIns="91425" tIns="91425" rIns="91425" bIns="91425" anchor="t" anchorCtr="0">
-            <a:noAutofit/>
-          </a:bodyPr>
-          <a:lstStyle/>
-          <a:p>
-            <a:pPr marL="0" lvl="0" indent="0" algn="l" rtl="0">
-              <a:spcBef>
-                <a:spcPts val="0"/>
-              </a:spcBef>
-              <a:spcAft>
-                <a:spcPts val="0"/>
-              </a:spcAft>
-              <a:buNone/>
-            </a:pPr>
-            <a:endParaRPr/>
-          </a:p>
-        </p:txBody>
-      </p:sp>
-    </p:spTree>
-  </p:cSld>
-  <p:clrMapOvr>
-    <a:masterClrMapping/>
-  </p:clrMapOvr>
-</p:notes>
-</file>
-
-<file path=ppt/notesSlides/notesSlide3.xml><?xml version="1.0" encoding="utf-8"?>
-<p:notes xmlns:a="http://schemas.openxmlformats.org/drawingml/2006/main" xmlns:r="http://schemas.openxmlformats.org/officeDocument/2006/relationships" xmlns:p="http://schemas.openxmlformats.org/presentationml/2006/main" showMasterSp="0" showMasterPhAnim="0">
-  <p:cSld>
-    <p:spTree>
-      <p:nvGrpSpPr>
         <p:cNvPr id="1" name="Shape 63"/>
         <p:cNvGrpSpPr/>
         <p:nvPr/>
@@ -1580,7 +1267,7 @@
 </p:notes>
 </file>
 
-<file path=ppt/notesSlides/notesSlide4.xml><?xml version="1.0" encoding="utf-8"?>
+<file path=ppt/notesSlides/notesSlide3.xml><?xml version="1.0" encoding="utf-8"?>
 <p:notes xmlns:a="http://schemas.openxmlformats.org/drawingml/2006/main" xmlns:r="http://schemas.openxmlformats.org/officeDocument/2006/relationships" xmlns:p="http://schemas.openxmlformats.org/presentationml/2006/main" showMasterSp="0" showMasterPhAnim="0">
   <p:cSld>
     <p:spTree>
@@ -1702,337 +1389,7 @@
 </p:notes>
 </file>
 
-<file path=ppt/notesSlides/notesSlide5.xml><?xml version="1.0" encoding="utf-8"?>
-<p:notes xmlns:a="http://schemas.openxmlformats.org/drawingml/2006/main" xmlns:r="http://schemas.openxmlformats.org/officeDocument/2006/relationships" xmlns:p="http://schemas.openxmlformats.org/presentationml/2006/main" showMasterSp="0" showMasterPhAnim="0">
-  <p:cSld>
-    <p:spTree>
-      <p:nvGrpSpPr>
-        <p:cNvPr id="1" name="Shape 85"/>
-        <p:cNvGrpSpPr/>
-        <p:nvPr/>
-      </p:nvGrpSpPr>
-      <p:grpSpPr>
-        <a:xfrm>
-          <a:off x="0" y="0"/>
-          <a:ext cx="0" cy="0"/>
-          <a:chOff x="0" y="0"/>
-          <a:chExt cx="0" cy="0"/>
-        </a:xfrm>
-      </p:grpSpPr>
-      <p:sp>
-        <p:nvSpPr>
-          <p:cNvPr id="86" name="Google Shape;86;g22ea25fd1ab_0_81:notes"/>
-          <p:cNvSpPr>
-            <a:spLocks noGrp="1" noRot="1" noChangeAspect="1"/>
-          </p:cNvSpPr>
-          <p:nvPr>
-            <p:ph type="sldImg" idx="2"/>
-          </p:nvPr>
-        </p:nvSpPr>
-        <p:spPr>
-          <a:xfrm>
-            <a:off x="381000" y="685800"/>
-            <a:ext cx="6096000" cy="3429000"/>
-          </a:xfrm>
-          <a:custGeom>
-            <a:avLst/>
-            <a:gdLst/>
-            <a:ahLst/>
-            <a:cxnLst/>
-            <a:rect l="l" t="t" r="r" b="b"/>
-            <a:pathLst>
-              <a:path w="120000" h="120000" extrusionOk="0">
-                <a:moveTo>
-                  <a:pt x="0" y="0"/>
-                </a:moveTo>
-                <a:lnTo>
-                  <a:pt x="120000" y="0"/>
-                </a:lnTo>
-                <a:lnTo>
-                  <a:pt x="120000" y="120000"/>
-                </a:lnTo>
-                <a:lnTo>
-                  <a:pt x="0" y="120000"/>
-                </a:lnTo>
-                <a:close/>
-              </a:path>
-            </a:pathLst>
-          </a:custGeom>
-          <a:noFill/>
-          <a:ln w="9525" cap="flat" cmpd="sng">
-            <a:solidFill>
-              <a:srgbClr val="000000"/>
-            </a:solidFill>
-            <a:prstDash val="solid"/>
-            <a:round/>
-            <a:headEnd type="none" w="sm" len="sm"/>
-            <a:tailEnd type="none" w="sm" len="sm"/>
-          </a:ln>
-        </p:spPr>
-      </p:sp>
-      <p:sp>
-        <p:nvSpPr>
-          <p:cNvPr id="87" name="Google Shape;87;g22ea25fd1ab_0_81:notes"/>
-          <p:cNvSpPr txBox="1">
-            <a:spLocks noGrp="1"/>
-          </p:cNvSpPr>
-          <p:nvPr>
-            <p:ph type="body" idx="1"/>
-          </p:nvPr>
-        </p:nvSpPr>
-        <p:spPr>
-          <a:xfrm>
-            <a:off x="685800" y="4343400"/>
-            <a:ext cx="5486400" cy="4114800"/>
-          </a:xfrm>
-          <a:prstGeom prst="rect">
-            <a:avLst/>
-          </a:prstGeom>
-          <a:noFill/>
-          <a:ln>
-            <a:noFill/>
-          </a:ln>
-        </p:spPr>
-        <p:txBody>
-          <a:bodyPr spcFirstLastPara="1" wrap="square" lIns="91425" tIns="91425" rIns="91425" bIns="91425" anchor="t" anchorCtr="0">
-            <a:noAutofit/>
-          </a:bodyPr>
-          <a:lstStyle/>
-          <a:p>
-            <a:pPr marL="0" lvl="0" indent="0" algn="l" rtl="0">
-              <a:lnSpc>
-                <a:spcPct val="100000"/>
-              </a:lnSpc>
-              <a:spcBef>
-                <a:spcPts val="0"/>
-              </a:spcBef>
-              <a:spcAft>
-                <a:spcPts val="0"/>
-              </a:spcAft>
-              <a:buSzPts val="1100"/>
-              <a:buNone/>
-            </a:pPr>
-            <a:endParaRPr/>
-          </a:p>
-        </p:txBody>
-      </p:sp>
-    </p:spTree>
-  </p:cSld>
-  <p:clrMapOvr>
-    <a:masterClrMapping/>
-  </p:clrMapOvr>
-</p:notes>
-</file>
-
-<file path=ppt/notesSlides/notesSlide6.xml><?xml version="1.0" encoding="utf-8"?>
-<p:notes xmlns:a="http://schemas.openxmlformats.org/drawingml/2006/main" xmlns:r="http://schemas.openxmlformats.org/officeDocument/2006/relationships" xmlns:p="http://schemas.openxmlformats.org/presentationml/2006/main" showMasterSp="0" showMasterPhAnim="0">
-  <p:cSld>
-    <p:spTree>
-      <p:nvGrpSpPr>
-        <p:cNvPr id="1" name="Shape 93"/>
-        <p:cNvGrpSpPr/>
-        <p:nvPr/>
-      </p:nvGrpSpPr>
-      <p:grpSpPr>
-        <a:xfrm>
-          <a:off x="0" y="0"/>
-          <a:ext cx="0" cy="0"/>
-          <a:chOff x="0" y="0"/>
-          <a:chExt cx="0" cy="0"/>
-        </a:xfrm>
-      </p:grpSpPr>
-      <p:sp>
-        <p:nvSpPr>
-          <p:cNvPr id="94" name="Google Shape;94;g22ea25fd1ab_0_142:notes"/>
-          <p:cNvSpPr>
-            <a:spLocks noGrp="1" noRot="1" noChangeAspect="1"/>
-          </p:cNvSpPr>
-          <p:nvPr>
-            <p:ph type="sldImg" idx="2"/>
-          </p:nvPr>
-        </p:nvSpPr>
-        <p:spPr>
-          <a:xfrm>
-            <a:off x="381300" y="685800"/>
-            <a:ext cx="6096000" cy="3429000"/>
-          </a:xfrm>
-          <a:custGeom>
-            <a:avLst/>
-            <a:gdLst/>
-            <a:ahLst/>
-            <a:cxnLst/>
-            <a:rect l="l" t="t" r="r" b="b"/>
-            <a:pathLst>
-              <a:path w="120000" h="120000" extrusionOk="0">
-                <a:moveTo>
-                  <a:pt x="0" y="0"/>
-                </a:moveTo>
-                <a:lnTo>
-                  <a:pt x="120000" y="0"/>
-                </a:lnTo>
-                <a:lnTo>
-                  <a:pt x="120000" y="120000"/>
-                </a:lnTo>
-                <a:lnTo>
-                  <a:pt x="0" y="120000"/>
-                </a:lnTo>
-                <a:close/>
-              </a:path>
-            </a:pathLst>
-          </a:custGeom>
-        </p:spPr>
-      </p:sp>
-      <p:sp>
-        <p:nvSpPr>
-          <p:cNvPr id="95" name="Google Shape;95;g22ea25fd1ab_0_142:notes"/>
-          <p:cNvSpPr txBox="1">
-            <a:spLocks noGrp="1"/>
-          </p:cNvSpPr>
-          <p:nvPr>
-            <p:ph type="body" idx="1"/>
-          </p:nvPr>
-        </p:nvSpPr>
-        <p:spPr>
-          <a:xfrm>
-            <a:off x="685800" y="4343400"/>
-            <a:ext cx="5486400" cy="4114800"/>
-          </a:xfrm>
-          <a:prstGeom prst="rect">
-            <a:avLst/>
-          </a:prstGeom>
-        </p:spPr>
-        <p:txBody>
-          <a:bodyPr spcFirstLastPara="1" wrap="square" lIns="91425" tIns="91425" rIns="91425" bIns="91425" anchor="t" anchorCtr="0">
-            <a:noAutofit/>
-          </a:bodyPr>
-          <a:lstStyle/>
-          <a:p>
-            <a:pPr marL="0" lvl="0" indent="0" algn="l" rtl="0">
-              <a:spcBef>
-                <a:spcPts val="0"/>
-              </a:spcBef>
-              <a:spcAft>
-                <a:spcPts val="0"/>
-              </a:spcAft>
-              <a:buNone/>
-            </a:pPr>
-            <a:endParaRPr/>
-          </a:p>
-        </p:txBody>
-      </p:sp>
-    </p:spTree>
-  </p:cSld>
-  <p:clrMapOvr>
-    <a:masterClrMapping/>
-  </p:clrMapOvr>
-</p:notes>
-</file>
-
-<file path=ppt/notesSlides/notesSlide7.xml><?xml version="1.0" encoding="utf-8"?>
-<p:notes xmlns:a="http://schemas.openxmlformats.org/drawingml/2006/main" xmlns:r="http://schemas.openxmlformats.org/officeDocument/2006/relationships" xmlns:p="http://schemas.openxmlformats.org/presentationml/2006/main" showMasterSp="0" showMasterPhAnim="0">
-  <p:cSld>
-    <p:spTree>
-      <p:nvGrpSpPr>
-        <p:cNvPr id="1" name="Shape 102"/>
-        <p:cNvGrpSpPr/>
-        <p:nvPr/>
-      </p:nvGrpSpPr>
-      <p:grpSpPr>
-        <a:xfrm>
-          <a:off x="0" y="0"/>
-          <a:ext cx="0" cy="0"/>
-          <a:chOff x="0" y="0"/>
-          <a:chExt cx="0" cy="0"/>
-        </a:xfrm>
-      </p:grpSpPr>
-      <p:sp>
-        <p:nvSpPr>
-          <p:cNvPr id="103" name="Google Shape;103;g22ea25fd1ab_0_163:notes"/>
-          <p:cNvSpPr>
-            <a:spLocks noGrp="1" noRot="1" noChangeAspect="1"/>
-          </p:cNvSpPr>
-          <p:nvPr>
-            <p:ph type="sldImg" idx="2"/>
-          </p:nvPr>
-        </p:nvSpPr>
-        <p:spPr>
-          <a:xfrm>
-            <a:off x="381300" y="685800"/>
-            <a:ext cx="6096000" cy="3429000"/>
-          </a:xfrm>
-          <a:custGeom>
-            <a:avLst/>
-            <a:gdLst/>
-            <a:ahLst/>
-            <a:cxnLst/>
-            <a:rect l="l" t="t" r="r" b="b"/>
-            <a:pathLst>
-              <a:path w="120000" h="120000" extrusionOk="0">
-                <a:moveTo>
-                  <a:pt x="0" y="0"/>
-                </a:moveTo>
-                <a:lnTo>
-                  <a:pt x="120000" y="0"/>
-                </a:lnTo>
-                <a:lnTo>
-                  <a:pt x="120000" y="120000"/>
-                </a:lnTo>
-                <a:lnTo>
-                  <a:pt x="0" y="120000"/>
-                </a:lnTo>
-                <a:close/>
-              </a:path>
-            </a:pathLst>
-          </a:custGeom>
-        </p:spPr>
-      </p:sp>
-      <p:sp>
-        <p:nvSpPr>
-          <p:cNvPr id="104" name="Google Shape;104;g22ea25fd1ab_0_163:notes"/>
-          <p:cNvSpPr txBox="1">
-            <a:spLocks noGrp="1"/>
-          </p:cNvSpPr>
-          <p:nvPr>
-            <p:ph type="body" idx="1"/>
-          </p:nvPr>
-        </p:nvSpPr>
-        <p:spPr>
-          <a:xfrm>
-            <a:off x="685800" y="4343400"/>
-            <a:ext cx="5486400" cy="4114800"/>
-          </a:xfrm>
-          <a:prstGeom prst="rect">
-            <a:avLst/>
-          </a:prstGeom>
-        </p:spPr>
-        <p:txBody>
-          <a:bodyPr spcFirstLastPara="1" wrap="square" lIns="91425" tIns="91425" rIns="91425" bIns="91425" anchor="t" anchorCtr="0">
-            <a:noAutofit/>
-          </a:bodyPr>
-          <a:lstStyle/>
-          <a:p>
-            <a:pPr marL="0" lvl="0" indent="0" algn="l" rtl="0">
-              <a:spcBef>
-                <a:spcPts val="0"/>
-              </a:spcBef>
-              <a:spcAft>
-                <a:spcPts val="0"/>
-              </a:spcAft>
-              <a:buNone/>
-            </a:pPr>
-            <a:endParaRPr/>
-          </a:p>
-        </p:txBody>
-      </p:sp>
-    </p:spTree>
-  </p:cSld>
-  <p:clrMapOvr>
-    <a:masterClrMapping/>
-  </p:clrMapOvr>
-</p:notes>
-</file>
-
-<file path=ppt/notesSlides/notesSlide8.xml><?xml version="1.0" encoding="utf-8"?>
+<file path=ppt/notesSlides/notesSlide4.xml><?xml version="1.0" encoding="utf-8"?>
 <p:notes xmlns:a="http://schemas.openxmlformats.org/drawingml/2006/main" xmlns:r="http://schemas.openxmlformats.org/officeDocument/2006/relationships" xmlns:p="http://schemas.openxmlformats.org/presentationml/2006/main" showMasterSp="0" showMasterPhAnim="0">
   <p:cSld>
     <p:spTree>
@@ -2154,7 +1511,7 @@
 </p:notes>
 </file>
 
-<file path=ppt/notesSlides/notesSlide9.xml><?xml version="1.0" encoding="utf-8"?>
+<file path=ppt/notesSlides/notesSlide5.xml><?xml version="1.0" encoding="utf-8"?>
 <p:notes xmlns:a="http://schemas.openxmlformats.org/drawingml/2006/main" xmlns:r="http://schemas.openxmlformats.org/officeDocument/2006/relationships" xmlns:p="http://schemas.openxmlformats.org/presentationml/2006/main" showMasterSp="0" showMasterPhAnim="0">
   <p:cSld>
     <p:spTree>
@@ -2174,6 +1531,214 @@
       <p:sp>
         <p:nvSpPr>
           <p:cNvPr id="118" name="Google Shape;118;g258956bab95_0_0:notes"/>
+          <p:cNvSpPr>
+            <a:spLocks noGrp="1" noRot="1" noChangeAspect="1"/>
+          </p:cNvSpPr>
+          <p:nvPr>
+            <p:ph type="sldImg" idx="2"/>
+          </p:nvPr>
+        </p:nvSpPr>
+        <p:spPr>
+          <a:xfrm>
+            <a:off x="381000" y="685800"/>
+            <a:ext cx="6096000" cy="3429000"/>
+          </a:xfrm>
+          <a:custGeom>
+            <a:avLst/>
+            <a:gdLst/>
+            <a:ahLst/>
+            <a:cxnLst/>
+            <a:rect l="l" t="t" r="r" b="b"/>
+            <a:pathLst>
+              <a:path w="120000" h="120000" extrusionOk="0">
+                <a:moveTo>
+                  <a:pt x="0" y="0"/>
+                </a:moveTo>
+                <a:lnTo>
+                  <a:pt x="120000" y="0"/>
+                </a:lnTo>
+                <a:lnTo>
+                  <a:pt x="120000" y="120000"/>
+                </a:lnTo>
+                <a:lnTo>
+                  <a:pt x="0" y="120000"/>
+                </a:lnTo>
+                <a:close/>
+              </a:path>
+            </a:pathLst>
+          </a:custGeom>
+        </p:spPr>
+      </p:sp>
+      <p:sp>
+        <p:nvSpPr>
+          <p:cNvPr id="119" name="Google Shape;119;g258956bab95_0_0:notes"/>
+          <p:cNvSpPr txBox="1">
+            <a:spLocks noGrp="1"/>
+          </p:cNvSpPr>
+          <p:nvPr>
+            <p:ph type="body" idx="1"/>
+          </p:nvPr>
+        </p:nvSpPr>
+        <p:spPr>
+          <a:xfrm>
+            <a:off x="685800" y="4343400"/>
+            <a:ext cx="5486400" cy="4114800"/>
+          </a:xfrm>
+          <a:prstGeom prst="rect">
+            <a:avLst/>
+          </a:prstGeom>
+        </p:spPr>
+        <p:txBody>
+          <a:bodyPr spcFirstLastPara="1" wrap="square" lIns="91425" tIns="91425" rIns="91425" bIns="91425" anchor="t" anchorCtr="0">
+            <a:noAutofit/>
+          </a:bodyPr>
+          <a:lstStyle/>
+          <a:p>
+            <a:pPr marL="0" lvl="0" indent="0" algn="l" rtl="0">
+              <a:spcBef>
+                <a:spcPts val="0"/>
+              </a:spcBef>
+              <a:spcAft>
+                <a:spcPts val="0"/>
+              </a:spcAft>
+              <a:buNone/>
+            </a:pPr>
+            <a:endParaRPr/>
+          </a:p>
+        </p:txBody>
+      </p:sp>
+    </p:spTree>
+  </p:cSld>
+  <p:clrMapOvr>
+    <a:masterClrMapping/>
+  </p:clrMapOvr>
+</p:notes>
+</file>
+
+<file path=ppt/notesSlides/notesSlide6.xml><?xml version="1.0" encoding="utf-8"?>
+<p:notes xmlns:a="http://schemas.openxmlformats.org/drawingml/2006/main" xmlns:r="http://schemas.openxmlformats.org/officeDocument/2006/relationships" xmlns:p="http://schemas.openxmlformats.org/presentationml/2006/main" showMasterSp="0" showMasterPhAnim="0">
+  <p:cSld>
+    <p:spTree>
+      <p:nvGrpSpPr>
+        <p:cNvPr id="1" name="Shape 123"/>
+        <p:cNvGrpSpPr/>
+        <p:nvPr/>
+      </p:nvGrpSpPr>
+      <p:grpSpPr>
+        <a:xfrm>
+          <a:off x="0" y="0"/>
+          <a:ext cx="0" cy="0"/>
+          <a:chOff x="0" y="0"/>
+          <a:chExt cx="0" cy="0"/>
+        </a:xfrm>
+      </p:grpSpPr>
+      <p:sp>
+        <p:nvSpPr>
+          <p:cNvPr id="124" name="Google Shape;124;g258956bab95_0_5:notes"/>
+          <p:cNvSpPr>
+            <a:spLocks noGrp="1" noRot="1" noChangeAspect="1"/>
+          </p:cNvSpPr>
+          <p:nvPr>
+            <p:ph type="sldImg" idx="2"/>
+          </p:nvPr>
+        </p:nvSpPr>
+        <p:spPr>
+          <a:xfrm>
+            <a:off x="381000" y="685800"/>
+            <a:ext cx="6096000" cy="3429000"/>
+          </a:xfrm>
+          <a:custGeom>
+            <a:avLst/>
+            <a:gdLst/>
+            <a:ahLst/>
+            <a:cxnLst/>
+            <a:rect l="l" t="t" r="r" b="b"/>
+            <a:pathLst>
+              <a:path w="120000" h="120000" extrusionOk="0">
+                <a:moveTo>
+                  <a:pt x="0" y="0"/>
+                </a:moveTo>
+                <a:lnTo>
+                  <a:pt x="120000" y="0"/>
+                </a:lnTo>
+                <a:lnTo>
+                  <a:pt x="120000" y="120000"/>
+                </a:lnTo>
+                <a:lnTo>
+                  <a:pt x="0" y="120000"/>
+                </a:lnTo>
+                <a:close/>
+              </a:path>
+            </a:pathLst>
+          </a:custGeom>
+        </p:spPr>
+      </p:sp>
+      <p:sp>
+        <p:nvSpPr>
+          <p:cNvPr id="125" name="Google Shape;125;g258956bab95_0_5:notes"/>
+          <p:cNvSpPr txBox="1">
+            <a:spLocks noGrp="1"/>
+          </p:cNvSpPr>
+          <p:nvPr>
+            <p:ph type="body" idx="1"/>
+          </p:nvPr>
+        </p:nvSpPr>
+        <p:spPr>
+          <a:xfrm>
+            <a:off x="685800" y="4343400"/>
+            <a:ext cx="5486400" cy="4114800"/>
+          </a:xfrm>
+          <a:prstGeom prst="rect">
+            <a:avLst/>
+          </a:prstGeom>
+        </p:spPr>
+        <p:txBody>
+          <a:bodyPr spcFirstLastPara="1" wrap="square" lIns="91425" tIns="91425" rIns="91425" bIns="91425" anchor="t" anchorCtr="0">
+            <a:noAutofit/>
+          </a:bodyPr>
+          <a:lstStyle/>
+          <a:p>
+            <a:pPr marL="0" lvl="0" indent="0" algn="l" rtl="0">
+              <a:spcBef>
+                <a:spcPts val="0"/>
+              </a:spcBef>
+              <a:spcAft>
+                <a:spcPts val="0"/>
+              </a:spcAft>
+              <a:buNone/>
+            </a:pPr>
+            <a:endParaRPr/>
+          </a:p>
+        </p:txBody>
+      </p:sp>
+    </p:spTree>
+  </p:cSld>
+  <p:clrMapOvr>
+    <a:masterClrMapping/>
+  </p:clrMapOvr>
+</p:notes>
+</file>
+
+<file path=ppt/notesSlides/notesSlide7.xml><?xml version="1.0" encoding="utf-8"?>
+<p:notes xmlns:a="http://schemas.openxmlformats.org/drawingml/2006/main" xmlns:r="http://schemas.openxmlformats.org/officeDocument/2006/relationships" xmlns:p="http://schemas.openxmlformats.org/presentationml/2006/main" showMasterSp="0" showMasterPhAnim="0">
+  <p:cSld>
+    <p:spTree>
+      <p:nvGrpSpPr>
+        <p:cNvPr id="1" name="Shape 93"/>
+        <p:cNvGrpSpPr/>
+        <p:nvPr/>
+      </p:nvGrpSpPr>
+      <p:grpSpPr>
+        <a:xfrm>
+          <a:off x="0" y="0"/>
+          <a:ext cx="0" cy="0"/>
+          <a:chOff x="0" y="0"/>
+          <a:chExt cx="0" cy="0"/>
+        </a:xfrm>
+      </p:grpSpPr>
+      <p:sp>
+        <p:nvSpPr>
+          <p:cNvPr id="94" name="Google Shape;94;g22ea25fd1ab_0_142:notes"/>
           <p:cNvSpPr>
             <a:spLocks noGrp="1" noRot="1" noChangeAspect="1"/>
           </p:cNvSpPr>
@@ -2214,7 +1779,215 @@
       </p:sp>
       <p:sp>
         <p:nvSpPr>
-          <p:cNvPr id="119" name="Google Shape;119;g258956bab95_0_0:notes"/>
+          <p:cNvPr id="95" name="Google Shape;95;g22ea25fd1ab_0_142:notes"/>
+          <p:cNvSpPr txBox="1">
+            <a:spLocks noGrp="1"/>
+          </p:cNvSpPr>
+          <p:nvPr>
+            <p:ph type="body" idx="1"/>
+          </p:nvPr>
+        </p:nvSpPr>
+        <p:spPr>
+          <a:xfrm>
+            <a:off x="685800" y="4343400"/>
+            <a:ext cx="5486400" cy="4114800"/>
+          </a:xfrm>
+          <a:prstGeom prst="rect">
+            <a:avLst/>
+          </a:prstGeom>
+        </p:spPr>
+        <p:txBody>
+          <a:bodyPr spcFirstLastPara="1" wrap="square" lIns="91425" tIns="91425" rIns="91425" bIns="91425" anchor="t" anchorCtr="0">
+            <a:noAutofit/>
+          </a:bodyPr>
+          <a:lstStyle/>
+          <a:p>
+            <a:pPr marL="0" lvl="0" indent="0" algn="l" rtl="0">
+              <a:spcBef>
+                <a:spcPts val="0"/>
+              </a:spcBef>
+              <a:spcAft>
+                <a:spcPts val="0"/>
+              </a:spcAft>
+              <a:buNone/>
+            </a:pPr>
+            <a:endParaRPr/>
+          </a:p>
+        </p:txBody>
+      </p:sp>
+    </p:spTree>
+  </p:cSld>
+  <p:clrMapOvr>
+    <a:masterClrMapping/>
+  </p:clrMapOvr>
+</p:notes>
+</file>
+
+<file path=ppt/notesSlides/notesSlide8.xml><?xml version="1.0" encoding="utf-8"?>
+<p:notes xmlns:a="http://schemas.openxmlformats.org/drawingml/2006/main" xmlns:r="http://schemas.openxmlformats.org/officeDocument/2006/relationships" xmlns:p="http://schemas.openxmlformats.org/presentationml/2006/main" showMasterSp="0" showMasterPhAnim="0">
+  <p:cSld>
+    <p:spTree>
+      <p:nvGrpSpPr>
+        <p:cNvPr id="1" name="Shape 102"/>
+        <p:cNvGrpSpPr/>
+        <p:nvPr/>
+      </p:nvGrpSpPr>
+      <p:grpSpPr>
+        <a:xfrm>
+          <a:off x="0" y="0"/>
+          <a:ext cx="0" cy="0"/>
+          <a:chOff x="0" y="0"/>
+          <a:chExt cx="0" cy="0"/>
+        </a:xfrm>
+      </p:grpSpPr>
+      <p:sp>
+        <p:nvSpPr>
+          <p:cNvPr id="103" name="Google Shape;103;g22ea25fd1ab_0_163:notes"/>
+          <p:cNvSpPr>
+            <a:spLocks noGrp="1" noRot="1" noChangeAspect="1"/>
+          </p:cNvSpPr>
+          <p:nvPr>
+            <p:ph type="sldImg" idx="2"/>
+          </p:nvPr>
+        </p:nvSpPr>
+        <p:spPr>
+          <a:xfrm>
+            <a:off x="381300" y="685800"/>
+            <a:ext cx="6096000" cy="3429000"/>
+          </a:xfrm>
+          <a:custGeom>
+            <a:avLst/>
+            <a:gdLst/>
+            <a:ahLst/>
+            <a:cxnLst/>
+            <a:rect l="l" t="t" r="r" b="b"/>
+            <a:pathLst>
+              <a:path w="120000" h="120000" extrusionOk="0">
+                <a:moveTo>
+                  <a:pt x="0" y="0"/>
+                </a:moveTo>
+                <a:lnTo>
+                  <a:pt x="120000" y="0"/>
+                </a:lnTo>
+                <a:lnTo>
+                  <a:pt x="120000" y="120000"/>
+                </a:lnTo>
+                <a:lnTo>
+                  <a:pt x="0" y="120000"/>
+                </a:lnTo>
+                <a:close/>
+              </a:path>
+            </a:pathLst>
+          </a:custGeom>
+        </p:spPr>
+      </p:sp>
+      <p:sp>
+        <p:nvSpPr>
+          <p:cNvPr id="104" name="Google Shape;104;g22ea25fd1ab_0_163:notes"/>
+          <p:cNvSpPr txBox="1">
+            <a:spLocks noGrp="1"/>
+          </p:cNvSpPr>
+          <p:nvPr>
+            <p:ph type="body" idx="1"/>
+          </p:nvPr>
+        </p:nvSpPr>
+        <p:spPr>
+          <a:xfrm>
+            <a:off x="685800" y="4343400"/>
+            <a:ext cx="5486400" cy="4114800"/>
+          </a:xfrm>
+          <a:prstGeom prst="rect">
+            <a:avLst/>
+          </a:prstGeom>
+        </p:spPr>
+        <p:txBody>
+          <a:bodyPr spcFirstLastPara="1" wrap="square" lIns="91425" tIns="91425" rIns="91425" bIns="91425" anchor="t" anchorCtr="0">
+            <a:noAutofit/>
+          </a:bodyPr>
+          <a:lstStyle/>
+          <a:p>
+            <a:pPr marL="0" lvl="0" indent="0" algn="l" rtl="0">
+              <a:spcBef>
+                <a:spcPts val="0"/>
+              </a:spcBef>
+              <a:spcAft>
+                <a:spcPts val="0"/>
+              </a:spcAft>
+              <a:buNone/>
+            </a:pPr>
+            <a:endParaRPr/>
+          </a:p>
+        </p:txBody>
+      </p:sp>
+    </p:spTree>
+  </p:cSld>
+  <p:clrMapOvr>
+    <a:masterClrMapping/>
+  </p:clrMapOvr>
+</p:notes>
+</file>
+
+<file path=ppt/notesSlides/notesSlide9.xml><?xml version="1.0" encoding="utf-8"?>
+<p:notes xmlns:a="http://schemas.openxmlformats.org/drawingml/2006/main" xmlns:r="http://schemas.openxmlformats.org/officeDocument/2006/relationships" xmlns:p="http://schemas.openxmlformats.org/presentationml/2006/main" showMasterSp="0" showMasterPhAnim="0">
+  <p:cSld>
+    <p:spTree>
+      <p:nvGrpSpPr>
+        <p:cNvPr id="1" name="Shape 130"/>
+        <p:cNvGrpSpPr/>
+        <p:nvPr/>
+      </p:nvGrpSpPr>
+      <p:grpSpPr>
+        <a:xfrm>
+          <a:off x="0" y="0"/>
+          <a:ext cx="0" cy="0"/>
+          <a:chOff x="0" y="0"/>
+          <a:chExt cx="0" cy="0"/>
+        </a:xfrm>
+      </p:grpSpPr>
+      <p:sp>
+        <p:nvSpPr>
+          <p:cNvPr id="131" name="Google Shape;131;g22ea25fd1ab_0_152:notes"/>
+          <p:cNvSpPr>
+            <a:spLocks noGrp="1" noRot="1" noChangeAspect="1"/>
+          </p:cNvSpPr>
+          <p:nvPr>
+            <p:ph type="sldImg" idx="2"/>
+          </p:nvPr>
+        </p:nvSpPr>
+        <p:spPr>
+          <a:xfrm>
+            <a:off x="381000" y="685800"/>
+            <a:ext cx="6096000" cy="3429000"/>
+          </a:xfrm>
+          <a:custGeom>
+            <a:avLst/>
+            <a:gdLst/>
+            <a:ahLst/>
+            <a:cxnLst/>
+            <a:rect l="l" t="t" r="r" b="b"/>
+            <a:pathLst>
+              <a:path w="120000" h="120000" extrusionOk="0">
+                <a:moveTo>
+                  <a:pt x="0" y="0"/>
+                </a:moveTo>
+                <a:lnTo>
+                  <a:pt x="120000" y="0"/>
+                </a:lnTo>
+                <a:lnTo>
+                  <a:pt x="120000" y="120000"/>
+                </a:lnTo>
+                <a:lnTo>
+                  <a:pt x="0" y="120000"/>
+                </a:lnTo>
+                <a:close/>
+              </a:path>
+            </a:pathLst>
+          </a:custGeom>
+        </p:spPr>
+      </p:sp>
+      <p:sp>
+        <p:nvSpPr>
+          <p:cNvPr id="132" name="Google Shape;132;g22ea25fd1ab_0_152:notes"/>
           <p:cNvSpPr txBox="1">
             <a:spLocks noGrp="1"/>
           </p:cNvSpPr>
@@ -7137,12 +6910,8 @@
               <a:buNone/>
             </a:pPr>
             <a:r>
-              <a:rPr lang="en" sz="2500" dirty="0"/>
-              <a:t>Rutendo </a:t>
-            </a:r>
-            <a:r>
-              <a:rPr lang="en" sz="2500" dirty="0" err="1"/>
-              <a:t>Sigauke</a:t>
+              <a:rPr lang="en-US" sz="2500" dirty="0"/>
+              <a:t>Sam Hunter</a:t>
             </a:r>
             <a:endParaRPr sz="2500" dirty="0"/>
           </a:p>
@@ -7162,7 +6931,7 @@
             </a:pPr>
             <a:r>
               <a:rPr lang="en" sz="2500" dirty="0"/>
-              <a:t>2023</a:t>
+              <a:t>2024</a:t>
             </a:r>
             <a:endParaRPr sz="2500" dirty="0"/>
           </a:p>
@@ -7177,226 +6946,6 @@
 </file>
 
 <file path=ppt/slides/slide10.xml><?xml version="1.0" encoding="utf-8"?>
-<p:sld xmlns:a="http://schemas.openxmlformats.org/drawingml/2006/main" xmlns:r="http://schemas.openxmlformats.org/officeDocument/2006/relationships" xmlns:p="http://schemas.openxmlformats.org/presentationml/2006/main">
-  <p:cSld>
-    <p:spTree>
-      <p:nvGrpSpPr>
-        <p:cNvPr id="1" name="Shape 126"/>
-        <p:cNvGrpSpPr/>
-        <p:nvPr/>
-      </p:nvGrpSpPr>
-      <p:grpSpPr>
-        <a:xfrm>
-          <a:off x="0" y="0"/>
-          <a:ext cx="0" cy="0"/>
-          <a:chOff x="0" y="0"/>
-          <a:chExt cx="0" cy="0"/>
-        </a:xfrm>
-      </p:grpSpPr>
-      <p:sp>
-        <p:nvSpPr>
-          <p:cNvPr id="127" name="Google Shape;127;p22"/>
-          <p:cNvSpPr txBox="1">
-            <a:spLocks noGrp="1"/>
-          </p:cNvSpPr>
-          <p:nvPr>
-            <p:ph type="title"/>
-          </p:nvPr>
-        </p:nvSpPr>
-        <p:spPr>
-          <a:xfrm>
-            <a:off x="311700" y="445025"/>
-            <a:ext cx="8520600" cy="572700"/>
-          </a:xfrm>
-          <a:prstGeom prst="rect">
-            <a:avLst/>
-          </a:prstGeom>
-        </p:spPr>
-        <p:txBody>
-          <a:bodyPr spcFirstLastPara="1" wrap="square" lIns="91425" tIns="91425" rIns="91425" bIns="91425" anchor="t" anchorCtr="0">
-            <a:normAutofit fontScale="90000"/>
-          </a:bodyPr>
-          <a:lstStyle/>
-          <a:p>
-            <a:pPr marL="0" lvl="0" indent="0" algn="ctr" rtl="0">
-              <a:spcBef>
-                <a:spcPts val="0"/>
-              </a:spcBef>
-              <a:spcAft>
-                <a:spcPts val="0"/>
-              </a:spcAft>
-              <a:buNone/>
-            </a:pPr>
-            <a:r>
-              <a:rPr lang="en"/>
-              <a:t>Challenge Question</a:t>
-            </a:r>
-            <a:endParaRPr/>
-          </a:p>
-        </p:txBody>
-      </p:sp>
-      <p:sp>
-        <p:nvSpPr>
-          <p:cNvPr id="128" name="Google Shape;128;p22"/>
-          <p:cNvSpPr txBox="1">
-            <a:spLocks noGrp="1"/>
-          </p:cNvSpPr>
-          <p:nvPr>
-            <p:ph type="body" idx="1"/>
-          </p:nvPr>
-        </p:nvSpPr>
-        <p:spPr>
-          <a:xfrm>
-            <a:off x="311700" y="1152475"/>
-            <a:ext cx="8520600" cy="3416400"/>
-          </a:xfrm>
-          <a:prstGeom prst="rect">
-            <a:avLst/>
-          </a:prstGeom>
-        </p:spPr>
-        <p:txBody>
-          <a:bodyPr spcFirstLastPara="1" wrap="square" lIns="91425" tIns="91425" rIns="91425" bIns="91425" anchor="t" anchorCtr="0">
-            <a:normAutofit/>
-          </a:bodyPr>
-          <a:lstStyle/>
-          <a:p>
-            <a:pPr marL="457200" lvl="0" indent="-355600" algn="l" rtl="0">
-              <a:spcBef>
-                <a:spcPts val="0"/>
-              </a:spcBef>
-              <a:spcAft>
-                <a:spcPts val="0"/>
-              </a:spcAft>
-              <a:buSzPts val="2000"/>
-              <a:buChar char="●"/>
-            </a:pPr>
-            <a:r>
-              <a:rPr lang="en" sz="2000" dirty="0"/>
-              <a:t>What feature would you used to count reads for RNA-seq?</a:t>
-            </a:r>
-            <a:endParaRPr sz="2000" dirty="0"/>
-          </a:p>
-          <a:p>
-            <a:pPr marL="457200" lvl="0" indent="-355600" algn="l" rtl="0">
-              <a:lnSpc>
-                <a:spcPct val="150000"/>
-              </a:lnSpc>
-              <a:spcBef>
-                <a:spcPts val="0"/>
-              </a:spcBef>
-              <a:spcAft>
-                <a:spcPts val="0"/>
-              </a:spcAft>
-              <a:buSzPts val="2000"/>
-              <a:buAutoNum type="alphaUcPeriod"/>
-            </a:pPr>
-            <a:r>
-              <a:rPr lang="en" sz="2000" dirty="0"/>
-              <a:t>Gene</a:t>
-            </a:r>
-            <a:endParaRPr sz="2000" dirty="0"/>
-          </a:p>
-          <a:p>
-            <a:pPr marL="457200" lvl="0" indent="-355600" algn="l" rtl="0">
-              <a:lnSpc>
-                <a:spcPct val="150000"/>
-              </a:lnSpc>
-              <a:spcBef>
-                <a:spcPts val="0"/>
-              </a:spcBef>
-              <a:spcAft>
-                <a:spcPts val="0"/>
-              </a:spcAft>
-              <a:buSzPts val="2000"/>
-              <a:buAutoNum type="alphaUcPeriod"/>
-            </a:pPr>
-            <a:r>
-              <a:rPr lang="en" sz="2000" dirty="0"/>
-              <a:t>Exon</a:t>
-            </a:r>
-            <a:endParaRPr sz="2000" dirty="0"/>
-          </a:p>
-          <a:p>
-            <a:pPr marL="457200" lvl="0" indent="-355600" algn="l" rtl="0">
-              <a:lnSpc>
-                <a:spcPct val="150000"/>
-              </a:lnSpc>
-              <a:spcBef>
-                <a:spcPts val="0"/>
-              </a:spcBef>
-              <a:spcAft>
-                <a:spcPts val="0"/>
-              </a:spcAft>
-              <a:buSzPts val="2000"/>
-              <a:buAutoNum type="alphaUcPeriod"/>
-            </a:pPr>
-            <a:r>
-              <a:rPr lang="en" sz="2000" dirty="0"/>
-              <a:t>Transcripts</a:t>
-            </a:r>
-            <a:endParaRPr sz="2000" dirty="0"/>
-          </a:p>
-        </p:txBody>
-      </p:sp>
-      <p:sp>
-        <p:nvSpPr>
-          <p:cNvPr id="129" name="Google Shape;129;p22"/>
-          <p:cNvSpPr txBox="1"/>
-          <p:nvPr/>
-        </p:nvSpPr>
-        <p:spPr>
-          <a:xfrm>
-            <a:off x="1619663" y="1980362"/>
-            <a:ext cx="579900" cy="431100"/>
-          </a:xfrm>
-          <a:prstGeom prst="rect">
-            <a:avLst/>
-          </a:prstGeom>
-          <a:noFill/>
-          <a:ln>
-            <a:noFill/>
-          </a:ln>
-        </p:spPr>
-        <p:txBody>
-          <a:bodyPr spcFirstLastPara="1" wrap="square" lIns="91425" tIns="91425" rIns="91425" bIns="91425" anchor="t" anchorCtr="0">
-            <a:spAutoFit/>
-          </a:bodyPr>
-          <a:lstStyle/>
-          <a:p>
-            <a:pPr marL="0" lvl="0" indent="0" algn="l" rtl="0">
-              <a:spcBef>
-                <a:spcPts val="0"/>
-              </a:spcBef>
-              <a:spcAft>
-                <a:spcPts val="0"/>
-              </a:spcAft>
-              <a:buNone/>
-            </a:pPr>
-            <a:r>
-              <a:rPr lang="en" sz="1600">
-                <a:solidFill>
-                  <a:srgbClr val="1155CC"/>
-                </a:solidFill>
-              </a:rPr>
-              <a:t>✓</a:t>
-            </a:r>
-            <a:endParaRPr sz="1600">
-              <a:solidFill>
-                <a:srgbClr val="1155CC"/>
-              </a:solidFill>
-            </a:endParaRPr>
-          </a:p>
-        </p:txBody>
-      </p:sp>
-    </p:spTree>
-  </p:cSld>
-  <p:clrMapOvr>
-    <a:masterClrMapping/>
-  </p:clrMapOvr>
-</p:sld>
-</file>
-
-<file path=ppt/slides/slide11.xml><?xml version="1.0" encoding="utf-8"?>
 <p:sld xmlns:a="http://schemas.openxmlformats.org/drawingml/2006/main" xmlns:r="http://schemas.openxmlformats.org/officeDocument/2006/relationships" xmlns:p="http://schemas.openxmlformats.org/presentationml/2006/main">
   <p:cSld>
     <p:spTree>
@@ -7569,7 +7118,7 @@
 </p:sld>
 </file>
 
-<file path=ppt/slides/slide12.xml><?xml version="1.0" encoding="utf-8"?>
+<file path=ppt/slides/slide11.xml><?xml version="1.0" encoding="utf-8"?>
 <p:sld xmlns:a="http://schemas.openxmlformats.org/drawingml/2006/main" xmlns:r="http://schemas.openxmlformats.org/officeDocument/2006/relationships" xmlns:p="http://schemas.openxmlformats.org/presentationml/2006/main">
   <p:cSld>
     <p:spTree>
@@ -7679,7 +7228,7 @@
 </p:sld>
 </file>
 
-<file path=ppt/slides/slide13.xml><?xml version="1.0" encoding="utf-8"?>
+<file path=ppt/slides/slide12.xml><?xml version="1.0" encoding="utf-8"?>
 <p:sld xmlns:a="http://schemas.openxmlformats.org/drawingml/2006/main" xmlns:r="http://schemas.openxmlformats.org/officeDocument/2006/relationships" xmlns:p="http://schemas.openxmlformats.org/presentationml/2006/main">
   <p:cSld>
     <p:spTree>
@@ -7860,7 +7409,7 @@
 </p:sld>
 </file>
 
-<file path=ppt/slides/slide14.xml><?xml version="1.0" encoding="utf-8"?>
+<file path=ppt/slides/slide13.xml><?xml version="1.0" encoding="utf-8"?>
 <p:sld xmlns:a="http://schemas.openxmlformats.org/drawingml/2006/main" xmlns:r="http://schemas.openxmlformats.org/officeDocument/2006/relationships" xmlns:p="http://schemas.openxmlformats.org/presentationml/2006/main">
   <p:cSld>
     <p:spTree>
@@ -8033,7 +7582,7 @@
   <p:cSld>
     <p:spTree>
       <p:nvGrpSpPr>
-        <p:cNvPr id="1" name="Shape 59"/>
+        <p:cNvPr id="1" name=""/>
         <p:cNvGrpSpPr/>
         <p:nvPr/>
       </p:nvGrpSpPr>
@@ -8047,8 +7596,14 @@
       </p:grpSpPr>
       <p:sp>
         <p:nvSpPr>
-          <p:cNvPr id="60" name="Google Shape;60;p14"/>
-          <p:cNvSpPr txBox="1">
+          <p:cNvPr id="2" name="Title 1">
+            <a:extLst>
+              <a:ext uri="{FF2B5EF4-FFF2-40B4-BE49-F238E27FC236}">
+                <a16:creationId xmlns:a16="http://schemas.microsoft.com/office/drawing/2014/main" id="{FFB4CB10-AEB1-BDC9-B7B2-2E0E69A09DD2}"/>
+              </a:ext>
+            </a:extLst>
+          </p:cNvPr>
+          <p:cNvSpPr>
             <a:spLocks noGrp="1"/>
           </p:cNvSpPr>
           <p:nvPr>
@@ -8057,150 +7612,289 @@
         </p:nvSpPr>
         <p:spPr>
           <a:xfrm>
-            <a:off x="311700" y="445025"/>
-            <a:ext cx="8520600" cy="572700"/>
+            <a:off x="245198" y="430115"/>
+            <a:ext cx="8520600" cy="841800"/>
           </a:xfrm>
-          <a:prstGeom prst="rect">
-            <a:avLst/>
-          </a:prstGeom>
         </p:spPr>
         <p:txBody>
-          <a:bodyPr spcFirstLastPara="1" wrap="square" lIns="91425" tIns="91425" rIns="91425" bIns="91425" anchor="t" anchorCtr="0">
+          <a:bodyPr>
             <a:normAutofit fontScale="90000"/>
           </a:bodyPr>
           <a:lstStyle/>
           <a:p>
-            <a:pPr marL="0" lvl="0" indent="0" algn="ctr" rtl="0">
-              <a:spcBef>
-                <a:spcPts val="0"/>
-              </a:spcBef>
-              <a:spcAft>
-                <a:spcPts val="0"/>
-              </a:spcAft>
-              <a:buNone/>
-            </a:pPr>
-            <a:r>
-              <a:rPr lang="en" dirty="0"/>
-              <a:t>Day 7 Overview</a:t>
-            </a:r>
-            <a:endParaRPr dirty="0"/>
+            <a:r>
+              <a:rPr lang="en-US" dirty="0"/>
+              <a:t>Project B: Identification of the p53 transcriptional program using RNA-seq and </a:t>
+            </a:r>
+            <a:r>
+              <a:rPr lang="en-US" dirty="0" err="1"/>
+              <a:t>ChIP</a:t>
+            </a:r>
+            <a:r>
+              <a:rPr lang="en-US" dirty="0"/>
+              <a:t>-seq</a:t>
+            </a:r>
           </a:p>
         </p:txBody>
       </p:sp>
+      <p:grpSp>
+        <p:nvGrpSpPr>
+          <p:cNvPr id="4" name="Group 3">
+            <a:extLst>
+              <a:ext uri="{FF2B5EF4-FFF2-40B4-BE49-F238E27FC236}">
+                <a16:creationId xmlns:a16="http://schemas.microsoft.com/office/drawing/2014/main" id="{D40CBB9A-C63B-B7B6-875F-304E2909A376}"/>
+              </a:ext>
+            </a:extLst>
+          </p:cNvPr>
+          <p:cNvGrpSpPr/>
+          <p:nvPr/>
+        </p:nvGrpSpPr>
+        <p:grpSpPr>
+          <a:xfrm>
+            <a:off x="0" y="1870364"/>
+            <a:ext cx="8858737" cy="1656447"/>
+            <a:chOff x="0" y="2036619"/>
+            <a:chExt cx="8858737" cy="1656447"/>
+          </a:xfrm>
+        </p:grpSpPr>
+        <p:pic>
+          <p:nvPicPr>
+            <p:cNvPr id="1026" name="Picture 2">
+              <a:extLst>
+                <a:ext uri="{FF2B5EF4-FFF2-40B4-BE49-F238E27FC236}">
+                  <a16:creationId xmlns:a16="http://schemas.microsoft.com/office/drawing/2014/main" id="{FAE80159-FF8C-E08C-0A22-5FB9C46FA654}"/>
+                </a:ext>
+              </a:extLst>
+            </p:cNvPr>
+            <p:cNvPicPr>
+              <a:picLocks noChangeAspect="1" noChangeArrowheads="1"/>
+            </p:cNvPicPr>
+            <p:nvPr/>
+          </p:nvPicPr>
+          <p:blipFill rotWithShape="1">
+            <a:blip r:embed="rId2">
+              <a:extLst>
+                <a:ext uri="{28A0092B-C50C-407E-A947-70E740481C1C}">
+                  <a14:useLocalDpi xmlns:a14="http://schemas.microsoft.com/office/drawing/2010/main" val="0"/>
+                </a:ext>
+              </a:extLst>
+            </a:blip>
+            <a:srcRect b="90758"/>
+            <a:stretch/>
+          </p:blipFill>
+          <p:spPr bwMode="auto">
+            <a:xfrm>
+              <a:off x="0" y="2036619"/>
+              <a:ext cx="8858737" cy="841800"/>
+            </a:xfrm>
+            <a:prstGeom prst="rect">
+              <a:avLst/>
+            </a:prstGeom>
+            <a:noFill/>
+            <a:extLst>
+              <a:ext uri="{909E8E84-426E-40DD-AFC4-6F175D3DCCD1}">
+                <a14:hiddenFill xmlns:a14="http://schemas.microsoft.com/office/drawing/2010/main">
+                  <a:solidFill>
+                    <a:srgbClr val="FFFFFF"/>
+                  </a:solidFill>
+                </a14:hiddenFill>
+              </a:ext>
+            </a:extLst>
+          </p:spPr>
+        </p:pic>
+        <p:pic>
+          <p:nvPicPr>
+            <p:cNvPr id="3" name="Picture 2">
+              <a:extLst>
+                <a:ext uri="{FF2B5EF4-FFF2-40B4-BE49-F238E27FC236}">
+                  <a16:creationId xmlns:a16="http://schemas.microsoft.com/office/drawing/2014/main" id="{3D873257-F0C4-1869-B569-3FD873586DA7}"/>
+                </a:ext>
+              </a:extLst>
+            </p:cNvPr>
+            <p:cNvPicPr>
+              <a:picLocks noChangeAspect="1" noChangeArrowheads="1"/>
+            </p:cNvPicPr>
+            <p:nvPr/>
+          </p:nvPicPr>
+          <p:blipFill rotWithShape="1">
+            <a:blip r:embed="rId2">
+              <a:extLst>
+                <a:ext uri="{28A0092B-C50C-407E-A947-70E740481C1C}">
+                  <a14:useLocalDpi xmlns:a14="http://schemas.microsoft.com/office/drawing/2010/main" val="0"/>
+                </a:ext>
+              </a:extLst>
+            </a:blip>
+            <a:srcRect t="17903" b="72855"/>
+            <a:stretch/>
+          </p:blipFill>
+          <p:spPr bwMode="auto">
+            <a:xfrm>
+              <a:off x="0" y="2851266"/>
+              <a:ext cx="8858737" cy="841800"/>
+            </a:xfrm>
+            <a:prstGeom prst="rect">
+              <a:avLst/>
+            </a:prstGeom>
+            <a:noFill/>
+            <a:extLst>
+              <a:ext uri="{909E8E84-426E-40DD-AFC4-6F175D3DCCD1}">
+                <a14:hiddenFill xmlns:a14="http://schemas.microsoft.com/office/drawing/2010/main">
+                  <a:solidFill>
+                    <a:srgbClr val="FFFFFF"/>
+                  </a:solidFill>
+                </a14:hiddenFill>
+              </a:ext>
+            </a:extLst>
+          </p:spPr>
+        </p:pic>
+      </p:grpSp>
       <p:sp>
         <p:nvSpPr>
-          <p:cNvPr id="61" name="Google Shape;61;p14"/>
-          <p:cNvSpPr txBox="1">
-            <a:spLocks noGrp="1"/>
-          </p:cNvSpPr>
-          <p:nvPr>
-            <p:ph type="body" idx="1"/>
-          </p:nvPr>
+          <p:cNvPr id="5" name="TextBox 4">
+            <a:extLst>
+              <a:ext uri="{FF2B5EF4-FFF2-40B4-BE49-F238E27FC236}">
+                <a16:creationId xmlns:a16="http://schemas.microsoft.com/office/drawing/2014/main" id="{FE123C82-2180-566D-2F97-B6D4AA476C11}"/>
+              </a:ext>
+            </a:extLst>
+          </p:cNvPr>
+          <p:cNvSpPr txBox="1"/>
+          <p:nvPr/>
         </p:nvSpPr>
         <p:spPr>
           <a:xfrm>
-            <a:off x="735375" y="1996700"/>
-            <a:ext cx="2789700" cy="1364100"/>
-          </a:xfrm>
-          <a:prstGeom prst="rect">
-            <a:avLst/>
-          </a:prstGeom>
-        </p:spPr>
-        <p:txBody>
-          <a:bodyPr spcFirstLastPara="1" wrap="square" lIns="91425" tIns="91425" rIns="91425" bIns="91425" anchor="t" anchorCtr="0">
-            <a:normAutofit lnSpcReduction="10000"/>
-          </a:bodyPr>
-          <a:lstStyle/>
-          <a:p>
-            <a:pPr marL="457200" lvl="0" indent="-355600" algn="l" rtl="0">
-              <a:lnSpc>
-                <a:spcPct val="150000"/>
-              </a:lnSpc>
-              <a:spcBef>
-                <a:spcPts val="0"/>
-              </a:spcBef>
-              <a:spcAft>
-                <a:spcPts val="0"/>
-              </a:spcAft>
-              <a:buSzPts val="2000"/>
-              <a:buChar char="●"/>
-            </a:pPr>
-            <a:r>
-              <a:rPr lang="en" sz="2000" dirty="0"/>
-              <a:t>M&amp;Ms</a:t>
-            </a:r>
-            <a:endParaRPr sz="2000" dirty="0"/>
-          </a:p>
-          <a:p>
-            <a:pPr marL="457200" lvl="0" indent="-355600" algn="l" rtl="0">
-              <a:lnSpc>
-                <a:spcPct val="150000"/>
-              </a:lnSpc>
-              <a:spcBef>
-                <a:spcPts val="0"/>
-              </a:spcBef>
-              <a:spcAft>
-                <a:spcPts val="0"/>
-              </a:spcAft>
-              <a:buSzPts val="2000"/>
-              <a:buChar char="●"/>
-            </a:pPr>
-            <a:r>
-              <a:rPr lang="en" sz="2000" dirty="0" err="1"/>
-              <a:t>featureCounts</a:t>
-            </a:r>
-            <a:endParaRPr sz="2000" dirty="0"/>
-          </a:p>
-          <a:p>
-            <a:pPr marL="457200" lvl="0" indent="-355600" algn="l" rtl="0">
-              <a:lnSpc>
-                <a:spcPct val="150000"/>
-              </a:lnSpc>
-              <a:spcBef>
-                <a:spcPts val="0"/>
-              </a:spcBef>
-              <a:spcAft>
-                <a:spcPts val="0"/>
-              </a:spcAft>
-              <a:buSzPts val="2000"/>
-              <a:buChar char="●"/>
-            </a:pPr>
-            <a:r>
-              <a:rPr lang="en" sz="2000" dirty="0"/>
-              <a:t>DESeq2</a:t>
-            </a:r>
-            <a:endParaRPr sz="2000" dirty="0"/>
-          </a:p>
-        </p:txBody>
-      </p:sp>
-      <p:pic>
-        <p:nvPicPr>
-          <p:cNvPr id="62" name="Google Shape;62;p14"/>
-          <p:cNvPicPr preferRelativeResize="0"/>
-          <p:nvPr/>
-        </p:nvPicPr>
-        <p:blipFill rotWithShape="1">
-          <a:blip r:embed="rId3">
-            <a:alphaModFix/>
-          </a:blip>
-          <a:srcRect/>
-          <a:stretch/>
-        </p:blipFill>
-        <p:spPr>
-          <a:xfrm>
-            <a:off x="4753526" y="1152468"/>
-            <a:ext cx="4023971" cy="3052559"/>
+            <a:off x="5477683" y="3719987"/>
+            <a:ext cx="3381054" cy="307777"/>
           </a:xfrm>
           <a:prstGeom prst="rect">
             <a:avLst/>
           </a:prstGeom>
           <a:noFill/>
-          <a:ln>
-            <a:noFill/>
-          </a:ln>
         </p:spPr>
-      </p:pic>
+        <p:txBody>
+          <a:bodyPr wrap="none" rtlCol="0">
+            <a:spAutoFit/>
+          </a:bodyPr>
+          <a:lstStyle/>
+          <a:p>
+            <a:r>
+              <a:rPr lang="en-US" dirty="0"/>
+              <a:t>In HCT116, SJSA, and MCF7 cell types.</a:t>
+            </a:r>
+          </a:p>
+        </p:txBody>
+      </p:sp>
+      <p:sp>
+        <p:nvSpPr>
+          <p:cNvPr id="6" name="TextBox 5">
+            <a:extLst>
+              <a:ext uri="{FF2B5EF4-FFF2-40B4-BE49-F238E27FC236}">
+                <a16:creationId xmlns:a16="http://schemas.microsoft.com/office/drawing/2014/main" id="{4BE76E43-25DB-B665-7FB4-B31850DA9CA9}"/>
+              </a:ext>
+            </a:extLst>
+          </p:cNvPr>
+          <p:cNvSpPr txBox="1"/>
+          <p:nvPr/>
+        </p:nvSpPr>
+        <p:spPr>
+          <a:xfrm>
+            <a:off x="1780210" y="4528719"/>
+            <a:ext cx="5583580" cy="369332"/>
+          </a:xfrm>
+          <a:prstGeom prst="rect">
+            <a:avLst/>
+          </a:prstGeom>
+          <a:noFill/>
+        </p:spPr>
+        <p:txBody>
+          <a:bodyPr wrap="none" rtlCol="0">
+            <a:spAutoFit/>
+          </a:bodyPr>
+          <a:lstStyle/>
+          <a:p>
+            <a:r>
+              <a:rPr lang="en-US" sz="1800" dirty="0"/>
+              <a:t>Question: Which genes are driven by p53 activation?</a:t>
+            </a:r>
+          </a:p>
+        </p:txBody>
+      </p:sp>
+      <p:sp>
+        <p:nvSpPr>
+          <p:cNvPr id="7" name="TextBox 6">
+            <a:extLst>
+              <a:ext uri="{FF2B5EF4-FFF2-40B4-BE49-F238E27FC236}">
+                <a16:creationId xmlns:a16="http://schemas.microsoft.com/office/drawing/2014/main" id="{00807CE2-AB1B-912E-3CD0-D47CD33D54EC}"/>
+              </a:ext>
+            </a:extLst>
+          </p:cNvPr>
+          <p:cNvSpPr txBox="1"/>
+          <p:nvPr/>
+        </p:nvSpPr>
+        <p:spPr>
+          <a:xfrm>
+            <a:off x="0" y="3627654"/>
+            <a:ext cx="2981907" cy="246221"/>
+          </a:xfrm>
+          <a:prstGeom prst="rect">
+            <a:avLst/>
+          </a:prstGeom>
+          <a:noFill/>
+        </p:spPr>
+        <p:txBody>
+          <a:bodyPr wrap="none" rtlCol="0">
+            <a:spAutoFit/>
+          </a:bodyPr>
+          <a:lstStyle/>
+          <a:p>
+            <a:r>
+              <a:rPr lang="en-US" sz="1000" dirty="0" err="1"/>
+              <a:t>Andrysik</a:t>
+            </a:r>
+            <a:r>
+              <a:rPr lang="en-US" sz="1000" dirty="0"/>
+              <a:t> et al., 2017, </a:t>
+            </a:r>
+            <a:r>
+              <a:rPr lang="en-US" sz="1000" b="0" i="0" u="none" strike="noStrike" dirty="0" err="1">
+                <a:solidFill>
+                  <a:srgbClr val="212121"/>
+                </a:solidFill>
+                <a:effectLst/>
+                <a:latin typeface="Helvetica Neue" panose="02000503000000020004" pitchFamily="2" charset="0"/>
+              </a:rPr>
+              <a:t>doi</a:t>
+            </a:r>
+            <a:r>
+              <a:rPr lang="en-US" sz="1000" b="0" i="0" u="none" strike="noStrike" dirty="0">
+                <a:solidFill>
+                  <a:srgbClr val="212121"/>
+                </a:solidFill>
+                <a:effectLst/>
+                <a:latin typeface="Helvetica Neue" panose="02000503000000020004" pitchFamily="2" charset="0"/>
+              </a:rPr>
+              <a:t>: </a:t>
+            </a:r>
+            <a:r>
+              <a:rPr lang="en-US" sz="1000" b="0" i="0" u="sng" dirty="0">
+                <a:solidFill>
+                  <a:srgbClr val="4C2C92"/>
+                </a:solidFill>
+                <a:effectLst/>
+                <a:latin typeface="Helvetica Neue" panose="02000503000000020004" pitchFamily="2" charset="0"/>
+                <a:hlinkClick r:id="rId3"/>
+              </a:rPr>
+              <a:t>10.1101/gr.220533.117</a:t>
+            </a:r>
+            <a:endParaRPr lang="en-US" sz="1000" dirty="0"/>
+          </a:p>
+        </p:txBody>
+      </p:sp>
     </p:spTree>
+    <p:extLst>
+      <p:ext uri="{BB962C8B-B14F-4D97-AF65-F5344CB8AC3E}">
+        <p14:creationId xmlns:p14="http://schemas.microsoft.com/office/powerpoint/2010/main" val="3704109526"/>
+      </p:ext>
+    </p:extLst>
   </p:cSld>
   <p:clrMapOvr>
     <a:masterClrMapping/>
@@ -9869,7 +9563,7 @@
   <p:cSld>
     <p:spTree>
       <p:nvGrpSpPr>
-        <p:cNvPr id="1" name="Shape 88"/>
+        <p:cNvPr id="1" name="Shape 114"/>
         <p:cNvGrpSpPr/>
         <p:nvPr/>
       </p:nvGrpSpPr>
@@ -9883,7 +9577,7 @@
       </p:grpSpPr>
       <p:sp>
         <p:nvSpPr>
-          <p:cNvPr id="89" name="Google Shape;89;p17"/>
+          <p:cNvPr id="115" name="Google Shape;115;p20"/>
           <p:cNvSpPr txBox="1">
             <a:spLocks noGrp="1"/>
           </p:cNvSpPr>
@@ -9893,7 +9587,7 @@
         </p:nvSpPr>
         <p:spPr>
           <a:xfrm>
-            <a:off x="311700" y="191775"/>
+            <a:off x="311700" y="219900"/>
             <a:ext cx="8520600" cy="572700"/>
           </a:xfrm>
           <a:prstGeom prst="rect">
@@ -9925,23 +9619,35 @@
             </a:pPr>
             <a:r>
               <a:rPr lang="en" dirty="0"/>
-              <a:t>The are other tools for counting reads but </a:t>
-            </a:r>
-            <a:r>
-              <a:rPr lang="en" dirty="0" err="1"/>
+              <a:t>Counting reads with </a:t>
+            </a:r>
+            <a:r>
+              <a:rPr lang="en" dirty="0" err="1">
+                <a:highlight>
+                  <a:srgbClr val="EFEFEF"/>
+                </a:highlight>
+                <a:latin typeface="Consolas"/>
+                <a:ea typeface="Consolas"/>
+                <a:cs typeface="Consolas"/>
+                <a:sym typeface="Consolas"/>
+              </a:rPr>
               <a:t>featureCounts</a:t>
             </a:r>
-            <a:r>
-              <a:rPr lang="en" dirty="0"/>
-              <a:t> is more efficient</a:t>
-            </a:r>
-            <a:endParaRPr dirty="0"/>
+            <a:endParaRPr b="1" dirty="0">
+              <a:highlight>
+                <a:srgbClr val="EFEFEF"/>
+              </a:highlight>
+              <a:latin typeface="Consolas"/>
+              <a:ea typeface="Consolas"/>
+              <a:cs typeface="Consolas"/>
+              <a:sym typeface="Consolas"/>
+            </a:endParaRPr>
           </a:p>
         </p:txBody>
       </p:sp>
       <p:sp>
         <p:nvSpPr>
-          <p:cNvPr id="90" name="Google Shape;90;p17"/>
+          <p:cNvPr id="116" name="Google Shape;116;p20"/>
           <p:cNvSpPr txBox="1">
             <a:spLocks noGrp="1"/>
           </p:cNvSpPr>
@@ -9951,8 +9657,8 @@
         </p:nvSpPr>
         <p:spPr>
           <a:xfrm>
-            <a:off x="311700" y="4215275"/>
-            <a:ext cx="8520600" cy="517800"/>
+            <a:off x="311700" y="1266000"/>
+            <a:ext cx="8520600" cy="2506500"/>
           </a:xfrm>
           <a:prstGeom prst="rect">
             <a:avLst/>
@@ -9968,7 +9674,7 @@
           </a:bodyPr>
           <a:lstStyle/>
           <a:p>
-            <a:pPr marL="0" lvl="0" indent="0" algn="ctr" rtl="0">
+            <a:pPr marL="457200" lvl="0" indent="-355600" algn="l" rtl="0">
               <a:lnSpc>
                 <a:spcPct val="115000"/>
               </a:lnSpc>
@@ -9976,90 +9682,521 @@
                 <a:spcPts val="0"/>
               </a:spcBef>
               <a:spcAft>
-                <a:spcPts val="1200"/>
-              </a:spcAft>
-              <a:buSzPts val="1800"/>
-              <a:buNone/>
+                <a:spcPts val="0"/>
+              </a:spcAft>
+              <a:buSzPts val="2000"/>
+              <a:buChar char="●"/>
             </a:pPr>
+            <a:r>
+              <a:rPr lang="en" sz="2000" dirty="0"/>
+              <a:t>Follow </a:t>
+            </a:r>
             <a:r>
               <a:rPr lang="en" sz="2000" dirty="0" err="1">
                 <a:solidFill>
-                  <a:schemeClr val="dk1"/>
+                  <a:srgbClr val="1155CC"/>
                 </a:solidFill>
-                <a:highlight>
-                  <a:srgbClr val="EFEFEF"/>
-                </a:highlight>
+              </a:rPr>
+              <a:t>featureCounts</a:t>
+            </a:r>
+            <a:r>
+              <a:rPr lang="en" sz="2000" dirty="0"/>
+              <a:t> worksheet:</a:t>
+            </a:r>
+            <a:endParaRPr sz="2000" dirty="0"/>
+          </a:p>
+          <a:p>
+            <a:pPr marL="914400" lvl="1" indent="-355600" algn="l" rtl="0">
+              <a:lnSpc>
+                <a:spcPct val="115000"/>
+              </a:lnSpc>
+              <a:spcBef>
+                <a:spcPts val="0"/>
+              </a:spcBef>
+              <a:spcAft>
+                <a:spcPts val="0"/>
+              </a:spcAft>
+              <a:buSzPts val="2000"/>
+              <a:buChar char="○"/>
+            </a:pPr>
+            <a:r>
+              <a:rPr lang="en" sz="2000" dirty="0"/>
+              <a:t>Open </a:t>
+            </a:r>
+            <a:r>
+              <a:rPr lang="en" sz="2000" dirty="0">
                 <a:latin typeface="Consolas"/>
                 <a:ea typeface="Consolas"/>
                 <a:cs typeface="Consolas"/>
                 <a:sym typeface="Consolas"/>
               </a:rPr>
-              <a:t>featureCounts</a:t>
+              <a:t>R</a:t>
+            </a:r>
+            <a:r>
+              <a:rPr lang="en" sz="2000" dirty="0"/>
+              <a:t> and install </a:t>
+            </a:r>
+            <a:r>
+              <a:rPr lang="en" sz="2000" dirty="0" err="1">
+                <a:latin typeface="Consolas"/>
+                <a:ea typeface="Consolas"/>
+                <a:cs typeface="Consolas"/>
+                <a:sym typeface="Consolas"/>
+              </a:rPr>
+              <a:t>Rsubread</a:t>
             </a:r>
             <a:r>
               <a:rPr lang="en" sz="2000" dirty="0">
-                <a:latin typeface="Helvetica Neue"/>
-                <a:ea typeface="Helvetica Neue"/>
-                <a:cs typeface="Helvetica Neue"/>
-                <a:sym typeface="Helvetica Neue"/>
+                <a:latin typeface="Consolas"/>
+                <a:ea typeface="Consolas"/>
+                <a:cs typeface="Consolas"/>
+                <a:sym typeface="Consolas"/>
               </a:rPr>
-              <a:t> </a:t>
+              <a:t> on AWS</a:t>
+            </a:r>
+            <a:endParaRPr sz="2000" dirty="0">
+              <a:latin typeface="Consolas"/>
+              <a:ea typeface="Consolas"/>
+              <a:cs typeface="Consolas"/>
+              <a:sym typeface="Consolas"/>
+            </a:endParaRPr>
+          </a:p>
+          <a:p>
+            <a:pPr marL="914400" lvl="1" indent="-355600" algn="l" rtl="0">
+              <a:lnSpc>
+                <a:spcPct val="115000"/>
+              </a:lnSpc>
+              <a:spcBef>
+                <a:spcPts val="0"/>
+              </a:spcBef>
+              <a:spcAft>
+                <a:spcPts val="0"/>
+              </a:spcAft>
+              <a:buSzPts val="2000"/>
+              <a:buChar char="○"/>
+            </a:pPr>
+            <a:r>
+              <a:rPr lang="en" sz="2000" dirty="0"/>
+              <a:t>Get </a:t>
             </a:r>
             <a:r>
               <a:rPr lang="en" sz="2000" dirty="0">
-                <a:latin typeface="Arial" panose="020B0604020202020204" pitchFamily="34" charset="0"/>
-                <a:ea typeface="Helvetica Neue"/>
-                <a:cs typeface="Arial" panose="020B0604020202020204" pitchFamily="34" charset="0"/>
-                <a:sym typeface="Helvetica Neue"/>
+                <a:latin typeface="Consolas"/>
+                <a:ea typeface="Consolas"/>
+                <a:cs typeface="Consolas"/>
+                <a:sym typeface="Consolas"/>
               </a:rPr>
-              <a:t>is faster and more efficient.</a:t>
+              <a:t>d7_featureCounts.R</a:t>
+            </a:r>
+            <a:r>
+              <a:rPr lang="en" sz="2000" dirty="0"/>
+              <a:t> and </a:t>
+            </a:r>
+            <a:r>
+              <a:rPr lang="en" sz="2000" dirty="0">
+                <a:latin typeface="Consolas"/>
+                <a:ea typeface="Consolas"/>
+                <a:cs typeface="Consolas"/>
+                <a:sym typeface="Consolas"/>
+              </a:rPr>
+              <a:t>d7_featureCounts.sbatch</a:t>
+            </a:r>
+            <a:r>
+              <a:rPr lang="en" sz="2000" dirty="0"/>
+              <a:t> scripts  </a:t>
             </a:r>
             <a:endParaRPr sz="2000" dirty="0">
-              <a:latin typeface="Arial" panose="020B0604020202020204" pitchFamily="34" charset="0"/>
-              <a:ea typeface="Helvetica Neue"/>
-              <a:cs typeface="Arial" panose="020B0604020202020204" pitchFamily="34" charset="0"/>
-              <a:sym typeface="Helvetica Neue"/>
+              <a:latin typeface="Consolas"/>
+              <a:ea typeface="Consolas"/>
+              <a:cs typeface="Consolas"/>
+              <a:sym typeface="Consolas"/>
             </a:endParaRPr>
+          </a:p>
+          <a:p>
+            <a:pPr marL="914400" lvl="1" indent="-355600" algn="l" rtl="0">
+              <a:lnSpc>
+                <a:spcPct val="115000"/>
+              </a:lnSpc>
+              <a:spcBef>
+                <a:spcPts val="0"/>
+              </a:spcBef>
+              <a:spcAft>
+                <a:spcPts val="0"/>
+              </a:spcAft>
+              <a:buSzPts val="2000"/>
+              <a:buChar char="○"/>
+            </a:pPr>
+            <a:r>
+              <a:rPr lang="en" sz="2000" dirty="0"/>
+              <a:t>Edit both scripts and execute the </a:t>
+            </a:r>
+            <a:r>
+              <a:rPr lang="en" sz="2000" dirty="0" err="1">
+                <a:latin typeface="Consolas"/>
+                <a:ea typeface="Consolas"/>
+                <a:cs typeface="Consolas"/>
+                <a:sym typeface="Consolas"/>
+              </a:rPr>
+              <a:t>sbatch</a:t>
+            </a:r>
+            <a:r>
+              <a:rPr lang="en" sz="2000" dirty="0"/>
+              <a:t> script </a:t>
+            </a:r>
+            <a:endParaRPr sz="2000" dirty="0"/>
           </a:p>
         </p:txBody>
       </p:sp>
-      <p:pic>
-        <p:nvPicPr>
-          <p:cNvPr id="91" name="Google Shape;91;p17"/>
-          <p:cNvPicPr preferRelativeResize="0"/>
-          <p:nvPr/>
-        </p:nvPicPr>
-        <p:blipFill rotWithShape="1">
-          <a:blip r:embed="rId3">
-            <a:alphaModFix/>
-          </a:blip>
-          <a:srcRect/>
-          <a:stretch/>
-        </p:blipFill>
+    </p:spTree>
+  </p:cSld>
+  <p:clrMapOvr>
+    <a:masterClrMapping/>
+  </p:clrMapOvr>
+</p:sld>
+</file>
+
+<file path=ppt/slides/slide6.xml><?xml version="1.0" encoding="utf-8"?>
+<p:sld xmlns:a="http://schemas.openxmlformats.org/drawingml/2006/main" xmlns:r="http://schemas.openxmlformats.org/officeDocument/2006/relationships" xmlns:p="http://schemas.openxmlformats.org/presentationml/2006/main">
+  <p:cSld>
+    <p:spTree>
+      <p:nvGrpSpPr>
+        <p:cNvPr id="1" name="Shape 120"/>
+        <p:cNvGrpSpPr/>
+        <p:nvPr/>
+      </p:nvGrpSpPr>
+      <p:grpSpPr>
+        <a:xfrm>
+          <a:off x="0" y="0"/>
+          <a:ext cx="0" cy="0"/>
+          <a:chOff x="0" y="0"/>
+          <a:chExt cx="0" cy="0"/>
+        </a:xfrm>
+      </p:grpSpPr>
+      <p:sp>
+        <p:nvSpPr>
+          <p:cNvPr id="121" name="Google Shape;121;p21"/>
+          <p:cNvSpPr txBox="1">
+            <a:spLocks noGrp="1"/>
+          </p:cNvSpPr>
+          <p:nvPr>
+            <p:ph type="title"/>
+          </p:nvPr>
+        </p:nvSpPr>
         <p:spPr>
           <a:xfrm>
-            <a:off x="1384213" y="1317725"/>
-            <a:ext cx="6375552" cy="2771978"/>
+            <a:off x="311700" y="445025"/>
+            <a:ext cx="8520600" cy="572700"/>
           </a:xfrm>
           <a:prstGeom prst="rect">
             <a:avLst/>
           </a:prstGeom>
-          <a:noFill/>
-          <a:ln>
-            <a:noFill/>
-          </a:ln>
         </p:spPr>
-      </p:pic>
+        <p:txBody>
+          <a:bodyPr spcFirstLastPara="1" wrap="square" lIns="91425" tIns="91425" rIns="91425" bIns="91425" anchor="t" anchorCtr="0">
+            <a:normAutofit fontScale="90000"/>
+          </a:bodyPr>
+          <a:lstStyle/>
+          <a:p>
+            <a:pPr marL="0" lvl="0" indent="0" algn="ctr" rtl="0">
+              <a:spcBef>
+                <a:spcPts val="0"/>
+              </a:spcBef>
+              <a:spcAft>
+                <a:spcPts val="0"/>
+              </a:spcAft>
+              <a:buNone/>
+            </a:pPr>
+            <a:r>
+              <a:rPr lang="en" dirty="0"/>
+              <a:t>Challenge Question</a:t>
+            </a:r>
+            <a:endParaRPr dirty="0"/>
+          </a:p>
+        </p:txBody>
+      </p:sp>
       <p:sp>
         <p:nvSpPr>
-          <p:cNvPr id="92" name="Google Shape;92;p17"/>
+          <p:cNvPr id="122" name="Google Shape;122;p21"/>
+          <p:cNvSpPr txBox="1">
+            <a:spLocks noGrp="1"/>
+          </p:cNvSpPr>
+          <p:nvPr>
+            <p:ph type="body" idx="1"/>
+          </p:nvPr>
+        </p:nvSpPr>
+        <p:spPr>
+          <a:xfrm>
+            <a:off x="311700" y="1152475"/>
+            <a:ext cx="8520600" cy="3416400"/>
+          </a:xfrm>
+          <a:prstGeom prst="rect">
+            <a:avLst/>
+          </a:prstGeom>
+        </p:spPr>
+        <p:txBody>
+          <a:bodyPr spcFirstLastPara="1" wrap="square" lIns="91425" tIns="91425" rIns="91425" bIns="91425" anchor="t" anchorCtr="0">
+            <a:normAutofit/>
+          </a:bodyPr>
+          <a:lstStyle/>
+          <a:p>
+            <a:pPr marL="457200" lvl="0" indent="-355600" algn="l" rtl="0">
+              <a:spcBef>
+                <a:spcPts val="0"/>
+              </a:spcBef>
+              <a:spcAft>
+                <a:spcPts val="0"/>
+              </a:spcAft>
+              <a:buSzPts val="2000"/>
+              <a:buChar char="●"/>
+            </a:pPr>
+            <a:r>
+              <a:rPr lang="en" sz="2000" dirty="0"/>
+              <a:t>What feature would you used to count reads for RNA-seq?</a:t>
+            </a:r>
+            <a:endParaRPr sz="2000" dirty="0"/>
+          </a:p>
+          <a:p>
+            <a:pPr marL="457200" lvl="0" indent="-355600" algn="l" rtl="0">
+              <a:lnSpc>
+                <a:spcPct val="150000"/>
+              </a:lnSpc>
+              <a:spcBef>
+                <a:spcPts val="0"/>
+              </a:spcBef>
+              <a:spcAft>
+                <a:spcPts val="0"/>
+              </a:spcAft>
+              <a:buSzPts val="2000"/>
+              <a:buAutoNum type="alphaUcPeriod"/>
+            </a:pPr>
+            <a:r>
+              <a:rPr lang="en" sz="2000" dirty="0"/>
+              <a:t>Gene</a:t>
+            </a:r>
+            <a:endParaRPr sz="2000" dirty="0"/>
+          </a:p>
+          <a:p>
+            <a:pPr marL="457200" lvl="0" indent="-355600" algn="l" rtl="0">
+              <a:lnSpc>
+                <a:spcPct val="150000"/>
+              </a:lnSpc>
+              <a:spcBef>
+                <a:spcPts val="0"/>
+              </a:spcBef>
+              <a:spcAft>
+                <a:spcPts val="0"/>
+              </a:spcAft>
+              <a:buSzPts val="2000"/>
+              <a:buAutoNum type="alphaUcPeriod"/>
+            </a:pPr>
+            <a:r>
+              <a:rPr lang="en" sz="2000" dirty="0"/>
+              <a:t>Exon</a:t>
+            </a:r>
+            <a:endParaRPr sz="2000" dirty="0"/>
+          </a:p>
+          <a:p>
+            <a:pPr marL="457200" lvl="0" indent="-355600" algn="l" rtl="0">
+              <a:lnSpc>
+                <a:spcPct val="150000"/>
+              </a:lnSpc>
+              <a:spcBef>
+                <a:spcPts val="0"/>
+              </a:spcBef>
+              <a:spcAft>
+                <a:spcPts val="0"/>
+              </a:spcAft>
+              <a:buSzPts val="2000"/>
+              <a:buAutoNum type="alphaUcPeriod"/>
+            </a:pPr>
+            <a:r>
+              <a:rPr lang="en" sz="2000" dirty="0"/>
+              <a:t>Transcripts</a:t>
+            </a:r>
+            <a:endParaRPr sz="2000" dirty="0"/>
+          </a:p>
+        </p:txBody>
+      </p:sp>
+    </p:spTree>
+  </p:cSld>
+  <p:clrMapOvr>
+    <a:masterClrMapping/>
+  </p:clrMapOvr>
+</p:sld>
+</file>
+
+<file path=ppt/slides/slide7.xml><?xml version="1.0" encoding="utf-8"?>
+<p:sld xmlns:a="http://schemas.openxmlformats.org/drawingml/2006/main" xmlns:r="http://schemas.openxmlformats.org/officeDocument/2006/relationships" xmlns:p="http://schemas.openxmlformats.org/presentationml/2006/main">
+  <p:cSld>
+    <p:spTree>
+      <p:nvGrpSpPr>
+        <p:cNvPr id="1" name="Shape 126"/>
+        <p:cNvGrpSpPr/>
+        <p:nvPr/>
+      </p:nvGrpSpPr>
+      <p:grpSpPr>
+        <a:xfrm>
+          <a:off x="0" y="0"/>
+          <a:ext cx="0" cy="0"/>
+          <a:chOff x="0" y="0"/>
+          <a:chExt cx="0" cy="0"/>
+        </a:xfrm>
+      </p:grpSpPr>
+      <p:sp>
+        <p:nvSpPr>
+          <p:cNvPr id="127" name="Google Shape;127;p22"/>
+          <p:cNvSpPr txBox="1">
+            <a:spLocks noGrp="1"/>
+          </p:cNvSpPr>
+          <p:nvPr>
+            <p:ph type="title"/>
+          </p:nvPr>
+        </p:nvSpPr>
+        <p:spPr>
+          <a:xfrm>
+            <a:off x="311700" y="445025"/>
+            <a:ext cx="8520600" cy="572700"/>
+          </a:xfrm>
+          <a:prstGeom prst="rect">
+            <a:avLst/>
+          </a:prstGeom>
+        </p:spPr>
+        <p:txBody>
+          <a:bodyPr spcFirstLastPara="1" wrap="square" lIns="91425" tIns="91425" rIns="91425" bIns="91425" anchor="t" anchorCtr="0">
+            <a:normAutofit fontScale="90000"/>
+          </a:bodyPr>
+          <a:lstStyle/>
+          <a:p>
+            <a:pPr marL="0" lvl="0" indent="0" algn="ctr" rtl="0">
+              <a:spcBef>
+                <a:spcPts val="0"/>
+              </a:spcBef>
+              <a:spcAft>
+                <a:spcPts val="0"/>
+              </a:spcAft>
+              <a:buNone/>
+            </a:pPr>
+            <a:r>
+              <a:rPr lang="en"/>
+              <a:t>Challenge Question</a:t>
+            </a:r>
+            <a:endParaRPr/>
+          </a:p>
+        </p:txBody>
+      </p:sp>
+      <p:sp>
+        <p:nvSpPr>
+          <p:cNvPr id="128" name="Google Shape;128;p22"/>
+          <p:cNvSpPr txBox="1">
+            <a:spLocks noGrp="1"/>
+          </p:cNvSpPr>
+          <p:nvPr>
+            <p:ph type="body" idx="1"/>
+          </p:nvPr>
+        </p:nvSpPr>
+        <p:spPr>
+          <a:xfrm>
+            <a:off x="311700" y="1152475"/>
+            <a:ext cx="8520600" cy="3416400"/>
+          </a:xfrm>
+          <a:prstGeom prst="rect">
+            <a:avLst/>
+          </a:prstGeom>
+        </p:spPr>
+        <p:txBody>
+          <a:bodyPr spcFirstLastPara="1" wrap="square" lIns="91425" tIns="91425" rIns="91425" bIns="91425" anchor="t" anchorCtr="0">
+            <a:normAutofit/>
+          </a:bodyPr>
+          <a:lstStyle/>
+          <a:p>
+            <a:pPr marL="457200" lvl="0" indent="-355600" algn="l" rtl="0">
+              <a:spcBef>
+                <a:spcPts val="0"/>
+              </a:spcBef>
+              <a:spcAft>
+                <a:spcPts val="0"/>
+              </a:spcAft>
+              <a:buSzPts val="2000"/>
+              <a:buChar char="●"/>
+            </a:pPr>
+            <a:r>
+              <a:rPr lang="en" sz="2000" dirty="0"/>
+              <a:t>What feature would you used to count reads for RNA-seq?</a:t>
+            </a:r>
+            <a:endParaRPr sz="2000" dirty="0"/>
+          </a:p>
+          <a:p>
+            <a:pPr marL="457200" lvl="0" indent="-355600" algn="l" rtl="0">
+              <a:lnSpc>
+                <a:spcPct val="150000"/>
+              </a:lnSpc>
+              <a:spcBef>
+                <a:spcPts val="0"/>
+              </a:spcBef>
+              <a:spcAft>
+                <a:spcPts val="0"/>
+              </a:spcAft>
+              <a:buSzPts val="2000"/>
+              <a:buAutoNum type="alphaUcPeriod"/>
+            </a:pPr>
+            <a:r>
+              <a:rPr lang="en" sz="2000" dirty="0"/>
+              <a:t>Gene</a:t>
+            </a:r>
+            <a:endParaRPr sz="2000" dirty="0"/>
+          </a:p>
+          <a:p>
+            <a:pPr marL="457200" lvl="0" indent="-355600" algn="l" rtl="0">
+              <a:lnSpc>
+                <a:spcPct val="150000"/>
+              </a:lnSpc>
+              <a:spcBef>
+                <a:spcPts val="0"/>
+              </a:spcBef>
+              <a:spcAft>
+                <a:spcPts val="0"/>
+              </a:spcAft>
+              <a:buSzPts val="2000"/>
+              <a:buAutoNum type="alphaUcPeriod"/>
+            </a:pPr>
+            <a:r>
+              <a:rPr lang="en" sz="2000" dirty="0"/>
+              <a:t>Exon</a:t>
+            </a:r>
+            <a:endParaRPr sz="2000" dirty="0"/>
+          </a:p>
+          <a:p>
+            <a:pPr marL="457200" lvl="0" indent="-355600" algn="l" rtl="0">
+              <a:lnSpc>
+                <a:spcPct val="150000"/>
+              </a:lnSpc>
+              <a:spcBef>
+                <a:spcPts val="0"/>
+              </a:spcBef>
+              <a:spcAft>
+                <a:spcPts val="0"/>
+              </a:spcAft>
+              <a:buSzPts val="2000"/>
+              <a:buAutoNum type="alphaUcPeriod"/>
+            </a:pPr>
+            <a:r>
+              <a:rPr lang="en" sz="2000" dirty="0"/>
+              <a:t>Transcripts</a:t>
+            </a:r>
+            <a:endParaRPr sz="2000" dirty="0"/>
+          </a:p>
+        </p:txBody>
+      </p:sp>
+      <p:sp>
+        <p:nvSpPr>
+          <p:cNvPr id="129" name="Google Shape;129;p22"/>
           <p:cNvSpPr txBox="1"/>
           <p:nvPr/>
         </p:nvSpPr>
         <p:spPr>
           <a:xfrm>
-            <a:off x="1550550" y="4733075"/>
-            <a:ext cx="6042900" cy="369300"/>
+            <a:off x="1619663" y="1980362"/>
+            <a:ext cx="579900" cy="431100"/>
           </a:xfrm>
           <a:prstGeom prst="rect">
             <a:avLst/>
@@ -10075,43 +10212,27 @@
           </a:bodyPr>
           <a:lstStyle/>
           <a:p>
-            <a:pPr marL="0" marR="0" lvl="0" indent="0" algn="ctr" rtl="0">
-              <a:lnSpc>
-                <a:spcPct val="100000"/>
-              </a:lnSpc>
-              <a:spcBef>
-                <a:spcPts val="0"/>
-              </a:spcBef>
-              <a:spcAft>
-                <a:spcPts val="0"/>
-              </a:spcAft>
-              <a:buClr>
-                <a:srgbClr val="000000"/>
-              </a:buClr>
-              <a:buSzPts val="1200"/>
-              <a:buFont typeface="Arial"/>
+            <a:pPr marL="0" lvl="0" indent="0" algn="l" rtl="0">
+              <a:spcBef>
+                <a:spcPts val="0"/>
+              </a:spcBef>
+              <a:spcAft>
+                <a:spcPts val="0"/>
+              </a:spcAft>
               <a:buNone/>
             </a:pPr>
             <a:r>
-              <a:rPr lang="en" sz="1200" b="0" i="0" u="none" strike="noStrike" cap="none" dirty="0">
+              <a:rPr lang="en" sz="1600">
                 <a:solidFill>
-                  <a:srgbClr val="000000"/>
+                  <a:srgbClr val="1155CC"/>
                 </a:solidFill>
-                <a:latin typeface="Arial" panose="020B0604020202020204" pitchFamily="34" charset="0"/>
-                <a:ea typeface="Helvetica Neue"/>
-                <a:cs typeface="Arial" panose="020B0604020202020204" pitchFamily="34" charset="0"/>
-                <a:sym typeface="Helvetica Neue"/>
               </a:rPr>
-              <a:t>Liao et al. Bioinformatics 2014 doi:10.1093/bioinformatics/btt656</a:t>
-            </a:r>
-            <a:endParaRPr sz="1200" b="0" i="0" u="none" strike="noStrike" cap="none" dirty="0">
+              <a:t>✓</a:t>
+            </a:r>
+            <a:endParaRPr sz="1600">
               <a:solidFill>
-                <a:srgbClr val="000000"/>
+                <a:srgbClr val="1155CC"/>
               </a:solidFill>
-              <a:latin typeface="Arial" panose="020B0604020202020204" pitchFamily="34" charset="0"/>
-              <a:ea typeface="Helvetica Neue"/>
-              <a:cs typeface="Arial" panose="020B0604020202020204" pitchFamily="34" charset="0"/>
-              <a:sym typeface="Helvetica Neue"/>
             </a:endParaRPr>
           </a:p>
         </p:txBody>
@@ -10124,7 +10245,7 @@
 </p:sld>
 </file>
 
-<file path=ppt/slides/slide6.xml><?xml version="1.0" encoding="utf-8"?>
+<file path=ppt/slides/slide8.xml><?xml version="1.0" encoding="utf-8"?>
 <p:sld xmlns:a="http://schemas.openxmlformats.org/drawingml/2006/main" xmlns:r="http://schemas.openxmlformats.org/officeDocument/2006/relationships" xmlns:p="http://schemas.openxmlformats.org/presentationml/2006/main">
   <p:cSld>
     <p:spTree>
@@ -10368,7 +10489,7 @@
 </p:sld>
 </file>
 
-<file path=ppt/slides/slide7.xml><?xml version="1.0" encoding="utf-8"?>
+<file path=ppt/slides/slide9.xml><?xml version="1.0" encoding="utf-8"?>
 <p:sld xmlns:a="http://schemas.openxmlformats.org/drawingml/2006/main" xmlns:r="http://schemas.openxmlformats.org/officeDocument/2006/relationships" xmlns:p="http://schemas.openxmlformats.org/presentationml/2006/main">
   <p:cSld>
     <p:spTree>
@@ -10636,464 +10757,6 @@
               <a:t>DESeq2 Recap</a:t>
             </a:r>
             <a:endParaRPr dirty="0"/>
-          </a:p>
-        </p:txBody>
-      </p:sp>
-    </p:spTree>
-  </p:cSld>
-  <p:clrMapOvr>
-    <a:masterClrMapping/>
-  </p:clrMapOvr>
-</p:sld>
-</file>
-
-<file path=ppt/slides/slide8.xml><?xml version="1.0" encoding="utf-8"?>
-<p:sld xmlns:a="http://schemas.openxmlformats.org/drawingml/2006/main" xmlns:r="http://schemas.openxmlformats.org/officeDocument/2006/relationships" xmlns:p="http://schemas.openxmlformats.org/presentationml/2006/main">
-  <p:cSld>
-    <p:spTree>
-      <p:nvGrpSpPr>
-        <p:cNvPr id="1" name="Shape 114"/>
-        <p:cNvGrpSpPr/>
-        <p:nvPr/>
-      </p:nvGrpSpPr>
-      <p:grpSpPr>
-        <a:xfrm>
-          <a:off x="0" y="0"/>
-          <a:ext cx="0" cy="0"/>
-          <a:chOff x="0" y="0"/>
-          <a:chExt cx="0" cy="0"/>
-        </a:xfrm>
-      </p:grpSpPr>
-      <p:sp>
-        <p:nvSpPr>
-          <p:cNvPr id="115" name="Google Shape;115;p20"/>
-          <p:cNvSpPr txBox="1">
-            <a:spLocks noGrp="1"/>
-          </p:cNvSpPr>
-          <p:nvPr>
-            <p:ph type="title"/>
-          </p:nvPr>
-        </p:nvSpPr>
-        <p:spPr>
-          <a:xfrm>
-            <a:off x="311700" y="219900"/>
-            <a:ext cx="8520600" cy="572700"/>
-          </a:xfrm>
-          <a:prstGeom prst="rect">
-            <a:avLst/>
-          </a:prstGeom>
-          <a:noFill/>
-          <a:ln>
-            <a:noFill/>
-          </a:ln>
-        </p:spPr>
-        <p:txBody>
-          <a:bodyPr spcFirstLastPara="1" wrap="square" lIns="91425" tIns="91425" rIns="91425" bIns="91425" anchor="t" anchorCtr="0">
-            <a:normAutofit fontScale="90000"/>
-          </a:bodyPr>
-          <a:lstStyle/>
-          <a:p>
-            <a:pPr marL="0" lvl="0" indent="0" algn="ctr" rtl="0">
-              <a:lnSpc>
-                <a:spcPct val="100000"/>
-              </a:lnSpc>
-              <a:spcBef>
-                <a:spcPts val="0"/>
-              </a:spcBef>
-              <a:spcAft>
-                <a:spcPts val="0"/>
-              </a:spcAft>
-              <a:buSzPct val="111111"/>
-              <a:buNone/>
-            </a:pPr>
-            <a:r>
-              <a:rPr lang="en" dirty="0"/>
-              <a:t>Counting reads with </a:t>
-            </a:r>
-            <a:r>
-              <a:rPr lang="en" dirty="0" err="1">
-                <a:highlight>
-                  <a:srgbClr val="EFEFEF"/>
-                </a:highlight>
-                <a:latin typeface="Consolas"/>
-                <a:ea typeface="Consolas"/>
-                <a:cs typeface="Consolas"/>
-                <a:sym typeface="Consolas"/>
-              </a:rPr>
-              <a:t>featureCounts</a:t>
-            </a:r>
-            <a:endParaRPr b="1" dirty="0">
-              <a:highlight>
-                <a:srgbClr val="EFEFEF"/>
-              </a:highlight>
-              <a:latin typeface="Consolas"/>
-              <a:ea typeface="Consolas"/>
-              <a:cs typeface="Consolas"/>
-              <a:sym typeface="Consolas"/>
-            </a:endParaRPr>
-          </a:p>
-        </p:txBody>
-      </p:sp>
-      <p:sp>
-        <p:nvSpPr>
-          <p:cNvPr id="116" name="Google Shape;116;p20"/>
-          <p:cNvSpPr txBox="1">
-            <a:spLocks noGrp="1"/>
-          </p:cNvSpPr>
-          <p:nvPr>
-            <p:ph type="body" idx="1"/>
-          </p:nvPr>
-        </p:nvSpPr>
-        <p:spPr>
-          <a:xfrm>
-            <a:off x="311700" y="1266000"/>
-            <a:ext cx="8520600" cy="2506500"/>
-          </a:xfrm>
-          <a:prstGeom prst="rect">
-            <a:avLst/>
-          </a:prstGeom>
-          <a:noFill/>
-          <a:ln>
-            <a:noFill/>
-          </a:ln>
-        </p:spPr>
-        <p:txBody>
-          <a:bodyPr spcFirstLastPara="1" wrap="square" lIns="91425" tIns="91425" rIns="91425" bIns="91425" anchor="t" anchorCtr="0">
-            <a:noAutofit/>
-          </a:bodyPr>
-          <a:lstStyle/>
-          <a:p>
-            <a:pPr marL="457200" lvl="0" indent="-355600" algn="l" rtl="0">
-              <a:lnSpc>
-                <a:spcPct val="115000"/>
-              </a:lnSpc>
-              <a:spcBef>
-                <a:spcPts val="0"/>
-              </a:spcBef>
-              <a:spcAft>
-                <a:spcPts val="0"/>
-              </a:spcAft>
-              <a:buSzPts val="2000"/>
-              <a:buChar char="●"/>
-            </a:pPr>
-            <a:r>
-              <a:rPr lang="en" sz="2000" dirty="0"/>
-              <a:t>Follow </a:t>
-            </a:r>
-            <a:r>
-              <a:rPr lang="en" sz="2000" dirty="0" err="1">
-                <a:solidFill>
-                  <a:srgbClr val="1155CC"/>
-                </a:solidFill>
-              </a:rPr>
-              <a:t>featureCounts</a:t>
-            </a:r>
-            <a:r>
-              <a:rPr lang="en" sz="2000" dirty="0"/>
-              <a:t> worksheet:</a:t>
-            </a:r>
-            <a:endParaRPr sz="2000" dirty="0"/>
-          </a:p>
-          <a:p>
-            <a:pPr marL="914400" lvl="1" indent="-355600" algn="l" rtl="0">
-              <a:lnSpc>
-                <a:spcPct val="115000"/>
-              </a:lnSpc>
-              <a:spcBef>
-                <a:spcPts val="0"/>
-              </a:spcBef>
-              <a:spcAft>
-                <a:spcPts val="0"/>
-              </a:spcAft>
-              <a:buSzPts val="2000"/>
-              <a:buChar char="○"/>
-            </a:pPr>
-            <a:r>
-              <a:rPr lang="en" sz="2000" dirty="0"/>
-              <a:t>Open </a:t>
-            </a:r>
-            <a:r>
-              <a:rPr lang="en" sz="2000" dirty="0">
-                <a:latin typeface="Consolas"/>
-                <a:ea typeface="Consolas"/>
-                <a:cs typeface="Consolas"/>
-                <a:sym typeface="Consolas"/>
-              </a:rPr>
-              <a:t>R</a:t>
-            </a:r>
-            <a:r>
-              <a:rPr lang="en" sz="2000" dirty="0"/>
-              <a:t> and install </a:t>
-            </a:r>
-            <a:r>
-              <a:rPr lang="en" sz="2000" dirty="0" err="1">
-                <a:latin typeface="Consolas"/>
-                <a:ea typeface="Consolas"/>
-                <a:cs typeface="Consolas"/>
-                <a:sym typeface="Consolas"/>
-              </a:rPr>
-              <a:t>Rsubread</a:t>
-            </a:r>
-            <a:endParaRPr sz="2000" dirty="0">
-              <a:latin typeface="Consolas"/>
-              <a:ea typeface="Consolas"/>
-              <a:cs typeface="Consolas"/>
-              <a:sym typeface="Consolas"/>
-            </a:endParaRPr>
-          </a:p>
-          <a:p>
-            <a:pPr marL="914400" lvl="1" indent="-355600" algn="l" rtl="0">
-              <a:lnSpc>
-                <a:spcPct val="115000"/>
-              </a:lnSpc>
-              <a:spcBef>
-                <a:spcPts val="0"/>
-              </a:spcBef>
-              <a:spcAft>
-                <a:spcPts val="0"/>
-              </a:spcAft>
-              <a:buSzPts val="2000"/>
-              <a:buChar char="○"/>
-            </a:pPr>
-            <a:r>
-              <a:rPr lang="en" sz="2000" dirty="0"/>
-              <a:t>Get </a:t>
-            </a:r>
-            <a:r>
-              <a:rPr lang="en" sz="2000" dirty="0">
-                <a:latin typeface="Consolas"/>
-                <a:ea typeface="Consolas"/>
-                <a:cs typeface="Consolas"/>
-                <a:sym typeface="Consolas"/>
-              </a:rPr>
-              <a:t>d7_featureCounts.R</a:t>
-            </a:r>
-            <a:r>
-              <a:rPr lang="en" sz="2000" dirty="0"/>
-              <a:t> and </a:t>
-            </a:r>
-            <a:r>
-              <a:rPr lang="en" sz="2000" dirty="0">
-                <a:latin typeface="Consolas"/>
-                <a:ea typeface="Consolas"/>
-                <a:cs typeface="Consolas"/>
-                <a:sym typeface="Consolas"/>
-              </a:rPr>
-              <a:t>d7_featureCounts.sbatch</a:t>
-            </a:r>
-            <a:r>
-              <a:rPr lang="en" sz="2000" dirty="0"/>
-              <a:t> scripts  </a:t>
-            </a:r>
-            <a:endParaRPr sz="2000" dirty="0">
-              <a:latin typeface="Consolas"/>
-              <a:ea typeface="Consolas"/>
-              <a:cs typeface="Consolas"/>
-              <a:sym typeface="Consolas"/>
-            </a:endParaRPr>
-          </a:p>
-          <a:p>
-            <a:pPr marL="914400" lvl="1" indent="-355600" algn="l" rtl="0">
-              <a:lnSpc>
-                <a:spcPct val="115000"/>
-              </a:lnSpc>
-              <a:spcBef>
-                <a:spcPts val="0"/>
-              </a:spcBef>
-              <a:spcAft>
-                <a:spcPts val="0"/>
-              </a:spcAft>
-              <a:buSzPts val="2000"/>
-              <a:buChar char="○"/>
-            </a:pPr>
-            <a:r>
-              <a:rPr lang="en" sz="2000" dirty="0"/>
-              <a:t>Edit both scripts and execute the </a:t>
-            </a:r>
-            <a:r>
-              <a:rPr lang="en" sz="2000" dirty="0" err="1">
-                <a:latin typeface="Consolas"/>
-                <a:ea typeface="Consolas"/>
-                <a:cs typeface="Consolas"/>
-                <a:sym typeface="Consolas"/>
-              </a:rPr>
-              <a:t>sbatch</a:t>
-            </a:r>
-            <a:r>
-              <a:rPr lang="en" sz="2000" dirty="0"/>
-              <a:t> script </a:t>
-            </a:r>
-            <a:endParaRPr sz="2000" dirty="0"/>
-          </a:p>
-        </p:txBody>
-      </p:sp>
-    </p:spTree>
-  </p:cSld>
-  <p:clrMapOvr>
-    <a:masterClrMapping/>
-  </p:clrMapOvr>
-</p:sld>
-</file>
-
-<file path=ppt/slides/slide9.xml><?xml version="1.0" encoding="utf-8"?>
-<p:sld xmlns:a="http://schemas.openxmlformats.org/drawingml/2006/main" xmlns:r="http://schemas.openxmlformats.org/officeDocument/2006/relationships" xmlns:p="http://schemas.openxmlformats.org/presentationml/2006/main">
-  <p:cSld>
-    <p:spTree>
-      <p:nvGrpSpPr>
-        <p:cNvPr id="1" name="Shape 120"/>
-        <p:cNvGrpSpPr/>
-        <p:nvPr/>
-      </p:nvGrpSpPr>
-      <p:grpSpPr>
-        <a:xfrm>
-          <a:off x="0" y="0"/>
-          <a:ext cx="0" cy="0"/>
-          <a:chOff x="0" y="0"/>
-          <a:chExt cx="0" cy="0"/>
-        </a:xfrm>
-      </p:grpSpPr>
-      <p:sp>
-        <p:nvSpPr>
-          <p:cNvPr id="121" name="Google Shape;121;p21"/>
-          <p:cNvSpPr txBox="1">
-            <a:spLocks noGrp="1"/>
-          </p:cNvSpPr>
-          <p:nvPr>
-            <p:ph type="title"/>
-          </p:nvPr>
-        </p:nvSpPr>
-        <p:spPr>
-          <a:xfrm>
-            <a:off x="311700" y="445025"/>
-            <a:ext cx="8520600" cy="572700"/>
-          </a:xfrm>
-          <a:prstGeom prst="rect">
-            <a:avLst/>
-          </a:prstGeom>
-        </p:spPr>
-        <p:txBody>
-          <a:bodyPr spcFirstLastPara="1" wrap="square" lIns="91425" tIns="91425" rIns="91425" bIns="91425" anchor="t" anchorCtr="0">
-            <a:normAutofit fontScale="90000"/>
-          </a:bodyPr>
-          <a:lstStyle/>
-          <a:p>
-            <a:pPr marL="0" lvl="0" indent="0" algn="ctr" rtl="0">
-              <a:spcBef>
-                <a:spcPts val="0"/>
-              </a:spcBef>
-              <a:spcAft>
-                <a:spcPts val="0"/>
-              </a:spcAft>
-              <a:buNone/>
-            </a:pPr>
-            <a:r>
-              <a:rPr lang="en" dirty="0"/>
-              <a:t>Challenge Question</a:t>
-            </a:r>
-            <a:endParaRPr dirty="0"/>
-          </a:p>
-        </p:txBody>
-      </p:sp>
-      <p:sp>
-        <p:nvSpPr>
-          <p:cNvPr id="122" name="Google Shape;122;p21"/>
-          <p:cNvSpPr txBox="1">
-            <a:spLocks noGrp="1"/>
-          </p:cNvSpPr>
-          <p:nvPr>
-            <p:ph type="body" idx="1"/>
-          </p:nvPr>
-        </p:nvSpPr>
-        <p:spPr>
-          <a:xfrm>
-            <a:off x="311700" y="1152475"/>
-            <a:ext cx="8520600" cy="3416400"/>
-          </a:xfrm>
-          <a:prstGeom prst="rect">
-            <a:avLst/>
-          </a:prstGeom>
-        </p:spPr>
-        <p:txBody>
-          <a:bodyPr spcFirstLastPara="1" wrap="square" lIns="91425" tIns="91425" rIns="91425" bIns="91425" anchor="t" anchorCtr="0">
-            <a:normAutofit/>
-          </a:bodyPr>
-          <a:lstStyle/>
-          <a:p>
-            <a:pPr marL="457200" lvl="0" indent="-355600" algn="l" rtl="0">
-              <a:spcBef>
-                <a:spcPts val="0"/>
-              </a:spcBef>
-              <a:spcAft>
-                <a:spcPts val="0"/>
-              </a:spcAft>
-              <a:buSzPts val="2000"/>
-              <a:buChar char="●"/>
-            </a:pPr>
-            <a:r>
-              <a:rPr lang="en" sz="2000" dirty="0"/>
-              <a:t>What feature would you used to count reads for RNA-seq?</a:t>
-            </a:r>
-            <a:endParaRPr sz="2000" dirty="0"/>
-          </a:p>
-          <a:p>
-            <a:pPr marL="457200" lvl="0" indent="-355600" algn="l" rtl="0">
-              <a:lnSpc>
-                <a:spcPct val="150000"/>
-              </a:lnSpc>
-              <a:spcBef>
-                <a:spcPts val="0"/>
-              </a:spcBef>
-              <a:spcAft>
-                <a:spcPts val="0"/>
-              </a:spcAft>
-              <a:buSzPts val="2000"/>
-              <a:buAutoNum type="alphaUcPeriod"/>
-            </a:pPr>
-            <a:r>
-              <a:rPr lang="en" sz="2000" dirty="0"/>
-              <a:t>Gene</a:t>
-            </a:r>
-            <a:endParaRPr sz="2000" dirty="0"/>
-          </a:p>
-          <a:p>
-            <a:pPr marL="457200" lvl="0" indent="-355600" algn="l" rtl="0">
-              <a:lnSpc>
-                <a:spcPct val="150000"/>
-              </a:lnSpc>
-              <a:spcBef>
-                <a:spcPts val="0"/>
-              </a:spcBef>
-              <a:spcAft>
-                <a:spcPts val="0"/>
-              </a:spcAft>
-              <a:buSzPts val="2000"/>
-              <a:buAutoNum type="alphaUcPeriod"/>
-            </a:pPr>
-            <a:r>
-              <a:rPr lang="en" sz="2000" dirty="0"/>
-              <a:t>Exon</a:t>
-            </a:r>
-            <a:endParaRPr sz="2000" dirty="0"/>
-          </a:p>
-          <a:p>
-            <a:pPr marL="457200" lvl="0" indent="-355600" algn="l" rtl="0">
-              <a:lnSpc>
-                <a:spcPct val="150000"/>
-              </a:lnSpc>
-              <a:spcBef>
-                <a:spcPts val="0"/>
-              </a:spcBef>
-              <a:spcAft>
-                <a:spcPts val="0"/>
-              </a:spcAft>
-              <a:buSzPts val="2000"/>
-              <a:buAutoNum type="alphaUcPeriod"/>
-            </a:pPr>
-            <a:r>
-              <a:rPr lang="en" sz="2000" dirty="0"/>
-              <a:t>Transcripts</a:t>
-            </a:r>
-            <a:endParaRPr sz="2000" dirty="0"/>
           </a:p>
         </p:txBody>
       </p:sp>

--- a/projectB/day07/slides/Day7_slides.pptx
+++ b/projectB/day07/slides/Day7_slides.pptx
@@ -21,16 +21,17 @@
     <p:sldId id="266" r:id="rId16"/>
     <p:sldId id="267" r:id="rId17"/>
     <p:sldId id="268" r:id="rId18"/>
+    <p:sldId id="269" r:id="rId19"/>
   </p:sldIdLst>
   <p:sldSz cy="5143500" cx="9144000"/>
   <p:notesSz cx="6858000" cy="9144000"/>
   <p:embeddedFontLst>
     <p:embeddedFont>
       <p:font typeface="Helvetica Neue"/>
-      <p:regular r:id="rId19"/>
-      <p:bold r:id="rId20"/>
-      <p:italic r:id="rId21"/>
-      <p:boldItalic r:id="rId22"/>
+      <p:regular r:id="rId20"/>
+      <p:bold r:id="rId21"/>
+      <p:italic r:id="rId22"/>
+      <p:boldItalic r:id="rId23"/>
     </p:embeddedFont>
   </p:embeddedFontLst>
   <p:defaultTextStyle>
@@ -278,7 +279,7 @@
       </p15:sldGuideLst>
     </p:ext>
     <p:ext uri="GoogleSlidesCustomDataVersion2">
-      <go:slidesCustomData xmlns:go="http://customooxmlschemas.google.com/" r:id="rId23" roundtripDataSignature="AMtx7mikXpH3plqhsMImqCFmUtbdno1Zyg=="/>
+      <go:slidesCustomData xmlns:go="http://customooxmlschemas.google.com/" r:id="rId24" roundtripDataSignature="AMtx7mjLKb2vXTZzPkm5tVLDpkWtaMNWXA=="/>
     </p:ext>
   </p:extLst>
 </p:presentation>
@@ -974,7 +975,7 @@
   <p:cSld>
     <p:spTree>
       <p:nvGrpSpPr>
-        <p:cNvPr id="126" name="Shape 126"/>
+        <p:cNvPr id="123" name="Shape 123"/>
         <p:cNvGrpSpPr/>
         <p:nvPr/>
       </p:nvGrpSpPr>
@@ -988,7 +989,124 @@
       </p:grpSpPr>
       <p:sp>
         <p:nvSpPr>
-          <p:cNvPr id="127" name="Google Shape;127;p10:notes"/>
+          <p:cNvPr id="124" name="Google Shape;124;p9:notes"/>
+          <p:cNvSpPr/>
+          <p:nvPr>
+            <p:ph idx="2" type="sldImg"/>
+          </p:nvPr>
+        </p:nvSpPr>
+        <p:spPr>
+          <a:xfrm>
+            <a:off x="381300" y="685800"/>
+            <a:ext cx="6096000" cy="3429000"/>
+          </a:xfrm>
+          <a:custGeom>
+            <a:rect b="b" l="l" r="r" t="t"/>
+            <a:pathLst>
+              <a:path extrusionOk="0" h="120000" w="120000">
+                <a:moveTo>
+                  <a:pt x="0" y="0"/>
+                </a:moveTo>
+                <a:lnTo>
+                  <a:pt x="120000" y="0"/>
+                </a:lnTo>
+                <a:lnTo>
+                  <a:pt x="120000" y="120000"/>
+                </a:lnTo>
+                <a:lnTo>
+                  <a:pt x="0" y="120000"/>
+                </a:lnTo>
+                <a:close/>
+              </a:path>
+            </a:pathLst>
+          </a:custGeom>
+          <a:noFill/>
+          <a:ln cap="flat" cmpd="sng" w="9525">
+            <a:solidFill>
+              <a:srgbClr val="000000"/>
+            </a:solidFill>
+            <a:prstDash val="solid"/>
+            <a:round/>
+            <a:headEnd len="sm" w="sm" type="none"/>
+            <a:tailEnd len="sm" w="sm" type="none"/>
+          </a:ln>
+        </p:spPr>
+      </p:sp>
+      <p:sp>
+        <p:nvSpPr>
+          <p:cNvPr id="125" name="Google Shape;125;p9:notes"/>
+          <p:cNvSpPr txBox="1"/>
+          <p:nvPr>
+            <p:ph idx="1" type="body"/>
+          </p:nvPr>
+        </p:nvSpPr>
+        <p:spPr>
+          <a:xfrm>
+            <a:off x="685800" y="4343400"/>
+            <a:ext cx="5486400" cy="4114800"/>
+          </a:xfrm>
+          <a:prstGeom prst="rect">
+            <a:avLst/>
+          </a:prstGeom>
+          <a:noFill/>
+          <a:ln>
+            <a:noFill/>
+          </a:ln>
+        </p:spPr>
+        <p:txBody>
+          <a:bodyPr anchorCtr="0" anchor="t" bIns="91425" lIns="91425" spcFirstLastPara="1" rIns="91425" wrap="square" tIns="91425">
+            <a:noAutofit/>
+          </a:bodyPr>
+          <a:lstStyle/>
+          <a:p>
+            <a:pPr indent="0" lvl="0" marL="0" rtl="0" algn="l">
+              <a:lnSpc>
+                <a:spcPct val="100000"/>
+              </a:lnSpc>
+              <a:spcBef>
+                <a:spcPts val="0"/>
+              </a:spcBef>
+              <a:spcAft>
+                <a:spcPts val="0"/>
+              </a:spcAft>
+              <a:buSzPts val="1100"/>
+              <a:buNone/>
+            </a:pPr>
+            <a:r>
+              <a:t/>
+            </a:r>
+            <a:endParaRPr/>
+          </a:p>
+        </p:txBody>
+      </p:sp>
+    </p:spTree>
+  </p:cSld>
+  <p:clrMapOvr>
+    <a:masterClrMapping/>
+  </p:clrMapOvr>
+</p:notes>
+</file>
+
+<file path=ppt/notesSlides/notesSlide11.xml><?xml version="1.0" encoding="utf-8"?>
+<p:notes xmlns:a="http://schemas.openxmlformats.org/drawingml/2006/main" xmlns:r="http://schemas.openxmlformats.org/officeDocument/2006/relationships" xmlns:mc="http://schemas.openxmlformats.org/markup-compatibility/2006" xmlns:mv="urn:schemas-microsoft-com:mac:vml" xmlns:p="http://schemas.openxmlformats.org/presentationml/2006/main" xmlns:c="http://schemas.openxmlformats.org/drawingml/2006/chart" xmlns:dgm="http://schemas.openxmlformats.org/drawingml/2006/diagram" xmlns:o="urn:schemas-microsoft-com:office:office" xmlns:v="urn:schemas-microsoft-com:vml" xmlns:pvml="urn:schemas-microsoft-com:office:powerpoint" xmlns:com="http://schemas.openxmlformats.org/drawingml/2006/compatibility" xmlns:p14="http://schemas.microsoft.com/office/powerpoint/2010/main" xmlns:p15="http://schemas.microsoft.com/office/powerpoint/2012/main" xmlns:ahyp="http://schemas.microsoft.com/office/drawing/2018/hyperlinkcolor" showMasterPhAnim="0" showMasterSp="0">
+  <p:cSld>
+    <p:spTree>
+      <p:nvGrpSpPr>
+        <p:cNvPr id="132" name="Shape 132"/>
+        <p:cNvGrpSpPr/>
+        <p:nvPr/>
+      </p:nvGrpSpPr>
+      <p:grpSpPr>
+        <a:xfrm>
+          <a:off x="0" y="0"/>
+          <a:ext cx="0" cy="0"/>
+          <a:chOff x="0" y="0"/>
+          <a:chExt cx="0" cy="0"/>
+        </a:xfrm>
+      </p:grpSpPr>
+      <p:sp>
+        <p:nvSpPr>
+          <p:cNvPr id="133" name="Google Shape;133;p10:notes"/>
           <p:cNvSpPr/>
           <p:nvPr>
             <p:ph idx="2" type="sldImg"/>
@@ -1033,7 +1151,7 @@
       </p:sp>
       <p:sp>
         <p:nvSpPr>
-          <p:cNvPr id="128" name="Google Shape;128;p10:notes"/>
+          <p:cNvPr id="134" name="Google Shape;134;p10:notes"/>
           <p:cNvSpPr txBox="1"/>
           <p:nvPr>
             <p:ph idx="1" type="body"/>
@@ -1086,12 +1204,12 @@
 </p:notes>
 </file>
 
-<file path=ppt/notesSlides/notesSlide11.xml><?xml version="1.0" encoding="utf-8"?>
+<file path=ppt/notesSlides/notesSlide12.xml><?xml version="1.0" encoding="utf-8"?>
 <p:notes xmlns:a="http://schemas.openxmlformats.org/drawingml/2006/main" xmlns:r="http://schemas.openxmlformats.org/officeDocument/2006/relationships" xmlns:mc="http://schemas.openxmlformats.org/markup-compatibility/2006" xmlns:mv="urn:schemas-microsoft-com:mac:vml" xmlns:p="http://schemas.openxmlformats.org/presentationml/2006/main" xmlns:c="http://schemas.openxmlformats.org/drawingml/2006/chart" xmlns:dgm="http://schemas.openxmlformats.org/drawingml/2006/diagram" xmlns:o="urn:schemas-microsoft-com:office:office" xmlns:v="urn:schemas-microsoft-com:vml" xmlns:pvml="urn:schemas-microsoft-com:office:powerpoint" xmlns:com="http://schemas.openxmlformats.org/drawingml/2006/compatibility" xmlns:p14="http://schemas.microsoft.com/office/powerpoint/2010/main" xmlns:p15="http://schemas.microsoft.com/office/powerpoint/2012/main" xmlns:ahyp="http://schemas.microsoft.com/office/drawing/2018/hyperlinkcolor" showMasterPhAnim="0" showMasterSp="0">
   <p:cSld>
     <p:spTree>
       <p:nvGrpSpPr>
-        <p:cNvPr id="133" name="Shape 133"/>
+        <p:cNvPr id="139" name="Shape 139"/>
         <p:cNvGrpSpPr/>
         <p:nvPr/>
       </p:nvGrpSpPr>
@@ -1105,7 +1223,7 @@
       </p:grpSpPr>
       <p:sp>
         <p:nvSpPr>
-          <p:cNvPr id="134" name="Google Shape;134;p11:notes"/>
+          <p:cNvPr id="140" name="Google Shape;140;p11:notes"/>
           <p:cNvSpPr/>
           <p:nvPr>
             <p:ph idx="2" type="sldImg"/>
@@ -1150,7 +1268,7 @@
       </p:sp>
       <p:sp>
         <p:nvSpPr>
-          <p:cNvPr id="135" name="Google Shape;135;p11:notes"/>
+          <p:cNvPr id="141" name="Google Shape;141;p11:notes"/>
           <p:cNvSpPr txBox="1"/>
           <p:nvPr>
             <p:ph idx="1" type="body"/>
@@ -1203,12 +1321,12 @@
 </p:notes>
 </file>
 
-<file path=ppt/notesSlides/notesSlide12.xml><?xml version="1.0" encoding="utf-8"?>
+<file path=ppt/notesSlides/notesSlide13.xml><?xml version="1.0" encoding="utf-8"?>
 <p:notes xmlns:a="http://schemas.openxmlformats.org/drawingml/2006/main" xmlns:r="http://schemas.openxmlformats.org/officeDocument/2006/relationships" xmlns:mc="http://schemas.openxmlformats.org/markup-compatibility/2006" xmlns:mv="urn:schemas-microsoft-com:mac:vml" xmlns:p="http://schemas.openxmlformats.org/presentationml/2006/main" xmlns:c="http://schemas.openxmlformats.org/drawingml/2006/chart" xmlns:dgm="http://schemas.openxmlformats.org/drawingml/2006/diagram" xmlns:o="urn:schemas-microsoft-com:office:office" xmlns:v="urn:schemas-microsoft-com:vml" xmlns:pvml="urn:schemas-microsoft-com:office:powerpoint" xmlns:com="http://schemas.openxmlformats.org/drawingml/2006/compatibility" xmlns:p14="http://schemas.microsoft.com/office/powerpoint/2010/main" xmlns:p15="http://schemas.microsoft.com/office/powerpoint/2012/main" xmlns:ahyp="http://schemas.microsoft.com/office/drawing/2018/hyperlinkcolor" showMasterPhAnim="0" showMasterSp="0">
   <p:cSld>
     <p:spTree>
       <p:nvGrpSpPr>
-        <p:cNvPr id="139" name="Shape 139"/>
+        <p:cNvPr id="145" name="Shape 145"/>
         <p:cNvGrpSpPr/>
         <p:nvPr/>
       </p:nvGrpSpPr>
@@ -1222,7 +1340,7 @@
       </p:grpSpPr>
       <p:sp>
         <p:nvSpPr>
-          <p:cNvPr id="140" name="Google Shape;140;p12:notes"/>
+          <p:cNvPr id="146" name="Google Shape;146;p12:notes"/>
           <p:cNvSpPr/>
           <p:nvPr>
             <p:ph idx="2" type="sldImg"/>
@@ -1267,7 +1385,7 @@
       </p:sp>
       <p:sp>
         <p:nvSpPr>
-          <p:cNvPr id="141" name="Google Shape;141;p12:notes"/>
+          <p:cNvPr id="147" name="Google Shape;147;p12:notes"/>
           <p:cNvSpPr txBox="1"/>
           <p:nvPr>
             <p:ph idx="1" type="body"/>
@@ -1320,12 +1438,12 @@
 </p:notes>
 </file>
 
-<file path=ppt/notesSlides/notesSlide13.xml><?xml version="1.0" encoding="utf-8"?>
+<file path=ppt/notesSlides/notesSlide14.xml><?xml version="1.0" encoding="utf-8"?>
 <p:notes xmlns:a="http://schemas.openxmlformats.org/drawingml/2006/main" xmlns:r="http://schemas.openxmlformats.org/officeDocument/2006/relationships" xmlns:mc="http://schemas.openxmlformats.org/markup-compatibility/2006" xmlns:mv="urn:schemas-microsoft-com:mac:vml" xmlns:p="http://schemas.openxmlformats.org/presentationml/2006/main" xmlns:c="http://schemas.openxmlformats.org/drawingml/2006/chart" xmlns:dgm="http://schemas.openxmlformats.org/drawingml/2006/diagram" xmlns:o="urn:schemas-microsoft-com:office:office" xmlns:v="urn:schemas-microsoft-com:vml" xmlns:pvml="urn:schemas-microsoft-com:office:powerpoint" xmlns:com="http://schemas.openxmlformats.org/drawingml/2006/compatibility" xmlns:p14="http://schemas.microsoft.com/office/powerpoint/2010/main" xmlns:p15="http://schemas.microsoft.com/office/powerpoint/2012/main" xmlns:ahyp="http://schemas.microsoft.com/office/drawing/2018/hyperlinkcolor" showMasterPhAnim="0" showMasterSp="0">
   <p:cSld>
     <p:spTree>
       <p:nvGrpSpPr>
-        <p:cNvPr id="145" name="Shape 145"/>
+        <p:cNvPr id="151" name="Shape 151"/>
         <p:cNvGrpSpPr/>
         <p:nvPr/>
       </p:nvGrpSpPr>
@@ -1339,7 +1457,7 @@
       </p:grpSpPr>
       <p:sp>
         <p:nvSpPr>
-          <p:cNvPr id="146" name="Google Shape;146;p13:notes"/>
+          <p:cNvPr id="152" name="Google Shape;152;p13:notes"/>
           <p:cNvSpPr/>
           <p:nvPr>
             <p:ph idx="2" type="sldImg"/>
@@ -1384,7 +1502,7 @@
       </p:sp>
       <p:sp>
         <p:nvSpPr>
-          <p:cNvPr id="147" name="Google Shape;147;p13:notes"/>
+          <p:cNvPr id="153" name="Google Shape;153;p13:notes"/>
           <p:cNvSpPr txBox="1"/>
           <p:nvPr>
             <p:ph idx="1" type="body"/>
@@ -1456,46 +1574,7 @@
       </p:grpSpPr>
       <p:sp>
         <p:nvSpPr>
-          <p:cNvPr id="57" name="Google Shape;57;p2:notes"/>
-          <p:cNvSpPr txBox="1"/>
-          <p:nvPr>
-            <p:ph idx="1" type="body"/>
-          </p:nvPr>
-        </p:nvSpPr>
-        <p:spPr>
-          <a:xfrm>
-            <a:off x="685800" y="4343400"/>
-            <a:ext cx="5486400" cy="4114800"/>
-          </a:xfrm>
-          <a:prstGeom prst="rect">
-            <a:avLst/>
-          </a:prstGeom>
-        </p:spPr>
-        <p:txBody>
-          <a:bodyPr anchorCtr="0" anchor="t" bIns="91425" lIns="91425" spcFirstLastPara="1" rIns="91425" wrap="square" tIns="91425">
-            <a:noAutofit/>
-          </a:bodyPr>
-          <a:lstStyle/>
-          <a:p>
-            <a:pPr indent="0" lvl="0" marL="0" rtl="0" algn="l">
-              <a:spcBef>
-                <a:spcPts val="0"/>
-              </a:spcBef>
-              <a:spcAft>
-                <a:spcPts val="0"/>
-              </a:spcAft>
-              <a:buNone/>
-            </a:pPr>
-            <a:r>
-              <a:t/>
-            </a:r>
-            <a:endParaRPr/>
-          </a:p>
-        </p:txBody>
-      </p:sp>
-      <p:sp>
-        <p:nvSpPr>
-          <p:cNvPr id="58" name="Google Shape;58;p2:notes"/>
+          <p:cNvPr id="57" name="Google Shape;57;g36c6a2bb232_0_0:notes"/>
           <p:cNvSpPr/>
           <p:nvPr>
             <p:ph idx="2" type="sldImg"/>
@@ -1504,7 +1583,7 @@
         <p:spPr>
           <a:xfrm>
             <a:off x="381300" y="685800"/>
-            <a:ext cx="6096075" cy="3429000"/>
+            <a:ext cx="6096000" cy="3429000"/>
           </a:xfrm>
           <a:custGeom>
             <a:rect b="b" l="l" r="r" t="t"/>
@@ -1528,6 +1607,45 @@
           </a:custGeom>
         </p:spPr>
       </p:sp>
+      <p:sp>
+        <p:nvSpPr>
+          <p:cNvPr id="58" name="Google Shape;58;g36c6a2bb232_0_0:notes"/>
+          <p:cNvSpPr txBox="1"/>
+          <p:nvPr>
+            <p:ph idx="1" type="body"/>
+          </p:nvPr>
+        </p:nvSpPr>
+        <p:spPr>
+          <a:xfrm>
+            <a:off x="685800" y="4343400"/>
+            <a:ext cx="5486400" cy="4114800"/>
+          </a:xfrm>
+          <a:prstGeom prst="rect">
+            <a:avLst/>
+          </a:prstGeom>
+        </p:spPr>
+        <p:txBody>
+          <a:bodyPr anchorCtr="0" anchor="t" bIns="91425" lIns="91425" spcFirstLastPara="1" rIns="91425" wrap="square" tIns="91425">
+            <a:noAutofit/>
+          </a:bodyPr>
+          <a:lstStyle/>
+          <a:p>
+            <a:pPr indent="0" lvl="0" marL="0" rtl="0" algn="l">
+              <a:spcBef>
+                <a:spcPts val="0"/>
+              </a:spcBef>
+              <a:spcAft>
+                <a:spcPts val="0"/>
+              </a:spcAft>
+              <a:buNone/>
+            </a:pPr>
+            <a:r>
+              <a:t/>
+            </a:r>
+            <a:endParaRPr/>
+          </a:p>
+        </p:txBody>
+      </p:sp>
     </p:spTree>
   </p:cSld>
   <p:clrMapOvr>
@@ -1541,7 +1659,7 @@
   <p:cSld>
     <p:spTree>
       <p:nvGrpSpPr>
-        <p:cNvPr id="67" name="Shape 67"/>
+        <p:cNvPr id="62" name="Shape 62"/>
         <p:cNvGrpSpPr/>
         <p:nvPr/>
       </p:nvGrpSpPr>
@@ -1555,7 +1673,7 @@
       </p:grpSpPr>
       <p:sp>
         <p:nvSpPr>
-          <p:cNvPr id="68" name="Google Shape;68;p3:notes"/>
+          <p:cNvPr id="63" name="Google Shape;63;p3:notes"/>
           <p:cNvSpPr/>
           <p:nvPr>
             <p:ph idx="2" type="sldImg"/>
@@ -1600,7 +1718,7 @@
       </p:sp>
       <p:sp>
         <p:nvSpPr>
-          <p:cNvPr id="69" name="Google Shape;69;p3:notes"/>
+          <p:cNvPr id="64" name="Google Shape;64;p3:notes"/>
           <p:cNvSpPr txBox="1"/>
           <p:nvPr>
             <p:ph idx="1" type="body"/>
@@ -1658,7 +1776,7 @@
   <p:cSld>
     <p:spTree>
       <p:nvGrpSpPr>
-        <p:cNvPr id="79" name="Shape 79"/>
+        <p:cNvPr id="74" name="Shape 74"/>
         <p:cNvGrpSpPr/>
         <p:nvPr/>
       </p:nvGrpSpPr>
@@ -1672,7 +1790,106 @@
       </p:grpSpPr>
       <p:sp>
         <p:nvSpPr>
-          <p:cNvPr id="80" name="Google Shape;80;p4:notes"/>
+          <p:cNvPr id="75" name="Google Shape;75;p2:notes"/>
+          <p:cNvSpPr txBox="1"/>
+          <p:nvPr>
+            <p:ph idx="1" type="body"/>
+          </p:nvPr>
+        </p:nvSpPr>
+        <p:spPr>
+          <a:xfrm>
+            <a:off x="685800" y="4343400"/>
+            <a:ext cx="5486400" cy="4114800"/>
+          </a:xfrm>
+          <a:prstGeom prst="rect">
+            <a:avLst/>
+          </a:prstGeom>
+        </p:spPr>
+        <p:txBody>
+          <a:bodyPr anchorCtr="0" anchor="t" bIns="91425" lIns="91425" spcFirstLastPara="1" rIns="91425" wrap="square" tIns="91425">
+            <a:noAutofit/>
+          </a:bodyPr>
+          <a:lstStyle/>
+          <a:p>
+            <a:pPr indent="0" lvl="0" marL="0" rtl="0" algn="l">
+              <a:spcBef>
+                <a:spcPts val="0"/>
+              </a:spcBef>
+              <a:spcAft>
+                <a:spcPts val="0"/>
+              </a:spcAft>
+              <a:buNone/>
+            </a:pPr>
+            <a:r>
+              <a:t/>
+            </a:r>
+            <a:endParaRPr/>
+          </a:p>
+        </p:txBody>
+      </p:sp>
+      <p:sp>
+        <p:nvSpPr>
+          <p:cNvPr id="76" name="Google Shape;76;p2:notes"/>
+          <p:cNvSpPr/>
+          <p:nvPr>
+            <p:ph idx="2" type="sldImg"/>
+          </p:nvPr>
+        </p:nvSpPr>
+        <p:spPr>
+          <a:xfrm>
+            <a:off x="381300" y="685800"/>
+            <a:ext cx="6096075" cy="3429000"/>
+          </a:xfrm>
+          <a:custGeom>
+            <a:rect b="b" l="l" r="r" t="t"/>
+            <a:pathLst>
+              <a:path extrusionOk="0" h="120000" w="120000">
+                <a:moveTo>
+                  <a:pt x="0" y="0"/>
+                </a:moveTo>
+                <a:lnTo>
+                  <a:pt x="120000" y="0"/>
+                </a:lnTo>
+                <a:lnTo>
+                  <a:pt x="120000" y="120000"/>
+                </a:lnTo>
+                <a:lnTo>
+                  <a:pt x="0" y="120000"/>
+                </a:lnTo>
+                <a:close/>
+              </a:path>
+            </a:pathLst>
+          </a:custGeom>
+        </p:spPr>
+      </p:sp>
+    </p:spTree>
+  </p:cSld>
+  <p:clrMapOvr>
+    <a:masterClrMapping/>
+  </p:clrMapOvr>
+</p:notes>
+</file>
+
+<file path=ppt/notesSlides/notesSlide5.xml><?xml version="1.0" encoding="utf-8"?>
+<p:notes xmlns:a="http://schemas.openxmlformats.org/drawingml/2006/main" xmlns:r="http://schemas.openxmlformats.org/officeDocument/2006/relationships" xmlns:mc="http://schemas.openxmlformats.org/markup-compatibility/2006" xmlns:mv="urn:schemas-microsoft-com:mac:vml" xmlns:p="http://schemas.openxmlformats.org/presentationml/2006/main" xmlns:c="http://schemas.openxmlformats.org/drawingml/2006/chart" xmlns:dgm="http://schemas.openxmlformats.org/drawingml/2006/diagram" xmlns:o="urn:schemas-microsoft-com:office:office" xmlns:v="urn:schemas-microsoft-com:vml" xmlns:pvml="urn:schemas-microsoft-com:office:powerpoint" xmlns:com="http://schemas.openxmlformats.org/drawingml/2006/compatibility" xmlns:p14="http://schemas.microsoft.com/office/powerpoint/2010/main" xmlns:p15="http://schemas.microsoft.com/office/powerpoint/2012/main" xmlns:ahyp="http://schemas.microsoft.com/office/drawing/2018/hyperlinkcolor" showMasterPhAnim="0" showMasterSp="0">
+  <p:cSld>
+    <p:spTree>
+      <p:nvGrpSpPr>
+        <p:cNvPr id="85" name="Shape 85"/>
+        <p:cNvGrpSpPr/>
+        <p:nvPr/>
+      </p:nvGrpSpPr>
+      <p:grpSpPr>
+        <a:xfrm>
+          <a:off x="0" y="0"/>
+          <a:ext cx="0" cy="0"/>
+          <a:chOff x="0" y="0"/>
+          <a:chExt cx="0" cy="0"/>
+        </a:xfrm>
+      </p:grpSpPr>
+      <p:sp>
+        <p:nvSpPr>
+          <p:cNvPr id="86" name="Google Shape;86;p4:notes"/>
           <p:cNvSpPr/>
           <p:nvPr>
             <p:ph idx="2" type="sldImg"/>
@@ -1717,7 +1934,7 @@
       </p:sp>
       <p:sp>
         <p:nvSpPr>
-          <p:cNvPr id="81" name="Google Shape;81;p4:notes"/>
+          <p:cNvPr id="87" name="Google Shape;87;p4:notes"/>
           <p:cNvSpPr txBox="1"/>
           <p:nvPr>
             <p:ph idx="1" type="body"/>
@@ -1770,12 +1987,12 @@
 </p:notes>
 </file>
 
-<file path=ppt/notesSlides/notesSlide5.xml><?xml version="1.0" encoding="utf-8"?>
+<file path=ppt/notesSlides/notesSlide6.xml><?xml version="1.0" encoding="utf-8"?>
 <p:notes xmlns:a="http://schemas.openxmlformats.org/drawingml/2006/main" xmlns:r="http://schemas.openxmlformats.org/officeDocument/2006/relationships" xmlns:mc="http://schemas.openxmlformats.org/markup-compatibility/2006" xmlns:mv="urn:schemas-microsoft-com:mac:vml" xmlns:p="http://schemas.openxmlformats.org/presentationml/2006/main" xmlns:c="http://schemas.openxmlformats.org/drawingml/2006/chart" xmlns:dgm="http://schemas.openxmlformats.org/drawingml/2006/diagram" xmlns:o="urn:schemas-microsoft-com:office:office" xmlns:v="urn:schemas-microsoft-com:vml" xmlns:pvml="urn:schemas-microsoft-com:office:powerpoint" xmlns:com="http://schemas.openxmlformats.org/drawingml/2006/compatibility" xmlns:p14="http://schemas.microsoft.com/office/powerpoint/2010/main" xmlns:p15="http://schemas.microsoft.com/office/powerpoint/2012/main" xmlns:ahyp="http://schemas.microsoft.com/office/drawing/2018/hyperlinkcolor" showMasterPhAnim="0" showMasterSp="0">
   <p:cSld>
     <p:spTree>
       <p:nvGrpSpPr>
-        <p:cNvPr id="89" name="Shape 89"/>
+        <p:cNvPr id="95" name="Shape 95"/>
         <p:cNvGrpSpPr/>
         <p:nvPr/>
       </p:nvGrpSpPr>
@@ -1789,7 +2006,7 @@
       </p:grpSpPr>
       <p:sp>
         <p:nvSpPr>
-          <p:cNvPr id="90" name="Google Shape;90;p5:notes"/>
+          <p:cNvPr id="96" name="Google Shape;96;p5:notes"/>
           <p:cNvSpPr/>
           <p:nvPr>
             <p:ph idx="2" type="sldImg"/>
@@ -1834,7 +2051,7 @@
       </p:sp>
       <p:sp>
         <p:nvSpPr>
-          <p:cNvPr id="91" name="Google Shape;91;p5:notes"/>
+          <p:cNvPr id="97" name="Google Shape;97;p5:notes"/>
           <p:cNvSpPr txBox="1"/>
           <p:nvPr>
             <p:ph idx="1" type="body"/>
@@ -1887,12 +2104,12 @@
 </p:notes>
 </file>
 
-<file path=ppt/notesSlides/notesSlide6.xml><?xml version="1.0" encoding="utf-8"?>
+<file path=ppt/notesSlides/notesSlide7.xml><?xml version="1.0" encoding="utf-8"?>
 <p:notes xmlns:a="http://schemas.openxmlformats.org/drawingml/2006/main" xmlns:r="http://schemas.openxmlformats.org/officeDocument/2006/relationships" xmlns:mc="http://schemas.openxmlformats.org/markup-compatibility/2006" xmlns:mv="urn:schemas-microsoft-com:mac:vml" xmlns:p="http://schemas.openxmlformats.org/presentationml/2006/main" xmlns:c="http://schemas.openxmlformats.org/drawingml/2006/chart" xmlns:dgm="http://schemas.openxmlformats.org/drawingml/2006/diagram" xmlns:o="urn:schemas-microsoft-com:office:office" xmlns:v="urn:schemas-microsoft-com:vml" xmlns:pvml="urn:schemas-microsoft-com:office:powerpoint" xmlns:com="http://schemas.openxmlformats.org/drawingml/2006/compatibility" xmlns:p14="http://schemas.microsoft.com/office/powerpoint/2010/main" xmlns:p15="http://schemas.microsoft.com/office/powerpoint/2012/main" xmlns:ahyp="http://schemas.microsoft.com/office/drawing/2018/hyperlinkcolor" showMasterPhAnim="0" showMasterSp="0">
   <p:cSld>
     <p:spTree>
       <p:nvGrpSpPr>
-        <p:cNvPr id="95" name="Shape 95"/>
+        <p:cNvPr id="101" name="Shape 101"/>
         <p:cNvGrpSpPr/>
         <p:nvPr/>
       </p:nvGrpSpPr>
@@ -1906,7 +2123,7 @@
       </p:grpSpPr>
       <p:sp>
         <p:nvSpPr>
-          <p:cNvPr id="96" name="Google Shape;96;p6:notes"/>
+          <p:cNvPr id="102" name="Google Shape;102;p6:notes"/>
           <p:cNvSpPr/>
           <p:nvPr>
             <p:ph idx="2" type="sldImg"/>
@@ -1951,7 +2168,7 @@
       </p:sp>
       <p:sp>
         <p:nvSpPr>
-          <p:cNvPr id="97" name="Google Shape;97;p6:notes"/>
+          <p:cNvPr id="103" name="Google Shape;103;p6:notes"/>
           <p:cNvSpPr txBox="1"/>
           <p:nvPr>
             <p:ph idx="1" type="body"/>
@@ -2004,12 +2221,12 @@
 </p:notes>
 </file>
 
-<file path=ppt/notesSlides/notesSlide7.xml><?xml version="1.0" encoding="utf-8"?>
+<file path=ppt/notesSlides/notesSlide8.xml><?xml version="1.0" encoding="utf-8"?>
 <p:notes xmlns:a="http://schemas.openxmlformats.org/drawingml/2006/main" xmlns:r="http://schemas.openxmlformats.org/officeDocument/2006/relationships" xmlns:mc="http://schemas.openxmlformats.org/markup-compatibility/2006" xmlns:mv="urn:schemas-microsoft-com:mac:vml" xmlns:p="http://schemas.openxmlformats.org/presentationml/2006/main" xmlns:c="http://schemas.openxmlformats.org/drawingml/2006/chart" xmlns:dgm="http://schemas.openxmlformats.org/drawingml/2006/diagram" xmlns:o="urn:schemas-microsoft-com:office:office" xmlns:v="urn:schemas-microsoft-com:vml" xmlns:pvml="urn:schemas-microsoft-com:office:powerpoint" xmlns:com="http://schemas.openxmlformats.org/drawingml/2006/compatibility" xmlns:p14="http://schemas.microsoft.com/office/powerpoint/2010/main" xmlns:p15="http://schemas.microsoft.com/office/powerpoint/2012/main" xmlns:ahyp="http://schemas.microsoft.com/office/drawing/2018/hyperlinkcolor" showMasterPhAnim="0" showMasterSp="0">
   <p:cSld>
     <p:spTree>
       <p:nvGrpSpPr>
-        <p:cNvPr id="101" name="Shape 101"/>
+        <p:cNvPr id="107" name="Shape 107"/>
         <p:cNvGrpSpPr/>
         <p:nvPr/>
       </p:nvGrpSpPr>
@@ -2023,7 +2240,7 @@
       </p:grpSpPr>
       <p:sp>
         <p:nvSpPr>
-          <p:cNvPr id="102" name="Google Shape;102;p7:notes"/>
+          <p:cNvPr id="108" name="Google Shape;108;p7:notes"/>
           <p:cNvSpPr/>
           <p:nvPr>
             <p:ph idx="2" type="sldImg"/>
@@ -2068,7 +2285,7 @@
       </p:sp>
       <p:sp>
         <p:nvSpPr>
-          <p:cNvPr id="103" name="Google Shape;103;p7:notes"/>
+          <p:cNvPr id="109" name="Google Shape;109;p7:notes"/>
           <p:cNvSpPr txBox="1"/>
           <p:nvPr>
             <p:ph idx="1" type="body"/>
@@ -2121,12 +2338,12 @@
 </p:notes>
 </file>
 
-<file path=ppt/notesSlides/notesSlide8.xml><?xml version="1.0" encoding="utf-8"?>
+<file path=ppt/notesSlides/notesSlide9.xml><?xml version="1.0" encoding="utf-8"?>
 <p:notes xmlns:a="http://schemas.openxmlformats.org/drawingml/2006/main" xmlns:r="http://schemas.openxmlformats.org/officeDocument/2006/relationships" xmlns:mc="http://schemas.openxmlformats.org/markup-compatibility/2006" xmlns:mv="urn:schemas-microsoft-com:mac:vml" xmlns:p="http://schemas.openxmlformats.org/presentationml/2006/main" xmlns:c="http://schemas.openxmlformats.org/drawingml/2006/chart" xmlns:dgm="http://schemas.openxmlformats.org/drawingml/2006/diagram" xmlns:o="urn:schemas-microsoft-com:office:office" xmlns:v="urn:schemas-microsoft-com:vml" xmlns:pvml="urn:schemas-microsoft-com:office:powerpoint" xmlns:com="http://schemas.openxmlformats.org/drawingml/2006/compatibility" xmlns:p14="http://schemas.microsoft.com/office/powerpoint/2010/main" xmlns:p15="http://schemas.microsoft.com/office/powerpoint/2012/main" xmlns:ahyp="http://schemas.microsoft.com/office/drawing/2018/hyperlinkcolor" showMasterPhAnim="0" showMasterSp="0">
   <p:cSld>
     <p:spTree>
       <p:nvGrpSpPr>
-        <p:cNvPr id="108" name="Shape 108"/>
+        <p:cNvPr id="114" name="Shape 114"/>
         <p:cNvGrpSpPr/>
         <p:nvPr/>
       </p:nvGrpSpPr>
@@ -2140,7 +2357,7 @@
       </p:grpSpPr>
       <p:sp>
         <p:nvSpPr>
-          <p:cNvPr id="109" name="Google Shape;109;p8:notes"/>
+          <p:cNvPr id="115" name="Google Shape;115;p8:notes"/>
           <p:cNvSpPr/>
           <p:nvPr>
             <p:ph idx="2" type="sldImg"/>
@@ -2185,124 +2402,7 @@
       </p:sp>
       <p:sp>
         <p:nvSpPr>
-          <p:cNvPr id="110" name="Google Shape;110;p8:notes"/>
-          <p:cNvSpPr txBox="1"/>
-          <p:nvPr>
-            <p:ph idx="1" type="body"/>
-          </p:nvPr>
-        </p:nvSpPr>
-        <p:spPr>
-          <a:xfrm>
-            <a:off x="685800" y="4343400"/>
-            <a:ext cx="5486400" cy="4114800"/>
-          </a:xfrm>
-          <a:prstGeom prst="rect">
-            <a:avLst/>
-          </a:prstGeom>
-          <a:noFill/>
-          <a:ln>
-            <a:noFill/>
-          </a:ln>
-        </p:spPr>
-        <p:txBody>
-          <a:bodyPr anchorCtr="0" anchor="t" bIns="91425" lIns="91425" spcFirstLastPara="1" rIns="91425" wrap="square" tIns="91425">
-            <a:noAutofit/>
-          </a:bodyPr>
-          <a:lstStyle/>
-          <a:p>
-            <a:pPr indent="0" lvl="0" marL="0" rtl="0" algn="l">
-              <a:lnSpc>
-                <a:spcPct val="100000"/>
-              </a:lnSpc>
-              <a:spcBef>
-                <a:spcPts val="0"/>
-              </a:spcBef>
-              <a:spcAft>
-                <a:spcPts val="0"/>
-              </a:spcAft>
-              <a:buSzPts val="1100"/>
-              <a:buNone/>
-            </a:pPr>
-            <a:r>
-              <a:t/>
-            </a:r>
-            <a:endParaRPr/>
-          </a:p>
-        </p:txBody>
-      </p:sp>
-    </p:spTree>
-  </p:cSld>
-  <p:clrMapOvr>
-    <a:masterClrMapping/>
-  </p:clrMapOvr>
-</p:notes>
-</file>
-
-<file path=ppt/notesSlides/notesSlide9.xml><?xml version="1.0" encoding="utf-8"?>
-<p:notes xmlns:a="http://schemas.openxmlformats.org/drawingml/2006/main" xmlns:r="http://schemas.openxmlformats.org/officeDocument/2006/relationships" xmlns:mc="http://schemas.openxmlformats.org/markup-compatibility/2006" xmlns:mv="urn:schemas-microsoft-com:mac:vml" xmlns:p="http://schemas.openxmlformats.org/presentationml/2006/main" xmlns:c="http://schemas.openxmlformats.org/drawingml/2006/chart" xmlns:dgm="http://schemas.openxmlformats.org/drawingml/2006/diagram" xmlns:o="urn:schemas-microsoft-com:office:office" xmlns:v="urn:schemas-microsoft-com:vml" xmlns:pvml="urn:schemas-microsoft-com:office:powerpoint" xmlns:com="http://schemas.openxmlformats.org/drawingml/2006/compatibility" xmlns:p14="http://schemas.microsoft.com/office/powerpoint/2010/main" xmlns:p15="http://schemas.microsoft.com/office/powerpoint/2012/main" xmlns:ahyp="http://schemas.microsoft.com/office/drawing/2018/hyperlinkcolor" showMasterPhAnim="0" showMasterSp="0">
-  <p:cSld>
-    <p:spTree>
-      <p:nvGrpSpPr>
-        <p:cNvPr id="117" name="Shape 117"/>
-        <p:cNvGrpSpPr/>
-        <p:nvPr/>
-      </p:nvGrpSpPr>
-      <p:grpSpPr>
-        <a:xfrm>
-          <a:off x="0" y="0"/>
-          <a:ext cx="0" cy="0"/>
-          <a:chOff x="0" y="0"/>
-          <a:chExt cx="0" cy="0"/>
-        </a:xfrm>
-      </p:grpSpPr>
-      <p:sp>
-        <p:nvSpPr>
-          <p:cNvPr id="118" name="Google Shape;118;p9:notes"/>
-          <p:cNvSpPr/>
-          <p:nvPr>
-            <p:ph idx="2" type="sldImg"/>
-          </p:nvPr>
-        </p:nvSpPr>
-        <p:spPr>
-          <a:xfrm>
-            <a:off x="381300" y="685800"/>
-            <a:ext cx="6096000" cy="3429000"/>
-          </a:xfrm>
-          <a:custGeom>
-            <a:rect b="b" l="l" r="r" t="t"/>
-            <a:pathLst>
-              <a:path extrusionOk="0" h="120000" w="120000">
-                <a:moveTo>
-                  <a:pt x="0" y="0"/>
-                </a:moveTo>
-                <a:lnTo>
-                  <a:pt x="120000" y="0"/>
-                </a:lnTo>
-                <a:lnTo>
-                  <a:pt x="120000" y="120000"/>
-                </a:lnTo>
-                <a:lnTo>
-                  <a:pt x="0" y="120000"/>
-                </a:lnTo>
-                <a:close/>
-              </a:path>
-            </a:pathLst>
-          </a:custGeom>
-          <a:noFill/>
-          <a:ln cap="flat" cmpd="sng" w="9525">
-            <a:solidFill>
-              <a:srgbClr val="000000"/>
-            </a:solidFill>
-            <a:prstDash val="solid"/>
-            <a:round/>
-            <a:headEnd len="sm" w="sm" type="none"/>
-            <a:tailEnd len="sm" w="sm" type="none"/>
-          </a:ln>
-        </p:spPr>
-      </p:sp>
-      <p:sp>
-        <p:nvSpPr>
-          <p:cNvPr id="119" name="Google Shape;119;p9:notes"/>
+          <p:cNvPr id="116" name="Google Shape;116;p8:notes"/>
           <p:cNvSpPr txBox="1"/>
           <p:nvPr>
             <p:ph idx="1" type="body"/>
@@ -10038,7 +10138,7 @@
         </p:spPr>
         <p:txBody>
           <a:bodyPr anchorCtr="0" anchor="b" bIns="91425" lIns="91425" spcFirstLastPara="1" rIns="91425" wrap="square" tIns="91425">
-            <a:normAutofit fontScale="90000"/>
+            <a:normAutofit/>
           </a:bodyPr>
           <a:lstStyle/>
           <a:p>
@@ -10052,27 +10152,7 @@
               <a:spcAft>
                 <a:spcPts val="0"/>
               </a:spcAft>
-              <a:buSzPct val="100000"/>
-              <a:buNone/>
-            </a:pPr>
-            <a:r>
-              <a:rPr lang="en"/>
-              <a:t>Short Read Workshop Day 7</a:t>
-            </a:r>
-            <a:endParaRPr/>
-          </a:p>
-          <a:p>
-            <a:pPr indent="0" lvl="0" marL="0" rtl="0" algn="ctr">
-              <a:lnSpc>
-                <a:spcPct val="100000"/>
-              </a:lnSpc>
-              <a:spcBef>
-                <a:spcPts val="0"/>
-              </a:spcBef>
-              <a:spcAft>
-                <a:spcPts val="0"/>
-              </a:spcAft>
-              <a:buSzPct val="100000"/>
+              <a:buSzPts val="5200"/>
               <a:buNone/>
             </a:pPr>
             <a:r>
@@ -10106,7 +10186,7 @@
         </p:spPr>
         <p:txBody>
           <a:bodyPr anchorCtr="0" anchor="t" bIns="91425" lIns="91425" spcFirstLastPara="1" rIns="91425" wrap="square" tIns="91425">
-            <a:normAutofit/>
+            <a:normAutofit lnSpcReduction="10000"/>
           </a:bodyPr>
           <a:lstStyle/>
           <a:p>
@@ -10125,7 +10205,7 @@
             </a:pPr>
             <a:r>
               <a:rPr lang="en" sz="2500"/>
-              <a:t>Sam Hunter and Rutendo Sigauke</a:t>
+              <a:t>Short Read Workshop </a:t>
             </a:r>
             <a:endParaRPr sz="2500"/>
           </a:p>
@@ -10145,7 +10225,26 @@
             </a:pPr>
             <a:r>
               <a:rPr lang="en" sz="2500"/>
-              <a:t>2025</a:t>
+              <a:t>Day 7</a:t>
+            </a:r>
+            <a:endParaRPr sz="2500"/>
+          </a:p>
+          <a:p>
+            <a:pPr indent="0" lvl="0" marL="0" rtl="0" algn="ctr">
+              <a:lnSpc>
+                <a:spcPct val="100000"/>
+              </a:lnSpc>
+              <a:spcBef>
+                <a:spcPts val="0"/>
+              </a:spcBef>
+              <a:spcAft>
+                <a:spcPts val="0"/>
+              </a:spcAft>
+              <a:buSzPts val="2800"/>
+              <a:buNone/>
+            </a:pPr>
+            <a:r>
+              <a:t/>
             </a:r>
             <a:endParaRPr sz="2500"/>
           </a:p>
@@ -10164,7 +10263,342 @@
   <p:cSld>
     <p:spTree>
       <p:nvGrpSpPr>
-        <p:cNvPr id="129" name="Shape 129"/>
+        <p:cNvPr id="126" name="Shape 126"/>
+        <p:cNvGrpSpPr/>
+        <p:nvPr/>
+      </p:nvGrpSpPr>
+      <p:grpSpPr>
+        <a:xfrm>
+          <a:off x="0" y="0"/>
+          <a:ext cx="0" cy="0"/>
+          <a:chOff x="0" y="0"/>
+          <a:chExt cx="0" cy="0"/>
+        </a:xfrm>
+      </p:grpSpPr>
+      <p:pic>
+        <p:nvPicPr>
+          <p:cNvPr id="127" name="Google Shape;127;p9"/>
+          <p:cNvPicPr preferRelativeResize="0"/>
+          <p:nvPr/>
+        </p:nvPicPr>
+        <p:blipFill rotWithShape="1">
+          <a:blip r:embed="rId3">
+            <a:alphaModFix amt="18000"/>
+          </a:blip>
+          <a:srcRect b="0" l="0" r="0" t="41849"/>
+          <a:stretch/>
+        </p:blipFill>
+        <p:spPr>
+          <a:xfrm>
+            <a:off x="1539532" y="1392077"/>
+            <a:ext cx="6064948" cy="3297465"/>
+          </a:xfrm>
+          <a:prstGeom prst="rect">
+            <a:avLst/>
+          </a:prstGeom>
+          <a:noFill/>
+          <a:ln>
+            <a:noFill/>
+          </a:ln>
+        </p:spPr>
+      </p:pic>
+      <p:sp>
+        <p:nvSpPr>
+          <p:cNvPr id="128" name="Google Shape;128;p9"/>
+          <p:cNvSpPr/>
+          <p:nvPr/>
+        </p:nvSpPr>
+        <p:spPr>
+          <a:xfrm>
+            <a:off x="1525250" y="1330350"/>
+            <a:ext cx="2432100" cy="1101600"/>
+          </a:xfrm>
+          <a:prstGeom prst="rect">
+            <a:avLst/>
+          </a:prstGeom>
+          <a:solidFill>
+            <a:schemeClr val="lt1"/>
+          </a:solidFill>
+          <a:ln cap="flat" cmpd="sng" w="9525">
+            <a:solidFill>
+              <a:schemeClr val="lt1"/>
+            </a:solidFill>
+            <a:prstDash val="solid"/>
+            <a:round/>
+            <a:headEnd len="sm" w="sm" type="none"/>
+            <a:tailEnd len="sm" w="sm" type="none"/>
+          </a:ln>
+        </p:spPr>
+        <p:txBody>
+          <a:bodyPr anchorCtr="0" anchor="ctr" bIns="91425" lIns="91425" spcFirstLastPara="1" rIns="91425" wrap="square" tIns="91425">
+            <a:noAutofit/>
+          </a:bodyPr>
+          <a:lstStyle/>
+          <a:p>
+            <a:pPr indent="0" lvl="0" marL="0" marR="0" rtl="0" algn="l">
+              <a:lnSpc>
+                <a:spcPct val="100000"/>
+              </a:lnSpc>
+              <a:spcBef>
+                <a:spcPts val="0"/>
+              </a:spcBef>
+              <a:spcAft>
+                <a:spcPts val="0"/>
+              </a:spcAft>
+              <a:buClr>
+                <a:srgbClr val="000000"/>
+              </a:buClr>
+              <a:buSzPts val="1400"/>
+              <a:buFont typeface="Arial"/>
+              <a:buNone/>
+            </a:pPr>
+            <a:r>
+              <a:t/>
+            </a:r>
+            <a:endParaRPr b="0" i="0" sz="1400" u="none" cap="none" strike="noStrike">
+              <a:solidFill>
+                <a:srgbClr val="000000"/>
+              </a:solidFill>
+              <a:latin typeface="Arial"/>
+              <a:ea typeface="Arial"/>
+              <a:cs typeface="Arial"/>
+              <a:sym typeface="Arial"/>
+            </a:endParaRPr>
+          </a:p>
+        </p:txBody>
+      </p:sp>
+      <p:sp>
+        <p:nvSpPr>
+          <p:cNvPr id="129" name="Google Shape;129;p9"/>
+          <p:cNvSpPr txBox="1"/>
+          <p:nvPr/>
+        </p:nvSpPr>
+        <p:spPr>
+          <a:xfrm>
+            <a:off x="1103400" y="2101825"/>
+            <a:ext cx="6937200" cy="1385400"/>
+          </a:xfrm>
+          <a:prstGeom prst="rect">
+            <a:avLst/>
+          </a:prstGeom>
+          <a:noFill/>
+          <a:ln>
+            <a:noFill/>
+          </a:ln>
+        </p:spPr>
+        <p:txBody>
+          <a:bodyPr anchorCtr="0" anchor="t" bIns="91425" lIns="91425" spcFirstLastPara="1" rIns="91425" wrap="square" tIns="91425">
+            <a:spAutoFit/>
+          </a:bodyPr>
+          <a:lstStyle/>
+          <a:p>
+            <a:pPr indent="0" lvl="0" marL="0" marR="0" rtl="0" algn="ctr">
+              <a:lnSpc>
+                <a:spcPct val="100000"/>
+              </a:lnSpc>
+              <a:spcBef>
+                <a:spcPts val="0"/>
+              </a:spcBef>
+              <a:spcAft>
+                <a:spcPts val="0"/>
+              </a:spcAft>
+              <a:buClr>
+                <a:srgbClr val="000000"/>
+              </a:buClr>
+              <a:buSzPts val="3900"/>
+              <a:buFont typeface="Arial"/>
+              <a:buNone/>
+            </a:pPr>
+            <a:r>
+              <a:rPr b="0" i="0" lang="en" sz="3900" u="none" cap="none" strike="noStrike">
+                <a:solidFill>
+                  <a:schemeClr val="dk1"/>
+                </a:solidFill>
+                <a:latin typeface="Arial"/>
+                <a:ea typeface="Arial"/>
+                <a:cs typeface="Arial"/>
+                <a:sym typeface="Arial"/>
+              </a:rPr>
+              <a:t>Assumption: MOST features are not changing</a:t>
+            </a:r>
+            <a:endParaRPr b="0" i="0" sz="3900" u="none" cap="none" strike="noStrike">
+              <a:solidFill>
+                <a:schemeClr val="dk1"/>
+              </a:solidFill>
+              <a:latin typeface="Arial"/>
+              <a:ea typeface="Arial"/>
+              <a:cs typeface="Arial"/>
+              <a:sym typeface="Arial"/>
+            </a:endParaRPr>
+          </a:p>
+        </p:txBody>
+      </p:sp>
+      <p:sp>
+        <p:nvSpPr>
+          <p:cNvPr id="130" name="Google Shape;130;p9"/>
+          <p:cNvSpPr/>
+          <p:nvPr/>
+        </p:nvSpPr>
+        <p:spPr>
+          <a:xfrm>
+            <a:off x="1182600" y="4808875"/>
+            <a:ext cx="6778800" cy="276900"/>
+          </a:xfrm>
+          <a:prstGeom prst="rect">
+            <a:avLst/>
+          </a:prstGeom>
+          <a:noFill/>
+          <a:ln>
+            <a:noFill/>
+          </a:ln>
+        </p:spPr>
+        <p:txBody>
+          <a:bodyPr anchorCtr="0" anchor="t" bIns="45700" lIns="91425" spcFirstLastPara="1" rIns="91425" wrap="square" tIns="45700">
+            <a:noAutofit/>
+          </a:bodyPr>
+          <a:lstStyle/>
+          <a:p>
+            <a:pPr indent="0" lvl="0" marL="0" marR="0" rtl="0" algn="ctr">
+              <a:lnSpc>
+                <a:spcPct val="100000"/>
+              </a:lnSpc>
+              <a:spcBef>
+                <a:spcPts val="0"/>
+              </a:spcBef>
+              <a:spcAft>
+                <a:spcPts val="0"/>
+              </a:spcAft>
+              <a:buClr>
+                <a:srgbClr val="000000"/>
+              </a:buClr>
+              <a:buSzPts val="1200"/>
+              <a:buFont typeface="Arial"/>
+              <a:buNone/>
+            </a:pPr>
+            <a:r>
+              <a:rPr b="0" i="0" lang="en" sz="1200" u="sng" cap="none" strike="noStrike">
+                <a:solidFill>
+                  <a:schemeClr val="accent1"/>
+                </a:solidFill>
+                <a:latin typeface="Arial"/>
+                <a:ea typeface="Arial"/>
+                <a:cs typeface="Arial"/>
+                <a:sym typeface="Arial"/>
+                <a:hlinkClick r:id="rId4">
+                  <a:extLst>
+                    <a:ext uri="{A12FA001-AC4F-418D-AE19-62706E023703}">
+                      <ahyp:hlinkClr val="tx"/>
+                    </a:ext>
+                  </a:extLst>
+                </a:hlinkClick>
+              </a:rPr>
+              <a:t>https://hbctraining.github.io/DGE_workshop_salmon/lessons/04_DGE_DESeq2_analysis.html</a:t>
+            </a:r>
+            <a:endParaRPr b="0" i="0" sz="1200" u="none" cap="none" strike="noStrike">
+              <a:solidFill>
+                <a:schemeClr val="accent1"/>
+              </a:solidFill>
+              <a:latin typeface="Arial"/>
+              <a:ea typeface="Arial"/>
+              <a:cs typeface="Arial"/>
+              <a:sym typeface="Arial"/>
+            </a:endParaRPr>
+          </a:p>
+          <a:p>
+            <a:pPr indent="0" lvl="0" marL="0" marR="0" rtl="0" algn="ctr">
+              <a:lnSpc>
+                <a:spcPct val="100000"/>
+              </a:lnSpc>
+              <a:spcBef>
+                <a:spcPts val="0"/>
+              </a:spcBef>
+              <a:spcAft>
+                <a:spcPts val="0"/>
+              </a:spcAft>
+              <a:buClr>
+                <a:srgbClr val="000000"/>
+              </a:buClr>
+              <a:buSzPts val="1200"/>
+              <a:buFont typeface="Arial"/>
+              <a:buNone/>
+            </a:pPr>
+            <a:r>
+              <a:t/>
+            </a:r>
+            <a:endParaRPr b="0" i="0" sz="1200" u="none" cap="none" strike="noStrike">
+              <a:solidFill>
+                <a:schemeClr val="accent1"/>
+              </a:solidFill>
+              <a:latin typeface="Arial"/>
+              <a:ea typeface="Arial"/>
+              <a:cs typeface="Arial"/>
+              <a:sym typeface="Arial"/>
+            </a:endParaRPr>
+          </a:p>
+        </p:txBody>
+      </p:sp>
+      <p:sp>
+        <p:nvSpPr>
+          <p:cNvPr id="131" name="Google Shape;131;p9"/>
+          <p:cNvSpPr txBox="1"/>
+          <p:nvPr>
+            <p:ph type="title"/>
+          </p:nvPr>
+        </p:nvSpPr>
+        <p:spPr>
+          <a:xfrm>
+            <a:off x="311700" y="445025"/>
+            <a:ext cx="8520600" cy="572700"/>
+          </a:xfrm>
+          <a:prstGeom prst="rect">
+            <a:avLst/>
+          </a:prstGeom>
+          <a:noFill/>
+          <a:ln>
+            <a:noFill/>
+          </a:ln>
+        </p:spPr>
+        <p:txBody>
+          <a:bodyPr anchorCtr="0" anchor="t" bIns="91425" lIns="91425" spcFirstLastPara="1" rIns="91425" wrap="square" tIns="91425">
+            <a:normAutofit fontScale="90000"/>
+          </a:bodyPr>
+          <a:lstStyle/>
+          <a:p>
+            <a:pPr indent="0" lvl="0" marL="0" rtl="0" algn="ctr">
+              <a:lnSpc>
+                <a:spcPct val="100000"/>
+              </a:lnSpc>
+              <a:spcBef>
+                <a:spcPts val="0"/>
+              </a:spcBef>
+              <a:spcAft>
+                <a:spcPts val="0"/>
+              </a:spcAft>
+              <a:buSzPct val="111111"/>
+              <a:buNone/>
+            </a:pPr>
+            <a:r>
+              <a:rPr lang="en"/>
+              <a:t>DESeq2 Recap</a:t>
+            </a:r>
+            <a:endParaRPr/>
+          </a:p>
+        </p:txBody>
+      </p:sp>
+    </p:spTree>
+  </p:cSld>
+  <p:clrMapOvr>
+    <a:masterClrMapping/>
+  </p:clrMapOvr>
+</p:sld>
+</file>
+
+<file path=ppt/slides/slide11.xml><?xml version="1.0" encoding="utf-8"?>
+<p:sld xmlns:a="http://schemas.openxmlformats.org/drawingml/2006/main" xmlns:r="http://schemas.openxmlformats.org/officeDocument/2006/relationships" xmlns:mc="http://schemas.openxmlformats.org/markup-compatibility/2006" xmlns:mv="urn:schemas-microsoft-com:mac:vml" xmlns:p="http://schemas.openxmlformats.org/presentationml/2006/main" xmlns:c="http://schemas.openxmlformats.org/drawingml/2006/chart" xmlns:dgm="http://schemas.openxmlformats.org/drawingml/2006/diagram" xmlns:o="urn:schemas-microsoft-com:office:office" xmlns:v="urn:schemas-microsoft-com:vml" xmlns:pvml="urn:schemas-microsoft-com:office:powerpoint" xmlns:com="http://schemas.openxmlformats.org/drawingml/2006/compatibility" xmlns:p14="http://schemas.microsoft.com/office/powerpoint/2010/main" xmlns:p15="http://schemas.microsoft.com/office/powerpoint/2012/main" xmlns:ahyp="http://schemas.microsoft.com/office/drawing/2018/hyperlinkcolor">
+  <p:cSld>
+    <p:spTree>
+      <p:nvGrpSpPr>
+        <p:cNvPr id="135" name="Shape 135"/>
         <p:cNvGrpSpPr/>
         <p:nvPr/>
       </p:nvGrpSpPr>
@@ -10178,7 +10612,7 @@
       </p:grpSpPr>
       <p:sp>
         <p:nvSpPr>
-          <p:cNvPr id="130" name="Google Shape;130;p10"/>
+          <p:cNvPr id="136" name="Google Shape;136;p10"/>
           <p:cNvSpPr txBox="1"/>
           <p:nvPr>
             <p:ph idx="1" type="body"/>
@@ -10258,7 +10692,7 @@
       </p:sp>
       <p:sp>
         <p:nvSpPr>
-          <p:cNvPr id="131" name="Google Shape;131;p10"/>
+          <p:cNvPr id="137" name="Google Shape;137;p10"/>
           <p:cNvSpPr txBox="1"/>
           <p:nvPr>
             <p:ph type="title"/>
@@ -10306,7 +10740,7 @@
       </p:sp>
       <p:pic>
         <p:nvPicPr>
-          <p:cNvPr id="132" name="Google Shape;132;p10"/>
+          <p:cNvPr id="138" name="Google Shape;138;p10"/>
           <p:cNvPicPr preferRelativeResize="0"/>
           <p:nvPr/>
         </p:nvPicPr>
@@ -10339,12 +10773,12 @@
 </p:sld>
 </file>
 
-<file path=ppt/slides/slide11.xml><?xml version="1.0" encoding="utf-8"?>
+<file path=ppt/slides/slide12.xml><?xml version="1.0" encoding="utf-8"?>
 <p:sld xmlns:a="http://schemas.openxmlformats.org/drawingml/2006/main" xmlns:r="http://schemas.openxmlformats.org/officeDocument/2006/relationships" xmlns:mc="http://schemas.openxmlformats.org/markup-compatibility/2006" xmlns:mv="urn:schemas-microsoft-com:mac:vml" xmlns:p="http://schemas.openxmlformats.org/presentationml/2006/main" xmlns:c="http://schemas.openxmlformats.org/drawingml/2006/chart" xmlns:dgm="http://schemas.openxmlformats.org/drawingml/2006/diagram" xmlns:o="urn:schemas-microsoft-com:office:office" xmlns:v="urn:schemas-microsoft-com:vml" xmlns:pvml="urn:schemas-microsoft-com:office:powerpoint" xmlns:com="http://schemas.openxmlformats.org/drawingml/2006/compatibility" xmlns:p14="http://schemas.microsoft.com/office/powerpoint/2010/main" xmlns:p15="http://schemas.microsoft.com/office/powerpoint/2012/main" xmlns:ahyp="http://schemas.microsoft.com/office/drawing/2018/hyperlinkcolor">
   <p:cSld>
     <p:spTree>
       <p:nvGrpSpPr>
-        <p:cNvPr id="136" name="Shape 136"/>
+        <p:cNvPr id="142" name="Shape 142"/>
         <p:cNvGrpSpPr/>
         <p:nvPr/>
       </p:nvGrpSpPr>
@@ -10358,7 +10792,7 @@
       </p:grpSpPr>
       <p:sp>
         <p:nvSpPr>
-          <p:cNvPr id="137" name="Google Shape;137;p11"/>
+          <p:cNvPr id="143" name="Google Shape;143;p11"/>
           <p:cNvSpPr txBox="1"/>
           <p:nvPr>
             <p:ph type="title"/>
@@ -10406,7 +10840,7 @@
       </p:sp>
       <p:sp>
         <p:nvSpPr>
-          <p:cNvPr id="138" name="Google Shape;138;p11"/>
+          <p:cNvPr id="144" name="Google Shape;144;p11"/>
           <p:cNvSpPr txBox="1"/>
           <p:nvPr>
             <p:ph idx="1" type="body"/>
@@ -10449,187 +10883,6 @@
               <a:t>How would you run DESeq2 on the supercomputer?</a:t>
             </a:r>
             <a:endParaRPr sz="2000"/>
-          </a:p>
-        </p:txBody>
-      </p:sp>
-    </p:spTree>
-  </p:cSld>
-  <p:clrMapOvr>
-    <a:masterClrMapping/>
-  </p:clrMapOvr>
-</p:sld>
-</file>
-
-<file path=ppt/slides/slide12.xml><?xml version="1.0" encoding="utf-8"?>
-<p:sld xmlns:a="http://schemas.openxmlformats.org/drawingml/2006/main" xmlns:r="http://schemas.openxmlformats.org/officeDocument/2006/relationships" xmlns:mc="http://schemas.openxmlformats.org/markup-compatibility/2006" xmlns:mv="urn:schemas-microsoft-com:mac:vml" xmlns:p="http://schemas.openxmlformats.org/presentationml/2006/main" xmlns:c="http://schemas.openxmlformats.org/drawingml/2006/chart" xmlns:dgm="http://schemas.openxmlformats.org/drawingml/2006/diagram" xmlns:o="urn:schemas-microsoft-com:office:office" xmlns:v="urn:schemas-microsoft-com:vml" xmlns:pvml="urn:schemas-microsoft-com:office:powerpoint" xmlns:com="http://schemas.openxmlformats.org/drawingml/2006/compatibility" xmlns:p14="http://schemas.microsoft.com/office/powerpoint/2010/main" xmlns:p15="http://schemas.microsoft.com/office/powerpoint/2012/main" xmlns:ahyp="http://schemas.microsoft.com/office/drawing/2018/hyperlinkcolor">
-  <p:cSld>
-    <p:spTree>
-      <p:nvGrpSpPr>
-        <p:cNvPr id="142" name="Shape 142"/>
-        <p:cNvGrpSpPr/>
-        <p:nvPr/>
-      </p:nvGrpSpPr>
-      <p:grpSpPr>
-        <a:xfrm>
-          <a:off x="0" y="0"/>
-          <a:ext cx="0" cy="0"/>
-          <a:chOff x="0" y="0"/>
-          <a:chExt cx="0" cy="0"/>
-        </a:xfrm>
-      </p:grpSpPr>
-      <p:sp>
-        <p:nvSpPr>
-          <p:cNvPr id="143" name="Google Shape;143;p12"/>
-          <p:cNvSpPr txBox="1"/>
-          <p:nvPr>
-            <p:ph type="title"/>
-          </p:nvPr>
-        </p:nvSpPr>
-        <p:spPr>
-          <a:xfrm>
-            <a:off x="311700" y="445025"/>
-            <a:ext cx="8520600" cy="572700"/>
-          </a:xfrm>
-          <a:prstGeom prst="rect">
-            <a:avLst/>
-          </a:prstGeom>
-          <a:noFill/>
-          <a:ln>
-            <a:noFill/>
-          </a:ln>
-        </p:spPr>
-        <p:txBody>
-          <a:bodyPr anchorCtr="0" anchor="t" bIns="91425" lIns="91425" spcFirstLastPara="1" rIns="91425" wrap="square" tIns="91425">
-            <a:normAutofit fontScale="90000"/>
-          </a:bodyPr>
-          <a:lstStyle/>
-          <a:p>
-            <a:pPr indent="0" lvl="0" marL="0" rtl="0" algn="ctr">
-              <a:lnSpc>
-                <a:spcPct val="100000"/>
-              </a:lnSpc>
-              <a:spcBef>
-                <a:spcPts val="0"/>
-              </a:spcBef>
-              <a:spcAft>
-                <a:spcPts val="0"/>
-              </a:spcAft>
-              <a:buSzPct val="111111"/>
-              <a:buNone/>
-            </a:pPr>
-            <a:r>
-              <a:rPr lang="en"/>
-              <a:t>Challenge Question</a:t>
-            </a:r>
-            <a:endParaRPr/>
-          </a:p>
-        </p:txBody>
-      </p:sp>
-      <p:sp>
-        <p:nvSpPr>
-          <p:cNvPr id="144" name="Google Shape;144;p12"/>
-          <p:cNvSpPr txBox="1"/>
-          <p:nvPr>
-            <p:ph idx="1" type="body"/>
-          </p:nvPr>
-        </p:nvSpPr>
-        <p:spPr>
-          <a:xfrm>
-            <a:off x="311700" y="1152475"/>
-            <a:ext cx="8520600" cy="3416400"/>
-          </a:xfrm>
-          <a:prstGeom prst="rect">
-            <a:avLst/>
-          </a:prstGeom>
-          <a:noFill/>
-          <a:ln>
-            <a:noFill/>
-          </a:ln>
-        </p:spPr>
-        <p:txBody>
-          <a:bodyPr anchorCtr="0" anchor="t" bIns="91425" lIns="91425" spcFirstLastPara="1" rIns="91425" wrap="square" tIns="91425">
-            <a:normAutofit/>
-          </a:bodyPr>
-          <a:lstStyle/>
-          <a:p>
-            <a:pPr indent="-355600" lvl="0" marL="457200" rtl="0" algn="l">
-              <a:lnSpc>
-                <a:spcPct val="150000"/>
-              </a:lnSpc>
-              <a:spcBef>
-                <a:spcPts val="0"/>
-              </a:spcBef>
-              <a:spcAft>
-                <a:spcPts val="0"/>
-              </a:spcAft>
-              <a:buSzPts val="2000"/>
-              <a:buChar char="●"/>
-            </a:pPr>
-            <a:r>
-              <a:rPr lang="en" sz="2000"/>
-              <a:t>How would you run DESeq2 on the supercomputer?</a:t>
-            </a:r>
-            <a:endParaRPr sz="2000"/>
-          </a:p>
-          <a:p>
-            <a:pPr indent="-342900" lvl="1" marL="914400" rtl="0" algn="l">
-              <a:lnSpc>
-                <a:spcPct val="150000"/>
-              </a:lnSpc>
-              <a:spcBef>
-                <a:spcPts val="0"/>
-              </a:spcBef>
-              <a:spcAft>
-                <a:spcPts val="0"/>
-              </a:spcAft>
-              <a:buSzPts val="1800"/>
-              <a:buChar char="○"/>
-            </a:pPr>
-            <a:r>
-              <a:rPr lang="en" sz="1800"/>
-              <a:t>Install DESeq2 in your R packages directory</a:t>
-            </a:r>
-            <a:endParaRPr sz="1800"/>
-          </a:p>
-          <a:p>
-            <a:pPr indent="-342900" lvl="1" marL="914400" rtl="0" algn="l">
-              <a:lnSpc>
-                <a:spcPct val="150000"/>
-              </a:lnSpc>
-              <a:spcBef>
-                <a:spcPts val="0"/>
-              </a:spcBef>
-              <a:spcAft>
-                <a:spcPts val="0"/>
-              </a:spcAft>
-              <a:buSzPts val="1800"/>
-              <a:buChar char="○"/>
-            </a:pPr>
-            <a:r>
-              <a:rPr lang="en" sz="1800"/>
-              <a:t>Make a conditions table that matches your count table</a:t>
-            </a:r>
-            <a:endParaRPr sz="1800"/>
-          </a:p>
-          <a:p>
-            <a:pPr indent="-342900" lvl="1" marL="914400" rtl="0" algn="l">
-              <a:lnSpc>
-                <a:spcPct val="150000"/>
-              </a:lnSpc>
-              <a:spcBef>
-                <a:spcPts val="0"/>
-              </a:spcBef>
-              <a:spcAft>
-                <a:spcPts val="0"/>
-              </a:spcAft>
-              <a:buSzPts val="1800"/>
-              <a:buChar char="○"/>
-            </a:pPr>
-            <a:r>
-              <a:rPr lang="en" sz="1800"/>
-              <a:t>Run the R script through an sbatch script</a:t>
-            </a:r>
-            <a:endParaRPr sz="1800"/>
           </a:p>
         </p:txBody>
       </p:sp>
@@ -10660,7 +10913,7 @@
       </p:grpSpPr>
       <p:sp>
         <p:nvSpPr>
-          <p:cNvPr id="149" name="Google Shape;149;p13"/>
+          <p:cNvPr id="149" name="Google Shape;149;p12"/>
           <p:cNvSpPr txBox="1"/>
           <p:nvPr>
             <p:ph type="title"/>
@@ -10695,34 +10948,12 @@
               <a:spcAft>
                 <a:spcPts val="0"/>
               </a:spcAft>
-              <a:buClr>
-                <a:schemeClr val="dk1"/>
-              </a:buClr>
-              <a:buSzPct val="39285"/>
-              <a:buFont typeface="Arial"/>
+              <a:buSzPct val="111111"/>
               <a:buNone/>
             </a:pPr>
             <a:r>
-              <a:t/>
-            </a:r>
-            <a:endParaRPr/>
-          </a:p>
-          <a:p>
-            <a:pPr indent="0" lvl="0" marL="0" rtl="0" algn="ctr">
-              <a:lnSpc>
-                <a:spcPct val="100000"/>
-              </a:lnSpc>
-              <a:spcBef>
-                <a:spcPts val="0"/>
-              </a:spcBef>
-              <a:spcAft>
-                <a:spcPts val="0"/>
-              </a:spcAft>
-              <a:buSzPct val="111111"/>
-              <a:buNone/>
-            </a:pPr>
-            <a:r>
-              <a:t/>
+              <a:rPr lang="en"/>
+              <a:t>Challenge Question</a:t>
             </a:r>
             <a:endParaRPr/>
           </a:p>
@@ -10730,7 +10961,7 @@
       </p:sp>
       <p:sp>
         <p:nvSpPr>
-          <p:cNvPr id="150" name="Google Shape;150;p13"/>
+          <p:cNvPr id="150" name="Google Shape;150;p12"/>
           <p:cNvSpPr txBox="1"/>
           <p:nvPr>
             <p:ph idx="1" type="body"/>
@@ -10757,6 +10988,209 @@
           <a:p>
             <a:pPr indent="-355600" lvl="0" marL="457200" rtl="0" algn="l">
               <a:lnSpc>
+                <a:spcPct val="150000"/>
+              </a:lnSpc>
+              <a:spcBef>
+                <a:spcPts val="0"/>
+              </a:spcBef>
+              <a:spcAft>
+                <a:spcPts val="0"/>
+              </a:spcAft>
+              <a:buSzPts val="2000"/>
+              <a:buChar char="●"/>
+            </a:pPr>
+            <a:r>
+              <a:rPr lang="en" sz="2000"/>
+              <a:t>How would you run DESeq2 on the supercomputer?</a:t>
+            </a:r>
+            <a:endParaRPr sz="2000"/>
+          </a:p>
+          <a:p>
+            <a:pPr indent="-342900" lvl="1" marL="914400" rtl="0" algn="l">
+              <a:lnSpc>
+                <a:spcPct val="150000"/>
+              </a:lnSpc>
+              <a:spcBef>
+                <a:spcPts val="0"/>
+              </a:spcBef>
+              <a:spcAft>
+                <a:spcPts val="0"/>
+              </a:spcAft>
+              <a:buSzPts val="1800"/>
+              <a:buChar char="○"/>
+            </a:pPr>
+            <a:r>
+              <a:rPr lang="en" sz="1800"/>
+              <a:t>Install DESeq2 in your R packages directory</a:t>
+            </a:r>
+            <a:endParaRPr sz="1800"/>
+          </a:p>
+          <a:p>
+            <a:pPr indent="-342900" lvl="1" marL="914400" rtl="0" algn="l">
+              <a:lnSpc>
+                <a:spcPct val="150000"/>
+              </a:lnSpc>
+              <a:spcBef>
+                <a:spcPts val="0"/>
+              </a:spcBef>
+              <a:spcAft>
+                <a:spcPts val="0"/>
+              </a:spcAft>
+              <a:buSzPts val="1800"/>
+              <a:buChar char="○"/>
+            </a:pPr>
+            <a:r>
+              <a:rPr lang="en" sz="1800"/>
+              <a:t>Make a conditions table that matches your count table</a:t>
+            </a:r>
+            <a:endParaRPr sz="1800"/>
+          </a:p>
+          <a:p>
+            <a:pPr indent="-342900" lvl="1" marL="914400" rtl="0" algn="l">
+              <a:lnSpc>
+                <a:spcPct val="150000"/>
+              </a:lnSpc>
+              <a:spcBef>
+                <a:spcPts val="0"/>
+              </a:spcBef>
+              <a:spcAft>
+                <a:spcPts val="0"/>
+              </a:spcAft>
+              <a:buSzPts val="1800"/>
+              <a:buChar char="○"/>
+            </a:pPr>
+            <a:r>
+              <a:rPr lang="en" sz="1800"/>
+              <a:t>Run the R script through an sbatch script</a:t>
+            </a:r>
+            <a:endParaRPr sz="1800"/>
+          </a:p>
+        </p:txBody>
+      </p:sp>
+    </p:spTree>
+  </p:cSld>
+  <p:clrMapOvr>
+    <a:masterClrMapping/>
+  </p:clrMapOvr>
+</p:sld>
+</file>
+
+<file path=ppt/slides/slide14.xml><?xml version="1.0" encoding="utf-8"?>
+<p:sld xmlns:a="http://schemas.openxmlformats.org/drawingml/2006/main" xmlns:r="http://schemas.openxmlformats.org/officeDocument/2006/relationships" xmlns:mc="http://schemas.openxmlformats.org/markup-compatibility/2006" xmlns:mv="urn:schemas-microsoft-com:mac:vml" xmlns:p="http://schemas.openxmlformats.org/presentationml/2006/main" xmlns:c="http://schemas.openxmlformats.org/drawingml/2006/chart" xmlns:dgm="http://schemas.openxmlformats.org/drawingml/2006/diagram" xmlns:o="urn:schemas-microsoft-com:office:office" xmlns:v="urn:schemas-microsoft-com:vml" xmlns:pvml="urn:schemas-microsoft-com:office:powerpoint" xmlns:com="http://schemas.openxmlformats.org/drawingml/2006/compatibility" xmlns:p14="http://schemas.microsoft.com/office/powerpoint/2010/main" xmlns:p15="http://schemas.microsoft.com/office/powerpoint/2012/main" xmlns:ahyp="http://schemas.microsoft.com/office/drawing/2018/hyperlinkcolor">
+  <p:cSld>
+    <p:spTree>
+      <p:nvGrpSpPr>
+        <p:cNvPr id="154" name="Shape 154"/>
+        <p:cNvGrpSpPr/>
+        <p:nvPr/>
+      </p:nvGrpSpPr>
+      <p:grpSpPr>
+        <a:xfrm>
+          <a:off x="0" y="0"/>
+          <a:ext cx="0" cy="0"/>
+          <a:chOff x="0" y="0"/>
+          <a:chExt cx="0" cy="0"/>
+        </a:xfrm>
+      </p:grpSpPr>
+      <p:sp>
+        <p:nvSpPr>
+          <p:cNvPr id="155" name="Google Shape;155;p13"/>
+          <p:cNvSpPr txBox="1"/>
+          <p:nvPr>
+            <p:ph type="title"/>
+          </p:nvPr>
+        </p:nvSpPr>
+        <p:spPr>
+          <a:xfrm>
+            <a:off x="311700" y="445025"/>
+            <a:ext cx="8520600" cy="572700"/>
+          </a:xfrm>
+          <a:prstGeom prst="rect">
+            <a:avLst/>
+          </a:prstGeom>
+          <a:noFill/>
+          <a:ln>
+            <a:noFill/>
+          </a:ln>
+        </p:spPr>
+        <p:txBody>
+          <a:bodyPr anchorCtr="0" anchor="t" bIns="91425" lIns="91425" spcFirstLastPara="1" rIns="91425" wrap="square" tIns="91425">
+            <a:normAutofit fontScale="90000"/>
+          </a:bodyPr>
+          <a:lstStyle/>
+          <a:p>
+            <a:pPr indent="0" lvl="0" marL="0" rtl="0" algn="ctr">
+              <a:lnSpc>
+                <a:spcPct val="100000"/>
+              </a:lnSpc>
+              <a:spcBef>
+                <a:spcPts val="0"/>
+              </a:spcBef>
+              <a:spcAft>
+                <a:spcPts val="0"/>
+              </a:spcAft>
+              <a:buClr>
+                <a:schemeClr val="dk1"/>
+              </a:buClr>
+              <a:buSzPct val="39285"/>
+              <a:buFont typeface="Arial"/>
+              <a:buNone/>
+            </a:pPr>
+            <a:r>
+              <a:t/>
+            </a:r>
+            <a:endParaRPr/>
+          </a:p>
+          <a:p>
+            <a:pPr indent="0" lvl="0" marL="0" rtl="0" algn="ctr">
+              <a:lnSpc>
+                <a:spcPct val="100000"/>
+              </a:lnSpc>
+              <a:spcBef>
+                <a:spcPts val="0"/>
+              </a:spcBef>
+              <a:spcAft>
+                <a:spcPts val="0"/>
+              </a:spcAft>
+              <a:buSzPct val="111111"/>
+              <a:buNone/>
+            </a:pPr>
+            <a:r>
+              <a:t/>
+            </a:r>
+            <a:endParaRPr/>
+          </a:p>
+        </p:txBody>
+      </p:sp>
+      <p:sp>
+        <p:nvSpPr>
+          <p:cNvPr id="156" name="Google Shape;156;p13"/>
+          <p:cNvSpPr txBox="1"/>
+          <p:nvPr>
+            <p:ph idx="1" type="body"/>
+          </p:nvPr>
+        </p:nvSpPr>
+        <p:spPr>
+          <a:xfrm>
+            <a:off x="311700" y="1152475"/>
+            <a:ext cx="8520600" cy="3416400"/>
+          </a:xfrm>
+          <a:prstGeom prst="rect">
+            <a:avLst/>
+          </a:prstGeom>
+          <a:noFill/>
+          <a:ln>
+            <a:noFill/>
+          </a:ln>
+        </p:spPr>
+        <p:txBody>
+          <a:bodyPr anchorCtr="0" anchor="t" bIns="91425" lIns="91425" spcFirstLastPara="1" rIns="91425" wrap="square" tIns="91425">
+            <a:normAutofit/>
+          </a:bodyPr>
+          <a:lstStyle/>
+          <a:p>
+            <a:pPr indent="-355600" lvl="0" marL="457200" rtl="0" algn="l">
+              <a:lnSpc>
                 <a:spcPct val="100000"/>
               </a:lnSpc>
               <a:spcBef>
@@ -10778,7 +11212,7 @@
       </p:sp>
       <p:sp>
         <p:nvSpPr>
-          <p:cNvPr id="151" name="Google Shape;151;p13"/>
+          <p:cNvPr id="157" name="Google Shape;157;p13"/>
           <p:cNvSpPr txBox="1"/>
           <p:nvPr>
             <p:ph type="title"/>
@@ -10851,7 +11285,7 @@
       </p:grpSpPr>
       <p:sp>
         <p:nvSpPr>
-          <p:cNvPr id="60" name="Google Shape;60;p2"/>
+          <p:cNvPr id="60" name="Google Shape;60;g36c6a2bb232_0_0"/>
           <p:cNvSpPr txBox="1"/>
           <p:nvPr>
             <p:ph type="title"/>
@@ -10859,161 +11293,31 @@
         </p:nvSpPr>
         <p:spPr>
           <a:xfrm>
-            <a:off x="245198" y="430115"/>
-            <a:ext cx="8520600" cy="841800"/>
+            <a:off x="311700" y="445025"/>
+            <a:ext cx="8520600" cy="572700"/>
           </a:xfrm>
           <a:prstGeom prst="rect">
             <a:avLst/>
           </a:prstGeom>
-          <a:noFill/>
-          <a:ln>
-            <a:noFill/>
-          </a:ln>
         </p:spPr>
         <p:txBody>
-          <a:bodyPr anchorCtr="0" anchor="ctr" bIns="91425" lIns="91425" spcFirstLastPara="1" rIns="91425" wrap="square" tIns="91425">
+          <a:bodyPr anchorCtr="0" anchor="t" bIns="91425" lIns="91425" spcFirstLastPara="1" rIns="91425" wrap="square" tIns="91425">
             <a:normAutofit fontScale="90000"/>
           </a:bodyPr>
           <a:lstStyle/>
           <a:p>
-            <a:pPr indent="0" lvl="0" marL="0" rtl="0" algn="ctr">
-              <a:lnSpc>
-                <a:spcPct val="100000"/>
-              </a:lnSpc>
-              <a:spcBef>
-                <a:spcPts val="0"/>
-              </a:spcBef>
-              <a:spcAft>
-                <a:spcPts val="0"/>
-              </a:spcAft>
-              <a:buSzPct val="111111"/>
+            <a:pPr indent="0" lvl="0" marL="0" rtl="0" algn="l">
+              <a:spcBef>
+                <a:spcPts val="0"/>
+              </a:spcBef>
+              <a:spcAft>
+                <a:spcPts val="0"/>
+              </a:spcAft>
               <a:buNone/>
             </a:pPr>
             <a:r>
               <a:rPr lang="en"/>
-              <a:t>Project B: Identification of the p53 transcriptional program using RNA-seq and ChIP-seq</a:t>
-            </a:r>
-            <a:endParaRPr/>
-          </a:p>
-        </p:txBody>
-      </p:sp>
-      <p:grpSp>
-        <p:nvGrpSpPr>
-          <p:cNvPr id="61" name="Google Shape;61;p2"/>
-          <p:cNvGrpSpPr/>
-          <p:nvPr/>
-        </p:nvGrpSpPr>
-        <p:grpSpPr>
-          <a:xfrm>
-            <a:off x="0" y="1870364"/>
-            <a:ext cx="8858737" cy="1656447"/>
-            <a:chOff x="0" y="2036619"/>
-            <a:chExt cx="8858737" cy="1656447"/>
-          </a:xfrm>
-        </p:grpSpPr>
-        <p:pic>
-          <p:nvPicPr>
-            <p:cNvPr id="62" name="Google Shape;62;p2"/>
-            <p:cNvPicPr preferRelativeResize="0"/>
-            <p:nvPr/>
-          </p:nvPicPr>
-          <p:blipFill rotWithShape="1">
-            <a:blip r:embed="rId3">
-              <a:alphaModFix/>
-            </a:blip>
-            <a:srcRect b="90758" l="0" r="0" t="0"/>
-            <a:stretch/>
-          </p:blipFill>
-          <p:spPr>
-            <a:xfrm>
-              <a:off x="0" y="2036619"/>
-              <a:ext cx="8858737" cy="841800"/>
-            </a:xfrm>
-            <a:prstGeom prst="rect">
-              <a:avLst/>
-            </a:prstGeom>
-            <a:noFill/>
-            <a:ln>
-              <a:noFill/>
-            </a:ln>
-          </p:spPr>
-        </p:pic>
-        <p:pic>
-          <p:nvPicPr>
-            <p:cNvPr id="63" name="Google Shape;63;p2"/>
-            <p:cNvPicPr preferRelativeResize="0"/>
-            <p:nvPr/>
-          </p:nvPicPr>
-          <p:blipFill rotWithShape="1">
-            <a:blip r:embed="rId3">
-              <a:alphaModFix/>
-            </a:blip>
-            <a:srcRect b="72854" l="0" r="0" t="17903"/>
-            <a:stretch/>
-          </p:blipFill>
-          <p:spPr>
-            <a:xfrm>
-              <a:off x="0" y="2851266"/>
-              <a:ext cx="8858737" cy="841800"/>
-            </a:xfrm>
-            <a:prstGeom prst="rect">
-              <a:avLst/>
-            </a:prstGeom>
-            <a:noFill/>
-            <a:ln>
-              <a:noFill/>
-            </a:ln>
-          </p:spPr>
-        </p:pic>
-      </p:grpSp>
-      <p:sp>
-        <p:nvSpPr>
-          <p:cNvPr id="64" name="Google Shape;64;p2"/>
-          <p:cNvSpPr txBox="1"/>
-          <p:nvPr/>
-        </p:nvSpPr>
-        <p:spPr>
-          <a:xfrm>
-            <a:off x="5477683" y="3719987"/>
-            <a:ext cx="3381054" cy="307777"/>
-          </a:xfrm>
-          <a:prstGeom prst="rect">
-            <a:avLst/>
-          </a:prstGeom>
-          <a:noFill/>
-          <a:ln>
-            <a:noFill/>
-          </a:ln>
-        </p:spPr>
-        <p:txBody>
-          <a:bodyPr anchorCtr="0" anchor="t" bIns="45700" lIns="91425" spcFirstLastPara="1" rIns="91425" wrap="square" tIns="45700">
-            <a:spAutoFit/>
-          </a:bodyPr>
-          <a:lstStyle/>
-          <a:p>
-            <a:pPr indent="0" lvl="0" marL="0" marR="0" rtl="0" algn="l">
-              <a:lnSpc>
-                <a:spcPct val="100000"/>
-              </a:lnSpc>
-              <a:spcBef>
-                <a:spcPts val="0"/>
-              </a:spcBef>
-              <a:spcAft>
-                <a:spcPts val="0"/>
-              </a:spcAft>
-              <a:buNone/>
-            </a:pPr>
-            <a:r>
-              <a:rPr b="0" i="0" lang="en" sz="1400" u="none" cap="none" strike="noStrike">
-                <a:solidFill>
-                  <a:srgbClr val="000000"/>
-                </a:solidFill>
-                <a:latin typeface="Arial"/>
-                <a:ea typeface="Arial"/>
-                <a:cs typeface="Arial"/>
-                <a:sym typeface="Arial"/>
-              </a:rPr>
-              <a:t>In HCT116, SJSA, and MCF7 cell types.</a:t>
+              <a:t>Recap of Day 7 Videos</a:t>
             </a:r>
             <a:endParaRPr/>
           </a:p>
@@ -11021,146 +11325,161 @@
       </p:sp>
       <p:sp>
         <p:nvSpPr>
-          <p:cNvPr id="65" name="Google Shape;65;p2"/>
+          <p:cNvPr id="61" name="Google Shape;61;g36c6a2bb232_0_0"/>
           <p:cNvSpPr txBox="1"/>
-          <p:nvPr/>
+          <p:nvPr>
+            <p:ph idx="1" type="body"/>
+          </p:nvPr>
         </p:nvSpPr>
         <p:spPr>
           <a:xfrm>
-            <a:off x="1780210" y="4528719"/>
-            <a:ext cx="5583580" cy="369332"/>
+            <a:off x="664325" y="1144075"/>
+            <a:ext cx="7059000" cy="3416400"/>
           </a:xfrm>
           <a:prstGeom prst="rect">
             <a:avLst/>
           </a:prstGeom>
-          <a:noFill/>
-          <a:ln>
-            <a:noFill/>
-          </a:ln>
         </p:spPr>
         <p:txBody>
-          <a:bodyPr anchorCtr="0" anchor="t" bIns="45700" lIns="91425" spcFirstLastPara="1" rIns="91425" wrap="square" tIns="45700">
-            <a:spAutoFit/>
+          <a:bodyPr anchorCtr="0" anchor="t" bIns="91425" lIns="91425" spcFirstLastPara="1" rIns="91425" wrap="square" tIns="91425">
+            <a:normAutofit/>
           </a:bodyPr>
           <a:lstStyle/>
           <a:p>
-            <a:pPr indent="0" lvl="0" marL="0" marR="0" rtl="0" algn="l">
-              <a:lnSpc>
-                <a:spcPct val="100000"/>
-              </a:lnSpc>
-              <a:spcBef>
-                <a:spcPts val="0"/>
-              </a:spcBef>
-              <a:spcAft>
-                <a:spcPts val="0"/>
-              </a:spcAft>
-              <a:buNone/>
+            <a:pPr indent="-342900" lvl="0" marL="457200" rtl="0" algn="l">
+              <a:spcBef>
+                <a:spcPts val="0"/>
+              </a:spcBef>
+              <a:spcAft>
+                <a:spcPts val="0"/>
+              </a:spcAft>
+              <a:buSzPts val="1800"/>
+              <a:buChar char="●"/>
             </a:pPr>
             <a:r>
-              <a:rPr b="0" i="0" lang="en" sz="1800" u="none" cap="none" strike="noStrike">
-                <a:solidFill>
-                  <a:srgbClr val="000000"/>
-                </a:solidFill>
-                <a:latin typeface="Arial"/>
-                <a:ea typeface="Arial"/>
-                <a:cs typeface="Arial"/>
-                <a:sym typeface="Arial"/>
-              </a:rPr>
-              <a:t>Question: Which genes are driven by p53 activation?</a:t>
+              <a:rPr lang="en"/>
+              <a:t>Counting reads (for RNA-seq)</a:t>
             </a:r>
             <a:endParaRPr/>
           </a:p>
-        </p:txBody>
-      </p:sp>
-      <p:sp>
-        <p:nvSpPr>
-          <p:cNvPr id="66" name="Google Shape;66;p2"/>
-          <p:cNvSpPr txBox="1"/>
-          <p:nvPr/>
-        </p:nvSpPr>
-        <p:spPr>
-          <a:xfrm>
-            <a:off x="0" y="3627654"/>
-            <a:ext cx="2981907" cy="246221"/>
-          </a:xfrm>
-          <a:prstGeom prst="rect">
-            <a:avLst/>
-          </a:prstGeom>
-          <a:noFill/>
-          <a:ln>
-            <a:noFill/>
-          </a:ln>
-        </p:spPr>
-        <p:txBody>
-          <a:bodyPr anchorCtr="0" anchor="t" bIns="45700" lIns="91425" spcFirstLastPara="1" rIns="91425" wrap="square" tIns="45700">
-            <a:spAutoFit/>
-          </a:bodyPr>
-          <a:lstStyle/>
           <a:p>
-            <a:pPr indent="0" lvl="0" marL="0" marR="0" rtl="0" algn="l">
-              <a:lnSpc>
-                <a:spcPct val="100000"/>
-              </a:lnSpc>
-              <a:spcBef>
-                <a:spcPts val="0"/>
-              </a:spcBef>
-              <a:spcAft>
-                <a:spcPts val="0"/>
-              </a:spcAft>
-              <a:buNone/>
+            <a:pPr indent="-317500" lvl="1" marL="914400" rtl="0" algn="l">
+              <a:spcBef>
+                <a:spcPts val="0"/>
+              </a:spcBef>
+              <a:spcAft>
+                <a:spcPts val="0"/>
+              </a:spcAft>
+              <a:buSzPts val="1400"/>
+              <a:buChar char="○"/>
             </a:pPr>
             <a:r>
-              <a:rPr b="0" i="0" lang="en" sz="1000" u="none" cap="none" strike="noStrike">
-                <a:solidFill>
-                  <a:srgbClr val="000000"/>
-                </a:solidFill>
-                <a:latin typeface="Arial"/>
-                <a:ea typeface="Arial"/>
-                <a:cs typeface="Arial"/>
-                <a:sym typeface="Arial"/>
-              </a:rPr>
-              <a:t>Andrysik et al., 2017, </a:t>
+              <a:rPr lang="en"/>
+              <a:t>Steps to counting reads and normalizing counts</a:t>
             </a:r>
+            <a:endParaRPr/>
+          </a:p>
+          <a:p>
+            <a:pPr indent="-342900" lvl="0" marL="457200" rtl="0" algn="l">
+              <a:spcBef>
+                <a:spcPts val="0"/>
+              </a:spcBef>
+              <a:spcAft>
+                <a:spcPts val="0"/>
+              </a:spcAft>
+              <a:buSzPts val="1800"/>
+              <a:buChar char="●"/>
+            </a:pPr>
             <a:r>
-              <a:rPr b="0" i="0" lang="en" sz="1000" u="none" cap="none" strike="noStrike">
-                <a:solidFill>
-                  <a:srgbClr val="212121"/>
-                </a:solidFill>
-                <a:latin typeface="Helvetica Neue"/>
-                <a:ea typeface="Helvetica Neue"/>
-                <a:cs typeface="Helvetica Neue"/>
-                <a:sym typeface="Helvetica Neue"/>
-              </a:rPr>
-              <a:t>doi: </a:t>
+              <a:rPr lang="en"/>
+              <a:t>Differential expression overview</a:t>
             </a:r>
+            <a:endParaRPr/>
+          </a:p>
+          <a:p>
+            <a:pPr indent="-317500" lvl="1" marL="914400" rtl="0" algn="l">
+              <a:spcBef>
+                <a:spcPts val="0"/>
+              </a:spcBef>
+              <a:spcAft>
+                <a:spcPts val="0"/>
+              </a:spcAft>
+              <a:buSzPts val="1400"/>
+              <a:buChar char="○"/>
+            </a:pPr>
             <a:r>
-              <a:rPr b="0" i="0" lang="en" sz="1000" u="sng" cap="none" strike="noStrike">
-                <a:solidFill>
-                  <a:srgbClr val="4C2C92"/>
-                </a:solidFill>
-                <a:latin typeface="Helvetica Neue"/>
-                <a:ea typeface="Helvetica Neue"/>
-                <a:cs typeface="Helvetica Neue"/>
-                <a:sym typeface="Helvetica Neue"/>
-                <a:hlinkClick r:id="rId4">
-                  <a:extLst>
-                    <a:ext uri="{A12FA001-AC4F-418D-AE19-62706E023703}">
-                      <ahyp:hlinkClr val="tx"/>
-                    </a:ext>
-                  </a:extLst>
-                </a:hlinkClick>
-              </a:rPr>
-              <a:t>10.1101/gr.220533.117</a:t>
+              <a:rPr lang="en"/>
+              <a:t>Introduction to differential expression analysis</a:t>
             </a:r>
-            <a:endParaRPr b="0" i="0" sz="1000" u="none" cap="none" strike="noStrike">
-              <a:solidFill>
-                <a:srgbClr val="000000"/>
-              </a:solidFill>
-              <a:latin typeface="Arial"/>
-              <a:ea typeface="Arial"/>
-              <a:cs typeface="Arial"/>
-              <a:sym typeface="Arial"/>
-            </a:endParaRPr>
+            <a:endParaRPr/>
+          </a:p>
+          <a:p>
+            <a:pPr indent="-342900" lvl="0" marL="457200" rtl="0" algn="l">
+              <a:spcBef>
+                <a:spcPts val="0"/>
+              </a:spcBef>
+              <a:spcAft>
+                <a:spcPts val="0"/>
+              </a:spcAft>
+              <a:buSzPts val="1800"/>
+              <a:buChar char="●"/>
+            </a:pPr>
+            <a:r>
+              <a:rPr lang="en"/>
+              <a:t>Differential expression analysis with DESeq2</a:t>
+            </a:r>
+            <a:endParaRPr/>
+          </a:p>
+          <a:p>
+            <a:pPr indent="-317500" lvl="1" marL="914400" rtl="0" algn="l">
+              <a:spcBef>
+                <a:spcPts val="0"/>
+              </a:spcBef>
+              <a:spcAft>
+                <a:spcPts val="0"/>
+              </a:spcAft>
+              <a:buSzPts val="1400"/>
+              <a:buChar char="○"/>
+            </a:pPr>
+            <a:r>
+              <a:rPr lang="en"/>
+              <a:t>DESeq2 Negative Binomial theoretical model</a:t>
+            </a:r>
+            <a:endParaRPr/>
+          </a:p>
+          <a:p>
+            <a:pPr indent="-342900" lvl="0" marL="457200" rtl="0" algn="l">
+              <a:spcBef>
+                <a:spcPts val="0"/>
+              </a:spcBef>
+              <a:spcAft>
+                <a:spcPts val="0"/>
+              </a:spcAft>
+              <a:buSzPts val="1800"/>
+              <a:buChar char="●"/>
+            </a:pPr>
+            <a:r>
+              <a:rPr lang="en"/>
+              <a:t>Multifactor designs with DESeq2</a:t>
+            </a:r>
+            <a:endParaRPr/>
+          </a:p>
+          <a:p>
+            <a:pPr indent="-317500" lvl="1" marL="914400" rtl="0" algn="l">
+              <a:spcBef>
+                <a:spcPts val="0"/>
+              </a:spcBef>
+              <a:spcAft>
+                <a:spcPts val="0"/>
+              </a:spcAft>
+              <a:buSzPts val="1400"/>
+              <a:buChar char="○"/>
+            </a:pPr>
+            <a:r>
+              <a:rPr lang="en"/>
+              <a:t>Expanded designs in DESeq2</a:t>
+            </a:r>
+            <a:endParaRPr/>
           </a:p>
         </p:txBody>
       </p:sp>
@@ -11177,7 +11496,7 @@
   <p:cSld>
     <p:spTree>
       <p:nvGrpSpPr>
-        <p:cNvPr id="70" name="Shape 70"/>
+        <p:cNvPr id="65" name="Shape 65"/>
         <p:cNvGrpSpPr/>
         <p:nvPr/>
       </p:nvGrpSpPr>
@@ -11191,7 +11510,7 @@
       </p:grpSpPr>
       <p:pic>
         <p:nvPicPr>
-          <p:cNvPr id="71" name="Google Shape;71;p3"/>
+          <p:cNvPr id="66" name="Google Shape;66;p3"/>
           <p:cNvPicPr preferRelativeResize="0"/>
           <p:nvPr/>
         </p:nvPicPr>
@@ -11218,7 +11537,7 @@
       </p:pic>
       <p:sp>
         <p:nvSpPr>
-          <p:cNvPr id="72" name="Google Shape;72;p3"/>
+          <p:cNvPr id="67" name="Google Shape;67;p3"/>
           <p:cNvSpPr txBox="1"/>
           <p:nvPr>
             <p:ph type="title"/>
@@ -11304,7 +11623,7 @@
       </p:sp>
       <p:sp>
         <p:nvSpPr>
-          <p:cNvPr id="73" name="Google Shape;73;p3"/>
+          <p:cNvPr id="68" name="Google Shape;68;p3"/>
           <p:cNvSpPr txBox="1"/>
           <p:nvPr/>
         </p:nvSpPr>
@@ -11432,7 +11751,7 @@
       </p:sp>
       <p:sp>
         <p:nvSpPr>
-          <p:cNvPr id="74" name="Google Shape;74;p3"/>
+          <p:cNvPr id="69" name="Google Shape;69;p3"/>
           <p:cNvSpPr/>
           <p:nvPr/>
         </p:nvSpPr>
@@ -11508,7 +11827,7 @@
       </p:sp>
       <p:sp>
         <p:nvSpPr>
-          <p:cNvPr id="75" name="Google Shape;75;p3"/>
+          <p:cNvPr id="70" name="Google Shape;70;p3"/>
           <p:cNvSpPr/>
           <p:nvPr/>
         </p:nvSpPr>
@@ -11584,7 +11903,7 @@
       </p:sp>
       <p:sp>
         <p:nvSpPr>
-          <p:cNvPr id="76" name="Google Shape;76;p3"/>
+          <p:cNvPr id="71" name="Google Shape;71;p3"/>
           <p:cNvSpPr/>
           <p:nvPr/>
         </p:nvSpPr>
@@ -11660,10 +11979,10 @@
       </p:sp>
       <p:cxnSp>
         <p:nvCxnSpPr>
-          <p:cNvPr id="77" name="Google Shape;77;p3"/>
+          <p:cNvPr id="72" name="Google Shape;72;p3"/>
           <p:cNvCxnSpPr>
-            <a:stCxn id="74" idx="2"/>
-            <a:endCxn id="75" idx="0"/>
+            <a:stCxn id="69" idx="2"/>
+            <a:endCxn id="70" idx="0"/>
           </p:cNvCxnSpPr>
           <p:nvPr/>
         </p:nvCxnSpPr>
@@ -11689,10 +12008,10 @@
       </p:cxnSp>
       <p:cxnSp>
         <p:nvCxnSpPr>
-          <p:cNvPr id="78" name="Google Shape;78;p3"/>
+          <p:cNvPr id="73" name="Google Shape;73;p3"/>
           <p:cNvCxnSpPr>
-            <a:stCxn id="75" idx="2"/>
-            <a:endCxn id="76" idx="0"/>
+            <a:stCxn id="70" idx="2"/>
+            <a:endCxn id="71" idx="0"/>
           </p:cNvCxnSpPr>
           <p:nvPr/>
         </p:nvCxnSpPr>
@@ -11729,7 +12048,7 @@
   <p:cSld>
     <p:spTree>
       <p:nvGrpSpPr>
-        <p:cNvPr id="82" name="Shape 82"/>
+        <p:cNvPr id="77" name="Shape 77"/>
         <p:cNvGrpSpPr/>
         <p:nvPr/>
       </p:nvGrpSpPr>
@@ -11743,7 +12062,347 @@
       </p:grpSpPr>
       <p:sp>
         <p:nvSpPr>
-          <p:cNvPr id="83" name="Google Shape;83;p4"/>
+          <p:cNvPr id="78" name="Google Shape;78;p2"/>
+          <p:cNvSpPr txBox="1"/>
+          <p:nvPr>
+            <p:ph type="title"/>
+          </p:nvPr>
+        </p:nvSpPr>
+        <p:spPr>
+          <a:xfrm>
+            <a:off x="245198" y="430115"/>
+            <a:ext cx="8520600" cy="841800"/>
+          </a:xfrm>
+          <a:prstGeom prst="rect">
+            <a:avLst/>
+          </a:prstGeom>
+          <a:noFill/>
+          <a:ln>
+            <a:noFill/>
+          </a:ln>
+        </p:spPr>
+        <p:txBody>
+          <a:bodyPr anchorCtr="0" anchor="ctr" bIns="91425" lIns="91425" spcFirstLastPara="1" rIns="91425" wrap="square" tIns="91425">
+            <a:normAutofit fontScale="90000"/>
+          </a:bodyPr>
+          <a:lstStyle/>
+          <a:p>
+            <a:pPr indent="0" lvl="0" marL="0" rtl="0" algn="ctr">
+              <a:lnSpc>
+                <a:spcPct val="100000"/>
+              </a:lnSpc>
+              <a:spcBef>
+                <a:spcPts val="0"/>
+              </a:spcBef>
+              <a:spcAft>
+                <a:spcPts val="0"/>
+              </a:spcAft>
+              <a:buSzPct val="111111"/>
+              <a:buNone/>
+            </a:pPr>
+            <a:r>
+              <a:rPr lang="en"/>
+              <a:t>Project B: Identification of the p53 transcriptional program using RNA-seq and ChIP-seq</a:t>
+            </a:r>
+            <a:endParaRPr/>
+          </a:p>
+        </p:txBody>
+      </p:sp>
+      <p:grpSp>
+        <p:nvGrpSpPr>
+          <p:cNvPr id="79" name="Google Shape;79;p2"/>
+          <p:cNvGrpSpPr/>
+          <p:nvPr/>
+        </p:nvGrpSpPr>
+        <p:grpSpPr>
+          <a:xfrm>
+            <a:off x="0" y="1870364"/>
+            <a:ext cx="8858737" cy="1656447"/>
+            <a:chOff x="0" y="2036619"/>
+            <a:chExt cx="8858737" cy="1656447"/>
+          </a:xfrm>
+        </p:grpSpPr>
+        <p:pic>
+          <p:nvPicPr>
+            <p:cNvPr id="80" name="Google Shape;80;p2"/>
+            <p:cNvPicPr preferRelativeResize="0"/>
+            <p:nvPr/>
+          </p:nvPicPr>
+          <p:blipFill rotWithShape="1">
+            <a:blip r:embed="rId3">
+              <a:alphaModFix/>
+            </a:blip>
+            <a:srcRect b="90758" l="0" r="0" t="0"/>
+            <a:stretch/>
+          </p:blipFill>
+          <p:spPr>
+            <a:xfrm>
+              <a:off x="0" y="2036619"/>
+              <a:ext cx="8858737" cy="841800"/>
+            </a:xfrm>
+            <a:prstGeom prst="rect">
+              <a:avLst/>
+            </a:prstGeom>
+            <a:noFill/>
+            <a:ln>
+              <a:noFill/>
+            </a:ln>
+          </p:spPr>
+        </p:pic>
+        <p:pic>
+          <p:nvPicPr>
+            <p:cNvPr id="81" name="Google Shape;81;p2"/>
+            <p:cNvPicPr preferRelativeResize="0"/>
+            <p:nvPr/>
+          </p:nvPicPr>
+          <p:blipFill rotWithShape="1">
+            <a:blip r:embed="rId3">
+              <a:alphaModFix/>
+            </a:blip>
+            <a:srcRect b="72854" l="0" r="0" t="17903"/>
+            <a:stretch/>
+          </p:blipFill>
+          <p:spPr>
+            <a:xfrm>
+              <a:off x="0" y="2851266"/>
+              <a:ext cx="8858737" cy="841800"/>
+            </a:xfrm>
+            <a:prstGeom prst="rect">
+              <a:avLst/>
+            </a:prstGeom>
+            <a:noFill/>
+            <a:ln>
+              <a:noFill/>
+            </a:ln>
+          </p:spPr>
+        </p:pic>
+      </p:grpSp>
+      <p:sp>
+        <p:nvSpPr>
+          <p:cNvPr id="82" name="Google Shape;82;p2"/>
+          <p:cNvSpPr txBox="1"/>
+          <p:nvPr/>
+        </p:nvSpPr>
+        <p:spPr>
+          <a:xfrm>
+            <a:off x="5477683" y="3719987"/>
+            <a:ext cx="3381054" cy="307777"/>
+          </a:xfrm>
+          <a:prstGeom prst="rect">
+            <a:avLst/>
+          </a:prstGeom>
+          <a:noFill/>
+          <a:ln>
+            <a:noFill/>
+          </a:ln>
+        </p:spPr>
+        <p:txBody>
+          <a:bodyPr anchorCtr="0" anchor="t" bIns="45700" lIns="91425" spcFirstLastPara="1" rIns="91425" wrap="square" tIns="45700">
+            <a:spAutoFit/>
+          </a:bodyPr>
+          <a:lstStyle/>
+          <a:p>
+            <a:pPr indent="0" lvl="0" marL="0" marR="0" rtl="0" algn="l">
+              <a:lnSpc>
+                <a:spcPct val="100000"/>
+              </a:lnSpc>
+              <a:spcBef>
+                <a:spcPts val="0"/>
+              </a:spcBef>
+              <a:spcAft>
+                <a:spcPts val="0"/>
+              </a:spcAft>
+              <a:buNone/>
+            </a:pPr>
+            <a:r>
+              <a:rPr b="0" i="0" lang="en" sz="1400" u="none" cap="none" strike="noStrike">
+                <a:solidFill>
+                  <a:srgbClr val="000000"/>
+                </a:solidFill>
+                <a:latin typeface="Arial"/>
+                <a:ea typeface="Arial"/>
+                <a:cs typeface="Arial"/>
+                <a:sym typeface="Arial"/>
+              </a:rPr>
+              <a:t>In HCT116, SJSA, and MCF7 cell types.</a:t>
+            </a:r>
+            <a:endParaRPr/>
+          </a:p>
+        </p:txBody>
+      </p:sp>
+      <p:sp>
+        <p:nvSpPr>
+          <p:cNvPr id="83" name="Google Shape;83;p2"/>
+          <p:cNvSpPr txBox="1"/>
+          <p:nvPr/>
+        </p:nvSpPr>
+        <p:spPr>
+          <a:xfrm>
+            <a:off x="1780210" y="4528719"/>
+            <a:ext cx="5583580" cy="369332"/>
+          </a:xfrm>
+          <a:prstGeom prst="rect">
+            <a:avLst/>
+          </a:prstGeom>
+          <a:noFill/>
+          <a:ln>
+            <a:noFill/>
+          </a:ln>
+        </p:spPr>
+        <p:txBody>
+          <a:bodyPr anchorCtr="0" anchor="t" bIns="45700" lIns="91425" spcFirstLastPara="1" rIns="91425" wrap="square" tIns="45700">
+            <a:spAutoFit/>
+          </a:bodyPr>
+          <a:lstStyle/>
+          <a:p>
+            <a:pPr indent="0" lvl="0" marL="0" marR="0" rtl="0" algn="l">
+              <a:lnSpc>
+                <a:spcPct val="100000"/>
+              </a:lnSpc>
+              <a:spcBef>
+                <a:spcPts val="0"/>
+              </a:spcBef>
+              <a:spcAft>
+                <a:spcPts val="0"/>
+              </a:spcAft>
+              <a:buNone/>
+            </a:pPr>
+            <a:r>
+              <a:rPr b="0" i="0" lang="en" sz="1800" u="none" cap="none" strike="noStrike">
+                <a:solidFill>
+                  <a:srgbClr val="000000"/>
+                </a:solidFill>
+                <a:latin typeface="Arial"/>
+                <a:ea typeface="Arial"/>
+                <a:cs typeface="Arial"/>
+                <a:sym typeface="Arial"/>
+              </a:rPr>
+              <a:t>Question: Which genes are driven by p53 activation?</a:t>
+            </a:r>
+            <a:endParaRPr/>
+          </a:p>
+        </p:txBody>
+      </p:sp>
+      <p:sp>
+        <p:nvSpPr>
+          <p:cNvPr id="84" name="Google Shape;84;p2"/>
+          <p:cNvSpPr txBox="1"/>
+          <p:nvPr/>
+        </p:nvSpPr>
+        <p:spPr>
+          <a:xfrm>
+            <a:off x="0" y="3627654"/>
+            <a:ext cx="2981907" cy="246221"/>
+          </a:xfrm>
+          <a:prstGeom prst="rect">
+            <a:avLst/>
+          </a:prstGeom>
+          <a:noFill/>
+          <a:ln>
+            <a:noFill/>
+          </a:ln>
+        </p:spPr>
+        <p:txBody>
+          <a:bodyPr anchorCtr="0" anchor="t" bIns="45700" lIns="91425" spcFirstLastPara="1" rIns="91425" wrap="square" tIns="45700">
+            <a:spAutoFit/>
+          </a:bodyPr>
+          <a:lstStyle/>
+          <a:p>
+            <a:pPr indent="0" lvl="0" marL="0" marR="0" rtl="0" algn="l">
+              <a:lnSpc>
+                <a:spcPct val="100000"/>
+              </a:lnSpc>
+              <a:spcBef>
+                <a:spcPts val="0"/>
+              </a:spcBef>
+              <a:spcAft>
+                <a:spcPts val="0"/>
+              </a:spcAft>
+              <a:buNone/>
+            </a:pPr>
+            <a:r>
+              <a:rPr b="0" i="0" lang="en" sz="1000" u="none" cap="none" strike="noStrike">
+                <a:solidFill>
+                  <a:srgbClr val="000000"/>
+                </a:solidFill>
+                <a:latin typeface="Arial"/>
+                <a:ea typeface="Arial"/>
+                <a:cs typeface="Arial"/>
+                <a:sym typeface="Arial"/>
+              </a:rPr>
+              <a:t>Andrysik et al., 2017, </a:t>
+            </a:r>
+            <a:r>
+              <a:rPr b="0" i="0" lang="en" sz="1000" u="none" cap="none" strike="noStrike">
+                <a:solidFill>
+                  <a:srgbClr val="212121"/>
+                </a:solidFill>
+                <a:latin typeface="Helvetica Neue"/>
+                <a:ea typeface="Helvetica Neue"/>
+                <a:cs typeface="Helvetica Neue"/>
+                <a:sym typeface="Helvetica Neue"/>
+              </a:rPr>
+              <a:t>doi: </a:t>
+            </a:r>
+            <a:r>
+              <a:rPr b="0" i="0" lang="en" sz="1000" u="sng" cap="none" strike="noStrike">
+                <a:solidFill>
+                  <a:srgbClr val="4C2C92"/>
+                </a:solidFill>
+                <a:latin typeface="Helvetica Neue"/>
+                <a:ea typeface="Helvetica Neue"/>
+                <a:cs typeface="Helvetica Neue"/>
+                <a:sym typeface="Helvetica Neue"/>
+                <a:hlinkClick r:id="rId4">
+                  <a:extLst>
+                    <a:ext uri="{A12FA001-AC4F-418D-AE19-62706E023703}">
+                      <ahyp:hlinkClr val="tx"/>
+                    </a:ext>
+                  </a:extLst>
+                </a:hlinkClick>
+              </a:rPr>
+              <a:t>10.1101/gr.220533.117</a:t>
+            </a:r>
+            <a:endParaRPr b="0" i="0" sz="1000" u="none" cap="none" strike="noStrike">
+              <a:solidFill>
+                <a:srgbClr val="000000"/>
+              </a:solidFill>
+              <a:latin typeface="Arial"/>
+              <a:ea typeface="Arial"/>
+              <a:cs typeface="Arial"/>
+              <a:sym typeface="Arial"/>
+            </a:endParaRPr>
+          </a:p>
+        </p:txBody>
+      </p:sp>
+    </p:spTree>
+  </p:cSld>
+  <p:clrMapOvr>
+    <a:masterClrMapping/>
+  </p:clrMapOvr>
+</p:sld>
+</file>
+
+<file path=ppt/slides/slide5.xml><?xml version="1.0" encoding="utf-8"?>
+<p:sld xmlns:a="http://schemas.openxmlformats.org/drawingml/2006/main" xmlns:r="http://schemas.openxmlformats.org/officeDocument/2006/relationships" xmlns:mc="http://schemas.openxmlformats.org/markup-compatibility/2006" xmlns:mv="urn:schemas-microsoft-com:mac:vml" xmlns:p="http://schemas.openxmlformats.org/presentationml/2006/main" xmlns:c="http://schemas.openxmlformats.org/drawingml/2006/chart" xmlns:dgm="http://schemas.openxmlformats.org/drawingml/2006/diagram" xmlns:o="urn:schemas-microsoft-com:office:office" xmlns:v="urn:schemas-microsoft-com:vml" xmlns:pvml="urn:schemas-microsoft-com:office:powerpoint" xmlns:com="http://schemas.openxmlformats.org/drawingml/2006/compatibility" xmlns:p14="http://schemas.microsoft.com/office/powerpoint/2010/main" xmlns:p15="http://schemas.microsoft.com/office/powerpoint/2012/main" xmlns:ahyp="http://schemas.microsoft.com/office/drawing/2018/hyperlinkcolor">
+  <p:cSld>
+    <p:spTree>
+      <p:nvGrpSpPr>
+        <p:cNvPr id="88" name="Shape 88"/>
+        <p:cNvGrpSpPr/>
+        <p:nvPr/>
+      </p:nvGrpSpPr>
+      <p:grpSpPr>
+        <a:xfrm>
+          <a:off x="0" y="0"/>
+          <a:ext cx="0" cy="0"/>
+          <a:chOff x="0" y="0"/>
+          <a:chExt cx="0" cy="0"/>
+        </a:xfrm>
+      </p:grpSpPr>
+      <p:sp>
+        <p:nvSpPr>
+          <p:cNvPr id="89" name="Google Shape;89;p4"/>
           <p:cNvSpPr txBox="1"/>
           <p:nvPr>
             <p:ph type="title"/>
@@ -11803,7 +12462,7 @@
       </p:sp>
       <p:pic>
         <p:nvPicPr>
-          <p:cNvPr id="84" name="Google Shape;84;p4"/>
+          <p:cNvPr id="90" name="Google Shape;90;p4"/>
           <p:cNvPicPr preferRelativeResize="0"/>
           <p:nvPr/>
         </p:nvPicPr>
@@ -11830,7 +12489,7 @@
       </p:pic>
       <p:sp>
         <p:nvSpPr>
-          <p:cNvPr id="85" name="Google Shape;85;p4"/>
+          <p:cNvPr id="91" name="Google Shape;91;p4"/>
           <p:cNvSpPr txBox="1"/>
           <p:nvPr/>
         </p:nvSpPr>
@@ -12464,7 +13123,7 @@
       </p:sp>
       <p:sp>
         <p:nvSpPr>
-          <p:cNvPr id="86" name="Google Shape;86;p4"/>
+          <p:cNvPr id="92" name="Google Shape;92;p4"/>
           <p:cNvSpPr txBox="1"/>
           <p:nvPr/>
         </p:nvSpPr>
@@ -12548,7 +13207,7 @@
       </p:sp>
       <p:sp>
         <p:nvSpPr>
-          <p:cNvPr id="87" name="Google Shape;87;p4"/>
+          <p:cNvPr id="93" name="Google Shape;93;p4"/>
           <p:cNvSpPr txBox="1"/>
           <p:nvPr/>
         </p:nvSpPr>
@@ -12652,7 +13311,7 @@
       </p:sp>
       <p:pic>
         <p:nvPicPr>
-          <p:cNvPr id="88" name="Google Shape;88;p4"/>
+          <p:cNvPr id="94" name="Google Shape;94;p4"/>
           <p:cNvPicPr preferRelativeResize="0"/>
           <p:nvPr/>
         </p:nvPicPr>
@@ -12685,12 +13344,12 @@
 </p:sld>
 </file>
 
-<file path=ppt/slides/slide5.xml><?xml version="1.0" encoding="utf-8"?>
+<file path=ppt/slides/slide6.xml><?xml version="1.0" encoding="utf-8"?>
 <p:sld xmlns:a="http://schemas.openxmlformats.org/drawingml/2006/main" xmlns:r="http://schemas.openxmlformats.org/officeDocument/2006/relationships" xmlns:mc="http://schemas.openxmlformats.org/markup-compatibility/2006" xmlns:mv="urn:schemas-microsoft-com:mac:vml" xmlns:p="http://schemas.openxmlformats.org/presentationml/2006/main" xmlns:c="http://schemas.openxmlformats.org/drawingml/2006/chart" xmlns:dgm="http://schemas.openxmlformats.org/drawingml/2006/diagram" xmlns:o="urn:schemas-microsoft-com:office:office" xmlns:v="urn:schemas-microsoft-com:vml" xmlns:pvml="urn:schemas-microsoft-com:office:powerpoint" xmlns:com="http://schemas.openxmlformats.org/drawingml/2006/compatibility" xmlns:p14="http://schemas.microsoft.com/office/powerpoint/2010/main" xmlns:p15="http://schemas.microsoft.com/office/powerpoint/2012/main" xmlns:ahyp="http://schemas.microsoft.com/office/drawing/2018/hyperlinkcolor">
   <p:cSld>
     <p:spTree>
       <p:nvGrpSpPr>
-        <p:cNvPr id="92" name="Shape 92"/>
+        <p:cNvPr id="98" name="Shape 98"/>
         <p:cNvGrpSpPr/>
         <p:nvPr/>
       </p:nvGrpSpPr>
@@ -12704,7 +13363,7 @@
       </p:grpSpPr>
       <p:sp>
         <p:nvSpPr>
-          <p:cNvPr id="93" name="Google Shape;93;p5"/>
+          <p:cNvPr id="99" name="Google Shape;99;p5"/>
           <p:cNvSpPr txBox="1"/>
           <p:nvPr>
             <p:ph type="title"/>
@@ -12772,7 +13431,7 @@
       </p:sp>
       <p:sp>
         <p:nvSpPr>
-          <p:cNvPr id="94" name="Google Shape;94;p5"/>
+          <p:cNvPr id="100" name="Google Shape;100;p5"/>
           <p:cNvSpPr txBox="1"/>
           <p:nvPr>
             <p:ph idx="1" type="body"/>
@@ -12969,12 +13628,12 @@
 </p:sld>
 </file>
 
-<file path=ppt/slides/slide6.xml><?xml version="1.0" encoding="utf-8"?>
+<file path=ppt/slides/slide7.xml><?xml version="1.0" encoding="utf-8"?>
 <p:sld xmlns:a="http://schemas.openxmlformats.org/drawingml/2006/main" xmlns:r="http://schemas.openxmlformats.org/officeDocument/2006/relationships" xmlns:mc="http://schemas.openxmlformats.org/markup-compatibility/2006" xmlns:mv="urn:schemas-microsoft-com:mac:vml" xmlns:p="http://schemas.openxmlformats.org/presentationml/2006/main" xmlns:c="http://schemas.openxmlformats.org/drawingml/2006/chart" xmlns:dgm="http://schemas.openxmlformats.org/drawingml/2006/diagram" xmlns:o="urn:schemas-microsoft-com:office:office" xmlns:v="urn:schemas-microsoft-com:vml" xmlns:pvml="urn:schemas-microsoft-com:office:powerpoint" xmlns:com="http://schemas.openxmlformats.org/drawingml/2006/compatibility" xmlns:p14="http://schemas.microsoft.com/office/powerpoint/2010/main" xmlns:p15="http://schemas.microsoft.com/office/powerpoint/2012/main" xmlns:ahyp="http://schemas.microsoft.com/office/drawing/2018/hyperlinkcolor">
   <p:cSld>
     <p:spTree>
       <p:nvGrpSpPr>
-        <p:cNvPr id="98" name="Shape 98"/>
+        <p:cNvPr id="104" name="Shape 104"/>
         <p:cNvGrpSpPr/>
         <p:nvPr/>
       </p:nvGrpSpPr>
@@ -12988,7 +13647,7 @@
       </p:grpSpPr>
       <p:sp>
         <p:nvSpPr>
-          <p:cNvPr id="99" name="Google Shape;99;p6"/>
+          <p:cNvPr id="105" name="Google Shape;105;p6"/>
           <p:cNvSpPr txBox="1"/>
           <p:nvPr>
             <p:ph type="title"/>
@@ -13036,7 +13695,7 @@
       </p:sp>
       <p:sp>
         <p:nvSpPr>
-          <p:cNvPr id="100" name="Google Shape;100;p6"/>
+          <p:cNvPr id="106" name="Google Shape;106;p6"/>
           <p:cNvSpPr txBox="1"/>
           <p:nvPr>
             <p:ph idx="1" type="body"/>
@@ -13150,12 +13809,12 @@
 </p:sld>
 </file>
 
-<file path=ppt/slides/slide7.xml><?xml version="1.0" encoding="utf-8"?>
+<file path=ppt/slides/slide8.xml><?xml version="1.0" encoding="utf-8"?>
 <p:sld xmlns:a="http://schemas.openxmlformats.org/drawingml/2006/main" xmlns:r="http://schemas.openxmlformats.org/officeDocument/2006/relationships" xmlns:mc="http://schemas.openxmlformats.org/markup-compatibility/2006" xmlns:mv="urn:schemas-microsoft-com:mac:vml" xmlns:p="http://schemas.openxmlformats.org/presentationml/2006/main" xmlns:c="http://schemas.openxmlformats.org/drawingml/2006/chart" xmlns:dgm="http://schemas.openxmlformats.org/drawingml/2006/diagram" xmlns:o="urn:schemas-microsoft-com:office:office" xmlns:v="urn:schemas-microsoft-com:vml" xmlns:pvml="urn:schemas-microsoft-com:office:powerpoint" xmlns:com="http://schemas.openxmlformats.org/drawingml/2006/compatibility" xmlns:p14="http://schemas.microsoft.com/office/powerpoint/2010/main" xmlns:p15="http://schemas.microsoft.com/office/powerpoint/2012/main" xmlns:ahyp="http://schemas.microsoft.com/office/drawing/2018/hyperlinkcolor">
   <p:cSld>
     <p:spTree>
       <p:nvGrpSpPr>
-        <p:cNvPr id="104" name="Shape 104"/>
+        <p:cNvPr id="110" name="Shape 110"/>
         <p:cNvGrpSpPr/>
         <p:nvPr/>
       </p:nvGrpSpPr>
@@ -13169,7 +13828,7 @@
       </p:grpSpPr>
       <p:sp>
         <p:nvSpPr>
-          <p:cNvPr id="105" name="Google Shape;105;p7"/>
+          <p:cNvPr id="111" name="Google Shape;111;p7"/>
           <p:cNvSpPr txBox="1"/>
           <p:nvPr>
             <p:ph type="title"/>
@@ -13217,7 +13876,7 @@
       </p:sp>
       <p:sp>
         <p:nvSpPr>
-          <p:cNvPr id="106" name="Google Shape;106;p7"/>
+          <p:cNvPr id="112" name="Google Shape;112;p7"/>
           <p:cNvSpPr txBox="1"/>
           <p:nvPr>
             <p:ph idx="1" type="body"/>
@@ -13325,7 +13984,7 @@
       </p:sp>
       <p:sp>
         <p:nvSpPr>
-          <p:cNvPr id="107" name="Google Shape;107;p7"/>
+          <p:cNvPr id="113" name="Google Shape;113;p7"/>
           <p:cNvSpPr txBox="1"/>
           <p:nvPr/>
         </p:nvSpPr>
@@ -13397,12 +14056,12 @@
 </p:sld>
 </file>
 
-<file path=ppt/slides/slide8.xml><?xml version="1.0" encoding="utf-8"?>
+<file path=ppt/slides/slide9.xml><?xml version="1.0" encoding="utf-8"?>
 <p:sld xmlns:a="http://schemas.openxmlformats.org/drawingml/2006/main" xmlns:r="http://schemas.openxmlformats.org/officeDocument/2006/relationships" xmlns:mc="http://schemas.openxmlformats.org/markup-compatibility/2006" xmlns:mv="urn:schemas-microsoft-com:mac:vml" xmlns:p="http://schemas.openxmlformats.org/presentationml/2006/main" xmlns:c="http://schemas.openxmlformats.org/drawingml/2006/chart" xmlns:dgm="http://schemas.openxmlformats.org/drawingml/2006/diagram" xmlns:o="urn:schemas-microsoft-com:office:office" xmlns:v="urn:schemas-microsoft-com:vml" xmlns:pvml="urn:schemas-microsoft-com:office:powerpoint" xmlns:com="http://schemas.openxmlformats.org/drawingml/2006/compatibility" xmlns:p14="http://schemas.microsoft.com/office/powerpoint/2010/main" xmlns:p15="http://schemas.microsoft.com/office/powerpoint/2012/main" xmlns:ahyp="http://schemas.microsoft.com/office/drawing/2018/hyperlinkcolor">
   <p:cSld>
     <p:spTree>
       <p:nvGrpSpPr>
-        <p:cNvPr id="111" name="Shape 111"/>
+        <p:cNvPr id="117" name="Shape 117"/>
         <p:cNvGrpSpPr/>
         <p:nvPr/>
       </p:nvGrpSpPr>
@@ -13416,7 +14075,7 @@
       </p:grpSpPr>
       <p:sp>
         <p:nvSpPr>
-          <p:cNvPr id="112" name="Google Shape;112;p8"/>
+          <p:cNvPr id="118" name="Google Shape;118;p8"/>
           <p:cNvSpPr txBox="1"/>
           <p:nvPr>
             <p:ph type="title"/>
@@ -13464,7 +14123,7 @@
       </p:sp>
       <p:grpSp>
         <p:nvGrpSpPr>
-          <p:cNvPr id="113" name="Google Shape;113;p8"/>
+          <p:cNvPr id="119" name="Google Shape;119;p8"/>
           <p:cNvGrpSpPr/>
           <p:nvPr/>
         </p:nvGrpSpPr>
@@ -13478,7 +14137,7 @@
         </p:grpSpPr>
         <p:pic>
           <p:nvPicPr>
-            <p:cNvPr id="114" name="Google Shape;114;p8"/>
+            <p:cNvPr id="120" name="Google Shape;120;p8"/>
             <p:cNvPicPr preferRelativeResize="0"/>
             <p:nvPr/>
           </p:nvPicPr>
@@ -13505,7 +14164,7 @@
         </p:pic>
         <p:sp>
           <p:nvSpPr>
-            <p:cNvPr id="115" name="Google Shape;115;p8"/>
+            <p:cNvPr id="121" name="Google Shape;121;p8"/>
             <p:cNvSpPr/>
             <p:nvPr/>
           </p:nvSpPr>
@@ -13571,7 +14230,7 @@
       </p:grpSp>
       <p:sp>
         <p:nvSpPr>
-          <p:cNvPr id="116" name="Google Shape;116;p8"/>
+          <p:cNvPr id="122" name="Google Shape;122;p8"/>
           <p:cNvSpPr/>
           <p:nvPr/>
         </p:nvSpPr>
@@ -13670,341 +14329,6 @@
               <a:cs typeface="Arial"/>
               <a:sym typeface="Arial"/>
             </a:endParaRPr>
-          </a:p>
-        </p:txBody>
-      </p:sp>
-    </p:spTree>
-  </p:cSld>
-  <p:clrMapOvr>
-    <a:masterClrMapping/>
-  </p:clrMapOvr>
-</p:sld>
-</file>
-
-<file path=ppt/slides/slide9.xml><?xml version="1.0" encoding="utf-8"?>
-<p:sld xmlns:a="http://schemas.openxmlformats.org/drawingml/2006/main" xmlns:r="http://schemas.openxmlformats.org/officeDocument/2006/relationships" xmlns:mc="http://schemas.openxmlformats.org/markup-compatibility/2006" xmlns:mv="urn:schemas-microsoft-com:mac:vml" xmlns:p="http://schemas.openxmlformats.org/presentationml/2006/main" xmlns:c="http://schemas.openxmlformats.org/drawingml/2006/chart" xmlns:dgm="http://schemas.openxmlformats.org/drawingml/2006/diagram" xmlns:o="urn:schemas-microsoft-com:office:office" xmlns:v="urn:schemas-microsoft-com:vml" xmlns:pvml="urn:schemas-microsoft-com:office:powerpoint" xmlns:com="http://schemas.openxmlformats.org/drawingml/2006/compatibility" xmlns:p14="http://schemas.microsoft.com/office/powerpoint/2010/main" xmlns:p15="http://schemas.microsoft.com/office/powerpoint/2012/main" xmlns:ahyp="http://schemas.microsoft.com/office/drawing/2018/hyperlinkcolor">
-  <p:cSld>
-    <p:spTree>
-      <p:nvGrpSpPr>
-        <p:cNvPr id="120" name="Shape 120"/>
-        <p:cNvGrpSpPr/>
-        <p:nvPr/>
-      </p:nvGrpSpPr>
-      <p:grpSpPr>
-        <a:xfrm>
-          <a:off x="0" y="0"/>
-          <a:ext cx="0" cy="0"/>
-          <a:chOff x="0" y="0"/>
-          <a:chExt cx="0" cy="0"/>
-        </a:xfrm>
-      </p:grpSpPr>
-      <p:pic>
-        <p:nvPicPr>
-          <p:cNvPr id="121" name="Google Shape;121;p9"/>
-          <p:cNvPicPr preferRelativeResize="0"/>
-          <p:nvPr/>
-        </p:nvPicPr>
-        <p:blipFill rotWithShape="1">
-          <a:blip r:embed="rId3">
-            <a:alphaModFix amt="18000"/>
-          </a:blip>
-          <a:srcRect b="0" l="0" r="0" t="41849"/>
-          <a:stretch/>
-        </p:blipFill>
-        <p:spPr>
-          <a:xfrm>
-            <a:off x="1539532" y="1392077"/>
-            <a:ext cx="6064948" cy="3297465"/>
-          </a:xfrm>
-          <a:prstGeom prst="rect">
-            <a:avLst/>
-          </a:prstGeom>
-          <a:noFill/>
-          <a:ln>
-            <a:noFill/>
-          </a:ln>
-        </p:spPr>
-      </p:pic>
-      <p:sp>
-        <p:nvSpPr>
-          <p:cNvPr id="122" name="Google Shape;122;p9"/>
-          <p:cNvSpPr/>
-          <p:nvPr/>
-        </p:nvSpPr>
-        <p:spPr>
-          <a:xfrm>
-            <a:off x="1525250" y="1330350"/>
-            <a:ext cx="2432100" cy="1101600"/>
-          </a:xfrm>
-          <a:prstGeom prst="rect">
-            <a:avLst/>
-          </a:prstGeom>
-          <a:solidFill>
-            <a:schemeClr val="lt1"/>
-          </a:solidFill>
-          <a:ln cap="flat" cmpd="sng" w="9525">
-            <a:solidFill>
-              <a:schemeClr val="lt1"/>
-            </a:solidFill>
-            <a:prstDash val="solid"/>
-            <a:round/>
-            <a:headEnd len="sm" w="sm" type="none"/>
-            <a:tailEnd len="sm" w="sm" type="none"/>
-          </a:ln>
-        </p:spPr>
-        <p:txBody>
-          <a:bodyPr anchorCtr="0" anchor="ctr" bIns="91425" lIns="91425" spcFirstLastPara="1" rIns="91425" wrap="square" tIns="91425">
-            <a:noAutofit/>
-          </a:bodyPr>
-          <a:lstStyle/>
-          <a:p>
-            <a:pPr indent="0" lvl="0" marL="0" marR="0" rtl="0" algn="l">
-              <a:lnSpc>
-                <a:spcPct val="100000"/>
-              </a:lnSpc>
-              <a:spcBef>
-                <a:spcPts val="0"/>
-              </a:spcBef>
-              <a:spcAft>
-                <a:spcPts val="0"/>
-              </a:spcAft>
-              <a:buClr>
-                <a:srgbClr val="000000"/>
-              </a:buClr>
-              <a:buSzPts val="1400"/>
-              <a:buFont typeface="Arial"/>
-              <a:buNone/>
-            </a:pPr>
-            <a:r>
-              <a:t/>
-            </a:r>
-            <a:endParaRPr b="0" i="0" sz="1400" u="none" cap="none" strike="noStrike">
-              <a:solidFill>
-                <a:srgbClr val="000000"/>
-              </a:solidFill>
-              <a:latin typeface="Arial"/>
-              <a:ea typeface="Arial"/>
-              <a:cs typeface="Arial"/>
-              <a:sym typeface="Arial"/>
-            </a:endParaRPr>
-          </a:p>
-        </p:txBody>
-      </p:sp>
-      <p:sp>
-        <p:nvSpPr>
-          <p:cNvPr id="123" name="Google Shape;123;p9"/>
-          <p:cNvSpPr txBox="1"/>
-          <p:nvPr/>
-        </p:nvSpPr>
-        <p:spPr>
-          <a:xfrm>
-            <a:off x="1103400" y="2101825"/>
-            <a:ext cx="6937200" cy="1385400"/>
-          </a:xfrm>
-          <a:prstGeom prst="rect">
-            <a:avLst/>
-          </a:prstGeom>
-          <a:noFill/>
-          <a:ln>
-            <a:noFill/>
-          </a:ln>
-        </p:spPr>
-        <p:txBody>
-          <a:bodyPr anchorCtr="0" anchor="t" bIns="91425" lIns="91425" spcFirstLastPara="1" rIns="91425" wrap="square" tIns="91425">
-            <a:spAutoFit/>
-          </a:bodyPr>
-          <a:lstStyle/>
-          <a:p>
-            <a:pPr indent="0" lvl="0" marL="0" marR="0" rtl="0" algn="ctr">
-              <a:lnSpc>
-                <a:spcPct val="100000"/>
-              </a:lnSpc>
-              <a:spcBef>
-                <a:spcPts val="0"/>
-              </a:spcBef>
-              <a:spcAft>
-                <a:spcPts val="0"/>
-              </a:spcAft>
-              <a:buClr>
-                <a:srgbClr val="000000"/>
-              </a:buClr>
-              <a:buSzPts val="3900"/>
-              <a:buFont typeface="Arial"/>
-              <a:buNone/>
-            </a:pPr>
-            <a:r>
-              <a:rPr b="0" i="0" lang="en" sz="3900" u="none" cap="none" strike="noStrike">
-                <a:solidFill>
-                  <a:schemeClr val="dk1"/>
-                </a:solidFill>
-                <a:latin typeface="Arial"/>
-                <a:ea typeface="Arial"/>
-                <a:cs typeface="Arial"/>
-                <a:sym typeface="Arial"/>
-              </a:rPr>
-              <a:t>Assumption: MOST features are not changing</a:t>
-            </a:r>
-            <a:endParaRPr b="0" i="0" sz="3900" u="none" cap="none" strike="noStrike">
-              <a:solidFill>
-                <a:schemeClr val="dk1"/>
-              </a:solidFill>
-              <a:latin typeface="Arial"/>
-              <a:ea typeface="Arial"/>
-              <a:cs typeface="Arial"/>
-              <a:sym typeface="Arial"/>
-            </a:endParaRPr>
-          </a:p>
-        </p:txBody>
-      </p:sp>
-      <p:sp>
-        <p:nvSpPr>
-          <p:cNvPr id="124" name="Google Shape;124;p9"/>
-          <p:cNvSpPr/>
-          <p:nvPr/>
-        </p:nvSpPr>
-        <p:spPr>
-          <a:xfrm>
-            <a:off x="1182600" y="4808875"/>
-            <a:ext cx="6778800" cy="276900"/>
-          </a:xfrm>
-          <a:prstGeom prst="rect">
-            <a:avLst/>
-          </a:prstGeom>
-          <a:noFill/>
-          <a:ln>
-            <a:noFill/>
-          </a:ln>
-        </p:spPr>
-        <p:txBody>
-          <a:bodyPr anchorCtr="0" anchor="t" bIns="45700" lIns="91425" spcFirstLastPara="1" rIns="91425" wrap="square" tIns="45700">
-            <a:noAutofit/>
-          </a:bodyPr>
-          <a:lstStyle/>
-          <a:p>
-            <a:pPr indent="0" lvl="0" marL="0" marR="0" rtl="0" algn="ctr">
-              <a:lnSpc>
-                <a:spcPct val="100000"/>
-              </a:lnSpc>
-              <a:spcBef>
-                <a:spcPts val="0"/>
-              </a:spcBef>
-              <a:spcAft>
-                <a:spcPts val="0"/>
-              </a:spcAft>
-              <a:buClr>
-                <a:srgbClr val="000000"/>
-              </a:buClr>
-              <a:buSzPts val="1200"/>
-              <a:buFont typeface="Arial"/>
-              <a:buNone/>
-            </a:pPr>
-            <a:r>
-              <a:rPr b="0" i="0" lang="en" sz="1200" u="sng" cap="none" strike="noStrike">
-                <a:solidFill>
-                  <a:schemeClr val="accent1"/>
-                </a:solidFill>
-                <a:latin typeface="Arial"/>
-                <a:ea typeface="Arial"/>
-                <a:cs typeface="Arial"/>
-                <a:sym typeface="Arial"/>
-                <a:hlinkClick r:id="rId4">
-                  <a:extLst>
-                    <a:ext uri="{A12FA001-AC4F-418D-AE19-62706E023703}">
-                      <ahyp:hlinkClr val="tx"/>
-                    </a:ext>
-                  </a:extLst>
-                </a:hlinkClick>
-              </a:rPr>
-              <a:t>https://hbctraining.github.io/DGE_workshop_salmon/lessons/04_DGE_DESeq2_analysis.html</a:t>
-            </a:r>
-            <a:endParaRPr b="0" i="0" sz="1200" u="none" cap="none" strike="noStrike">
-              <a:solidFill>
-                <a:schemeClr val="accent1"/>
-              </a:solidFill>
-              <a:latin typeface="Arial"/>
-              <a:ea typeface="Arial"/>
-              <a:cs typeface="Arial"/>
-              <a:sym typeface="Arial"/>
-            </a:endParaRPr>
-          </a:p>
-          <a:p>
-            <a:pPr indent="0" lvl="0" marL="0" marR="0" rtl="0" algn="ctr">
-              <a:lnSpc>
-                <a:spcPct val="100000"/>
-              </a:lnSpc>
-              <a:spcBef>
-                <a:spcPts val="0"/>
-              </a:spcBef>
-              <a:spcAft>
-                <a:spcPts val="0"/>
-              </a:spcAft>
-              <a:buClr>
-                <a:srgbClr val="000000"/>
-              </a:buClr>
-              <a:buSzPts val="1200"/>
-              <a:buFont typeface="Arial"/>
-              <a:buNone/>
-            </a:pPr>
-            <a:r>
-              <a:t/>
-            </a:r>
-            <a:endParaRPr b="0" i="0" sz="1200" u="none" cap="none" strike="noStrike">
-              <a:solidFill>
-                <a:schemeClr val="accent1"/>
-              </a:solidFill>
-              <a:latin typeface="Arial"/>
-              <a:ea typeface="Arial"/>
-              <a:cs typeface="Arial"/>
-              <a:sym typeface="Arial"/>
-            </a:endParaRPr>
-          </a:p>
-        </p:txBody>
-      </p:sp>
-      <p:sp>
-        <p:nvSpPr>
-          <p:cNvPr id="125" name="Google Shape;125;p9"/>
-          <p:cNvSpPr txBox="1"/>
-          <p:nvPr>
-            <p:ph type="title"/>
-          </p:nvPr>
-        </p:nvSpPr>
-        <p:spPr>
-          <a:xfrm>
-            <a:off x="311700" y="445025"/>
-            <a:ext cx="8520600" cy="572700"/>
-          </a:xfrm>
-          <a:prstGeom prst="rect">
-            <a:avLst/>
-          </a:prstGeom>
-          <a:noFill/>
-          <a:ln>
-            <a:noFill/>
-          </a:ln>
-        </p:spPr>
-        <p:txBody>
-          <a:bodyPr anchorCtr="0" anchor="t" bIns="91425" lIns="91425" spcFirstLastPara="1" rIns="91425" wrap="square" tIns="91425">
-            <a:normAutofit fontScale="90000"/>
-          </a:bodyPr>
-          <a:lstStyle/>
-          <a:p>
-            <a:pPr indent="0" lvl="0" marL="0" rtl="0" algn="ctr">
-              <a:lnSpc>
-                <a:spcPct val="100000"/>
-              </a:lnSpc>
-              <a:spcBef>
-                <a:spcPts val="0"/>
-              </a:spcBef>
-              <a:spcAft>
-                <a:spcPts val="0"/>
-              </a:spcAft>
-              <a:buSzPct val="111111"/>
-              <a:buNone/>
-            </a:pPr>
-            <a:r>
-              <a:rPr lang="en"/>
-              <a:t>DESeq2 Recap</a:t>
-            </a:r>
-            <a:endParaRPr/>
           </a:p>
         </p:txBody>
       </p:sp>
